--- a/LN.pptx
+++ b/LN.pptx
@@ -5,37 +5,42 @@
     <p:sldMasterId id="2147483648" r:id="rId1"/>
   </p:sldMasterIdLst>
   <p:sldIdLst>
-    <p:sldId id="256" r:id="rId2"/>
-    <p:sldId id="258" r:id="rId3"/>
-    <p:sldId id="257" r:id="rId4"/>
-    <p:sldId id="279" r:id="rId5"/>
-    <p:sldId id="259" r:id="rId6"/>
-    <p:sldId id="260" r:id="rId7"/>
-    <p:sldId id="261" r:id="rId8"/>
-    <p:sldId id="262" r:id="rId9"/>
-    <p:sldId id="265" r:id="rId10"/>
-    <p:sldId id="266" r:id="rId11"/>
-    <p:sldId id="267" r:id="rId12"/>
-    <p:sldId id="280" r:id="rId13"/>
-    <p:sldId id="282" r:id="rId14"/>
-    <p:sldId id="263" r:id="rId15"/>
-    <p:sldId id="264" r:id="rId16"/>
-    <p:sldId id="268" r:id="rId17"/>
-    <p:sldId id="269" r:id="rId18"/>
-    <p:sldId id="270" r:id="rId19"/>
-    <p:sldId id="271" r:id="rId20"/>
-    <p:sldId id="272" r:id="rId21"/>
-    <p:sldId id="273" r:id="rId22"/>
-    <p:sldId id="275" r:id="rId23"/>
-    <p:sldId id="276" r:id="rId24"/>
-    <p:sldId id="277" r:id="rId25"/>
-    <p:sldId id="278" r:id="rId26"/>
-    <p:sldId id="281" r:id="rId27"/>
-    <p:sldId id="285" r:id="rId28"/>
-    <p:sldId id="283" r:id="rId29"/>
-    <p:sldId id="284" r:id="rId30"/>
-    <p:sldId id="286" r:id="rId31"/>
-    <p:sldId id="287" r:id="rId32"/>
+    <p:sldId id="288" r:id="rId2"/>
+    <p:sldId id="289" r:id="rId3"/>
+    <p:sldId id="290" r:id="rId4"/>
+    <p:sldId id="256" r:id="rId5"/>
+    <p:sldId id="258" r:id="rId6"/>
+    <p:sldId id="257" r:id="rId7"/>
+    <p:sldId id="279" r:id="rId8"/>
+    <p:sldId id="259" r:id="rId9"/>
+    <p:sldId id="260" r:id="rId10"/>
+    <p:sldId id="261" r:id="rId11"/>
+    <p:sldId id="262" r:id="rId12"/>
+    <p:sldId id="265" r:id="rId13"/>
+    <p:sldId id="266" r:id="rId14"/>
+    <p:sldId id="267" r:id="rId15"/>
+    <p:sldId id="280" r:id="rId16"/>
+    <p:sldId id="282" r:id="rId17"/>
+    <p:sldId id="263" r:id="rId18"/>
+    <p:sldId id="264" r:id="rId19"/>
+    <p:sldId id="268" r:id="rId20"/>
+    <p:sldId id="269" r:id="rId21"/>
+    <p:sldId id="270" r:id="rId22"/>
+    <p:sldId id="271" r:id="rId23"/>
+    <p:sldId id="272" r:id="rId24"/>
+    <p:sldId id="273" r:id="rId25"/>
+    <p:sldId id="275" r:id="rId26"/>
+    <p:sldId id="276" r:id="rId27"/>
+    <p:sldId id="277" r:id="rId28"/>
+    <p:sldId id="278" r:id="rId29"/>
+    <p:sldId id="281" r:id="rId30"/>
+    <p:sldId id="285" r:id="rId31"/>
+    <p:sldId id="283" r:id="rId32"/>
+    <p:sldId id="284" r:id="rId33"/>
+    <p:sldId id="286" r:id="rId34"/>
+    <p:sldId id="287" r:id="rId35"/>
+    <p:sldId id="291" r:id="rId36"/>
+    <p:sldId id="292" r:id="rId37"/>
   </p:sldIdLst>
   <p:sldSz cx="12192000" cy="6858000"/>
   <p:notesSz cx="6858000" cy="9144000"/>
@@ -289,7 +294,7 @@
           <a:p>
             <a:fld id="{7A3DE233-11DC-485D-989D-2718DC0054F0}" type="datetimeFigureOut">
               <a:rPr lang="it-IT" smtClean="0"/>
-              <a:t>08/11/2021</a:t>
+              <a:t>14/11/2021</a:t>
             </a:fld>
             <a:endParaRPr lang="it-IT"/>
           </a:p>
@@ -487,7 +492,7 @@
           <a:p>
             <a:fld id="{7A3DE233-11DC-485D-989D-2718DC0054F0}" type="datetimeFigureOut">
               <a:rPr lang="it-IT" smtClean="0"/>
-              <a:t>08/11/2021</a:t>
+              <a:t>14/11/2021</a:t>
             </a:fld>
             <a:endParaRPr lang="it-IT"/>
           </a:p>
@@ -695,7 +700,7 @@
           <a:p>
             <a:fld id="{7A3DE233-11DC-485D-989D-2718DC0054F0}" type="datetimeFigureOut">
               <a:rPr lang="it-IT" smtClean="0"/>
-              <a:t>08/11/2021</a:t>
+              <a:t>14/11/2021</a:t>
             </a:fld>
             <a:endParaRPr lang="it-IT"/>
           </a:p>
@@ -893,7 +898,7 @@
           <a:p>
             <a:fld id="{7A3DE233-11DC-485D-989D-2718DC0054F0}" type="datetimeFigureOut">
               <a:rPr lang="it-IT" smtClean="0"/>
-              <a:t>08/11/2021</a:t>
+              <a:t>14/11/2021</a:t>
             </a:fld>
             <a:endParaRPr lang="it-IT"/>
           </a:p>
@@ -1168,7 +1173,7 @@
           <a:p>
             <a:fld id="{7A3DE233-11DC-485D-989D-2718DC0054F0}" type="datetimeFigureOut">
               <a:rPr lang="it-IT" smtClean="0"/>
-              <a:t>08/11/2021</a:t>
+              <a:t>14/11/2021</a:t>
             </a:fld>
             <a:endParaRPr lang="it-IT"/>
           </a:p>
@@ -1433,7 +1438,7 @@
           <a:p>
             <a:fld id="{7A3DE233-11DC-485D-989D-2718DC0054F0}" type="datetimeFigureOut">
               <a:rPr lang="it-IT" smtClean="0"/>
-              <a:t>08/11/2021</a:t>
+              <a:t>14/11/2021</a:t>
             </a:fld>
             <a:endParaRPr lang="it-IT"/>
           </a:p>
@@ -1845,7 +1850,7 @@
           <a:p>
             <a:fld id="{7A3DE233-11DC-485D-989D-2718DC0054F0}" type="datetimeFigureOut">
               <a:rPr lang="it-IT" smtClean="0"/>
-              <a:t>08/11/2021</a:t>
+              <a:t>14/11/2021</a:t>
             </a:fld>
             <a:endParaRPr lang="it-IT"/>
           </a:p>
@@ -1986,7 +1991,7 @@
           <a:p>
             <a:fld id="{7A3DE233-11DC-485D-989D-2718DC0054F0}" type="datetimeFigureOut">
               <a:rPr lang="it-IT" smtClean="0"/>
-              <a:t>08/11/2021</a:t>
+              <a:t>14/11/2021</a:t>
             </a:fld>
             <a:endParaRPr lang="it-IT"/>
           </a:p>
@@ -2099,7 +2104,7 @@
           <a:p>
             <a:fld id="{7A3DE233-11DC-485D-989D-2718DC0054F0}" type="datetimeFigureOut">
               <a:rPr lang="it-IT" smtClean="0"/>
-              <a:t>08/11/2021</a:t>
+              <a:t>14/11/2021</a:t>
             </a:fld>
             <a:endParaRPr lang="it-IT"/>
           </a:p>
@@ -2410,7 +2415,7 @@
           <a:p>
             <a:fld id="{7A3DE233-11DC-485D-989D-2718DC0054F0}" type="datetimeFigureOut">
               <a:rPr lang="it-IT" smtClean="0"/>
-              <a:t>08/11/2021</a:t>
+              <a:t>14/11/2021</a:t>
             </a:fld>
             <a:endParaRPr lang="it-IT"/>
           </a:p>
@@ -2698,7 +2703,7 @@
           <a:p>
             <a:fld id="{7A3DE233-11DC-485D-989D-2718DC0054F0}" type="datetimeFigureOut">
               <a:rPr lang="it-IT" smtClean="0"/>
-              <a:t>08/11/2021</a:t>
+              <a:t>14/11/2021</a:t>
             </a:fld>
             <a:endParaRPr lang="it-IT"/>
           </a:p>
@@ -2939,7 +2944,7 @@
           <a:p>
             <a:fld id="{7A3DE233-11DC-485D-989D-2718DC0054F0}" type="datetimeFigureOut">
               <a:rPr lang="it-IT" smtClean="0"/>
-              <a:t>08/11/2021</a:t>
+              <a:t>14/11/2021</a:t>
             </a:fld>
             <a:endParaRPr lang="it-IT"/>
           </a:p>
@@ -3356,47 +3361,12 @@
           <a:chExt cx="0" cy="0"/>
         </a:xfrm>
       </p:grpSpPr>
-      <p:pic>
-        <p:nvPicPr>
-          <p:cNvPr id="9" name="Immagine 8" descr="Immagine che contiene testo, screenshot, monitor, elettronico&#10;&#10;Descrizione generata automaticamente">
-            <a:extLst>
-              <a:ext uri="{FF2B5EF4-FFF2-40B4-BE49-F238E27FC236}">
-                <a16:creationId xmlns:a16="http://schemas.microsoft.com/office/drawing/2014/main" id="{70BCABF8-D4B2-4481-9F54-4EFC99D01926}"/>
-              </a:ext>
-            </a:extLst>
-          </p:cNvPr>
-          <p:cNvPicPr>
-            <a:picLocks noChangeAspect="1"/>
-          </p:cNvPicPr>
-          <p:nvPr/>
-        </p:nvPicPr>
-        <p:blipFill rotWithShape="1">
-          <a:blip r:embed="rId2">
-            <a:extLst>
-              <a:ext uri="{28A0092B-C50C-407E-A947-70E740481C1C}">
-                <a14:useLocalDpi xmlns:a14="http://schemas.microsoft.com/office/drawing/2010/main" val="0"/>
-              </a:ext>
-            </a:extLst>
-          </a:blip>
-          <a:srcRect l="34941" t="28387" r="22580" b="20216"/>
-          <a:stretch/>
-        </p:blipFill>
-        <p:spPr>
-          <a:xfrm>
-            <a:off x="294969" y="841949"/>
-            <a:ext cx="7602122" cy="5174101"/>
-          </a:xfrm>
-          <a:prstGeom prst="rect">
-            <a:avLst/>
-          </a:prstGeom>
-        </p:spPr>
-      </p:pic>
-      <p:sp>
-        <p:nvSpPr>
-          <p:cNvPr id="10" name="Titolo 9">
-            <a:extLst>
-              <a:ext uri="{FF2B5EF4-FFF2-40B4-BE49-F238E27FC236}">
-                <a16:creationId xmlns:a16="http://schemas.microsoft.com/office/drawing/2014/main" id="{0B9B16B6-9BAB-49F3-A0C9-A3AF170EF277}"/>
+      <p:sp>
+        <p:nvSpPr>
+          <p:cNvPr id="4" name="Titolo 3">
+            <a:extLst>
+              <a:ext uri="{FF2B5EF4-FFF2-40B4-BE49-F238E27FC236}">
+                <a16:creationId xmlns:a16="http://schemas.microsoft.com/office/drawing/2014/main" id="{0ADF4531-BEA1-4C0B-9BF1-D50F95FC5B85}"/>
               </a:ext>
             </a:extLst>
           </p:cNvPr>
@@ -3409,49 +3379,8 @@
         </p:nvSpPr>
         <p:spPr>
           <a:xfrm>
-            <a:off x="162234" y="85327"/>
-            <a:ext cx="10515600" cy="813876"/>
-          </a:xfrm>
-        </p:spPr>
-        <p:txBody>
-          <a:bodyPr>
-            <a:normAutofit fontScale="90000"/>
-          </a:bodyPr>
-          <a:lstStyle/>
-          <a:p>
-            <a:r>
-              <a:rPr lang="it-IT" b="1" i="1" dirty="0">
-                <a:solidFill>
-                  <a:schemeClr val="accent6">
-                    <a:lumMod val="75000"/>
-                  </a:schemeClr>
-                </a:solidFill>
-              </a:rPr>
-              <a:t>CANALI</a:t>
-            </a:r>
-          </a:p>
-        </p:txBody>
-      </p:sp>
-      <p:sp>
-        <p:nvSpPr>
-          <p:cNvPr id="11" name="Segnaposto testo 10">
-            <a:extLst>
-              <a:ext uri="{FF2B5EF4-FFF2-40B4-BE49-F238E27FC236}">
-                <a16:creationId xmlns:a16="http://schemas.microsoft.com/office/drawing/2014/main" id="{DEF2E0B0-6FE0-4658-99F2-295E216A26C1}"/>
-              </a:ext>
-            </a:extLst>
-          </p:cNvPr>
-          <p:cNvSpPr>
-            <a:spLocks noGrp="1"/>
-          </p:cNvSpPr>
-          <p:nvPr>
-            <p:ph type="body" idx="1"/>
-          </p:nvPr>
-        </p:nvSpPr>
-        <p:spPr>
-          <a:xfrm>
-            <a:off x="8029826" y="1454728"/>
-            <a:ext cx="4044632" cy="4364182"/>
+            <a:off x="216763" y="77355"/>
+            <a:ext cx="8891726" cy="648070"/>
           </a:xfrm>
         </p:spPr>
         <p:txBody>
@@ -3461,147 +3390,383 @@
           <a:lstStyle/>
           <a:p>
             <a:r>
-              <a:rPr lang="it-IT" dirty="0">
-                <a:solidFill>
-                  <a:schemeClr val="tx1">
-                    <a:lumMod val="95000"/>
-                    <a:lumOff val="5000"/>
-                  </a:schemeClr>
-                </a:solidFill>
-              </a:rPr>
-              <a:t>Ogni canale presente nel dataset, oltre ad essere caratterizzato da </a:t>
-            </a:r>
-          </a:p>
-          <a:p>
-            <a:pPr marL="342900" indent="-342900">
-              <a:buFont typeface="Arial" panose="020B0604020202020204" pitchFamily="34" charset="0"/>
-              <a:buChar char="•"/>
-            </a:pPr>
-            <a:r>
-              <a:rPr lang="it-IT" dirty="0" err="1">
-                <a:solidFill>
-                  <a:schemeClr val="tx1">
-                    <a:lumMod val="95000"/>
-                    <a:lumOff val="5000"/>
-                  </a:schemeClr>
-                </a:solidFill>
-              </a:rPr>
-              <a:t>channel_id</a:t>
-            </a:r>
-            <a:r>
-              <a:rPr lang="it-IT" dirty="0">
-                <a:solidFill>
-                  <a:schemeClr val="tx1">
-                    <a:lumMod val="95000"/>
-                    <a:lumOff val="5000"/>
-                  </a:schemeClr>
-                </a:solidFill>
-              </a:rPr>
-              <a:t> (univoco)</a:t>
-            </a:r>
-          </a:p>
-          <a:p>
-            <a:pPr marL="342900" indent="-342900">
-              <a:buFont typeface="Arial" panose="020B0604020202020204" pitchFamily="34" charset="0"/>
-              <a:buChar char="•"/>
-            </a:pPr>
-            <a:r>
-              <a:rPr lang="it-IT" dirty="0">
-                <a:solidFill>
-                  <a:schemeClr val="tx1">
-                    <a:lumMod val="95000"/>
-                    <a:lumOff val="5000"/>
-                  </a:schemeClr>
-                </a:solidFill>
-              </a:rPr>
-              <a:t> nodi che si trovano alle sue estremità </a:t>
-            </a:r>
-          </a:p>
-          <a:p>
-            <a:pPr marL="342900" indent="-342900">
-              <a:buFont typeface="Arial" panose="020B0604020202020204" pitchFamily="34" charset="0"/>
-              <a:buChar char="•"/>
-            </a:pPr>
-            <a:r>
-              <a:rPr lang="it-IT" dirty="0">
-                <a:solidFill>
-                  <a:schemeClr val="tx1">
-                    <a:lumMod val="95000"/>
-                    <a:lumOff val="5000"/>
-                  </a:schemeClr>
-                </a:solidFill>
-              </a:rPr>
-              <a:t>capacità</a:t>
-            </a:r>
-          </a:p>
-          <a:p>
-            <a:r>
-              <a:rPr lang="it-IT" dirty="0">
-                <a:solidFill>
-                  <a:schemeClr val="tx1">
-                    <a:lumMod val="95000"/>
-                    <a:lumOff val="5000"/>
-                  </a:schemeClr>
-                </a:solidFill>
-              </a:rPr>
-              <a:t>è caratterizzato anche da due</a:t>
-            </a:r>
-          </a:p>
-          <a:p>
-            <a:pPr marL="342900" indent="-342900">
-              <a:buFont typeface="Arial" panose="020B0604020202020204" pitchFamily="34" charset="0"/>
-              <a:buChar char="•"/>
-            </a:pPr>
-            <a:r>
-              <a:rPr lang="it-IT" dirty="0">
-                <a:solidFill>
-                  <a:schemeClr val="tx1">
-                    <a:lumMod val="95000"/>
-                    <a:lumOff val="5000"/>
-                  </a:schemeClr>
-                </a:solidFill>
-              </a:rPr>
-              <a:t>POLICY DI ROUTING</a:t>
-            </a:r>
-          </a:p>
-        </p:txBody>
-      </p:sp>
-      <p:sp>
-        <p:nvSpPr>
-          <p:cNvPr id="12" name="CasellaDiTesto 11">
-            <a:extLst>
-              <a:ext uri="{FF2B5EF4-FFF2-40B4-BE49-F238E27FC236}">
-                <a16:creationId xmlns:a16="http://schemas.microsoft.com/office/drawing/2014/main" id="{998FB72C-B200-4C2E-8CC3-3E16DAD90559}"/>
-              </a:ext>
-            </a:extLst>
-          </p:cNvPr>
-          <p:cNvSpPr txBox="1"/>
-          <p:nvPr/>
+              <a:rPr lang="it-IT" sz="3800" b="1" i="1" dirty="0">
+                <a:solidFill>
+                  <a:srgbClr val="0070C0"/>
+                </a:solidFill>
+              </a:rPr>
+              <a:t>SU UN SINGOLO DATASET (01-05-21):</a:t>
+            </a:r>
+          </a:p>
+        </p:txBody>
+      </p:sp>
+      <p:sp>
+        <p:nvSpPr>
+          <p:cNvPr id="5" name="Segnaposto contenuto 4">
+            <a:extLst>
+              <a:ext uri="{FF2B5EF4-FFF2-40B4-BE49-F238E27FC236}">
+                <a16:creationId xmlns:a16="http://schemas.microsoft.com/office/drawing/2014/main" id="{8038EA01-1779-45B2-9C65-CDA68C59C0C2}"/>
+              </a:ext>
+            </a:extLst>
+          </p:cNvPr>
+          <p:cNvSpPr>
+            <a:spLocks noGrp="1"/>
+          </p:cNvSpPr>
+          <p:nvPr>
+            <p:ph idx="1"/>
+          </p:nvPr>
         </p:nvSpPr>
         <p:spPr>
           <a:xfrm>
-            <a:off x="294969" y="6016050"/>
-            <a:ext cx="6356554" cy="369332"/>
+            <a:off x="349928" y="1013950"/>
+            <a:ext cx="11705948" cy="5582159"/>
           </a:xfrm>
-          <a:prstGeom prst="rect">
-            <a:avLst/>
-          </a:prstGeom>
-          <a:noFill/>
         </p:spPr>
         <p:txBody>
-          <a:bodyPr wrap="square" rtlCol="0">
-            <a:spAutoFit/>
+          <a:bodyPr>
+            <a:normAutofit/>
           </a:bodyPr>
           <a:lstStyle/>
           <a:p>
-            <a:r>
-              <a:rPr lang="it-IT" dirty="0"/>
-              <a:t>Informazioni su un canale nel file .</a:t>
-            </a:r>
-            <a:r>
-              <a:rPr lang="it-IT" dirty="0" err="1"/>
-              <a:t>json</a:t>
-            </a:r>
+            <a:pPr>
+              <a:buFont typeface="Wingdings" panose="05000000000000000000" pitchFamily="2" charset="2"/>
+              <a:buChar char="§"/>
+            </a:pPr>
+            <a:r>
+              <a:rPr lang="it-IT" sz="2500" dirty="0"/>
+              <a:t>Costruzione grafo e visualizzazione con </a:t>
+            </a:r>
+            <a:r>
+              <a:rPr lang="it-IT" sz="2500" dirty="0" err="1"/>
+              <a:t>Graphia</a:t>
+            </a:r>
+            <a:endParaRPr lang="it-IT" sz="2500" dirty="0"/>
+          </a:p>
+          <a:p>
+            <a:pPr>
+              <a:buFont typeface="Wingdings" panose="05000000000000000000" pitchFamily="2" charset="2"/>
+              <a:buChar char="§"/>
+            </a:pPr>
+            <a:r>
+              <a:rPr lang="it-IT" sz="2500" i="1" dirty="0"/>
+              <a:t>Studio delle </a:t>
+            </a:r>
+            <a:r>
+              <a:rPr lang="it-IT" sz="2500" i="1" dirty="0" err="1"/>
+              <a:t>fee</a:t>
+            </a:r>
+            <a:r>
+              <a:rPr lang="it-IT" sz="2500" i="1" dirty="0"/>
+              <a:t> applicate da ogni nodo della rete sui propri canali</a:t>
+            </a:r>
+            <a:r>
+              <a:rPr lang="it-IT" sz="2500" dirty="0"/>
+              <a:t>: calcolo delle distribuzioni dei valori di </a:t>
+            </a:r>
+            <a:r>
+              <a:rPr lang="it-IT" sz="2500" i="1" dirty="0" err="1">
+                <a:effectLst>
+                  <a:outerShdw blurRad="38100" dist="38100" dir="2700000" algn="tl">
+                    <a:srgbClr val="000000">
+                      <a:alpha val="43137"/>
+                    </a:srgbClr>
+                  </a:outerShdw>
+                </a:effectLst>
+              </a:rPr>
+              <a:t>min_htlc</a:t>
+            </a:r>
+            <a:r>
+              <a:rPr lang="it-IT" sz="2500" dirty="0">
+                <a:effectLst>
+                  <a:outerShdw blurRad="38100" dist="38100" dir="2700000" algn="tl">
+                    <a:srgbClr val="000000">
+                      <a:alpha val="43137"/>
+                    </a:srgbClr>
+                  </a:outerShdw>
+                </a:effectLst>
+              </a:rPr>
+              <a:t>, </a:t>
+            </a:r>
+            <a:r>
+              <a:rPr lang="it-IT" sz="2500" i="1" dirty="0" err="1">
+                <a:effectLst>
+                  <a:outerShdw blurRad="38100" dist="38100" dir="2700000" algn="tl">
+                    <a:srgbClr val="000000">
+                      <a:alpha val="43137"/>
+                    </a:srgbClr>
+                  </a:outerShdw>
+                </a:effectLst>
+              </a:rPr>
+              <a:t>fee_base</a:t>
+            </a:r>
+            <a:r>
+              <a:rPr lang="it-IT" sz="2500" i="1" dirty="0">
+                <a:effectLst>
+                  <a:outerShdw blurRad="38100" dist="38100" dir="2700000" algn="tl">
+                    <a:srgbClr val="000000">
+                      <a:alpha val="43137"/>
+                    </a:srgbClr>
+                  </a:outerShdw>
+                </a:effectLst>
+              </a:rPr>
+              <a:t> </a:t>
+            </a:r>
+            <a:r>
+              <a:rPr lang="it-IT" sz="2500" dirty="0"/>
+              <a:t>e </a:t>
+            </a:r>
+            <a:r>
+              <a:rPr lang="it-IT" sz="2500" i="1" dirty="0" err="1">
+                <a:effectLst>
+                  <a:outerShdw blurRad="38100" dist="38100" dir="2700000" algn="tl">
+                    <a:srgbClr val="000000">
+                      <a:alpha val="43137"/>
+                    </a:srgbClr>
+                  </a:outerShdw>
+                </a:effectLst>
+              </a:rPr>
+              <a:t>fee_rate</a:t>
+            </a:r>
+            <a:r>
+              <a:rPr lang="it-IT" sz="2500" i="1" dirty="0">
+                <a:effectLst>
+                  <a:outerShdw blurRad="38100" dist="38100" dir="2700000" algn="tl">
+                    <a:srgbClr val="000000">
+                      <a:alpha val="43137"/>
+                    </a:srgbClr>
+                  </a:outerShdw>
+                </a:effectLst>
+              </a:rPr>
+              <a:t> </a:t>
+            </a:r>
+            <a:r>
+              <a:rPr lang="it-IT" sz="2500" dirty="0"/>
+              <a:t>(considerando ogni canale della rete)</a:t>
+            </a:r>
+          </a:p>
+          <a:p>
+            <a:pPr>
+              <a:buFont typeface="Wingdings" panose="05000000000000000000" pitchFamily="2" charset="2"/>
+              <a:buChar char="§"/>
+            </a:pPr>
+            <a:r>
+              <a:rPr lang="it-IT" sz="2500" i="1" dirty="0">
+                <a:effectLst>
+                  <a:outerShdw blurRad="38100" dist="38100" dir="2700000" algn="tl">
+                    <a:srgbClr val="000000">
+                      <a:alpha val="43137"/>
+                    </a:srgbClr>
+                  </a:outerShdw>
+                </a:effectLst>
+              </a:rPr>
+              <a:t>Nodi aggregatori:</a:t>
+            </a:r>
+          </a:p>
+          <a:p>
+            <a:pPr lvl="1"/>
+            <a:r>
+              <a:rPr lang="it-IT" sz="2500" dirty="0"/>
+              <a:t>ricerca dei nodi aggregatori</a:t>
+            </a:r>
+          </a:p>
+          <a:p>
+            <a:pPr lvl="1"/>
+            <a:r>
+              <a:rPr lang="it-IT" sz="2500" i="1" dirty="0"/>
+              <a:t>studio delle </a:t>
+            </a:r>
+            <a:r>
+              <a:rPr lang="it-IT" sz="2500" i="1" dirty="0" err="1"/>
+              <a:t>fee</a:t>
+            </a:r>
+            <a:r>
+              <a:rPr lang="it-IT" sz="2500" i="1" dirty="0"/>
+              <a:t> applicate da questi sui propri canali</a:t>
+            </a:r>
+            <a:r>
+              <a:rPr lang="it-IT" sz="2500" dirty="0"/>
+              <a:t>: calcolo delle distribuzioni dei valori di </a:t>
+            </a:r>
+            <a:r>
+              <a:rPr lang="it-IT" sz="2500" i="1" dirty="0" err="1"/>
+              <a:t>min_htlc</a:t>
+            </a:r>
+            <a:r>
+              <a:rPr lang="it-IT" sz="2500" dirty="0"/>
+              <a:t>, </a:t>
+            </a:r>
+            <a:r>
+              <a:rPr lang="it-IT" sz="2500" i="1" dirty="0" err="1"/>
+              <a:t>fee_base</a:t>
+            </a:r>
+            <a:r>
+              <a:rPr lang="it-IT" sz="2500" i="1" dirty="0"/>
+              <a:t> </a:t>
+            </a:r>
+            <a:r>
+              <a:rPr lang="it-IT" sz="2500" dirty="0"/>
+              <a:t>e </a:t>
+            </a:r>
+            <a:r>
+              <a:rPr lang="it-IT" sz="2500" i="1" dirty="0" err="1"/>
+              <a:t>fee_rate</a:t>
+            </a:r>
+            <a:r>
+              <a:rPr lang="it-IT" sz="2500" i="1" dirty="0"/>
+              <a:t> </a:t>
+            </a:r>
+            <a:r>
+              <a:rPr lang="it-IT" sz="2500" dirty="0"/>
+              <a:t>considerando solo i canali uscenti dai nodi aggregatori</a:t>
+            </a:r>
+          </a:p>
+          <a:p>
+            <a:pPr>
+              <a:buFont typeface="Wingdings" panose="05000000000000000000" pitchFamily="2" charset="2"/>
+              <a:buChar char="§"/>
+            </a:pPr>
+            <a:r>
+              <a:rPr lang="it-IT" sz="2500" i="1" dirty="0">
+                <a:effectLst>
+                  <a:outerShdw blurRad="38100" dist="38100" dir="2700000" algn="tl">
+                    <a:srgbClr val="000000">
+                      <a:alpha val="43137"/>
+                    </a:srgbClr>
+                  </a:outerShdw>
+                </a:effectLst>
+              </a:rPr>
+              <a:t>Campo</a:t>
+            </a:r>
+            <a:r>
+              <a:rPr lang="it-IT" sz="2500" dirty="0"/>
+              <a:t> </a:t>
+            </a:r>
+            <a:r>
+              <a:rPr lang="it-IT" sz="2500" i="1" dirty="0">
+                <a:effectLst>
+                  <a:outerShdw blurRad="38100" dist="38100" dir="2700000" algn="tl">
+                    <a:srgbClr val="000000">
+                      <a:alpha val="43137"/>
+                    </a:srgbClr>
+                  </a:outerShdw>
+                </a:effectLst>
+              </a:rPr>
+              <a:t>‘</a:t>
+            </a:r>
+            <a:r>
+              <a:rPr lang="it-IT" sz="2500" i="1" dirty="0" err="1">
+                <a:effectLst>
+                  <a:outerShdw blurRad="38100" dist="38100" dir="2700000" algn="tl">
+                    <a:srgbClr val="000000">
+                      <a:alpha val="43137"/>
+                    </a:srgbClr>
+                  </a:outerShdw>
+                </a:effectLst>
+              </a:rPr>
+              <a:t>disabled</a:t>
+            </a:r>
+            <a:r>
+              <a:rPr lang="it-IT" sz="2500" i="1" dirty="0">
+                <a:effectLst>
+                  <a:outerShdw blurRad="38100" dist="38100" dir="2700000" algn="tl">
+                    <a:srgbClr val="000000">
+                      <a:alpha val="43137"/>
+                    </a:srgbClr>
+                  </a:outerShdw>
+                </a:effectLst>
+              </a:rPr>
+              <a:t>’</a:t>
+            </a:r>
+            <a:r>
+              <a:rPr lang="it-IT" sz="2500" dirty="0"/>
+              <a:t>: </a:t>
+            </a:r>
+          </a:p>
+          <a:p>
+            <a:pPr lvl="1"/>
+            <a:r>
+              <a:rPr lang="it-IT" sz="2500" dirty="0"/>
+              <a:t>analisi delle </a:t>
+            </a:r>
+            <a:r>
+              <a:rPr lang="it-IT" sz="2500" dirty="0" err="1"/>
+              <a:t>fee</a:t>
+            </a:r>
+            <a:r>
+              <a:rPr lang="it-IT" sz="2500" dirty="0"/>
+              <a:t> applicate sui canali su cui è consentito instradare pagamenti in una sola direzione: calcolo delle distribuzioni dei valori di </a:t>
+            </a:r>
+            <a:r>
+              <a:rPr lang="it-IT" sz="2500" i="1" dirty="0" err="1"/>
+              <a:t>min_htlc</a:t>
+            </a:r>
+            <a:r>
+              <a:rPr lang="it-IT" sz="2500" dirty="0"/>
+              <a:t>, </a:t>
+            </a:r>
+            <a:r>
+              <a:rPr lang="it-IT" sz="2500" i="1" dirty="0" err="1"/>
+              <a:t>fee_base</a:t>
+            </a:r>
+            <a:r>
+              <a:rPr lang="it-IT" sz="2500" i="1" dirty="0"/>
+              <a:t> </a:t>
+            </a:r>
+            <a:r>
+              <a:rPr lang="it-IT" sz="2500" dirty="0"/>
+              <a:t>e </a:t>
+            </a:r>
+            <a:r>
+              <a:rPr lang="it-IT" sz="2500" i="1" dirty="0" err="1"/>
+              <a:t>fee_rate</a:t>
+            </a:r>
+            <a:r>
+              <a:rPr lang="it-IT" sz="2500" i="1" dirty="0"/>
+              <a:t> </a:t>
+            </a:r>
+            <a:r>
+              <a:rPr lang="it-IT" sz="2500" dirty="0"/>
+              <a:t>considerando solo le </a:t>
+            </a:r>
+            <a:r>
+              <a:rPr lang="it-IT" sz="2500" dirty="0" err="1"/>
+              <a:t>fee</a:t>
+            </a:r>
+            <a:r>
+              <a:rPr lang="it-IT" sz="2500" dirty="0"/>
+              <a:t> applicate dal nodo che consente il </a:t>
+            </a:r>
+            <a:r>
+              <a:rPr lang="it-IT" sz="2500" dirty="0" err="1"/>
+              <a:t>routing</a:t>
+            </a:r>
+            <a:r>
+              <a:rPr lang="it-IT" sz="2500" dirty="0"/>
+              <a:t> sul canale</a:t>
+            </a:r>
+          </a:p>
+          <a:p>
+            <a:pPr marL="457200" lvl="1" indent="0">
+              <a:buNone/>
+            </a:pPr>
+            <a:endParaRPr lang="it-IT" sz="2500" dirty="0"/>
+          </a:p>
+          <a:p>
+            <a:pPr marL="0" indent="0">
+              <a:buNone/>
+            </a:pPr>
+            <a:endParaRPr lang="it-IT" dirty="0"/>
+          </a:p>
+          <a:p>
+            <a:endParaRPr lang="it-IT" i="1" dirty="0"/>
+          </a:p>
+          <a:p>
+            <a:endParaRPr lang="it-IT" dirty="0"/>
+          </a:p>
+          <a:p>
+            <a:endParaRPr lang="it-IT" i="1" dirty="0"/>
+          </a:p>
+          <a:p>
             <a:endParaRPr lang="it-IT" dirty="0"/>
           </a:p>
         </p:txBody>
@@ -3609,7 +3774,7 @@
     </p:spTree>
     <p:extLst>
       <p:ext uri="{BB962C8B-B14F-4D97-AF65-F5344CB8AC3E}">
-        <p14:creationId xmlns:p14="http://schemas.microsoft.com/office/powerpoint/2010/main" val="811432091"/>
+        <p14:creationId xmlns:p14="http://schemas.microsoft.com/office/powerpoint/2010/main" val="1346276961"/>
       </p:ext>
     </p:extLst>
   </p:cSld>
@@ -3641,6 +3806,861 @@
           <p:cNvPr id="2" name="Titolo 1">
             <a:extLst>
               <a:ext uri="{FF2B5EF4-FFF2-40B4-BE49-F238E27FC236}">
+                <a16:creationId xmlns:a16="http://schemas.microsoft.com/office/drawing/2014/main" id="{476163D9-0CA2-444C-A5DB-9E6A3A87A92B}"/>
+              </a:ext>
+            </a:extLst>
+          </p:cNvPr>
+          <p:cNvSpPr>
+            <a:spLocks noGrp="1"/>
+          </p:cNvSpPr>
+          <p:nvPr>
+            <p:ph type="title"/>
+          </p:nvPr>
+        </p:nvSpPr>
+        <p:spPr>
+          <a:xfrm>
+            <a:off x="348006" y="346385"/>
+            <a:ext cx="6976621" cy="669304"/>
+          </a:xfrm>
+        </p:spPr>
+        <p:txBody>
+          <a:bodyPr>
+            <a:normAutofit fontScale="90000"/>
+          </a:bodyPr>
+          <a:lstStyle/>
+          <a:p>
+            <a:r>
+              <a:rPr lang="it-IT" sz="3800" b="1" i="1" dirty="0">
+                <a:solidFill>
+                  <a:schemeClr val="accent6">
+                    <a:lumMod val="75000"/>
+                  </a:schemeClr>
+                </a:solidFill>
+              </a:rPr>
+              <a:t>DISTRIBUZIONE DEI VALORI DI FEEBASE</a:t>
+            </a:r>
+            <a:br>
+              <a:rPr lang="it-IT" sz="3400" dirty="0"/>
+            </a:br>
+            <a:endParaRPr lang="it-IT" sz="3400" dirty="0"/>
+          </a:p>
+        </p:txBody>
+      </p:sp>
+      <p:pic>
+        <p:nvPicPr>
+          <p:cNvPr id="6" name="Immagine 5">
+            <a:extLst>
+              <a:ext uri="{FF2B5EF4-FFF2-40B4-BE49-F238E27FC236}">
+                <a16:creationId xmlns:a16="http://schemas.microsoft.com/office/drawing/2014/main" id="{5531FF90-73F9-4034-9D3D-28DF5378F85F}"/>
+              </a:ext>
+            </a:extLst>
+          </p:cNvPr>
+          <p:cNvPicPr>
+            <a:picLocks noChangeAspect="1"/>
+          </p:cNvPicPr>
+          <p:nvPr/>
+        </p:nvPicPr>
+        <p:blipFill>
+          <a:blip r:embed="rId2">
+            <a:extLst>
+              <a:ext uri="{28A0092B-C50C-407E-A947-70E740481C1C}">
+                <a14:useLocalDpi xmlns:a14="http://schemas.microsoft.com/office/drawing/2010/main" val="0"/>
+              </a:ext>
+            </a:extLst>
+          </a:blip>
+          <a:stretch>
+            <a:fillRect/>
+          </a:stretch>
+        </p:blipFill>
+        <p:spPr>
+          <a:xfrm>
+            <a:off x="1067543" y="681038"/>
+            <a:ext cx="10206128" cy="4710521"/>
+          </a:xfrm>
+          <a:prstGeom prst="rect">
+            <a:avLst/>
+          </a:prstGeom>
+        </p:spPr>
+      </p:pic>
+      <p:sp>
+        <p:nvSpPr>
+          <p:cNvPr id="5" name="Segnaposto contenuto 2">
+            <a:extLst>
+              <a:ext uri="{FF2B5EF4-FFF2-40B4-BE49-F238E27FC236}">
+                <a16:creationId xmlns:a16="http://schemas.microsoft.com/office/drawing/2014/main" id="{BD806E16-FAF5-45F3-AA3A-5F593E7DBCDC}"/>
+              </a:ext>
+            </a:extLst>
+          </p:cNvPr>
+          <p:cNvSpPr txBox="1">
+            <a:spLocks/>
+          </p:cNvSpPr>
+          <p:nvPr/>
+        </p:nvSpPr>
+        <p:spPr>
+          <a:xfrm>
+            <a:off x="736158" y="5726212"/>
+            <a:ext cx="11009243" cy="640516"/>
+          </a:xfrm>
+          <a:prstGeom prst="rect">
+            <a:avLst/>
+          </a:prstGeom>
+        </p:spPr>
+        <p:txBody>
+          <a:bodyPr vert="horz" lIns="91440" tIns="45720" rIns="91440" bIns="45720" rtlCol="0">
+            <a:normAutofit/>
+          </a:bodyPr>
+          <a:lstStyle>
+            <a:lvl1pPr marL="228600" indent="-228600" algn="l" defTabSz="914400" rtl="0" eaLnBrk="1" latinLnBrk="0" hangingPunct="1">
+              <a:lnSpc>
+                <a:spcPct val="90000"/>
+              </a:lnSpc>
+              <a:spcBef>
+                <a:spcPts val="1000"/>
+              </a:spcBef>
+              <a:buFont typeface="Arial" panose="020B0604020202020204" pitchFamily="34" charset="0"/>
+              <a:buChar char="•"/>
+              <a:defRPr sz="2800" kern="1200">
+                <a:solidFill>
+                  <a:schemeClr val="tx1"/>
+                </a:solidFill>
+                <a:latin typeface="+mn-lt"/>
+                <a:ea typeface="+mn-ea"/>
+                <a:cs typeface="+mn-cs"/>
+              </a:defRPr>
+            </a:lvl1pPr>
+            <a:lvl2pPr marL="685800" indent="-228600" algn="l" defTabSz="914400" rtl="0" eaLnBrk="1" latinLnBrk="0" hangingPunct="1">
+              <a:lnSpc>
+                <a:spcPct val="90000"/>
+              </a:lnSpc>
+              <a:spcBef>
+                <a:spcPts val="500"/>
+              </a:spcBef>
+              <a:buFont typeface="Arial" panose="020B0604020202020204" pitchFamily="34" charset="0"/>
+              <a:buChar char="•"/>
+              <a:defRPr sz="2400" kern="1200">
+                <a:solidFill>
+                  <a:schemeClr val="tx1"/>
+                </a:solidFill>
+                <a:latin typeface="+mn-lt"/>
+                <a:ea typeface="+mn-ea"/>
+                <a:cs typeface="+mn-cs"/>
+              </a:defRPr>
+            </a:lvl2pPr>
+            <a:lvl3pPr marL="1143000" indent="-228600" algn="l" defTabSz="914400" rtl="0" eaLnBrk="1" latinLnBrk="0" hangingPunct="1">
+              <a:lnSpc>
+                <a:spcPct val="90000"/>
+              </a:lnSpc>
+              <a:spcBef>
+                <a:spcPts val="500"/>
+              </a:spcBef>
+              <a:buFont typeface="Arial" panose="020B0604020202020204" pitchFamily="34" charset="0"/>
+              <a:buChar char="•"/>
+              <a:defRPr sz="2000" kern="1200">
+                <a:solidFill>
+                  <a:schemeClr val="tx1"/>
+                </a:solidFill>
+                <a:latin typeface="+mn-lt"/>
+                <a:ea typeface="+mn-ea"/>
+                <a:cs typeface="+mn-cs"/>
+              </a:defRPr>
+            </a:lvl3pPr>
+            <a:lvl4pPr marL="1600200" indent="-228600" algn="l" defTabSz="914400" rtl="0" eaLnBrk="1" latinLnBrk="0" hangingPunct="1">
+              <a:lnSpc>
+                <a:spcPct val="90000"/>
+              </a:lnSpc>
+              <a:spcBef>
+                <a:spcPts val="500"/>
+              </a:spcBef>
+              <a:buFont typeface="Arial" panose="020B0604020202020204" pitchFamily="34" charset="0"/>
+              <a:buChar char="•"/>
+              <a:defRPr sz="1800" kern="1200">
+                <a:solidFill>
+                  <a:schemeClr val="tx1"/>
+                </a:solidFill>
+                <a:latin typeface="+mn-lt"/>
+                <a:ea typeface="+mn-ea"/>
+                <a:cs typeface="+mn-cs"/>
+              </a:defRPr>
+            </a:lvl4pPr>
+            <a:lvl5pPr marL="2057400" indent="-228600" algn="l" defTabSz="914400" rtl="0" eaLnBrk="1" latinLnBrk="0" hangingPunct="1">
+              <a:lnSpc>
+                <a:spcPct val="90000"/>
+              </a:lnSpc>
+              <a:spcBef>
+                <a:spcPts val="500"/>
+              </a:spcBef>
+              <a:buFont typeface="Arial" panose="020B0604020202020204" pitchFamily="34" charset="0"/>
+              <a:buChar char="•"/>
+              <a:defRPr sz="1800" kern="1200">
+                <a:solidFill>
+                  <a:schemeClr val="tx1"/>
+                </a:solidFill>
+                <a:latin typeface="+mn-lt"/>
+                <a:ea typeface="+mn-ea"/>
+                <a:cs typeface="+mn-cs"/>
+              </a:defRPr>
+            </a:lvl5pPr>
+            <a:lvl6pPr marL="2514600" indent="-228600" algn="l" defTabSz="914400" rtl="0" eaLnBrk="1" latinLnBrk="0" hangingPunct="1">
+              <a:lnSpc>
+                <a:spcPct val="90000"/>
+              </a:lnSpc>
+              <a:spcBef>
+                <a:spcPts val="500"/>
+              </a:spcBef>
+              <a:buFont typeface="Arial" panose="020B0604020202020204" pitchFamily="34" charset="0"/>
+              <a:buChar char="•"/>
+              <a:defRPr sz="1800" kern="1200">
+                <a:solidFill>
+                  <a:schemeClr val="tx1"/>
+                </a:solidFill>
+                <a:latin typeface="+mn-lt"/>
+                <a:ea typeface="+mn-ea"/>
+                <a:cs typeface="+mn-cs"/>
+              </a:defRPr>
+            </a:lvl6pPr>
+            <a:lvl7pPr marL="2971800" indent="-228600" algn="l" defTabSz="914400" rtl="0" eaLnBrk="1" latinLnBrk="0" hangingPunct="1">
+              <a:lnSpc>
+                <a:spcPct val="90000"/>
+              </a:lnSpc>
+              <a:spcBef>
+                <a:spcPts val="500"/>
+              </a:spcBef>
+              <a:buFont typeface="Arial" panose="020B0604020202020204" pitchFamily="34" charset="0"/>
+              <a:buChar char="•"/>
+              <a:defRPr sz="1800" kern="1200">
+                <a:solidFill>
+                  <a:schemeClr val="tx1"/>
+                </a:solidFill>
+                <a:latin typeface="+mn-lt"/>
+                <a:ea typeface="+mn-ea"/>
+                <a:cs typeface="+mn-cs"/>
+              </a:defRPr>
+            </a:lvl7pPr>
+            <a:lvl8pPr marL="3429000" indent="-228600" algn="l" defTabSz="914400" rtl="0" eaLnBrk="1" latinLnBrk="0" hangingPunct="1">
+              <a:lnSpc>
+                <a:spcPct val="90000"/>
+              </a:lnSpc>
+              <a:spcBef>
+                <a:spcPts val="500"/>
+              </a:spcBef>
+              <a:buFont typeface="Arial" panose="020B0604020202020204" pitchFamily="34" charset="0"/>
+              <a:buChar char="•"/>
+              <a:defRPr sz="1800" kern="1200">
+                <a:solidFill>
+                  <a:schemeClr val="tx1"/>
+                </a:solidFill>
+                <a:latin typeface="+mn-lt"/>
+                <a:ea typeface="+mn-ea"/>
+                <a:cs typeface="+mn-cs"/>
+              </a:defRPr>
+            </a:lvl8pPr>
+            <a:lvl9pPr marL="3886200" indent="-228600" algn="l" defTabSz="914400" rtl="0" eaLnBrk="1" latinLnBrk="0" hangingPunct="1">
+              <a:lnSpc>
+                <a:spcPct val="90000"/>
+              </a:lnSpc>
+              <a:spcBef>
+                <a:spcPts val="500"/>
+              </a:spcBef>
+              <a:buFont typeface="Arial" panose="020B0604020202020204" pitchFamily="34" charset="0"/>
+              <a:buChar char="•"/>
+              <a:defRPr sz="1800" kern="1200">
+                <a:solidFill>
+                  <a:schemeClr val="tx1"/>
+                </a:solidFill>
+                <a:latin typeface="+mn-lt"/>
+                <a:ea typeface="+mn-ea"/>
+                <a:cs typeface="+mn-cs"/>
+              </a:defRPr>
+            </a:lvl9pPr>
+          </a:lstStyle>
+          <a:p>
+            <a:pPr marL="0" indent="0">
+              <a:buFont typeface="Arial" panose="020B0604020202020204" pitchFamily="34" charset="0"/>
+              <a:buNone/>
+            </a:pPr>
+            <a:r>
+              <a:rPr lang="it-IT" sz="1500" i="1" dirty="0"/>
+              <a:t>Sull’asse x sono indicati i valori possibili di </a:t>
+            </a:r>
+            <a:r>
+              <a:rPr lang="it-IT" sz="1500" i="1" dirty="0" err="1"/>
+              <a:t>fee_base</a:t>
+            </a:r>
+            <a:r>
+              <a:rPr lang="it-IT" sz="1500" i="1" dirty="0"/>
+              <a:t>, sull’asse y il numero di canali su cui è stato applicato un determinato valore di </a:t>
+            </a:r>
+            <a:r>
+              <a:rPr lang="it-IT" sz="1500" i="1" dirty="0" err="1"/>
+              <a:t>fee</a:t>
+            </a:r>
+            <a:r>
+              <a:rPr lang="it-IT" sz="1500" i="1" dirty="0"/>
+              <a:t>. Il grafico mostra come sono distribuiti i valori di </a:t>
+            </a:r>
+            <a:r>
+              <a:rPr lang="it-IT" sz="1500" i="1" dirty="0" err="1"/>
+              <a:t>fee_base</a:t>
+            </a:r>
+            <a:r>
+              <a:rPr lang="it-IT" sz="1500" i="1" dirty="0"/>
+              <a:t> nei canali della rete.</a:t>
+            </a:r>
+          </a:p>
+        </p:txBody>
+      </p:sp>
+    </p:spTree>
+    <p:extLst>
+      <p:ext uri="{BB962C8B-B14F-4D97-AF65-F5344CB8AC3E}">
+        <p14:creationId xmlns:p14="http://schemas.microsoft.com/office/powerpoint/2010/main" val="870590579"/>
+      </p:ext>
+    </p:extLst>
+  </p:cSld>
+  <p:clrMapOvr>
+    <a:masterClrMapping/>
+  </p:clrMapOvr>
+</p:sld>
+</file>
+
+<file path=ppt/slides/slide11.xml><?xml version="1.0" encoding="utf-8"?>
+<p:sld xmlns:a="http://schemas.openxmlformats.org/drawingml/2006/main" xmlns:r="http://schemas.openxmlformats.org/officeDocument/2006/relationships" xmlns:p="http://schemas.openxmlformats.org/presentationml/2006/main">
+  <p:cSld>
+    <p:spTree>
+      <p:nvGrpSpPr>
+        <p:cNvPr id="1" name=""/>
+        <p:cNvGrpSpPr/>
+        <p:nvPr/>
+      </p:nvGrpSpPr>
+      <p:grpSpPr>
+        <a:xfrm>
+          <a:off x="0" y="0"/>
+          <a:ext cx="0" cy="0"/>
+          <a:chOff x="0" y="0"/>
+          <a:chExt cx="0" cy="0"/>
+        </a:xfrm>
+      </p:grpSpPr>
+      <p:sp>
+        <p:nvSpPr>
+          <p:cNvPr id="2" name="Titolo 1">
+            <a:extLst>
+              <a:ext uri="{FF2B5EF4-FFF2-40B4-BE49-F238E27FC236}">
+                <a16:creationId xmlns:a16="http://schemas.microsoft.com/office/drawing/2014/main" id="{466B27F2-519E-4F85-9D73-74FA61BCDCB9}"/>
+              </a:ext>
+            </a:extLst>
+          </p:cNvPr>
+          <p:cNvSpPr>
+            <a:spLocks noGrp="1"/>
+          </p:cNvSpPr>
+          <p:nvPr>
+            <p:ph type="title"/>
+          </p:nvPr>
+        </p:nvSpPr>
+        <p:spPr>
+          <a:xfrm>
+            <a:off x="168897" y="129455"/>
+            <a:ext cx="7023755" cy="718957"/>
+          </a:xfrm>
+        </p:spPr>
+        <p:txBody>
+          <a:bodyPr>
+            <a:normAutofit/>
+          </a:bodyPr>
+          <a:lstStyle/>
+          <a:p>
+            <a:r>
+              <a:rPr lang="it-IT" sz="3400" b="1" i="1" dirty="0">
+                <a:solidFill>
+                  <a:schemeClr val="accent6">
+                    <a:lumMod val="75000"/>
+                  </a:schemeClr>
+                </a:solidFill>
+              </a:rPr>
+              <a:t>DISTRIBUZIONE DEI VALORI DI FEERATE</a:t>
+            </a:r>
+            <a:endParaRPr lang="it-IT" sz="3400" dirty="0"/>
+          </a:p>
+        </p:txBody>
+      </p:sp>
+      <p:pic>
+        <p:nvPicPr>
+          <p:cNvPr id="4" name="Immagine 3">
+            <a:extLst>
+              <a:ext uri="{FF2B5EF4-FFF2-40B4-BE49-F238E27FC236}">
+                <a16:creationId xmlns:a16="http://schemas.microsoft.com/office/drawing/2014/main" id="{4E347206-83A9-4478-83B7-ABF712818FA1}"/>
+              </a:ext>
+            </a:extLst>
+          </p:cNvPr>
+          <p:cNvPicPr>
+            <a:picLocks noChangeAspect="1"/>
+          </p:cNvPicPr>
+          <p:nvPr/>
+        </p:nvPicPr>
+        <p:blipFill>
+          <a:blip r:embed="rId2"/>
+          <a:stretch>
+            <a:fillRect/>
+          </a:stretch>
+        </p:blipFill>
+        <p:spPr>
+          <a:xfrm>
+            <a:off x="1104533" y="848412"/>
+            <a:ext cx="9982933" cy="4607508"/>
+          </a:xfrm>
+          <a:prstGeom prst="rect">
+            <a:avLst/>
+          </a:prstGeom>
+        </p:spPr>
+      </p:pic>
+      <p:sp>
+        <p:nvSpPr>
+          <p:cNvPr id="5" name="Segnaposto contenuto 2">
+            <a:extLst>
+              <a:ext uri="{FF2B5EF4-FFF2-40B4-BE49-F238E27FC236}">
+                <a16:creationId xmlns:a16="http://schemas.microsoft.com/office/drawing/2014/main" id="{6E17DCF7-C6CD-4955-AA6D-6EB50667ED62}"/>
+              </a:ext>
+            </a:extLst>
+          </p:cNvPr>
+          <p:cNvSpPr txBox="1">
+            <a:spLocks/>
+          </p:cNvSpPr>
+          <p:nvPr/>
+        </p:nvSpPr>
+        <p:spPr>
+          <a:xfrm>
+            <a:off x="736158" y="5726212"/>
+            <a:ext cx="11009243" cy="640516"/>
+          </a:xfrm>
+          <a:prstGeom prst="rect">
+            <a:avLst/>
+          </a:prstGeom>
+        </p:spPr>
+        <p:txBody>
+          <a:bodyPr vert="horz" lIns="91440" tIns="45720" rIns="91440" bIns="45720" rtlCol="0">
+            <a:normAutofit/>
+          </a:bodyPr>
+          <a:lstStyle>
+            <a:lvl1pPr marL="228600" indent="-228600" algn="l" defTabSz="914400" rtl="0" eaLnBrk="1" latinLnBrk="0" hangingPunct="1">
+              <a:lnSpc>
+                <a:spcPct val="90000"/>
+              </a:lnSpc>
+              <a:spcBef>
+                <a:spcPts val="1000"/>
+              </a:spcBef>
+              <a:buFont typeface="Arial" panose="020B0604020202020204" pitchFamily="34" charset="0"/>
+              <a:buChar char="•"/>
+              <a:defRPr sz="2800" kern="1200">
+                <a:solidFill>
+                  <a:schemeClr val="tx1"/>
+                </a:solidFill>
+                <a:latin typeface="+mn-lt"/>
+                <a:ea typeface="+mn-ea"/>
+                <a:cs typeface="+mn-cs"/>
+              </a:defRPr>
+            </a:lvl1pPr>
+            <a:lvl2pPr marL="685800" indent="-228600" algn="l" defTabSz="914400" rtl="0" eaLnBrk="1" latinLnBrk="0" hangingPunct="1">
+              <a:lnSpc>
+                <a:spcPct val="90000"/>
+              </a:lnSpc>
+              <a:spcBef>
+                <a:spcPts val="500"/>
+              </a:spcBef>
+              <a:buFont typeface="Arial" panose="020B0604020202020204" pitchFamily="34" charset="0"/>
+              <a:buChar char="•"/>
+              <a:defRPr sz="2400" kern="1200">
+                <a:solidFill>
+                  <a:schemeClr val="tx1"/>
+                </a:solidFill>
+                <a:latin typeface="+mn-lt"/>
+                <a:ea typeface="+mn-ea"/>
+                <a:cs typeface="+mn-cs"/>
+              </a:defRPr>
+            </a:lvl2pPr>
+            <a:lvl3pPr marL="1143000" indent="-228600" algn="l" defTabSz="914400" rtl="0" eaLnBrk="1" latinLnBrk="0" hangingPunct="1">
+              <a:lnSpc>
+                <a:spcPct val="90000"/>
+              </a:lnSpc>
+              <a:spcBef>
+                <a:spcPts val="500"/>
+              </a:spcBef>
+              <a:buFont typeface="Arial" panose="020B0604020202020204" pitchFamily="34" charset="0"/>
+              <a:buChar char="•"/>
+              <a:defRPr sz="2000" kern="1200">
+                <a:solidFill>
+                  <a:schemeClr val="tx1"/>
+                </a:solidFill>
+                <a:latin typeface="+mn-lt"/>
+                <a:ea typeface="+mn-ea"/>
+                <a:cs typeface="+mn-cs"/>
+              </a:defRPr>
+            </a:lvl3pPr>
+            <a:lvl4pPr marL="1600200" indent="-228600" algn="l" defTabSz="914400" rtl="0" eaLnBrk="1" latinLnBrk="0" hangingPunct="1">
+              <a:lnSpc>
+                <a:spcPct val="90000"/>
+              </a:lnSpc>
+              <a:spcBef>
+                <a:spcPts val="500"/>
+              </a:spcBef>
+              <a:buFont typeface="Arial" panose="020B0604020202020204" pitchFamily="34" charset="0"/>
+              <a:buChar char="•"/>
+              <a:defRPr sz="1800" kern="1200">
+                <a:solidFill>
+                  <a:schemeClr val="tx1"/>
+                </a:solidFill>
+                <a:latin typeface="+mn-lt"/>
+                <a:ea typeface="+mn-ea"/>
+                <a:cs typeface="+mn-cs"/>
+              </a:defRPr>
+            </a:lvl4pPr>
+            <a:lvl5pPr marL="2057400" indent="-228600" algn="l" defTabSz="914400" rtl="0" eaLnBrk="1" latinLnBrk="0" hangingPunct="1">
+              <a:lnSpc>
+                <a:spcPct val="90000"/>
+              </a:lnSpc>
+              <a:spcBef>
+                <a:spcPts val="500"/>
+              </a:spcBef>
+              <a:buFont typeface="Arial" panose="020B0604020202020204" pitchFamily="34" charset="0"/>
+              <a:buChar char="•"/>
+              <a:defRPr sz="1800" kern="1200">
+                <a:solidFill>
+                  <a:schemeClr val="tx1"/>
+                </a:solidFill>
+                <a:latin typeface="+mn-lt"/>
+                <a:ea typeface="+mn-ea"/>
+                <a:cs typeface="+mn-cs"/>
+              </a:defRPr>
+            </a:lvl5pPr>
+            <a:lvl6pPr marL="2514600" indent="-228600" algn="l" defTabSz="914400" rtl="0" eaLnBrk="1" latinLnBrk="0" hangingPunct="1">
+              <a:lnSpc>
+                <a:spcPct val="90000"/>
+              </a:lnSpc>
+              <a:spcBef>
+                <a:spcPts val="500"/>
+              </a:spcBef>
+              <a:buFont typeface="Arial" panose="020B0604020202020204" pitchFamily="34" charset="0"/>
+              <a:buChar char="•"/>
+              <a:defRPr sz="1800" kern="1200">
+                <a:solidFill>
+                  <a:schemeClr val="tx1"/>
+                </a:solidFill>
+                <a:latin typeface="+mn-lt"/>
+                <a:ea typeface="+mn-ea"/>
+                <a:cs typeface="+mn-cs"/>
+              </a:defRPr>
+            </a:lvl6pPr>
+            <a:lvl7pPr marL="2971800" indent="-228600" algn="l" defTabSz="914400" rtl="0" eaLnBrk="1" latinLnBrk="0" hangingPunct="1">
+              <a:lnSpc>
+                <a:spcPct val="90000"/>
+              </a:lnSpc>
+              <a:spcBef>
+                <a:spcPts val="500"/>
+              </a:spcBef>
+              <a:buFont typeface="Arial" panose="020B0604020202020204" pitchFamily="34" charset="0"/>
+              <a:buChar char="•"/>
+              <a:defRPr sz="1800" kern="1200">
+                <a:solidFill>
+                  <a:schemeClr val="tx1"/>
+                </a:solidFill>
+                <a:latin typeface="+mn-lt"/>
+                <a:ea typeface="+mn-ea"/>
+                <a:cs typeface="+mn-cs"/>
+              </a:defRPr>
+            </a:lvl7pPr>
+            <a:lvl8pPr marL="3429000" indent="-228600" algn="l" defTabSz="914400" rtl="0" eaLnBrk="1" latinLnBrk="0" hangingPunct="1">
+              <a:lnSpc>
+                <a:spcPct val="90000"/>
+              </a:lnSpc>
+              <a:spcBef>
+                <a:spcPts val="500"/>
+              </a:spcBef>
+              <a:buFont typeface="Arial" panose="020B0604020202020204" pitchFamily="34" charset="0"/>
+              <a:buChar char="•"/>
+              <a:defRPr sz="1800" kern="1200">
+                <a:solidFill>
+                  <a:schemeClr val="tx1"/>
+                </a:solidFill>
+                <a:latin typeface="+mn-lt"/>
+                <a:ea typeface="+mn-ea"/>
+                <a:cs typeface="+mn-cs"/>
+              </a:defRPr>
+            </a:lvl8pPr>
+            <a:lvl9pPr marL="3886200" indent="-228600" algn="l" defTabSz="914400" rtl="0" eaLnBrk="1" latinLnBrk="0" hangingPunct="1">
+              <a:lnSpc>
+                <a:spcPct val="90000"/>
+              </a:lnSpc>
+              <a:spcBef>
+                <a:spcPts val="500"/>
+              </a:spcBef>
+              <a:buFont typeface="Arial" panose="020B0604020202020204" pitchFamily="34" charset="0"/>
+              <a:buChar char="•"/>
+              <a:defRPr sz="1800" kern="1200">
+                <a:solidFill>
+                  <a:schemeClr val="tx1"/>
+                </a:solidFill>
+                <a:latin typeface="+mn-lt"/>
+                <a:ea typeface="+mn-ea"/>
+                <a:cs typeface="+mn-cs"/>
+              </a:defRPr>
+            </a:lvl9pPr>
+          </a:lstStyle>
+          <a:p>
+            <a:pPr marL="0" indent="0">
+              <a:buFont typeface="Arial" panose="020B0604020202020204" pitchFamily="34" charset="0"/>
+              <a:buNone/>
+            </a:pPr>
+            <a:r>
+              <a:rPr lang="it-IT" sz="1500" i="1" dirty="0"/>
+              <a:t>Sull’asse x sono indicati i valori possibili di </a:t>
+            </a:r>
+            <a:r>
+              <a:rPr lang="it-IT" sz="1500" i="1" dirty="0" err="1"/>
+              <a:t>fee_rate</a:t>
+            </a:r>
+            <a:r>
+              <a:rPr lang="it-IT" sz="1500" i="1" dirty="0"/>
+              <a:t>, sull’asse y il numero di canali su cui è stato applicato un determinato valore di </a:t>
+            </a:r>
+            <a:r>
+              <a:rPr lang="it-IT" sz="1500" i="1" dirty="0" err="1"/>
+              <a:t>fee</a:t>
+            </a:r>
+            <a:r>
+              <a:rPr lang="it-IT" sz="1500" i="1" dirty="0"/>
+              <a:t>. Il grafico mostra come sono distribuiti i valori di </a:t>
+            </a:r>
+            <a:r>
+              <a:rPr lang="it-IT" sz="1500" i="1" dirty="0" err="1"/>
+              <a:t>fee_rate</a:t>
+            </a:r>
+            <a:r>
+              <a:rPr lang="it-IT" sz="1500" i="1" dirty="0"/>
+              <a:t> nei canali della rete.</a:t>
+            </a:r>
+          </a:p>
+        </p:txBody>
+      </p:sp>
+    </p:spTree>
+    <p:extLst>
+      <p:ext uri="{BB962C8B-B14F-4D97-AF65-F5344CB8AC3E}">
+        <p14:creationId xmlns:p14="http://schemas.microsoft.com/office/powerpoint/2010/main" val="1995985505"/>
+      </p:ext>
+    </p:extLst>
+  </p:cSld>
+  <p:clrMapOvr>
+    <a:masterClrMapping/>
+  </p:clrMapOvr>
+</p:sld>
+</file>
+
+<file path=ppt/slides/slide12.xml><?xml version="1.0" encoding="utf-8"?>
+<p:sld xmlns:a="http://schemas.openxmlformats.org/drawingml/2006/main" xmlns:r="http://schemas.openxmlformats.org/officeDocument/2006/relationships" xmlns:p="http://schemas.openxmlformats.org/presentationml/2006/main">
+  <p:cSld>
+    <p:spTree>
+      <p:nvGrpSpPr>
+        <p:cNvPr id="1" name=""/>
+        <p:cNvGrpSpPr/>
+        <p:nvPr/>
+      </p:nvGrpSpPr>
+      <p:grpSpPr>
+        <a:xfrm>
+          <a:off x="0" y="0"/>
+          <a:ext cx="0" cy="0"/>
+          <a:chOff x="0" y="0"/>
+          <a:chExt cx="0" cy="0"/>
+        </a:xfrm>
+      </p:grpSpPr>
+      <p:sp>
+        <p:nvSpPr>
+          <p:cNvPr id="2" name="Titolo 1">
+            <a:extLst>
+              <a:ext uri="{FF2B5EF4-FFF2-40B4-BE49-F238E27FC236}">
+                <a16:creationId xmlns:a16="http://schemas.microsoft.com/office/drawing/2014/main" id="{45AE4082-8A88-4409-8E70-08BB07417AF0}"/>
+              </a:ext>
+            </a:extLst>
+          </p:cNvPr>
+          <p:cNvSpPr>
+            <a:spLocks noGrp="1"/>
+          </p:cNvSpPr>
+          <p:nvPr>
+            <p:ph type="title"/>
+          </p:nvPr>
+        </p:nvSpPr>
+        <p:spPr>
+          <a:xfrm>
+            <a:off x="338580" y="148308"/>
+            <a:ext cx="5044126" cy="718957"/>
+          </a:xfrm>
+        </p:spPr>
+        <p:txBody>
+          <a:bodyPr/>
+          <a:lstStyle/>
+          <a:p>
+            <a:r>
+              <a:rPr lang="it-IT" b="1" i="1">
+                <a:solidFill>
+                  <a:schemeClr val="accent6">
+                    <a:lumMod val="75000"/>
+                  </a:schemeClr>
+                </a:solidFill>
+              </a:rPr>
+              <a:t>NODI AGGREGATORI</a:t>
+            </a:r>
+            <a:endParaRPr lang="it-IT" b="1" i="1" dirty="0">
+              <a:solidFill>
+                <a:schemeClr val="accent6">
+                  <a:lumMod val="75000"/>
+                </a:schemeClr>
+              </a:solidFill>
+            </a:endParaRPr>
+          </a:p>
+        </p:txBody>
+      </p:sp>
+      <p:sp>
+        <p:nvSpPr>
+          <p:cNvPr id="3" name="Segnaposto contenuto 2">
+            <a:extLst>
+              <a:ext uri="{FF2B5EF4-FFF2-40B4-BE49-F238E27FC236}">
+                <a16:creationId xmlns:a16="http://schemas.microsoft.com/office/drawing/2014/main" id="{FE797B68-7CFE-4858-A929-4A93FE2963F6}"/>
+              </a:ext>
+            </a:extLst>
+          </p:cNvPr>
+          <p:cNvSpPr>
+            <a:spLocks noGrp="1"/>
+          </p:cNvSpPr>
+          <p:nvPr>
+            <p:ph idx="1"/>
+          </p:nvPr>
+        </p:nvSpPr>
+        <p:spPr>
+          <a:xfrm>
+            <a:off x="477232" y="933252"/>
+            <a:ext cx="11237535" cy="4351338"/>
+          </a:xfrm>
+        </p:spPr>
+        <p:txBody>
+          <a:bodyPr/>
+          <a:lstStyle/>
+          <a:p>
+            <a:r>
+              <a:rPr lang="it-IT"/>
+              <a:t>L’algoritmo seleziona come nodi aggregatori quei </a:t>
+            </a:r>
+            <a:r>
+              <a:rPr lang="it-IT" i="1"/>
+              <a:t>nodi che hanno grado&gt;=5 e tra i cui vicini ci sono almeno 3 nodi «rosa»</a:t>
+            </a:r>
+            <a:r>
+              <a:rPr lang="it-IT"/>
+              <a:t> (nodi di grado 1).</a:t>
+            </a:r>
+            <a:endParaRPr lang="it-IT" dirty="0"/>
+          </a:p>
+        </p:txBody>
+      </p:sp>
+      <p:sp>
+        <p:nvSpPr>
+          <p:cNvPr id="5" name="CasellaDiTesto 4">
+            <a:extLst>
+              <a:ext uri="{FF2B5EF4-FFF2-40B4-BE49-F238E27FC236}">
+                <a16:creationId xmlns:a16="http://schemas.microsoft.com/office/drawing/2014/main" id="{18233E74-1DAA-4408-B52C-2746B364385A}"/>
+              </a:ext>
+            </a:extLst>
+          </p:cNvPr>
+          <p:cNvSpPr txBox="1"/>
+          <p:nvPr/>
+        </p:nvSpPr>
+        <p:spPr>
+          <a:xfrm>
+            <a:off x="4224130" y="6272618"/>
+            <a:ext cx="8378687" cy="292388"/>
+          </a:xfrm>
+          <a:prstGeom prst="rect">
+            <a:avLst/>
+          </a:prstGeom>
+          <a:noFill/>
+        </p:spPr>
+        <p:txBody>
+          <a:bodyPr wrap="square" rtlCol="0">
+            <a:spAutoFit/>
+          </a:bodyPr>
+          <a:lstStyle/>
+          <a:p>
+            <a:r>
+              <a:rPr lang="it-IT" sz="1300" i="1" dirty="0"/>
+              <a:t>(Nodi aggregatori in blu nella figura)</a:t>
+            </a:r>
+          </a:p>
+        </p:txBody>
+      </p:sp>
+      <p:pic>
+        <p:nvPicPr>
+          <p:cNvPr id="7" name="Immagine 6" descr="Immagine che contiene pianta&#10;&#10;Descrizione generata automaticamente">
+            <a:extLst>
+              <a:ext uri="{FF2B5EF4-FFF2-40B4-BE49-F238E27FC236}">
+                <a16:creationId xmlns:a16="http://schemas.microsoft.com/office/drawing/2014/main" id="{D9C4F14F-47FC-4E8C-A1E5-A9E5E23EAD90}"/>
+              </a:ext>
+            </a:extLst>
+          </p:cNvPr>
+          <p:cNvPicPr>
+            <a:picLocks noChangeAspect="1"/>
+          </p:cNvPicPr>
+          <p:nvPr/>
+        </p:nvPicPr>
+        <p:blipFill rotWithShape="1">
+          <a:blip r:embed="rId2">
+            <a:extLst>
+              <a:ext uri="{28A0092B-C50C-407E-A947-70E740481C1C}">
+                <a14:useLocalDpi xmlns:a14="http://schemas.microsoft.com/office/drawing/2010/main" val="0"/>
+              </a:ext>
+            </a:extLst>
+          </a:blip>
+          <a:srcRect l="30489" t="7867" r="30136" b="34532"/>
+          <a:stretch/>
+        </p:blipFill>
+        <p:spPr>
+          <a:xfrm>
+            <a:off x="2012508" y="1851098"/>
+            <a:ext cx="7546271" cy="4421520"/>
+          </a:xfrm>
+          <a:prstGeom prst="rect">
+            <a:avLst/>
+          </a:prstGeom>
+        </p:spPr>
+      </p:pic>
+    </p:spTree>
+    <p:extLst>
+      <p:ext uri="{BB962C8B-B14F-4D97-AF65-F5344CB8AC3E}">
+        <p14:creationId xmlns:p14="http://schemas.microsoft.com/office/powerpoint/2010/main" val="4235103680"/>
+      </p:ext>
+    </p:extLst>
+  </p:cSld>
+  <p:clrMapOvr>
+    <a:masterClrMapping/>
+  </p:clrMapOvr>
+</p:sld>
+</file>
+
+<file path=ppt/slides/slide13.xml><?xml version="1.0" encoding="utf-8"?>
+<p:sld xmlns:a="http://schemas.openxmlformats.org/drawingml/2006/main" xmlns:r="http://schemas.openxmlformats.org/officeDocument/2006/relationships" xmlns:p="http://schemas.openxmlformats.org/presentationml/2006/main">
+  <p:cSld>
+    <p:spTree>
+      <p:nvGrpSpPr>
+        <p:cNvPr id="1" name=""/>
+        <p:cNvGrpSpPr/>
+        <p:nvPr/>
+      </p:nvGrpSpPr>
+      <p:grpSpPr>
+        <a:xfrm>
+          <a:off x="0" y="0"/>
+          <a:ext cx="0" cy="0"/>
+          <a:chOff x="0" y="0"/>
+          <a:chExt cx="0" cy="0"/>
+        </a:xfrm>
+      </p:grpSpPr>
+      <p:sp>
+        <p:nvSpPr>
+          <p:cNvPr id="2" name="Titolo 1">
+            <a:extLst>
+              <a:ext uri="{FF2B5EF4-FFF2-40B4-BE49-F238E27FC236}">
                 <a16:creationId xmlns:a16="http://schemas.microsoft.com/office/drawing/2014/main" id="{17292E40-31A9-487F-A2A2-F02AEB2D72E5}"/>
               </a:ext>
             </a:extLst>
@@ -3807,7 +4827,7 @@
 </p:sld>
 </file>
 
-<file path=ppt/slides/slide11.xml><?xml version="1.0" encoding="utf-8"?>
+<file path=ppt/slides/slide14.xml><?xml version="1.0" encoding="utf-8"?>
 <p:sld xmlns:a="http://schemas.openxmlformats.org/drawingml/2006/main" xmlns:r="http://schemas.openxmlformats.org/officeDocument/2006/relationships" xmlns:p="http://schemas.openxmlformats.org/presentationml/2006/main">
   <p:cSld>
     <p:spTree>
@@ -3948,7 +4968,7 @@
 </p:sld>
 </file>
 
-<file path=ppt/slides/slide12.xml><?xml version="1.0" encoding="utf-8"?>
+<file path=ppt/slides/slide15.xml><?xml version="1.0" encoding="utf-8"?>
 <p:sld xmlns:a="http://schemas.openxmlformats.org/drawingml/2006/main" xmlns:r="http://schemas.openxmlformats.org/officeDocument/2006/relationships" xmlns:p="http://schemas.openxmlformats.org/presentationml/2006/main">
   <p:cSld>
     <p:spTree>
@@ -4098,817 +5118,6 @@
 </p:sld>
 </file>
 
-<file path=ppt/slides/slide13.xml><?xml version="1.0" encoding="utf-8"?>
-<p:sld xmlns:a="http://schemas.openxmlformats.org/drawingml/2006/main" xmlns:r="http://schemas.openxmlformats.org/officeDocument/2006/relationships" xmlns:p="http://schemas.openxmlformats.org/presentationml/2006/main">
-  <p:cSld>
-    <p:spTree>
-      <p:nvGrpSpPr>
-        <p:cNvPr id="1" name=""/>
-        <p:cNvGrpSpPr/>
-        <p:nvPr/>
-      </p:nvGrpSpPr>
-      <p:grpSpPr>
-        <a:xfrm>
-          <a:off x="0" y="0"/>
-          <a:ext cx="0" cy="0"/>
-          <a:chOff x="0" y="0"/>
-          <a:chExt cx="0" cy="0"/>
-        </a:xfrm>
-      </p:grpSpPr>
-      <p:sp>
-        <p:nvSpPr>
-          <p:cNvPr id="2" name="Titolo 1">
-            <a:extLst>
-              <a:ext uri="{FF2B5EF4-FFF2-40B4-BE49-F238E27FC236}">
-                <a16:creationId xmlns:a16="http://schemas.microsoft.com/office/drawing/2014/main" id="{C03DC207-7A70-4324-B2F0-AE15E29A1085}"/>
-              </a:ext>
-            </a:extLst>
-          </p:cNvPr>
-          <p:cNvSpPr>
-            <a:spLocks noGrp="1"/>
-          </p:cNvSpPr>
-          <p:nvPr>
-            <p:ph type="title"/>
-          </p:nvPr>
-        </p:nvSpPr>
-        <p:spPr>
-          <a:xfrm>
-            <a:off x="371475" y="365125"/>
-            <a:ext cx="10982325" cy="939891"/>
-          </a:xfrm>
-        </p:spPr>
-        <p:txBody>
-          <a:bodyPr/>
-          <a:lstStyle/>
-          <a:p>
-            <a:r>
-              <a:rPr lang="it-IT" b="1" i="1" dirty="0">
-                <a:solidFill>
-                  <a:schemeClr val="accent6">
-                    <a:lumMod val="75000"/>
-                  </a:schemeClr>
-                </a:solidFill>
-              </a:rPr>
-              <a:t> TRASFORMAZIONE DA MULTIGRAFO A GRAFO</a:t>
-            </a:r>
-          </a:p>
-        </p:txBody>
-      </p:sp>
-      <p:sp>
-        <p:nvSpPr>
-          <p:cNvPr id="3" name="Segnaposto contenuto 2">
-            <a:extLst>
-              <a:ext uri="{FF2B5EF4-FFF2-40B4-BE49-F238E27FC236}">
-                <a16:creationId xmlns:a16="http://schemas.microsoft.com/office/drawing/2014/main" id="{662DC267-D4AE-443F-80F0-C4966F831BAC}"/>
-              </a:ext>
-            </a:extLst>
-          </p:cNvPr>
-          <p:cNvSpPr>
-            <a:spLocks noGrp="1"/>
-          </p:cNvSpPr>
-          <p:nvPr>
-            <p:ph idx="1"/>
-          </p:nvPr>
-        </p:nvSpPr>
-        <p:spPr>
-          <a:xfrm>
-            <a:off x="722791" y="1305016"/>
-            <a:ext cx="10515600" cy="4351338"/>
-          </a:xfrm>
-        </p:spPr>
-        <p:txBody>
-          <a:bodyPr>
-            <a:normAutofit fontScale="92500" lnSpcReduction="10000"/>
-          </a:bodyPr>
-          <a:lstStyle/>
-          <a:p>
-            <a:pPr marL="0" indent="0">
-              <a:buNone/>
-            </a:pPr>
-            <a:r>
-              <a:rPr lang="it-IT" sz="1900" dirty="0"/>
-              <a:t>Per poter proseguire con l’Analisi di Centralità è necessario collassare i canali multielemento in un solo canale, trasformando così il </a:t>
-            </a:r>
-            <a:r>
-              <a:rPr lang="it-IT" sz="1900" dirty="0" err="1"/>
-              <a:t>Multigrafo</a:t>
-            </a:r>
-            <a:r>
-              <a:rPr lang="it-IT" sz="1900" dirty="0"/>
-              <a:t> in Grafo semplice.</a:t>
-            </a:r>
-          </a:p>
-          <a:p>
-            <a:pPr marL="0" indent="0">
-              <a:buNone/>
-            </a:pPr>
-            <a:r>
-              <a:rPr lang="it-IT" sz="1900" dirty="0"/>
-              <a:t>Ogni attributo associato al canale nel Grafo avrà come valore la media dei valori associati allo stesso attributo nei canali multielemento.</a:t>
-            </a:r>
-          </a:p>
-          <a:p>
-            <a:pPr marL="0" indent="0">
-              <a:buNone/>
-            </a:pPr>
-            <a:endParaRPr lang="it-IT" sz="1900" b="0" i="0" dirty="0">
-              <a:solidFill>
-                <a:srgbClr val="5E666A"/>
-              </a:solidFill>
-              <a:effectLst/>
-              <a:latin typeface="Nunito" panose="020B0604020202020204" pitchFamily="2" charset="0"/>
-            </a:endParaRPr>
-          </a:p>
-          <a:p>
-            <a:pPr marL="0" indent="0">
-              <a:buNone/>
-            </a:pPr>
-            <a:endParaRPr lang="it-IT" sz="1400" b="0" i="0" dirty="0">
-              <a:solidFill>
-                <a:srgbClr val="5E666A"/>
-              </a:solidFill>
-              <a:effectLst/>
-              <a:latin typeface="Nunito" panose="020B0604020202020204" pitchFamily="2" charset="0"/>
-            </a:endParaRPr>
-          </a:p>
-          <a:p>
-            <a:pPr marL="0" indent="0">
-              <a:buNone/>
-            </a:pPr>
-            <a:r>
-              <a:rPr lang="it-IT" sz="1900" dirty="0"/>
-              <a:t>Per calcolare lo scostamento dei valori originari degli attributi rispetto alla media ho calcolato la deviazione standard, ottenendo che:</a:t>
-            </a:r>
-          </a:p>
-          <a:p>
-            <a:r>
-              <a:rPr lang="it-IT" sz="1900" dirty="0"/>
-              <a:t>nel 64% dei canali non c’è scostamento di nessun valore </a:t>
-            </a:r>
-          </a:p>
-          <a:p>
-            <a:r>
-              <a:rPr lang="it-IT" sz="1900" dirty="0"/>
-              <a:t>nel 18% dei canali c’è scostamento di una sola coppia di valori, tra cui </a:t>
-            </a:r>
-          </a:p>
-          <a:p>
-            <a:pPr marL="0" indent="0">
-              <a:buNone/>
-            </a:pPr>
-            <a:r>
-              <a:rPr lang="it-IT" sz="1900" dirty="0"/>
-              <a:t>	-nell’ 1% lo scostamento è di un valore &gt;= 1000</a:t>
-            </a:r>
-          </a:p>
-          <a:p>
-            <a:pPr marL="0" indent="0">
-              <a:buNone/>
-            </a:pPr>
-            <a:r>
-              <a:rPr lang="it-IT" sz="1900" dirty="0"/>
-              <a:t>	-nel 27% lo scostamento è di un valore &gt;=100</a:t>
-            </a:r>
-          </a:p>
-          <a:p>
-            <a:r>
-              <a:rPr lang="it-IT" sz="1900" dirty="0"/>
-              <a:t>nello 0% dei  canali c’è scostamento di tutte e tre le coppie di valori		</a:t>
-            </a:r>
-          </a:p>
-          <a:p>
-            <a:endParaRPr lang="it-IT" sz="1900" dirty="0"/>
-          </a:p>
-          <a:p>
-            <a:pPr marL="0" indent="0">
-              <a:buNone/>
-            </a:pPr>
-            <a:endParaRPr lang="it-IT" sz="1900" dirty="0"/>
-          </a:p>
-        </p:txBody>
-      </p:sp>
-    </p:spTree>
-    <p:extLst>
-      <p:ext uri="{BB962C8B-B14F-4D97-AF65-F5344CB8AC3E}">
-        <p14:creationId xmlns:p14="http://schemas.microsoft.com/office/powerpoint/2010/main" val="3818549441"/>
-      </p:ext>
-    </p:extLst>
-  </p:cSld>
-  <p:clrMapOvr>
-    <a:masterClrMapping/>
-  </p:clrMapOvr>
-</p:sld>
-</file>
-
-<file path=ppt/slides/slide14.xml><?xml version="1.0" encoding="utf-8"?>
-<p:sld xmlns:a="http://schemas.openxmlformats.org/drawingml/2006/main" xmlns:r="http://schemas.openxmlformats.org/officeDocument/2006/relationships" xmlns:p="http://schemas.openxmlformats.org/presentationml/2006/main">
-  <p:cSld>
-    <p:spTree>
-      <p:nvGrpSpPr>
-        <p:cNvPr id="1" name=""/>
-        <p:cNvGrpSpPr/>
-        <p:nvPr/>
-      </p:nvGrpSpPr>
-      <p:grpSpPr>
-        <a:xfrm>
-          <a:off x="0" y="0"/>
-          <a:ext cx="0" cy="0"/>
-          <a:chOff x="0" y="0"/>
-          <a:chExt cx="0" cy="0"/>
-        </a:xfrm>
-      </p:grpSpPr>
-      <p:sp>
-        <p:nvSpPr>
-          <p:cNvPr id="2" name="Titolo 1">
-            <a:extLst>
-              <a:ext uri="{FF2B5EF4-FFF2-40B4-BE49-F238E27FC236}">
-                <a16:creationId xmlns:a16="http://schemas.microsoft.com/office/drawing/2014/main" id="{B28106EB-6B82-4EAB-AA40-2FE75D4CCEA4}"/>
-              </a:ext>
-            </a:extLst>
-          </p:cNvPr>
-          <p:cNvSpPr>
-            <a:spLocks noGrp="1"/>
-          </p:cNvSpPr>
-          <p:nvPr>
-            <p:ph type="title"/>
-          </p:nvPr>
-        </p:nvSpPr>
-        <p:spPr>
-          <a:xfrm>
-            <a:off x="194035" y="91748"/>
-            <a:ext cx="5901965" cy="775517"/>
-          </a:xfrm>
-        </p:spPr>
-        <p:txBody>
-          <a:bodyPr/>
-          <a:lstStyle/>
-          <a:p>
-            <a:r>
-              <a:rPr lang="it-IT" b="1" i="1" dirty="0">
-                <a:solidFill>
-                  <a:schemeClr val="accent6">
-                    <a:lumMod val="75000"/>
-                  </a:schemeClr>
-                </a:solidFill>
-              </a:rPr>
-              <a:t>ANALISI DI CENTRALITA’</a:t>
-            </a:r>
-          </a:p>
-        </p:txBody>
-      </p:sp>
-      <p:sp>
-        <p:nvSpPr>
-          <p:cNvPr id="3" name="Segnaposto contenuto 2">
-            <a:extLst>
-              <a:ext uri="{FF2B5EF4-FFF2-40B4-BE49-F238E27FC236}">
-                <a16:creationId xmlns:a16="http://schemas.microsoft.com/office/drawing/2014/main" id="{15C9D13E-7433-49CA-AB6A-7860A0D30BE8}"/>
-              </a:ext>
-            </a:extLst>
-          </p:cNvPr>
-          <p:cNvSpPr>
-            <a:spLocks noGrp="1"/>
-          </p:cNvSpPr>
-          <p:nvPr>
-            <p:ph idx="1"/>
-          </p:nvPr>
-        </p:nvSpPr>
-        <p:spPr>
-          <a:xfrm>
-            <a:off x="782425" y="1272619"/>
-            <a:ext cx="10571375" cy="4904344"/>
-          </a:xfrm>
-        </p:spPr>
-        <p:txBody>
-          <a:bodyPr/>
-          <a:lstStyle/>
-          <a:p>
-            <a:r>
-              <a:rPr lang="it-IT" i="1" dirty="0" err="1"/>
-              <a:t>Betweenness</a:t>
-            </a:r>
-            <a:r>
-              <a:rPr lang="it-IT" i="1" dirty="0"/>
-              <a:t> </a:t>
-            </a:r>
-            <a:r>
-              <a:rPr lang="it-IT" i="1" dirty="0" err="1"/>
-              <a:t>Centrality</a:t>
-            </a:r>
-            <a:r>
-              <a:rPr lang="it-IT" i="1" dirty="0"/>
-              <a:t>:</a:t>
-            </a:r>
-            <a:r>
-              <a:rPr lang="it-IT" sz="2000" b="0" i="0" dirty="0">
-                <a:solidFill>
-                  <a:srgbClr val="2E2E2E"/>
-                </a:solidFill>
-                <a:effectLst/>
-                <a:latin typeface="NexusSans"/>
-              </a:rPr>
-              <a:t> </a:t>
-            </a:r>
-            <a:r>
-              <a:rPr lang="it-IT" sz="1800" dirty="0"/>
-              <a:t>stima la rilevanza di un nodo in base al numero di cammini di minima lunghezza che lo attraversano.</a:t>
-            </a:r>
-          </a:p>
-          <a:p>
-            <a:r>
-              <a:rPr lang="it-IT" i="1" dirty="0" err="1"/>
-              <a:t>Closeness</a:t>
-            </a:r>
-            <a:r>
-              <a:rPr lang="it-IT" i="1" dirty="0"/>
-              <a:t> </a:t>
-            </a:r>
-            <a:r>
-              <a:rPr lang="it-IT" i="1" dirty="0" err="1"/>
-              <a:t>centrality</a:t>
-            </a:r>
-            <a:r>
-              <a:rPr lang="it-IT" i="1" dirty="0"/>
-              <a:t>: </a:t>
-            </a:r>
-            <a:r>
-              <a:rPr lang="it-IT" sz="1800" dirty="0"/>
-              <a:t>il valore di </a:t>
-            </a:r>
-            <a:r>
-              <a:rPr lang="it-IT" sz="1800" dirty="0" err="1"/>
-              <a:t>closeness</a:t>
-            </a:r>
-            <a:r>
-              <a:rPr lang="it-IT" sz="1800" dirty="0"/>
-              <a:t> di un nodo stima il grado di vicinanza del nodo stesso dal resto dei nodi del grafo.</a:t>
-            </a:r>
-          </a:p>
-          <a:p>
-            <a:r>
-              <a:rPr lang="it-IT" i="1" dirty="0"/>
-              <a:t>Degree </a:t>
-            </a:r>
-            <a:r>
-              <a:rPr lang="it-IT" i="1" dirty="0" err="1"/>
-              <a:t>centrality</a:t>
-            </a:r>
-            <a:r>
-              <a:rPr lang="it-IT" i="1" dirty="0"/>
-              <a:t>: </a:t>
-            </a:r>
-            <a:r>
-              <a:rPr lang="it-IT" sz="1800" dirty="0"/>
-              <a:t>i</a:t>
-            </a:r>
-            <a:r>
-              <a:rPr lang="it-IT" sz="1800" i="0" dirty="0">
-                <a:solidFill>
-                  <a:srgbClr val="202124"/>
-                </a:solidFill>
-                <a:effectLst/>
-              </a:rPr>
-              <a:t>l grado di centralità di un nodo è semplicemente il suo grado: il numero di archi che ha. Più alto è il grado, più centrale è il nodo. </a:t>
-            </a:r>
-            <a:endParaRPr lang="it-IT" sz="1800" dirty="0"/>
-          </a:p>
-          <a:p>
-            <a:pPr eaLnBrk="0" fontAlgn="base" hangingPunct="0">
-              <a:lnSpc>
-                <a:spcPct val="100000"/>
-              </a:lnSpc>
-              <a:spcBef>
-                <a:spcPct val="0"/>
-              </a:spcBef>
-              <a:spcAft>
-                <a:spcPct val="0"/>
-              </a:spcAft>
-            </a:pPr>
-            <a:r>
-              <a:rPr lang="it-IT" b="0" i="1" u="sng" dirty="0" err="1">
-                <a:solidFill>
-                  <a:srgbClr val="202124"/>
-                </a:solidFill>
-                <a:effectLst/>
-                <a:latin typeface="Google Sans"/>
-              </a:rPr>
-              <a:t>Eigenvector</a:t>
-            </a:r>
-            <a:r>
-              <a:rPr lang="it-IT" b="0" i="1" dirty="0">
-                <a:solidFill>
-                  <a:srgbClr val="202124"/>
-                </a:solidFill>
-                <a:effectLst/>
-                <a:latin typeface="Google Sans"/>
-              </a:rPr>
-              <a:t> </a:t>
-            </a:r>
-            <a:r>
-              <a:rPr lang="it-IT" b="0" i="1" dirty="0" err="1">
-                <a:solidFill>
-                  <a:srgbClr val="202124"/>
-                </a:solidFill>
-                <a:effectLst/>
-                <a:latin typeface="Google Sans"/>
-              </a:rPr>
-              <a:t>centrality</a:t>
-            </a:r>
-            <a:r>
-              <a:rPr lang="it-IT" b="0" i="1" dirty="0">
-                <a:solidFill>
-                  <a:srgbClr val="202124"/>
-                </a:solidFill>
-                <a:effectLst/>
-                <a:latin typeface="Google Sans"/>
-              </a:rPr>
-              <a:t>: </a:t>
-            </a:r>
-            <a:r>
-              <a:rPr lang="it-IT" sz="1800" b="0" i="0" dirty="0">
-                <a:solidFill>
-                  <a:srgbClr val="000000"/>
-                </a:solidFill>
-                <a:effectLst/>
-              </a:rPr>
-              <a:t>è un’estensione della degree </a:t>
-            </a:r>
-            <a:r>
-              <a:rPr lang="it-IT" sz="1800" b="0" i="0" dirty="0" err="1">
-                <a:solidFill>
-                  <a:srgbClr val="000000"/>
-                </a:solidFill>
-                <a:effectLst/>
-              </a:rPr>
-              <a:t>centrality</a:t>
-            </a:r>
-            <a:r>
-              <a:rPr lang="it-IT" sz="1800" b="0" i="0" dirty="0">
-                <a:solidFill>
-                  <a:srgbClr val="000000"/>
-                </a:solidFill>
-                <a:effectLst/>
-              </a:rPr>
-              <a:t>. Nella </a:t>
-            </a:r>
-            <a:r>
-              <a:rPr lang="it-IT" sz="1800" b="0" i="0" dirty="0" err="1">
-                <a:solidFill>
-                  <a:srgbClr val="000000"/>
-                </a:solidFill>
-                <a:effectLst/>
-              </a:rPr>
-              <a:t>eigenvector</a:t>
-            </a:r>
-            <a:r>
-              <a:rPr lang="it-IT" sz="1800" b="0" i="0" dirty="0">
-                <a:solidFill>
-                  <a:srgbClr val="000000"/>
-                </a:solidFill>
-                <a:effectLst/>
-              </a:rPr>
-              <a:t> </a:t>
-            </a:r>
-            <a:r>
-              <a:rPr lang="it-IT" sz="1800" b="0" i="0" dirty="0" err="1">
-                <a:solidFill>
-                  <a:srgbClr val="000000"/>
-                </a:solidFill>
-                <a:effectLst/>
-              </a:rPr>
-              <a:t>centrality</a:t>
-            </a:r>
-            <a:r>
-              <a:rPr lang="it-IT" sz="1800" b="0" i="0" dirty="0">
-                <a:solidFill>
-                  <a:srgbClr val="000000"/>
-                </a:solidFill>
-                <a:effectLst/>
-              </a:rPr>
-              <a:t> non tutti i nodi sono equivalenti: alcuni sono più </a:t>
-            </a:r>
-            <a:r>
-              <a:rPr lang="it-IT" sz="1800" i="1" dirty="0">
-                <a:solidFill>
-                  <a:srgbClr val="000000"/>
-                </a:solidFill>
-              </a:rPr>
-              <a:t>importanti. </a:t>
-            </a:r>
-            <a:r>
-              <a:rPr kumimoji="0" lang="it-IT" altLang="it-IT" sz="1800" b="0" u="none" strike="noStrike" cap="none" normalizeH="0" baseline="0" dirty="0">
-                <a:ln>
-                  <a:noFill/>
-                </a:ln>
-                <a:solidFill>
-                  <a:srgbClr val="000000"/>
-                </a:solidFill>
-                <a:effectLst/>
-                <a:cs typeface="Times New Roman" panose="02020603050405020304" pitchFamily="18" charset="0"/>
-              </a:rPr>
-              <a:t>Secondo la tesi di </a:t>
-            </a:r>
-            <a:r>
-              <a:rPr kumimoji="0" lang="it-IT" altLang="it-IT" sz="1800" b="0" i="0" u="none" strike="noStrike" cap="none" normalizeH="0" baseline="0" dirty="0">
-                <a:ln>
-                  <a:noFill/>
-                </a:ln>
-                <a:solidFill>
-                  <a:srgbClr val="000000"/>
-                </a:solidFill>
-                <a:effectLst/>
-                <a:cs typeface="Times New Roman" panose="02020603050405020304" pitchFamily="18" charset="0"/>
-              </a:rPr>
-              <a:t>centralità dell'</a:t>
-            </a:r>
-            <a:r>
-              <a:rPr kumimoji="0" lang="it-IT" altLang="it-IT" sz="1800" b="0" i="0" u="none" strike="noStrike" cap="none" normalizeH="0" baseline="0" dirty="0" err="1">
-                <a:ln>
-                  <a:noFill/>
-                </a:ln>
-                <a:solidFill>
-                  <a:srgbClr val="000000"/>
-                </a:solidFill>
-                <a:effectLst/>
-                <a:cs typeface="Times New Roman" panose="02020603050405020304" pitchFamily="18" charset="0"/>
-              </a:rPr>
-              <a:t>autovettore</a:t>
-            </a:r>
-            <a:r>
-              <a:rPr kumimoji="0" lang="it-IT" altLang="it-IT" sz="1800" b="0" i="0" u="none" strike="noStrike" cap="none" normalizeH="0" baseline="0" dirty="0">
-                <a:ln>
-                  <a:noFill/>
-                </a:ln>
-                <a:solidFill>
-                  <a:srgbClr val="000000"/>
-                </a:solidFill>
-                <a:effectLst/>
-                <a:cs typeface="Times New Roman" panose="02020603050405020304" pitchFamily="18" charset="0"/>
-              </a:rPr>
-              <a:t> </a:t>
-            </a:r>
-            <a:r>
-              <a:rPr kumimoji="0" lang="it-IT" altLang="it-IT" sz="1800" b="0" i="1" u="none" strike="noStrike" cap="none" normalizeH="0" baseline="0" dirty="0">
-                <a:ln>
-                  <a:noFill/>
-                </a:ln>
-                <a:solidFill>
-                  <a:srgbClr val="000000"/>
-                </a:solidFill>
-                <a:effectLst/>
-                <a:cs typeface="Times New Roman" panose="02020603050405020304" pitchFamily="18" charset="0"/>
-              </a:rPr>
-              <a:t>u</a:t>
-            </a:r>
-            <a:r>
-              <a:rPr kumimoji="0" lang="it-IT" altLang="it-IT" sz="1800" b="0" i="1" u="none" strike="noStrike" cap="none" normalizeH="0" baseline="0" dirty="0">
-                <a:ln>
-                  <a:noFill/>
-                </a:ln>
-                <a:solidFill>
-                  <a:schemeClr val="tx1"/>
-                </a:solidFill>
-                <a:effectLst/>
-              </a:rPr>
-              <a:t>n nodo è importante se è collegato da altri nodi importanti.</a:t>
-            </a:r>
-            <a:r>
-              <a:rPr kumimoji="0" lang="it-IT" altLang="it-IT" sz="1800" b="0" i="0" u="none" strike="noStrike" cap="none" normalizeH="0" baseline="0" dirty="0">
-                <a:ln>
-                  <a:noFill/>
-                </a:ln>
-                <a:solidFill>
-                  <a:schemeClr val="tx1"/>
-                </a:solidFill>
-                <a:effectLst/>
-              </a:rPr>
-              <a:t> </a:t>
-            </a:r>
-            <a:r>
-              <a:rPr lang="it-IT" sz="1800" b="0" i="0" dirty="0">
-                <a:solidFill>
-                  <a:srgbClr val="2E2E2E"/>
-                </a:solidFill>
-                <a:effectLst/>
-              </a:rPr>
-              <a:t>La centralità dell'</a:t>
-            </a:r>
-            <a:r>
-              <a:rPr lang="it-IT" sz="1800" b="0" i="0" dirty="0" err="1">
-                <a:solidFill>
-                  <a:srgbClr val="2E2E2E"/>
-                </a:solidFill>
-                <a:effectLst/>
-              </a:rPr>
-              <a:t>autovettore</a:t>
-            </a:r>
-            <a:r>
-              <a:rPr lang="it-IT" sz="1800" b="0" i="0" dirty="0">
-                <a:solidFill>
-                  <a:srgbClr val="2E2E2E"/>
-                </a:solidFill>
-                <a:effectLst/>
-              </a:rPr>
-              <a:t> misura l'importanza di un nodo tenendo conto dell'importanza dei suoi vicini.</a:t>
-            </a:r>
-            <a:endParaRPr lang="it-IT" sz="1800" dirty="0"/>
-          </a:p>
-        </p:txBody>
-      </p:sp>
-    </p:spTree>
-    <p:extLst>
-      <p:ext uri="{BB962C8B-B14F-4D97-AF65-F5344CB8AC3E}">
-        <p14:creationId xmlns:p14="http://schemas.microsoft.com/office/powerpoint/2010/main" val="145932206"/>
-      </p:ext>
-    </p:extLst>
-  </p:cSld>
-  <p:clrMapOvr>
-    <a:masterClrMapping/>
-  </p:clrMapOvr>
-</p:sld>
-</file>
-
-<file path=ppt/slides/slide15.xml><?xml version="1.0" encoding="utf-8"?>
-<p:sld xmlns:a="http://schemas.openxmlformats.org/drawingml/2006/main" xmlns:r="http://schemas.openxmlformats.org/officeDocument/2006/relationships" xmlns:p="http://schemas.openxmlformats.org/presentationml/2006/main">
-  <p:cSld>
-    <p:spTree>
-      <p:nvGrpSpPr>
-        <p:cNvPr id="1" name=""/>
-        <p:cNvGrpSpPr/>
-        <p:nvPr/>
-      </p:nvGrpSpPr>
-      <p:grpSpPr>
-        <a:xfrm>
-          <a:off x="0" y="0"/>
-          <a:ext cx="0" cy="0"/>
-          <a:chOff x="0" y="0"/>
-          <a:chExt cx="0" cy="0"/>
-        </a:xfrm>
-      </p:grpSpPr>
-      <p:sp>
-        <p:nvSpPr>
-          <p:cNvPr id="2" name="Titolo 1">
-            <a:extLst>
-              <a:ext uri="{FF2B5EF4-FFF2-40B4-BE49-F238E27FC236}">
-                <a16:creationId xmlns:a16="http://schemas.microsoft.com/office/drawing/2014/main" id="{C7A5E502-E104-47E3-9345-1E11CC139FF4}"/>
-              </a:ext>
-            </a:extLst>
-          </p:cNvPr>
-          <p:cNvSpPr>
-            <a:spLocks noGrp="1"/>
-          </p:cNvSpPr>
-          <p:nvPr>
-            <p:ph type="title"/>
-          </p:nvPr>
-        </p:nvSpPr>
-        <p:spPr>
-          <a:xfrm>
-            <a:off x="319726" y="214296"/>
-            <a:ext cx="5883111" cy="690677"/>
-          </a:xfrm>
-        </p:spPr>
-        <p:txBody>
-          <a:bodyPr>
-            <a:normAutofit fontScale="90000"/>
-          </a:bodyPr>
-          <a:lstStyle/>
-          <a:p>
-            <a:r>
-              <a:rPr lang="it-IT" b="1" i="1" dirty="0">
-                <a:solidFill>
-                  <a:schemeClr val="accent6">
-                    <a:lumMod val="75000"/>
-                  </a:schemeClr>
-                </a:solidFill>
-              </a:rPr>
-              <a:t>BETWEENNESS CENTRALITY</a:t>
-            </a:r>
-            <a:endParaRPr lang="it-IT" dirty="0"/>
-          </a:p>
-        </p:txBody>
-      </p:sp>
-      <p:pic>
-        <p:nvPicPr>
-          <p:cNvPr id="5" name="Segnaposto contenuto 4">
-            <a:extLst>
-              <a:ext uri="{FF2B5EF4-FFF2-40B4-BE49-F238E27FC236}">
-                <a16:creationId xmlns:a16="http://schemas.microsoft.com/office/drawing/2014/main" id="{F824B973-FB90-4AC0-BB4C-E2D4F119A421}"/>
-              </a:ext>
-            </a:extLst>
-          </p:cNvPr>
-          <p:cNvPicPr>
-            <a:picLocks noGrp="1" noChangeAspect="1"/>
-          </p:cNvPicPr>
-          <p:nvPr>
-            <p:ph idx="1"/>
-          </p:nvPr>
-        </p:nvPicPr>
-        <p:blipFill>
-          <a:blip r:embed="rId2">
-            <a:extLst>
-              <a:ext uri="{28A0092B-C50C-407E-A947-70E740481C1C}">
-                <a14:useLocalDpi xmlns:a14="http://schemas.microsoft.com/office/drawing/2010/main" val="0"/>
-              </a:ext>
-            </a:extLst>
-          </a:blip>
-          <a:stretch>
-            <a:fillRect/>
-          </a:stretch>
-        </p:blipFill>
-        <p:spPr>
-          <a:xfrm>
-            <a:off x="319726" y="987006"/>
-            <a:ext cx="11261071" cy="5197417"/>
-          </a:xfrm>
-        </p:spPr>
-      </p:pic>
-      <p:sp>
-        <p:nvSpPr>
-          <p:cNvPr id="3" name="CasellaDiTesto 2">
-            <a:extLst>
-              <a:ext uri="{FF2B5EF4-FFF2-40B4-BE49-F238E27FC236}">
-                <a16:creationId xmlns:a16="http://schemas.microsoft.com/office/drawing/2014/main" id="{C0BC88B6-B798-4F52-99E0-B607864609E5}"/>
-              </a:ext>
-            </a:extLst>
-          </p:cNvPr>
-          <p:cNvSpPr txBox="1"/>
-          <p:nvPr/>
-        </p:nvSpPr>
-        <p:spPr>
-          <a:xfrm>
-            <a:off x="828452" y="6184423"/>
-            <a:ext cx="11043822" cy="523220"/>
-          </a:xfrm>
-          <a:prstGeom prst="rect">
-            <a:avLst/>
-          </a:prstGeom>
-          <a:noFill/>
-        </p:spPr>
-        <p:txBody>
-          <a:bodyPr wrap="square" rtlCol="0">
-            <a:spAutoFit/>
-          </a:bodyPr>
-          <a:lstStyle/>
-          <a:p>
-            <a:r>
-              <a:rPr lang="it-IT" sz="1400" i="1" dirty="0"/>
-              <a:t>Sull’asse x sono segnati i possibili valori di </a:t>
-            </a:r>
-            <a:r>
-              <a:rPr lang="it-IT" sz="1400" i="1" dirty="0" err="1"/>
-              <a:t>betweenness</a:t>
-            </a:r>
-            <a:r>
-              <a:rPr lang="it-IT" sz="1400" i="1" dirty="0"/>
-              <a:t> </a:t>
-            </a:r>
-            <a:r>
-              <a:rPr lang="it-IT" sz="1400" i="1" dirty="0" err="1"/>
-              <a:t>centrality</a:t>
-            </a:r>
-            <a:r>
-              <a:rPr lang="it-IT" sz="1400" i="1" dirty="0"/>
-              <a:t>, sull’asse y il grado dei nodi su cui si calcola la </a:t>
-            </a:r>
-            <a:r>
-              <a:rPr lang="it-IT" sz="1400" i="1" dirty="0" err="1"/>
-              <a:t>betweenness</a:t>
-            </a:r>
-            <a:r>
-              <a:rPr lang="it-IT" sz="1400" i="1" dirty="0"/>
-              <a:t>. Il grafico rappresenta la distribuzione della </a:t>
-            </a:r>
-            <a:r>
-              <a:rPr lang="it-IT" sz="1400" i="1" dirty="0" err="1"/>
-              <a:t>betweenness</a:t>
-            </a:r>
-            <a:r>
-              <a:rPr lang="it-IT" sz="1400" i="1" dirty="0"/>
-              <a:t> </a:t>
-            </a:r>
-            <a:r>
-              <a:rPr lang="it-IT" sz="1400" i="1" dirty="0" err="1"/>
-              <a:t>centrality</a:t>
-            </a:r>
-            <a:r>
-              <a:rPr lang="it-IT" sz="1400" i="1" dirty="0"/>
-              <a:t> in base al grado dei nodi della rete.</a:t>
-            </a:r>
-          </a:p>
-        </p:txBody>
-      </p:sp>
-    </p:spTree>
-    <p:extLst>
-      <p:ext uri="{BB962C8B-B14F-4D97-AF65-F5344CB8AC3E}">
-        <p14:creationId xmlns:p14="http://schemas.microsoft.com/office/powerpoint/2010/main" val="3106528890"/>
-      </p:ext>
-    </p:extLst>
-  </p:cSld>
-  <p:clrMapOvr>
-    <a:masterClrMapping/>
-  </p:clrMapOvr>
-</p:sld>
-</file>
-
 <file path=ppt/slides/slide16.xml><?xml version="1.0" encoding="utf-8"?>
 <p:sld xmlns:a="http://schemas.openxmlformats.org/drawingml/2006/main" xmlns:r="http://schemas.openxmlformats.org/officeDocument/2006/relationships" xmlns:p="http://schemas.openxmlformats.org/presentationml/2006/main">
   <p:cSld>
@@ -4931,7 +5140,7 @@
           <p:cNvPr id="2" name="Titolo 1">
             <a:extLst>
               <a:ext uri="{FF2B5EF4-FFF2-40B4-BE49-F238E27FC236}">
-                <a16:creationId xmlns:a16="http://schemas.microsoft.com/office/drawing/2014/main" id="{A092DAE7-65B2-4970-991D-83A318823389}"/>
+                <a16:creationId xmlns:a16="http://schemas.microsoft.com/office/drawing/2014/main" id="{C03DC207-7A70-4324-B2F0-AE15E29A1085}"/>
               </a:ext>
             </a:extLst>
           </p:cNvPr>
@@ -4944,8 +5153,8 @@
         </p:nvSpPr>
         <p:spPr>
           <a:xfrm>
-            <a:off x="113122" y="94268"/>
-            <a:ext cx="10515600" cy="957319"/>
+            <a:off x="371475" y="365125"/>
+            <a:ext cx="10982325" cy="939891"/>
           </a:xfrm>
         </p:spPr>
         <p:txBody>
@@ -4960,286 +5169,148 @@
                   </a:schemeClr>
                 </a:solidFill>
               </a:rPr>
-              <a:t>CLOSENESS CENTRALITY</a:t>
-            </a:r>
-            <a:endParaRPr lang="it-IT" dirty="0"/>
-          </a:p>
-        </p:txBody>
-      </p:sp>
-      <p:pic>
-        <p:nvPicPr>
-          <p:cNvPr id="5" name="Segnaposto contenuto 4">
-            <a:extLst>
-              <a:ext uri="{FF2B5EF4-FFF2-40B4-BE49-F238E27FC236}">
-                <a16:creationId xmlns:a16="http://schemas.microsoft.com/office/drawing/2014/main" id="{6D4AC5E1-458D-4BD4-B014-13180D0487FD}"/>
-              </a:ext>
-            </a:extLst>
-          </p:cNvPr>
-          <p:cNvPicPr>
-            <a:picLocks noGrp="1" noChangeAspect="1"/>
-          </p:cNvPicPr>
+              <a:t> TRASFORMAZIONE DA MULTIGRAFO A GRAFO</a:t>
+            </a:r>
+          </a:p>
+        </p:txBody>
+      </p:sp>
+      <p:sp>
+        <p:nvSpPr>
+          <p:cNvPr id="3" name="Segnaposto contenuto 2">
+            <a:extLst>
+              <a:ext uri="{FF2B5EF4-FFF2-40B4-BE49-F238E27FC236}">
+                <a16:creationId xmlns:a16="http://schemas.microsoft.com/office/drawing/2014/main" id="{662DC267-D4AE-443F-80F0-C4966F831BAC}"/>
+              </a:ext>
+            </a:extLst>
+          </p:cNvPr>
+          <p:cNvSpPr>
+            <a:spLocks noGrp="1"/>
+          </p:cNvSpPr>
           <p:nvPr>
             <p:ph idx="1"/>
           </p:nvPr>
-        </p:nvPicPr>
-        <p:blipFill>
-          <a:blip r:embed="rId2">
-            <a:extLst>
-              <a:ext uri="{28A0092B-C50C-407E-A947-70E740481C1C}">
-                <a14:useLocalDpi xmlns:a14="http://schemas.microsoft.com/office/drawing/2010/main" val="0"/>
-              </a:ext>
-            </a:extLst>
-          </a:blip>
-          <a:stretch>
-            <a:fillRect/>
-          </a:stretch>
-        </p:blipFill>
+        </p:nvSpPr>
         <p:spPr>
           <a:xfrm>
-            <a:off x="0" y="724089"/>
-            <a:ext cx="11274641" cy="5203680"/>
+            <a:off x="722791" y="1305016"/>
+            <a:ext cx="10515600" cy="4351338"/>
           </a:xfrm>
         </p:spPr>
-      </p:pic>
-      <p:sp>
-        <p:nvSpPr>
-          <p:cNvPr id="6" name="CasellaDiTesto 5">
-            <a:extLst>
-              <a:ext uri="{FF2B5EF4-FFF2-40B4-BE49-F238E27FC236}">
-                <a16:creationId xmlns:a16="http://schemas.microsoft.com/office/drawing/2014/main" id="{BF36E417-168B-492E-96D1-AC5FD4D87AFA}"/>
-              </a:ext>
-            </a:extLst>
-          </p:cNvPr>
-          <p:cNvSpPr txBox="1"/>
-          <p:nvPr/>
-        </p:nvSpPr>
-        <p:spPr>
-          <a:xfrm>
-            <a:off x="1180730" y="5813985"/>
-            <a:ext cx="9259410" cy="523220"/>
-          </a:xfrm>
-          <a:prstGeom prst="rect">
-            <a:avLst/>
-          </a:prstGeom>
-          <a:noFill/>
-        </p:spPr>
-        <p:txBody>
-          <a:bodyPr wrap="square">
-            <a:spAutoFit/>
+        <p:txBody>
+          <a:bodyPr>
+            <a:normAutofit fontScale="92500" lnSpcReduction="10000"/>
           </a:bodyPr>
           <a:lstStyle/>
           <a:p>
-            <a:pPr marL="0" marR="0" lvl="0" indent="0" algn="l" defTabSz="914400" rtl="0" eaLnBrk="1" fontAlgn="auto" latinLnBrk="0" hangingPunct="1">
-              <a:lnSpc>
-                <a:spcPct val="100000"/>
-              </a:lnSpc>
-              <a:spcBef>
-                <a:spcPts val="0"/>
-              </a:spcBef>
-              <a:spcAft>
-                <a:spcPts val="0"/>
-              </a:spcAft>
-              <a:buClrTx/>
-              <a:buSzTx/>
-              <a:buFontTx/>
+            <a:pPr marL="0" indent="0">
               <a:buNone/>
-              <a:tabLst/>
-              <a:defRPr/>
             </a:pPr>
             <a:r>
-              <a:rPr kumimoji="0" lang="it-IT" sz="1400" b="0" i="1" u="none" strike="noStrike" kern="1200" cap="none" spc="0" normalizeH="0" baseline="0" noProof="0" dirty="0">
-                <a:ln>
-                  <a:noFill/>
-                </a:ln>
-                <a:solidFill>
-                  <a:prstClr val="black"/>
-                </a:solidFill>
-                <a:effectLst/>
-                <a:uLnTx/>
-                <a:uFillTx/>
-                <a:latin typeface="Calibri" panose="020F0502020204030204"/>
-                <a:ea typeface="+mn-ea"/>
-                <a:cs typeface="+mn-cs"/>
-              </a:rPr>
-              <a:t>Sull’asse x sono segnati i possibili valori di </a:t>
-            </a:r>
-            <a:r>
-              <a:rPr kumimoji="0" lang="it-IT" sz="1400" b="0" i="1" u="none" strike="noStrike" kern="1200" cap="none" spc="0" normalizeH="0" baseline="0" noProof="0" dirty="0" err="1">
-                <a:ln>
-                  <a:noFill/>
-                </a:ln>
-                <a:solidFill>
-                  <a:prstClr val="black"/>
-                </a:solidFill>
-                <a:effectLst/>
-                <a:uLnTx/>
-                <a:uFillTx/>
-                <a:latin typeface="Calibri" panose="020F0502020204030204"/>
-                <a:ea typeface="+mn-ea"/>
-                <a:cs typeface="+mn-cs"/>
-              </a:rPr>
-              <a:t>closeness</a:t>
-            </a:r>
-            <a:r>
-              <a:rPr kumimoji="0" lang="it-IT" sz="1400" b="0" i="1" u="none" strike="noStrike" kern="1200" cap="none" spc="0" normalizeH="0" baseline="0" noProof="0" dirty="0">
-                <a:ln>
-                  <a:noFill/>
-                </a:ln>
-                <a:solidFill>
-                  <a:prstClr val="black"/>
-                </a:solidFill>
-                <a:effectLst/>
-                <a:uLnTx/>
-                <a:uFillTx/>
-                <a:latin typeface="Calibri" panose="020F0502020204030204"/>
-                <a:ea typeface="+mn-ea"/>
-                <a:cs typeface="+mn-cs"/>
-              </a:rPr>
-              <a:t> </a:t>
-            </a:r>
-            <a:r>
-              <a:rPr kumimoji="0" lang="it-IT" sz="1400" b="0" i="1" u="none" strike="noStrike" kern="1200" cap="none" spc="0" normalizeH="0" baseline="0" noProof="0" dirty="0" err="1">
-                <a:ln>
-                  <a:noFill/>
-                </a:ln>
-                <a:solidFill>
-                  <a:prstClr val="black"/>
-                </a:solidFill>
-                <a:effectLst/>
-                <a:uLnTx/>
-                <a:uFillTx/>
-                <a:latin typeface="Calibri" panose="020F0502020204030204"/>
-                <a:ea typeface="+mn-ea"/>
-                <a:cs typeface="+mn-cs"/>
-              </a:rPr>
-              <a:t>centrality</a:t>
-            </a:r>
-            <a:r>
-              <a:rPr kumimoji="0" lang="it-IT" sz="1400" b="0" i="1" u="none" strike="noStrike" kern="1200" cap="none" spc="0" normalizeH="0" baseline="0" noProof="0" dirty="0">
-                <a:ln>
-                  <a:noFill/>
-                </a:ln>
-                <a:solidFill>
-                  <a:prstClr val="black"/>
-                </a:solidFill>
-                <a:effectLst/>
-                <a:uLnTx/>
-                <a:uFillTx/>
-                <a:latin typeface="Calibri" panose="020F0502020204030204"/>
-                <a:ea typeface="+mn-ea"/>
-                <a:cs typeface="+mn-cs"/>
-              </a:rPr>
-              <a:t>, sull’asse y il grado dei nodi su cui si calcola la </a:t>
-            </a:r>
-            <a:r>
-              <a:rPr kumimoji="0" lang="it-IT" sz="1400" b="0" i="1" u="none" strike="noStrike" kern="1200" cap="none" spc="0" normalizeH="0" baseline="0" noProof="0" dirty="0" err="1">
-                <a:ln>
-                  <a:noFill/>
-                </a:ln>
-                <a:solidFill>
-                  <a:prstClr val="black"/>
-                </a:solidFill>
-                <a:effectLst/>
-                <a:uLnTx/>
-                <a:uFillTx/>
-                <a:latin typeface="Calibri" panose="020F0502020204030204"/>
-                <a:ea typeface="+mn-ea"/>
-                <a:cs typeface="+mn-cs"/>
-              </a:rPr>
-              <a:t>closeness</a:t>
-            </a:r>
-            <a:r>
-              <a:rPr kumimoji="0" lang="it-IT" sz="1400" b="0" i="1" u="none" strike="noStrike" kern="1200" cap="none" spc="0" normalizeH="0" baseline="0" noProof="0" dirty="0">
-                <a:ln>
-                  <a:noFill/>
-                </a:ln>
-                <a:solidFill>
-                  <a:prstClr val="black"/>
-                </a:solidFill>
-                <a:effectLst/>
-                <a:uLnTx/>
-                <a:uFillTx/>
-                <a:latin typeface="Calibri" panose="020F0502020204030204"/>
-                <a:ea typeface="+mn-ea"/>
-                <a:cs typeface="+mn-cs"/>
-              </a:rPr>
-              <a:t>. Il grafico rappresenta la distribuzione della </a:t>
-            </a:r>
-            <a:r>
-              <a:rPr kumimoji="0" lang="it-IT" sz="1400" b="0" i="1" u="none" strike="noStrike" kern="1200" cap="none" spc="0" normalizeH="0" baseline="0" noProof="0" dirty="0" err="1">
-                <a:ln>
-                  <a:noFill/>
-                </a:ln>
-                <a:solidFill>
-                  <a:prstClr val="black"/>
-                </a:solidFill>
-                <a:effectLst/>
-                <a:uLnTx/>
-                <a:uFillTx/>
-                <a:latin typeface="Calibri" panose="020F0502020204030204"/>
-                <a:ea typeface="+mn-ea"/>
-                <a:cs typeface="+mn-cs"/>
-              </a:rPr>
-              <a:t>closeness</a:t>
-            </a:r>
-            <a:r>
-              <a:rPr kumimoji="0" lang="it-IT" sz="1400" b="0" i="1" u="none" strike="noStrike" kern="1200" cap="none" spc="0" normalizeH="0" baseline="0" noProof="0" dirty="0">
-                <a:ln>
-                  <a:noFill/>
-                </a:ln>
-                <a:solidFill>
-                  <a:prstClr val="black"/>
-                </a:solidFill>
-                <a:effectLst/>
-                <a:uLnTx/>
-                <a:uFillTx/>
-                <a:latin typeface="Calibri" panose="020F0502020204030204"/>
-                <a:ea typeface="+mn-ea"/>
-                <a:cs typeface="+mn-cs"/>
-              </a:rPr>
-              <a:t> </a:t>
-            </a:r>
-            <a:r>
-              <a:rPr kumimoji="0" lang="it-IT" sz="1400" b="0" i="1" u="none" strike="noStrike" kern="1200" cap="none" spc="0" normalizeH="0" baseline="0" noProof="0" dirty="0" err="1">
-                <a:ln>
-                  <a:noFill/>
-                </a:ln>
-                <a:solidFill>
-                  <a:prstClr val="black"/>
-                </a:solidFill>
-                <a:effectLst/>
-                <a:uLnTx/>
-                <a:uFillTx/>
-                <a:latin typeface="Calibri" panose="020F0502020204030204"/>
-                <a:ea typeface="+mn-ea"/>
-                <a:cs typeface="+mn-cs"/>
-              </a:rPr>
-              <a:t>centrality</a:t>
-            </a:r>
-            <a:r>
-              <a:rPr kumimoji="0" lang="it-IT" sz="1400" b="0" i="1" u="none" strike="noStrike" kern="1200" cap="none" spc="0" normalizeH="0" baseline="0" noProof="0" dirty="0">
-                <a:ln>
-                  <a:noFill/>
-                </a:ln>
-                <a:solidFill>
-                  <a:prstClr val="black"/>
-                </a:solidFill>
-                <a:effectLst/>
-                <a:uLnTx/>
-                <a:uFillTx/>
-                <a:latin typeface="Calibri" panose="020F0502020204030204"/>
-                <a:ea typeface="+mn-ea"/>
-                <a:cs typeface="+mn-cs"/>
-              </a:rPr>
-              <a:t> in base al grado dei nodi della rete.</a:t>
-            </a:r>
+              <a:rPr lang="it-IT" sz="1900" dirty="0"/>
+              <a:t>Per poter proseguire con l’Analisi di Centralità è necessario collassare i canali multielemento in un solo canale, trasformando così il </a:t>
+            </a:r>
+            <a:r>
+              <a:rPr lang="it-IT" sz="1900" dirty="0" err="1"/>
+              <a:t>Multigrafo</a:t>
+            </a:r>
+            <a:r>
+              <a:rPr lang="it-IT" sz="1900" dirty="0"/>
+              <a:t> in Grafo semplice.</a:t>
+            </a:r>
+          </a:p>
+          <a:p>
+            <a:pPr marL="0" indent="0">
+              <a:buNone/>
+            </a:pPr>
+            <a:r>
+              <a:rPr lang="it-IT" sz="1900" dirty="0"/>
+              <a:t>Ogni attributo associato al canale nel Grafo avrà come valore la media dei valori associati allo stesso attributo nei canali multielemento.</a:t>
+            </a:r>
+          </a:p>
+          <a:p>
+            <a:pPr marL="0" indent="0">
+              <a:buNone/>
+            </a:pPr>
+            <a:endParaRPr lang="it-IT" sz="1900" b="0" i="0" dirty="0">
+              <a:solidFill>
+                <a:srgbClr val="5E666A"/>
+              </a:solidFill>
+              <a:effectLst/>
+              <a:latin typeface="Nunito" panose="020B0604020202020204" pitchFamily="2" charset="0"/>
+            </a:endParaRPr>
+          </a:p>
+          <a:p>
+            <a:pPr marL="0" indent="0">
+              <a:buNone/>
+            </a:pPr>
+            <a:endParaRPr lang="it-IT" sz="1400" b="0" i="0" dirty="0">
+              <a:solidFill>
+                <a:srgbClr val="5E666A"/>
+              </a:solidFill>
+              <a:effectLst/>
+              <a:latin typeface="Nunito" panose="020B0604020202020204" pitchFamily="2" charset="0"/>
+            </a:endParaRPr>
+          </a:p>
+          <a:p>
+            <a:pPr marL="0" indent="0">
+              <a:buNone/>
+            </a:pPr>
+            <a:r>
+              <a:rPr lang="it-IT" sz="1900" dirty="0"/>
+              <a:t>Per calcolare lo scostamento dei valori originari degli attributi rispetto alla media ho calcolato la deviazione standard, ottenendo che:</a:t>
+            </a:r>
+          </a:p>
+          <a:p>
+            <a:r>
+              <a:rPr lang="it-IT" sz="1900" dirty="0"/>
+              <a:t>nel 64% dei canali non c’è scostamento di nessun valore </a:t>
+            </a:r>
+          </a:p>
+          <a:p>
+            <a:r>
+              <a:rPr lang="it-IT" sz="1900" dirty="0"/>
+              <a:t>nel 18% dei canali c’è scostamento di una sola coppia di valori, tra cui </a:t>
+            </a:r>
+          </a:p>
+          <a:p>
+            <a:pPr marL="0" indent="0">
+              <a:buNone/>
+            </a:pPr>
+            <a:r>
+              <a:rPr lang="it-IT" sz="1900" dirty="0"/>
+              <a:t>	-nell’ 1% lo scostamento è di un valore &gt;= 1000</a:t>
+            </a:r>
+          </a:p>
+          <a:p>
+            <a:pPr marL="0" indent="0">
+              <a:buNone/>
+            </a:pPr>
+            <a:r>
+              <a:rPr lang="it-IT" sz="1900" dirty="0"/>
+              <a:t>	-nel 27% lo scostamento è di un valore &gt;=100</a:t>
+            </a:r>
+          </a:p>
+          <a:p>
+            <a:r>
+              <a:rPr lang="it-IT" sz="1900" dirty="0"/>
+              <a:t>nello 0% dei  canali c’è scostamento di tutte e tre le coppie di valori		</a:t>
+            </a:r>
+          </a:p>
+          <a:p>
+            <a:endParaRPr lang="it-IT" sz="1900" dirty="0"/>
+          </a:p>
+          <a:p>
+            <a:pPr marL="0" indent="0">
+              <a:buNone/>
+            </a:pPr>
+            <a:endParaRPr lang="it-IT" sz="1900" dirty="0"/>
           </a:p>
         </p:txBody>
       </p:sp>
     </p:spTree>
     <p:extLst>
       <p:ext uri="{BB962C8B-B14F-4D97-AF65-F5344CB8AC3E}">
-        <p14:creationId xmlns:p14="http://schemas.microsoft.com/office/powerpoint/2010/main" val="3474276271"/>
+        <p14:creationId xmlns:p14="http://schemas.microsoft.com/office/powerpoint/2010/main" val="3818549441"/>
       </p:ext>
     </p:extLst>
   </p:cSld>
@@ -5271,7 +5342,7 @@
           <p:cNvPr id="2" name="Titolo 1">
             <a:extLst>
               <a:ext uri="{FF2B5EF4-FFF2-40B4-BE49-F238E27FC236}">
-                <a16:creationId xmlns:a16="http://schemas.microsoft.com/office/drawing/2014/main" id="{F7606FE5-94B6-4729-897C-5768127C6EA2}"/>
+                <a16:creationId xmlns:a16="http://schemas.microsoft.com/office/drawing/2014/main" id="{B28106EB-6B82-4EAB-AA40-2FE75D4CCEA4}"/>
               </a:ext>
             </a:extLst>
           </p:cNvPr>
@@ -5284,8 +5355,8 @@
         </p:nvSpPr>
         <p:spPr>
           <a:xfrm>
-            <a:off x="263165" y="141401"/>
-            <a:ext cx="10515600" cy="816516"/>
+            <a:off x="194035" y="91748"/>
+            <a:ext cx="5901965" cy="775517"/>
           </a:xfrm>
         </p:spPr>
         <p:txBody>
@@ -5300,184 +5371,373 @@
                   </a:schemeClr>
                 </a:solidFill>
               </a:rPr>
-              <a:t>DEGREE CENTRALITY</a:t>
-            </a:r>
-            <a:endParaRPr lang="it-IT" dirty="0"/>
-          </a:p>
-        </p:txBody>
-      </p:sp>
-      <p:pic>
-        <p:nvPicPr>
-          <p:cNvPr id="5" name="Segnaposto contenuto 4" descr="Immagine che contiene tavolo&#10;&#10;Descrizione generata automaticamente">
-            <a:extLst>
-              <a:ext uri="{FF2B5EF4-FFF2-40B4-BE49-F238E27FC236}">
-                <a16:creationId xmlns:a16="http://schemas.microsoft.com/office/drawing/2014/main" id="{2F06E274-C0BF-4C40-BAC2-84DC39F9AAA3}"/>
-              </a:ext>
-            </a:extLst>
-          </p:cNvPr>
-          <p:cNvPicPr>
-            <a:picLocks noGrp="1" noChangeAspect="1"/>
-          </p:cNvPicPr>
+              <a:t>ANALISI DI CENTRALITA’</a:t>
+            </a:r>
+          </a:p>
+        </p:txBody>
+      </p:sp>
+      <p:sp>
+        <p:nvSpPr>
+          <p:cNvPr id="3" name="Segnaposto contenuto 2">
+            <a:extLst>
+              <a:ext uri="{FF2B5EF4-FFF2-40B4-BE49-F238E27FC236}">
+                <a16:creationId xmlns:a16="http://schemas.microsoft.com/office/drawing/2014/main" id="{15C9D13E-7433-49CA-AB6A-7860A0D30BE8}"/>
+              </a:ext>
+            </a:extLst>
+          </p:cNvPr>
+          <p:cNvSpPr>
+            <a:spLocks noGrp="1"/>
+          </p:cNvSpPr>
           <p:nvPr>
             <p:ph idx="1"/>
           </p:nvPr>
-        </p:nvPicPr>
-        <p:blipFill>
-          <a:blip r:embed="rId2">
-            <a:extLst>
-              <a:ext uri="{28A0092B-C50C-407E-A947-70E740481C1C}">
-                <a14:useLocalDpi xmlns:a14="http://schemas.microsoft.com/office/drawing/2010/main" val="0"/>
-              </a:ext>
-            </a:extLst>
-          </a:blip>
-          <a:stretch>
-            <a:fillRect/>
-          </a:stretch>
-        </p:blipFill>
+        </p:nvSpPr>
         <p:spPr>
           <a:xfrm>
-            <a:off x="263165" y="957917"/>
-            <a:ext cx="11183659" cy="5161688"/>
+            <a:off x="782425" y="1272619"/>
+            <a:ext cx="10571375" cy="4904344"/>
           </a:xfrm>
         </p:spPr>
-      </p:pic>
-      <p:sp>
-        <p:nvSpPr>
-          <p:cNvPr id="4" name="CasellaDiTesto 3">
-            <a:extLst>
-              <a:ext uri="{FF2B5EF4-FFF2-40B4-BE49-F238E27FC236}">
-                <a16:creationId xmlns:a16="http://schemas.microsoft.com/office/drawing/2014/main" id="{64081359-6018-4855-A3AC-2D6EDD00AAA5}"/>
-              </a:ext>
-            </a:extLst>
-          </p:cNvPr>
-          <p:cNvSpPr txBox="1"/>
-          <p:nvPr/>
-        </p:nvSpPr>
-        <p:spPr>
-          <a:xfrm>
-            <a:off x="1225289" y="6000416"/>
-            <a:ext cx="9987208" cy="523220"/>
-          </a:xfrm>
-          <a:prstGeom prst="rect">
-            <a:avLst/>
-          </a:prstGeom>
-          <a:noFill/>
-        </p:spPr>
-        <p:txBody>
-          <a:bodyPr wrap="square">
-            <a:spAutoFit/>
-          </a:bodyPr>
+        <p:txBody>
+          <a:bodyPr/>
           <a:lstStyle/>
           <a:p>
-            <a:pPr marL="0" marR="0" lvl="0" indent="0" algn="l" defTabSz="914400" rtl="0" eaLnBrk="1" fontAlgn="auto" latinLnBrk="0" hangingPunct="1">
+            <a:r>
+              <a:rPr lang="it-IT" i="1" dirty="0" err="1"/>
+              <a:t>Betweenness</a:t>
+            </a:r>
+            <a:r>
+              <a:rPr lang="it-IT" i="1" dirty="0"/>
+              <a:t> </a:t>
+            </a:r>
+            <a:r>
+              <a:rPr lang="it-IT" i="1" dirty="0" err="1"/>
+              <a:t>Centrality</a:t>
+            </a:r>
+            <a:r>
+              <a:rPr lang="it-IT" i="1" dirty="0"/>
+              <a:t>:</a:t>
+            </a:r>
+            <a:r>
+              <a:rPr lang="it-IT" sz="2000" b="0" i="0" dirty="0">
+                <a:solidFill>
+                  <a:srgbClr val="2E2E2E"/>
+                </a:solidFill>
+                <a:effectLst/>
+                <a:latin typeface="NexusSans"/>
+              </a:rPr>
+              <a:t> </a:t>
+            </a:r>
+            <a:r>
+              <a:rPr lang="it-IT" sz="1800" dirty="0"/>
+              <a:t>stima la rilevanza di un nodo in base al numero di cammini di minima lunghezza che lo attraversano.</a:t>
+            </a:r>
+          </a:p>
+          <a:p>
+            <a:r>
+              <a:rPr lang="it-IT" i="1" dirty="0" err="1"/>
+              <a:t>Closeness</a:t>
+            </a:r>
+            <a:r>
+              <a:rPr lang="it-IT" i="1" dirty="0"/>
+              <a:t> </a:t>
+            </a:r>
+            <a:r>
+              <a:rPr lang="it-IT" i="1" dirty="0" err="1"/>
+              <a:t>centrality</a:t>
+            </a:r>
+            <a:r>
+              <a:rPr lang="it-IT" i="1" dirty="0"/>
+              <a:t>: </a:t>
+            </a:r>
+            <a:r>
+              <a:rPr lang="it-IT" sz="1800" dirty="0"/>
+              <a:t>il valore di </a:t>
+            </a:r>
+            <a:r>
+              <a:rPr lang="it-IT" sz="1800" dirty="0" err="1"/>
+              <a:t>closeness</a:t>
+            </a:r>
+            <a:r>
+              <a:rPr lang="it-IT" sz="1800" dirty="0"/>
+              <a:t> di un nodo stima il grado di vicinanza del nodo stesso dal resto dei nodi del grafo.</a:t>
+            </a:r>
+          </a:p>
+          <a:p>
+            <a:r>
+              <a:rPr lang="it-IT" i="1" dirty="0"/>
+              <a:t>Degree </a:t>
+            </a:r>
+            <a:r>
+              <a:rPr lang="it-IT" i="1" dirty="0" err="1"/>
+              <a:t>centrality</a:t>
+            </a:r>
+            <a:r>
+              <a:rPr lang="it-IT" i="1" dirty="0"/>
+              <a:t>: </a:t>
+            </a:r>
+            <a:r>
+              <a:rPr lang="it-IT" sz="1800" dirty="0"/>
+              <a:t>i</a:t>
+            </a:r>
+            <a:r>
+              <a:rPr lang="it-IT" sz="1800" i="0" dirty="0">
+                <a:solidFill>
+                  <a:srgbClr val="202124"/>
+                </a:solidFill>
+                <a:effectLst/>
+              </a:rPr>
+              <a:t>l grado di centralità di un nodo è semplicemente il suo grado: il numero di archi che ha. Più alto è il grado, più centrale è il nodo. </a:t>
+            </a:r>
+            <a:endParaRPr lang="it-IT" sz="1800" dirty="0"/>
+          </a:p>
+          <a:p>
+            <a:pPr eaLnBrk="0" fontAlgn="base" hangingPunct="0">
               <a:lnSpc>
                 <a:spcPct val="100000"/>
               </a:lnSpc>
               <a:spcBef>
-                <a:spcPts val="0"/>
+                <a:spcPct val="0"/>
               </a:spcBef>
               <a:spcAft>
-                <a:spcPts val="0"/>
+                <a:spcPct val="0"/>
               </a:spcAft>
-              <a:buClrTx/>
-              <a:buSzTx/>
-              <a:buFontTx/>
-              <a:buNone/>
-              <a:tabLst/>
-              <a:defRPr/>
             </a:pPr>
             <a:r>
-              <a:rPr kumimoji="0" lang="it-IT" sz="1400" b="0" i="1" u="none" strike="noStrike" kern="1200" cap="none" spc="0" normalizeH="0" baseline="0" noProof="0" dirty="0">
+              <a:rPr lang="it-IT" b="0" i="1" u="sng" dirty="0" err="1">
+                <a:solidFill>
+                  <a:srgbClr val="202124"/>
+                </a:solidFill>
+                <a:effectLst/>
+                <a:latin typeface="Google Sans"/>
+              </a:rPr>
+              <a:t>Eigenvector</a:t>
+            </a:r>
+            <a:r>
+              <a:rPr lang="it-IT" b="0" i="1" dirty="0">
+                <a:solidFill>
+                  <a:srgbClr val="202124"/>
+                </a:solidFill>
+                <a:effectLst/>
+                <a:latin typeface="Google Sans"/>
+              </a:rPr>
+              <a:t> </a:t>
+            </a:r>
+            <a:r>
+              <a:rPr lang="it-IT" b="0" i="1" dirty="0" err="1">
+                <a:solidFill>
+                  <a:srgbClr val="202124"/>
+                </a:solidFill>
+                <a:effectLst/>
+                <a:latin typeface="Google Sans"/>
+              </a:rPr>
+              <a:t>centrality</a:t>
+            </a:r>
+            <a:r>
+              <a:rPr lang="it-IT" b="0" i="1" dirty="0">
+                <a:solidFill>
+                  <a:srgbClr val="202124"/>
+                </a:solidFill>
+                <a:effectLst/>
+                <a:latin typeface="Google Sans"/>
+              </a:rPr>
+              <a:t>: </a:t>
+            </a:r>
+            <a:r>
+              <a:rPr lang="it-IT" sz="1800" b="0" i="0" dirty="0">
+                <a:solidFill>
+                  <a:srgbClr val="000000"/>
+                </a:solidFill>
+                <a:effectLst/>
+              </a:rPr>
+              <a:t>è un’estensione della degree </a:t>
+            </a:r>
+            <a:r>
+              <a:rPr lang="it-IT" sz="1800" b="0" i="0" dirty="0" err="1">
+                <a:solidFill>
+                  <a:srgbClr val="000000"/>
+                </a:solidFill>
+                <a:effectLst/>
+              </a:rPr>
+              <a:t>centrality</a:t>
+            </a:r>
+            <a:r>
+              <a:rPr lang="it-IT" sz="1800" b="0" i="0" dirty="0">
+                <a:solidFill>
+                  <a:srgbClr val="000000"/>
+                </a:solidFill>
+                <a:effectLst/>
+              </a:rPr>
+              <a:t>. Nella </a:t>
+            </a:r>
+            <a:r>
+              <a:rPr lang="it-IT" sz="1800" b="0" i="0" dirty="0" err="1">
+                <a:solidFill>
+                  <a:srgbClr val="000000"/>
+                </a:solidFill>
+                <a:effectLst/>
+              </a:rPr>
+              <a:t>eigenvector</a:t>
+            </a:r>
+            <a:r>
+              <a:rPr lang="it-IT" sz="1800" b="0" i="0" dirty="0">
+                <a:solidFill>
+                  <a:srgbClr val="000000"/>
+                </a:solidFill>
+                <a:effectLst/>
+              </a:rPr>
+              <a:t> </a:t>
+            </a:r>
+            <a:r>
+              <a:rPr lang="it-IT" sz="1800" b="0" i="0" dirty="0" err="1">
+                <a:solidFill>
+                  <a:srgbClr val="000000"/>
+                </a:solidFill>
+                <a:effectLst/>
+              </a:rPr>
+              <a:t>centrality</a:t>
+            </a:r>
+            <a:r>
+              <a:rPr lang="it-IT" sz="1800" b="0" i="0" dirty="0">
+                <a:solidFill>
+                  <a:srgbClr val="000000"/>
+                </a:solidFill>
+                <a:effectLst/>
+              </a:rPr>
+              <a:t> non tutti i nodi sono equivalenti: alcuni sono più </a:t>
+            </a:r>
+            <a:r>
+              <a:rPr lang="it-IT" sz="1800" i="1" dirty="0">
+                <a:solidFill>
+                  <a:srgbClr val="000000"/>
+                </a:solidFill>
+              </a:rPr>
+              <a:t>importanti. </a:t>
+            </a:r>
+            <a:r>
+              <a:rPr kumimoji="0" lang="it-IT" altLang="it-IT" sz="1800" b="0" u="none" strike="noStrike" cap="none" normalizeH="0" baseline="0" dirty="0">
                 <a:ln>
                   <a:noFill/>
                 </a:ln>
                 <a:solidFill>
-                  <a:prstClr val="black"/>
+                  <a:srgbClr val="000000"/>
                 </a:solidFill>
                 <a:effectLst/>
-                <a:uLnTx/>
-                <a:uFillTx/>
-                <a:latin typeface="Calibri" panose="020F0502020204030204"/>
-                <a:ea typeface="+mn-ea"/>
-                <a:cs typeface="+mn-cs"/>
-              </a:rPr>
-              <a:t>Sull’asse x sono segnati i possibili valori di degree </a:t>
-            </a:r>
-            <a:r>
-              <a:rPr kumimoji="0" lang="it-IT" sz="1400" b="0" i="1" u="none" strike="noStrike" kern="1200" cap="none" spc="0" normalizeH="0" baseline="0" noProof="0" dirty="0" err="1">
+                <a:cs typeface="Times New Roman" panose="02020603050405020304" pitchFamily="18" charset="0"/>
+              </a:rPr>
+              <a:t>Secondo la tesi di </a:t>
+            </a:r>
+            <a:r>
+              <a:rPr kumimoji="0" lang="it-IT" altLang="it-IT" sz="1800" b="0" i="0" u="none" strike="noStrike" cap="none" normalizeH="0" baseline="0" dirty="0">
                 <a:ln>
                   <a:noFill/>
                 </a:ln>
                 <a:solidFill>
-                  <a:prstClr val="black"/>
+                  <a:srgbClr val="000000"/>
                 </a:solidFill>
                 <a:effectLst/>
-                <a:uLnTx/>
-                <a:uFillTx/>
-                <a:latin typeface="Calibri" panose="020F0502020204030204"/>
-                <a:ea typeface="+mn-ea"/>
-                <a:cs typeface="+mn-cs"/>
-              </a:rPr>
-              <a:t>centrality</a:t>
-            </a:r>
-            <a:r>
-              <a:rPr kumimoji="0" lang="it-IT" sz="1400" b="0" i="1" u="none" strike="noStrike" kern="1200" cap="none" spc="0" normalizeH="0" baseline="0" noProof="0" dirty="0">
+                <a:cs typeface="Times New Roman" panose="02020603050405020304" pitchFamily="18" charset="0"/>
+              </a:rPr>
+              <a:t>centralità dell'</a:t>
+            </a:r>
+            <a:r>
+              <a:rPr kumimoji="0" lang="it-IT" altLang="it-IT" sz="1800" b="0" i="0" u="none" strike="noStrike" cap="none" normalizeH="0" baseline="0" dirty="0" err="1">
                 <a:ln>
                   <a:noFill/>
                 </a:ln>
                 <a:solidFill>
-                  <a:prstClr val="black"/>
+                  <a:srgbClr val="000000"/>
                 </a:solidFill>
                 <a:effectLst/>
-                <a:uLnTx/>
-                <a:uFillTx/>
-                <a:latin typeface="Calibri" panose="020F0502020204030204"/>
-                <a:ea typeface="+mn-ea"/>
-                <a:cs typeface="+mn-cs"/>
-              </a:rPr>
-              <a:t>, sull’asse y il grado dei nodi su cui si calcola la degree. Il grafico rappresenta la distribuzione della degree </a:t>
-            </a:r>
-            <a:r>
-              <a:rPr kumimoji="0" lang="it-IT" sz="1400" b="0" i="1" u="none" strike="noStrike" kern="1200" cap="none" spc="0" normalizeH="0" baseline="0" noProof="0" dirty="0" err="1">
+                <a:cs typeface="Times New Roman" panose="02020603050405020304" pitchFamily="18" charset="0"/>
+              </a:rPr>
+              <a:t>autovettore</a:t>
+            </a:r>
+            <a:r>
+              <a:rPr kumimoji="0" lang="it-IT" altLang="it-IT" sz="1800" b="0" i="0" u="none" strike="noStrike" cap="none" normalizeH="0" baseline="0" dirty="0">
                 <a:ln>
                   <a:noFill/>
                 </a:ln>
                 <a:solidFill>
-                  <a:prstClr val="black"/>
+                  <a:srgbClr val="000000"/>
                 </a:solidFill>
                 <a:effectLst/>
-                <a:uLnTx/>
-                <a:uFillTx/>
-                <a:latin typeface="Calibri" panose="020F0502020204030204"/>
-                <a:ea typeface="+mn-ea"/>
-                <a:cs typeface="+mn-cs"/>
-              </a:rPr>
-              <a:t>centrality</a:t>
-            </a:r>
-            <a:r>
-              <a:rPr kumimoji="0" lang="it-IT" sz="1400" b="0" i="1" u="none" strike="noStrike" kern="1200" cap="none" spc="0" normalizeH="0" baseline="0" noProof="0" dirty="0">
+                <a:cs typeface="Times New Roman" panose="02020603050405020304" pitchFamily="18" charset="0"/>
+              </a:rPr>
+              <a:t> </a:t>
+            </a:r>
+            <a:r>
+              <a:rPr kumimoji="0" lang="it-IT" altLang="it-IT" sz="1800" b="0" i="1" u="none" strike="noStrike" cap="none" normalizeH="0" baseline="0" dirty="0">
                 <a:ln>
                   <a:noFill/>
                 </a:ln>
                 <a:solidFill>
-                  <a:prstClr val="black"/>
+                  <a:srgbClr val="000000"/>
                 </a:solidFill>
                 <a:effectLst/>
-                <a:uLnTx/>
-                <a:uFillTx/>
-                <a:latin typeface="Calibri" panose="020F0502020204030204"/>
-                <a:ea typeface="+mn-ea"/>
-                <a:cs typeface="+mn-cs"/>
-              </a:rPr>
-              <a:t> in base al grado dei nodi della rete.</a:t>
-            </a:r>
+                <a:cs typeface="Times New Roman" panose="02020603050405020304" pitchFamily="18" charset="0"/>
+              </a:rPr>
+              <a:t>u</a:t>
+            </a:r>
+            <a:r>
+              <a:rPr kumimoji="0" lang="it-IT" altLang="it-IT" sz="1800" b="0" i="1" u="none" strike="noStrike" cap="none" normalizeH="0" baseline="0" dirty="0">
+                <a:ln>
+                  <a:noFill/>
+                </a:ln>
+                <a:solidFill>
+                  <a:schemeClr val="tx1"/>
+                </a:solidFill>
+                <a:effectLst/>
+              </a:rPr>
+              <a:t>n nodo è importante se è collegato da altri nodi importanti.</a:t>
+            </a:r>
+            <a:r>
+              <a:rPr kumimoji="0" lang="it-IT" altLang="it-IT" sz="1800" b="0" i="0" u="none" strike="noStrike" cap="none" normalizeH="0" baseline="0" dirty="0">
+                <a:ln>
+                  <a:noFill/>
+                </a:ln>
+                <a:solidFill>
+                  <a:schemeClr val="tx1"/>
+                </a:solidFill>
+                <a:effectLst/>
+              </a:rPr>
+              <a:t> </a:t>
+            </a:r>
+            <a:r>
+              <a:rPr lang="it-IT" sz="1800" b="0" i="0" dirty="0">
+                <a:solidFill>
+                  <a:srgbClr val="2E2E2E"/>
+                </a:solidFill>
+                <a:effectLst/>
+              </a:rPr>
+              <a:t>La centralità dell'</a:t>
+            </a:r>
+            <a:r>
+              <a:rPr lang="it-IT" sz="1800" b="0" i="0" dirty="0" err="1">
+                <a:solidFill>
+                  <a:srgbClr val="2E2E2E"/>
+                </a:solidFill>
+                <a:effectLst/>
+              </a:rPr>
+              <a:t>autovettore</a:t>
+            </a:r>
+            <a:r>
+              <a:rPr lang="it-IT" sz="1800" b="0" i="0" dirty="0">
+                <a:solidFill>
+                  <a:srgbClr val="2E2E2E"/>
+                </a:solidFill>
+                <a:effectLst/>
+              </a:rPr>
+              <a:t> misura l'importanza di un nodo tenendo conto dell'importanza dei suoi vicini.</a:t>
+            </a:r>
+            <a:endParaRPr lang="it-IT" sz="1800" dirty="0"/>
           </a:p>
         </p:txBody>
       </p:sp>
     </p:spTree>
     <p:extLst>
       <p:ext uri="{BB962C8B-B14F-4D97-AF65-F5344CB8AC3E}">
-        <p14:creationId xmlns:p14="http://schemas.microsoft.com/office/powerpoint/2010/main" val="3848153908"/>
+        <p14:creationId xmlns:p14="http://schemas.microsoft.com/office/powerpoint/2010/main" val="145932206"/>
       </p:ext>
     </p:extLst>
   </p:cSld>
@@ -5509,7 +5769,7 @@
           <p:cNvPr id="2" name="Titolo 1">
             <a:extLst>
               <a:ext uri="{FF2B5EF4-FFF2-40B4-BE49-F238E27FC236}">
-                <a16:creationId xmlns:a16="http://schemas.microsoft.com/office/drawing/2014/main" id="{87C9789D-B58D-4EB8-ADB7-072532F6230E}"/>
+                <a16:creationId xmlns:a16="http://schemas.microsoft.com/office/drawing/2014/main" id="{C7A5E502-E104-47E3-9345-1E11CC139FF4}"/>
               </a:ext>
             </a:extLst>
           </p:cNvPr>
@@ -5522,64 +5782,27 @@
         </p:nvSpPr>
         <p:spPr>
           <a:xfrm>
-            <a:off x="131975" y="308564"/>
-            <a:ext cx="10618509" cy="879213"/>
+            <a:off x="319726" y="214296"/>
+            <a:ext cx="5883111" cy="690677"/>
           </a:xfrm>
         </p:spPr>
         <p:txBody>
           <a:bodyPr>
-            <a:noAutofit/>
+            <a:normAutofit fontScale="90000"/>
           </a:bodyPr>
           <a:lstStyle/>
           <a:p>
-            <a:br>
+            <a:r>
               <a:rPr lang="it-IT" b="1" i="1" dirty="0">
                 <a:solidFill>
                   <a:schemeClr val="accent6">
                     <a:lumMod val="75000"/>
                   </a:schemeClr>
                 </a:solidFill>
-                <a:effectLst/>
-              </a:rPr>
-            </a:br>
-            <a:r>
-              <a:rPr lang="it-IT" b="1" i="1" dirty="0">
-                <a:solidFill>
-                  <a:schemeClr val="accent6">
-                    <a:lumMod val="75000"/>
-                  </a:schemeClr>
-                </a:solidFill>
-                <a:effectLst/>
-              </a:rPr>
-              <a:t>EIGENVECTOR CENTRALITY</a:t>
-            </a:r>
-            <a:br>
-              <a:rPr lang="it-IT" b="1" i="1" dirty="0">
-                <a:solidFill>
-                  <a:schemeClr val="accent6">
-                    <a:lumMod val="75000"/>
-                  </a:schemeClr>
-                </a:solidFill>
-                <a:effectLst/>
-              </a:rPr>
-            </a:br>
-            <a:br>
-              <a:rPr lang="it-IT" b="1" i="1" dirty="0">
-                <a:solidFill>
-                  <a:schemeClr val="accent6">
-                    <a:lumMod val="75000"/>
-                  </a:schemeClr>
-                </a:solidFill>
-                <a:effectLst/>
-              </a:rPr>
-            </a:br>
-            <a:endParaRPr lang="it-IT" b="1" i="1" dirty="0">
-              <a:solidFill>
-                <a:schemeClr val="accent6">
-                  <a:lumMod val="75000"/>
-                </a:schemeClr>
-              </a:solidFill>
-            </a:endParaRPr>
+              </a:rPr>
+              <a:t>BETWEENNESS CENTRALITY</a:t>
+            </a:r>
+            <a:endParaRPr lang="it-IT" dirty="0"/>
           </a:p>
         </p:txBody>
       </p:sp>
@@ -5588,7 +5811,7 @@
           <p:cNvPr id="5" name="Segnaposto contenuto 4">
             <a:extLst>
               <a:ext uri="{FF2B5EF4-FFF2-40B4-BE49-F238E27FC236}">
-                <a16:creationId xmlns:a16="http://schemas.microsoft.com/office/drawing/2014/main" id="{C8B14B7B-D586-4BDA-A195-900D47FA757D}"/>
+                <a16:creationId xmlns:a16="http://schemas.microsoft.com/office/drawing/2014/main" id="{F824B973-FB90-4AC0-BB4C-E2D4F119A421}"/>
               </a:ext>
             </a:extLst>
           </p:cNvPr>
@@ -5613,17 +5836,17 @@
         </p:blipFill>
         <p:spPr>
           <a:xfrm>
-            <a:off x="407503" y="919640"/>
-            <a:ext cx="11102009" cy="5124005"/>
+            <a:off x="319726" y="987006"/>
+            <a:ext cx="11261071" cy="5197417"/>
           </a:xfrm>
         </p:spPr>
       </p:pic>
       <p:sp>
         <p:nvSpPr>
-          <p:cNvPr id="6" name="CasellaDiTesto 5">
-            <a:extLst>
-              <a:ext uri="{FF2B5EF4-FFF2-40B4-BE49-F238E27FC236}">
-                <a16:creationId xmlns:a16="http://schemas.microsoft.com/office/drawing/2014/main" id="{131371D5-C762-49AF-9E22-CBFC8EB87CDC}"/>
+          <p:cNvPr id="3" name="CasellaDiTesto 2">
+            <a:extLst>
+              <a:ext uri="{FF2B5EF4-FFF2-40B4-BE49-F238E27FC236}">
+                <a16:creationId xmlns:a16="http://schemas.microsoft.com/office/drawing/2014/main" id="{C0BC88B6-B798-4F52-99E0-B607864609E5}"/>
               </a:ext>
             </a:extLst>
           </p:cNvPr>
@@ -5632,8 +5855,8 @@
         </p:nvSpPr>
         <p:spPr>
           <a:xfrm>
-            <a:off x="2241611" y="6160302"/>
-            <a:ext cx="8376082" cy="307777"/>
+            <a:off x="828452" y="6184423"/>
+            <a:ext cx="11043822" cy="523220"/>
           </a:xfrm>
           <a:prstGeom prst="rect">
             <a:avLst/>
@@ -5641,104 +5864,62 @@
           <a:noFill/>
         </p:spPr>
         <p:txBody>
-          <a:bodyPr wrap="square">
+          <a:bodyPr wrap="square" rtlCol="0">
             <a:spAutoFit/>
           </a:bodyPr>
           <a:lstStyle/>
           <a:p>
             <a:r>
-              <a:rPr kumimoji="0" lang="it-IT" sz="1400" b="0" i="1" u="none" strike="noStrike" kern="1200" cap="none" spc="0" normalizeH="0" baseline="0" noProof="0" dirty="0">
-                <a:ln>
-                  <a:noFill/>
-                </a:ln>
-                <a:solidFill>
-                  <a:prstClr val="black"/>
-                </a:solidFill>
-                <a:effectLst/>
-                <a:uLnTx/>
-                <a:uFillTx/>
-                <a:latin typeface="Calibri" panose="020F0502020204030204"/>
-                <a:ea typeface="+mn-ea"/>
-                <a:cs typeface="+mn-cs"/>
-              </a:rPr>
-              <a:t>Il grafico rappresenta la distribuzione della </a:t>
-            </a:r>
-            <a:r>
-              <a:rPr kumimoji="0" lang="it-IT" sz="1400" b="0" i="1" u="none" strike="noStrike" kern="1200" cap="none" spc="0" normalizeH="0" baseline="0" noProof="0" dirty="0" err="1">
-                <a:ln>
-                  <a:noFill/>
-                </a:ln>
-                <a:solidFill>
-                  <a:prstClr val="black"/>
-                </a:solidFill>
-                <a:effectLst/>
-                <a:uLnTx/>
-                <a:uFillTx/>
-                <a:latin typeface="Calibri" panose="020F0502020204030204"/>
-                <a:ea typeface="+mn-ea"/>
-                <a:cs typeface="+mn-cs"/>
-              </a:rPr>
-              <a:t>eigenvector</a:t>
-            </a:r>
-            <a:r>
-              <a:rPr kumimoji="0" lang="it-IT" sz="1400" b="0" i="1" u="none" strike="noStrike" kern="1200" cap="none" spc="0" normalizeH="0" baseline="0" noProof="0" dirty="0">
-                <a:ln>
-                  <a:noFill/>
-                </a:ln>
-                <a:solidFill>
-                  <a:prstClr val="black"/>
-                </a:solidFill>
-                <a:effectLst/>
-                <a:uLnTx/>
-                <a:uFillTx/>
-                <a:latin typeface="Calibri" panose="020F0502020204030204"/>
-                <a:ea typeface="+mn-ea"/>
-                <a:cs typeface="+mn-cs"/>
-              </a:rPr>
+              <a:rPr lang="it-IT" sz="1400" i="1" dirty="0"/>
+              <a:t>Sull’asse x sono segnati i possibili valori di </a:t>
+            </a:r>
+            <a:r>
+              <a:rPr lang="it-IT" sz="1400" i="1" dirty="0" err="1"/>
+              <a:t>betweenness</a:t>
+            </a:r>
+            <a:r>
+              <a:rPr lang="it-IT" sz="1400" i="1" dirty="0"/>
               <a:t> </a:t>
             </a:r>
             <a:r>
-              <a:rPr kumimoji="0" lang="it-IT" sz="1400" b="0" i="1" u="none" strike="noStrike" kern="1200" cap="none" spc="0" normalizeH="0" baseline="0" noProof="0" dirty="0" err="1">
-                <a:ln>
-                  <a:noFill/>
-                </a:ln>
-                <a:solidFill>
-                  <a:prstClr val="black"/>
-                </a:solidFill>
-                <a:effectLst/>
-                <a:uLnTx/>
-                <a:uFillTx/>
-                <a:latin typeface="Calibri" panose="020F0502020204030204"/>
-                <a:ea typeface="+mn-ea"/>
-                <a:cs typeface="+mn-cs"/>
-              </a:rPr>
+              <a:rPr lang="it-IT" sz="1400" i="1" dirty="0" err="1"/>
               <a:t>centrality</a:t>
             </a:r>
             <a:r>
-              <a:rPr kumimoji="0" lang="it-IT" sz="1400" b="0" i="1" u="none" strike="noStrike" kern="1200" cap="none" spc="0" normalizeH="0" baseline="0" noProof="0" dirty="0">
-                <a:ln>
-                  <a:noFill/>
-                </a:ln>
-                <a:solidFill>
-                  <a:prstClr val="black"/>
-                </a:solidFill>
-                <a:effectLst/>
-                <a:uLnTx/>
-                <a:uFillTx/>
-                <a:latin typeface="Calibri" panose="020F0502020204030204"/>
-                <a:ea typeface="+mn-ea"/>
-                <a:cs typeface="+mn-cs"/>
-              </a:rPr>
+              <a:rPr lang="it-IT" sz="1400" i="1" dirty="0"/>
+              <a:t>, sull’asse y il grado dei nodi su cui si calcola la </a:t>
+            </a:r>
+            <a:r>
+              <a:rPr lang="it-IT" sz="1400" i="1" dirty="0" err="1"/>
+              <a:t>betweenness</a:t>
+            </a:r>
+            <a:r>
+              <a:rPr lang="it-IT" sz="1400" i="1" dirty="0"/>
+              <a:t>. Il grafico rappresenta la distribuzione della </a:t>
+            </a:r>
+            <a:r>
+              <a:rPr lang="it-IT" sz="1400" i="1" dirty="0" err="1"/>
+              <a:t>betweenness</a:t>
+            </a:r>
+            <a:r>
+              <a:rPr lang="it-IT" sz="1400" i="1" dirty="0"/>
+              <a:t> </a:t>
+            </a:r>
+            <a:r>
+              <a:rPr lang="it-IT" sz="1400" i="1" dirty="0" err="1"/>
+              <a:t>centrality</a:t>
+            </a:r>
+            <a:r>
+              <a:rPr lang="it-IT" sz="1400" i="1" dirty="0"/>
               <a:t> in base al grado dei nodi della rete.</a:t>
             </a:r>
-            <a:endParaRPr lang="it-IT" dirty="0"/>
           </a:p>
         </p:txBody>
       </p:sp>
     </p:spTree>
     <p:extLst>
       <p:ext uri="{BB962C8B-B14F-4D97-AF65-F5344CB8AC3E}">
-        <p14:creationId xmlns:p14="http://schemas.microsoft.com/office/powerpoint/2010/main" val="3955304876"/>
+        <p14:creationId xmlns:p14="http://schemas.microsoft.com/office/powerpoint/2010/main" val="3106528890"/>
       </p:ext>
     </p:extLst>
   </p:cSld>
@@ -5770,7 +5951,7 @@
           <p:cNvPr id="2" name="Titolo 1">
             <a:extLst>
               <a:ext uri="{FF2B5EF4-FFF2-40B4-BE49-F238E27FC236}">
-                <a16:creationId xmlns:a16="http://schemas.microsoft.com/office/drawing/2014/main" id="{5AFD4465-A607-4711-9124-7B41DB77AB5C}"/>
+                <a16:creationId xmlns:a16="http://schemas.microsoft.com/office/drawing/2014/main" id="{A092DAE7-65B2-4970-991D-83A318823389}"/>
               </a:ext>
             </a:extLst>
           </p:cNvPr>
@@ -5783,99 +5964,43 @@
         </p:nvSpPr>
         <p:spPr>
           <a:xfrm>
-            <a:off x="235670" y="346272"/>
-            <a:ext cx="10916239" cy="455007"/>
+            <a:off x="113122" y="94268"/>
+            <a:ext cx="10515600" cy="957319"/>
           </a:xfrm>
         </p:spPr>
         <p:txBody>
-          <a:bodyPr>
-            <a:normAutofit fontScale="90000"/>
-          </a:bodyPr>
+          <a:bodyPr/>
           <a:lstStyle/>
           <a:p>
             <a:r>
-              <a:rPr lang="it-IT" sz="2100" b="1" i="1" dirty="0" err="1">
+              <a:rPr lang="it-IT" b="1" i="1" dirty="0">
                 <a:solidFill>
                   <a:schemeClr val="accent6">
                     <a:lumMod val="75000"/>
                   </a:schemeClr>
                 </a:solidFill>
               </a:rPr>
-              <a:t>Fee</a:t>
-            </a:r>
-            <a:r>
-              <a:rPr lang="it-IT" sz="2100" b="1" i="1" dirty="0">
-                <a:solidFill>
-                  <a:schemeClr val="accent6">
-                    <a:lumMod val="75000"/>
-                  </a:schemeClr>
-                </a:solidFill>
-              </a:rPr>
-              <a:t> applicate dal nodo più centrale – secondo tutte le 4 metriche :</a:t>
-            </a:r>
-            <a:br>
-              <a:rPr lang="it-IT" sz="2100" b="1" i="1" dirty="0">
-                <a:solidFill>
-                  <a:schemeClr val="accent6">
-                    <a:lumMod val="75000"/>
-                  </a:schemeClr>
-                </a:solidFill>
-              </a:rPr>
-            </a:br>
-            <a:r>
-              <a:rPr lang="it-IT" sz="2400" b="1" i="1" u="sng" dirty="0">
-                <a:solidFill>
-                  <a:schemeClr val="accent6">
-                    <a:lumMod val="75000"/>
-                  </a:schemeClr>
-                </a:solidFill>
-                <a:effectLst/>
-                <a:latin typeface="+mn-lt"/>
-              </a:rPr>
-              <a:t>03864ef025fde8fb587d989186ce6a4a186895ee44a926bfc370e2c366597a3f8f</a:t>
-            </a:r>
-            <a:br>
-              <a:rPr lang="it-IT" sz="2000" b="0" dirty="0">
-                <a:solidFill>
-                  <a:srgbClr val="D4D4D4"/>
-                </a:solidFill>
-                <a:effectLst/>
-                <a:latin typeface="+mn-lt"/>
-              </a:rPr>
-            </a:br>
-            <a:br>
-              <a:rPr lang="it-IT" sz="1000" b="0" dirty="0">
-                <a:solidFill>
-                  <a:srgbClr val="D4D4D4"/>
-                </a:solidFill>
-                <a:effectLst/>
-                <a:latin typeface="+mn-lt"/>
-              </a:rPr>
-            </a:br>
-            <a:endParaRPr lang="it-IT" sz="2000" b="1" i="1" dirty="0">
-              <a:solidFill>
-                <a:schemeClr val="accent6">
-                  <a:lumMod val="75000"/>
-                </a:schemeClr>
-              </a:solidFill>
-              <a:latin typeface="+mn-lt"/>
-            </a:endParaRPr>
+              <a:t>CLOSENESS CENTRALITY</a:t>
+            </a:r>
+            <a:endParaRPr lang="it-IT" dirty="0"/>
           </a:p>
         </p:txBody>
       </p:sp>
       <p:pic>
         <p:nvPicPr>
-          <p:cNvPr id="5" name="Immagine 4">
-            <a:extLst>
-              <a:ext uri="{FF2B5EF4-FFF2-40B4-BE49-F238E27FC236}">
-                <a16:creationId xmlns:a16="http://schemas.microsoft.com/office/drawing/2014/main" id="{5D297637-7CB9-467B-B838-D7B99008BF8C}"/>
+          <p:cNvPr id="5" name="Segnaposto contenuto 4">
+            <a:extLst>
+              <a:ext uri="{FF2B5EF4-FFF2-40B4-BE49-F238E27FC236}">
+                <a16:creationId xmlns:a16="http://schemas.microsoft.com/office/drawing/2014/main" id="{6D4AC5E1-458D-4BD4-B014-13180D0487FD}"/>
               </a:ext>
             </a:extLst>
           </p:cNvPr>
           <p:cNvPicPr>
-            <a:picLocks noChangeAspect="1"/>
+            <a:picLocks noGrp="1" noChangeAspect="1"/>
           </p:cNvPicPr>
-          <p:nvPr/>
+          <p:nvPr>
+            <p:ph idx="1"/>
+          </p:nvPr>
         </p:nvPicPr>
         <p:blipFill>
           <a:blip r:embed="rId2">
@@ -5891,60 +6016,27 @@
         </p:blipFill>
         <p:spPr>
           <a:xfrm>
-            <a:off x="235670" y="686143"/>
-            <a:ext cx="11497302" cy="5306447"/>
+            <a:off x="0" y="724089"/>
+            <a:ext cx="11274641" cy="5203680"/>
           </a:xfrm>
-          <a:prstGeom prst="rect">
-            <a:avLst/>
-          </a:prstGeom>
         </p:spPr>
       </p:pic>
-      <p:pic>
-        <p:nvPicPr>
-          <p:cNvPr id="6" name="Immagine 5">
-            <a:extLst>
-              <a:ext uri="{FF2B5EF4-FFF2-40B4-BE49-F238E27FC236}">
-                <a16:creationId xmlns:a16="http://schemas.microsoft.com/office/drawing/2014/main" id="{CBC4C51F-748A-465D-8F03-FC43D4228D18}"/>
-              </a:ext>
-            </a:extLst>
-          </p:cNvPr>
-          <p:cNvPicPr>
-            <a:picLocks noChangeAspect="1"/>
-          </p:cNvPicPr>
+      <p:sp>
+        <p:nvSpPr>
+          <p:cNvPr id="6" name="CasellaDiTesto 5">
+            <a:extLst>
+              <a:ext uri="{FF2B5EF4-FFF2-40B4-BE49-F238E27FC236}">
+                <a16:creationId xmlns:a16="http://schemas.microsoft.com/office/drawing/2014/main" id="{BF36E417-168B-492E-96D1-AC5FD4D87AFA}"/>
+              </a:ext>
+            </a:extLst>
+          </p:cNvPr>
+          <p:cNvSpPr txBox="1"/>
           <p:nvPr/>
-        </p:nvPicPr>
-        <p:blipFill>
-          <a:blip r:embed="rId3"/>
-          <a:stretch>
-            <a:fillRect/>
-          </a:stretch>
-        </p:blipFill>
+        </p:nvSpPr>
         <p:spPr>
           <a:xfrm>
-            <a:off x="171405" y="3429000"/>
-            <a:ext cx="11625832" cy="5156810"/>
-          </a:xfrm>
-          <a:prstGeom prst="rect">
-            <a:avLst/>
-          </a:prstGeom>
-        </p:spPr>
-      </p:pic>
-      <p:sp>
-        <p:nvSpPr>
-          <p:cNvPr id="3" name="CasellaDiTesto 2">
-            <a:extLst>
-              <a:ext uri="{FF2B5EF4-FFF2-40B4-BE49-F238E27FC236}">
-                <a16:creationId xmlns:a16="http://schemas.microsoft.com/office/drawing/2014/main" id="{DBD013F7-E160-4178-A75D-B4AA0274C31C}"/>
-              </a:ext>
-            </a:extLst>
-          </p:cNvPr>
-          <p:cNvSpPr txBox="1"/>
-          <p:nvPr/>
-        </p:nvSpPr>
-        <p:spPr>
-          <a:xfrm>
-            <a:off x="337352" y="6396335"/>
-            <a:ext cx="11625832" cy="461665"/>
+            <a:off x="1180730" y="5813985"/>
+            <a:ext cx="9259410" cy="523220"/>
           </a:xfrm>
           <a:prstGeom prst="rect">
             <a:avLst/>
@@ -5952,30 +6044,214 @@
           <a:noFill/>
         </p:spPr>
         <p:txBody>
-          <a:bodyPr wrap="square" rtlCol="0">
+          <a:bodyPr wrap="square">
             <a:spAutoFit/>
           </a:bodyPr>
           <a:lstStyle/>
           <a:p>
-            <a:r>
-              <a:rPr lang="it-IT" sz="1200" i="1" dirty="0"/>
-              <a:t>In alto sono riportati i grafici che rappresentano le distribuzioni delle </a:t>
-            </a:r>
-            <a:r>
-              <a:rPr lang="it-IT" sz="1200" i="1" dirty="0" err="1"/>
-              <a:t>fee</a:t>
-            </a:r>
-            <a:r>
-              <a:rPr lang="it-IT" sz="1200" i="1" dirty="0"/>
-              <a:t> applicate dal nodo considerato sui suoi canali. In basso i grafici che rappresentano le distribuzioni delle </a:t>
-            </a:r>
-            <a:r>
-              <a:rPr lang="it-IT" sz="1200" i="1" dirty="0" err="1"/>
-              <a:t>fee</a:t>
-            </a:r>
-            <a:r>
-              <a:rPr lang="it-IT" sz="1200" i="1" dirty="0"/>
-              <a:t> su tutti i canali della rete.</a:t>
+            <a:pPr marL="0" marR="0" lvl="0" indent="0" algn="l" defTabSz="914400" rtl="0" eaLnBrk="1" fontAlgn="auto" latinLnBrk="0" hangingPunct="1">
+              <a:lnSpc>
+                <a:spcPct val="100000"/>
+              </a:lnSpc>
+              <a:spcBef>
+                <a:spcPts val="0"/>
+              </a:spcBef>
+              <a:spcAft>
+                <a:spcPts val="0"/>
+              </a:spcAft>
+              <a:buClrTx/>
+              <a:buSzTx/>
+              <a:buFontTx/>
+              <a:buNone/>
+              <a:tabLst/>
+              <a:defRPr/>
+            </a:pPr>
+            <a:r>
+              <a:rPr kumimoji="0" lang="it-IT" sz="1400" b="0" i="1" u="none" strike="noStrike" kern="1200" cap="none" spc="0" normalizeH="0" baseline="0" noProof="0" dirty="0">
+                <a:ln>
+                  <a:noFill/>
+                </a:ln>
+                <a:solidFill>
+                  <a:prstClr val="black"/>
+                </a:solidFill>
+                <a:effectLst/>
+                <a:uLnTx/>
+                <a:uFillTx/>
+                <a:latin typeface="Calibri" panose="020F0502020204030204"/>
+                <a:ea typeface="+mn-ea"/>
+                <a:cs typeface="+mn-cs"/>
+              </a:rPr>
+              <a:t>Sull’asse x sono segnati i possibili valori di </a:t>
+            </a:r>
+            <a:r>
+              <a:rPr kumimoji="0" lang="it-IT" sz="1400" b="0" i="1" u="none" strike="noStrike" kern="1200" cap="none" spc="0" normalizeH="0" baseline="0" noProof="0" dirty="0" err="1">
+                <a:ln>
+                  <a:noFill/>
+                </a:ln>
+                <a:solidFill>
+                  <a:prstClr val="black"/>
+                </a:solidFill>
+                <a:effectLst/>
+                <a:uLnTx/>
+                <a:uFillTx/>
+                <a:latin typeface="Calibri" panose="020F0502020204030204"/>
+                <a:ea typeface="+mn-ea"/>
+                <a:cs typeface="+mn-cs"/>
+              </a:rPr>
+              <a:t>closeness</a:t>
+            </a:r>
+            <a:r>
+              <a:rPr kumimoji="0" lang="it-IT" sz="1400" b="0" i="1" u="none" strike="noStrike" kern="1200" cap="none" spc="0" normalizeH="0" baseline="0" noProof="0" dirty="0">
+                <a:ln>
+                  <a:noFill/>
+                </a:ln>
+                <a:solidFill>
+                  <a:prstClr val="black"/>
+                </a:solidFill>
+                <a:effectLst/>
+                <a:uLnTx/>
+                <a:uFillTx/>
+                <a:latin typeface="Calibri" panose="020F0502020204030204"/>
+                <a:ea typeface="+mn-ea"/>
+                <a:cs typeface="+mn-cs"/>
+              </a:rPr>
+              <a:t> </a:t>
+            </a:r>
+            <a:r>
+              <a:rPr kumimoji="0" lang="it-IT" sz="1400" b="0" i="1" u="none" strike="noStrike" kern="1200" cap="none" spc="0" normalizeH="0" baseline="0" noProof="0" dirty="0" err="1">
+                <a:ln>
+                  <a:noFill/>
+                </a:ln>
+                <a:solidFill>
+                  <a:prstClr val="black"/>
+                </a:solidFill>
+                <a:effectLst/>
+                <a:uLnTx/>
+                <a:uFillTx/>
+                <a:latin typeface="Calibri" panose="020F0502020204030204"/>
+                <a:ea typeface="+mn-ea"/>
+                <a:cs typeface="+mn-cs"/>
+              </a:rPr>
+              <a:t>centrality</a:t>
+            </a:r>
+            <a:r>
+              <a:rPr kumimoji="0" lang="it-IT" sz="1400" b="0" i="1" u="none" strike="noStrike" kern="1200" cap="none" spc="0" normalizeH="0" baseline="0" noProof="0" dirty="0">
+                <a:ln>
+                  <a:noFill/>
+                </a:ln>
+                <a:solidFill>
+                  <a:prstClr val="black"/>
+                </a:solidFill>
+                <a:effectLst/>
+                <a:uLnTx/>
+                <a:uFillTx/>
+                <a:latin typeface="Calibri" panose="020F0502020204030204"/>
+                <a:ea typeface="+mn-ea"/>
+                <a:cs typeface="+mn-cs"/>
+              </a:rPr>
+              <a:t>, sull’asse y il grado dei nodi su cui si calcola la </a:t>
+            </a:r>
+            <a:r>
+              <a:rPr kumimoji="0" lang="it-IT" sz="1400" b="0" i="1" u="none" strike="noStrike" kern="1200" cap="none" spc="0" normalizeH="0" baseline="0" noProof="0" dirty="0" err="1">
+                <a:ln>
+                  <a:noFill/>
+                </a:ln>
+                <a:solidFill>
+                  <a:prstClr val="black"/>
+                </a:solidFill>
+                <a:effectLst/>
+                <a:uLnTx/>
+                <a:uFillTx/>
+                <a:latin typeface="Calibri" panose="020F0502020204030204"/>
+                <a:ea typeface="+mn-ea"/>
+                <a:cs typeface="+mn-cs"/>
+              </a:rPr>
+              <a:t>closeness</a:t>
+            </a:r>
+            <a:r>
+              <a:rPr kumimoji="0" lang="it-IT" sz="1400" b="0" i="1" u="none" strike="noStrike" kern="1200" cap="none" spc="0" normalizeH="0" baseline="0" noProof="0" dirty="0">
+                <a:ln>
+                  <a:noFill/>
+                </a:ln>
+                <a:solidFill>
+                  <a:prstClr val="black"/>
+                </a:solidFill>
+                <a:effectLst/>
+                <a:uLnTx/>
+                <a:uFillTx/>
+                <a:latin typeface="Calibri" panose="020F0502020204030204"/>
+                <a:ea typeface="+mn-ea"/>
+                <a:cs typeface="+mn-cs"/>
+              </a:rPr>
+              <a:t>. Il grafico rappresenta la distribuzione della </a:t>
+            </a:r>
+            <a:r>
+              <a:rPr kumimoji="0" lang="it-IT" sz="1400" b="0" i="1" u="none" strike="noStrike" kern="1200" cap="none" spc="0" normalizeH="0" baseline="0" noProof="0" dirty="0" err="1">
+                <a:ln>
+                  <a:noFill/>
+                </a:ln>
+                <a:solidFill>
+                  <a:prstClr val="black"/>
+                </a:solidFill>
+                <a:effectLst/>
+                <a:uLnTx/>
+                <a:uFillTx/>
+                <a:latin typeface="Calibri" panose="020F0502020204030204"/>
+                <a:ea typeface="+mn-ea"/>
+                <a:cs typeface="+mn-cs"/>
+              </a:rPr>
+              <a:t>closeness</a:t>
+            </a:r>
+            <a:r>
+              <a:rPr kumimoji="0" lang="it-IT" sz="1400" b="0" i="1" u="none" strike="noStrike" kern="1200" cap="none" spc="0" normalizeH="0" baseline="0" noProof="0" dirty="0">
+                <a:ln>
+                  <a:noFill/>
+                </a:ln>
+                <a:solidFill>
+                  <a:prstClr val="black"/>
+                </a:solidFill>
+                <a:effectLst/>
+                <a:uLnTx/>
+                <a:uFillTx/>
+                <a:latin typeface="Calibri" panose="020F0502020204030204"/>
+                <a:ea typeface="+mn-ea"/>
+                <a:cs typeface="+mn-cs"/>
+              </a:rPr>
+              <a:t> </a:t>
+            </a:r>
+            <a:r>
+              <a:rPr kumimoji="0" lang="it-IT" sz="1400" b="0" i="1" u="none" strike="noStrike" kern="1200" cap="none" spc="0" normalizeH="0" baseline="0" noProof="0" dirty="0" err="1">
+                <a:ln>
+                  <a:noFill/>
+                </a:ln>
+                <a:solidFill>
+                  <a:prstClr val="black"/>
+                </a:solidFill>
+                <a:effectLst/>
+                <a:uLnTx/>
+                <a:uFillTx/>
+                <a:latin typeface="Calibri" panose="020F0502020204030204"/>
+                <a:ea typeface="+mn-ea"/>
+                <a:cs typeface="+mn-cs"/>
+              </a:rPr>
+              <a:t>centrality</a:t>
+            </a:r>
+            <a:r>
+              <a:rPr kumimoji="0" lang="it-IT" sz="1400" b="0" i="1" u="none" strike="noStrike" kern="1200" cap="none" spc="0" normalizeH="0" baseline="0" noProof="0" dirty="0">
+                <a:ln>
+                  <a:noFill/>
+                </a:ln>
+                <a:solidFill>
+                  <a:prstClr val="black"/>
+                </a:solidFill>
+                <a:effectLst/>
+                <a:uLnTx/>
+                <a:uFillTx/>
+                <a:latin typeface="Calibri" panose="020F0502020204030204"/>
+                <a:ea typeface="+mn-ea"/>
+                <a:cs typeface="+mn-cs"/>
+              </a:rPr>
+              <a:t> in base al grado dei nodi della rete.</a:t>
             </a:r>
           </a:p>
         </p:txBody>
@@ -5983,7 +6259,7 @@
     </p:spTree>
     <p:extLst>
       <p:ext uri="{BB962C8B-B14F-4D97-AF65-F5344CB8AC3E}">
-        <p14:creationId xmlns:p14="http://schemas.microsoft.com/office/powerpoint/2010/main" val="1235411528"/>
+        <p14:creationId xmlns:p14="http://schemas.microsoft.com/office/powerpoint/2010/main" val="3474276271"/>
       </p:ext>
     </p:extLst>
   </p:cSld>
@@ -6012,10 +6288,10 @@
       </p:grpSpPr>
       <p:sp>
         <p:nvSpPr>
-          <p:cNvPr id="3" name="Segnaposto testo 2">
-            <a:extLst>
-              <a:ext uri="{FF2B5EF4-FFF2-40B4-BE49-F238E27FC236}">
-                <a16:creationId xmlns:a16="http://schemas.microsoft.com/office/drawing/2014/main" id="{9AB46B7E-C6BF-4E08-BA0C-5C45C94C400C}"/>
+          <p:cNvPr id="3" name="Segnaposto contenuto 2">
+            <a:extLst>
+              <a:ext uri="{FF2B5EF4-FFF2-40B4-BE49-F238E27FC236}">
+                <a16:creationId xmlns:a16="http://schemas.microsoft.com/office/drawing/2014/main" id="{F38B911C-EF24-43DD-9F6A-9D4877366390}"/>
               </a:ext>
             </a:extLst>
           </p:cNvPr>
@@ -6023,231 +6299,332 @@
             <a:spLocks noGrp="1"/>
           </p:cNvSpPr>
           <p:nvPr>
-            <p:ph type="body" idx="1"/>
+            <p:ph idx="1"/>
           </p:nvPr>
         </p:nvSpPr>
         <p:spPr>
           <a:xfrm>
-            <a:off x="838200" y="973427"/>
-            <a:ext cx="10515600" cy="4942464"/>
+            <a:off x="225270" y="462270"/>
+            <a:ext cx="11741459" cy="5933459"/>
           </a:xfrm>
         </p:spPr>
         <p:txBody>
           <a:bodyPr>
-            <a:normAutofit/>
+            <a:normAutofit lnSpcReduction="10000"/>
           </a:bodyPr>
           <a:lstStyle/>
           <a:p>
-            <a:r>
-              <a:rPr lang="it-IT" dirty="0">
-                <a:solidFill>
-                  <a:schemeClr val="tx1">
-                    <a:lumMod val="95000"/>
-                    <a:lumOff val="5000"/>
-                  </a:schemeClr>
-                </a:solidFill>
-              </a:rPr>
-              <a:t>Le policy sono 2 perché tutti i canali considerati sono bidirezionali:</a:t>
-            </a:r>
-          </a:p>
-          <a:p>
-            <a:r>
-              <a:rPr lang="it-IT" dirty="0">
-                <a:solidFill>
-                  <a:schemeClr val="tx1">
-                    <a:lumMod val="95000"/>
-                    <a:lumOff val="5000"/>
-                  </a:schemeClr>
-                </a:solidFill>
-              </a:rPr>
-              <a:t>la node1_policy è decisa ed applicata dal node1 ai pagamenti instradati sul canale considerato in direzione node1-&gt;node2; viceversa la node2_policy è decisa e applicata dal node2 ai pagamenti instradati sul canale nel verso opposto.</a:t>
-            </a:r>
-          </a:p>
-          <a:p>
-            <a:endParaRPr lang="it-IT" dirty="0">
-              <a:solidFill>
-                <a:schemeClr val="tx1">
-                  <a:lumMod val="95000"/>
-                  <a:lumOff val="5000"/>
-                </a:schemeClr>
-              </a:solidFill>
-            </a:endParaRPr>
-          </a:p>
-          <a:p>
-            <a:r>
-              <a:rPr lang="it-IT" dirty="0">
-                <a:solidFill>
-                  <a:schemeClr val="tx1">
-                    <a:lumMod val="95000"/>
-                    <a:lumOff val="5000"/>
-                  </a:schemeClr>
-                </a:solidFill>
-              </a:rPr>
-              <a:t>Nel </a:t>
-            </a:r>
-            <a:r>
-              <a:rPr lang="it-IT" dirty="0" err="1">
-                <a:solidFill>
-                  <a:schemeClr val="tx1">
-                    <a:lumMod val="95000"/>
-                    <a:lumOff val="5000"/>
-                  </a:schemeClr>
-                </a:solidFill>
-              </a:rPr>
-              <a:t>Multigrafo</a:t>
-            </a:r>
-            <a:r>
-              <a:rPr lang="it-IT" dirty="0">
-                <a:solidFill>
-                  <a:schemeClr val="tx1">
-                    <a:lumMod val="95000"/>
-                    <a:lumOff val="5000"/>
-                  </a:schemeClr>
-                </a:solidFill>
-              </a:rPr>
-              <a:t> ogni canale è rappresentato da un </a:t>
-            </a:r>
-            <a:r>
-              <a:rPr lang="it-IT" dirty="0" err="1">
-                <a:solidFill>
-                  <a:schemeClr val="tx1">
-                    <a:lumMod val="95000"/>
-                    <a:lumOff val="5000"/>
-                  </a:schemeClr>
-                </a:solidFill>
-              </a:rPr>
-              <a:t>un</a:t>
-            </a:r>
-            <a:r>
-              <a:rPr lang="it-IT" dirty="0">
-                <a:solidFill>
-                  <a:schemeClr val="tx1">
-                    <a:lumMod val="95000"/>
-                    <a:lumOff val="5000"/>
-                  </a:schemeClr>
-                </a:solidFill>
-              </a:rPr>
-              <a:t> solo arco che collega i nodi alle sue estremità (questo mi consente di avere nel grafo archi con </a:t>
-            </a:r>
-            <a:r>
-              <a:rPr lang="it-IT" dirty="0" err="1">
-                <a:solidFill>
-                  <a:schemeClr val="tx1">
-                    <a:lumMod val="95000"/>
-                    <a:lumOff val="5000"/>
-                  </a:schemeClr>
-                </a:solidFill>
-              </a:rPr>
-              <a:t>channel_id</a:t>
-            </a:r>
-            <a:r>
-              <a:rPr lang="it-IT" dirty="0">
-                <a:solidFill>
-                  <a:schemeClr val="tx1">
-                    <a:lumMod val="95000"/>
-                    <a:lumOff val="5000"/>
-                  </a:schemeClr>
-                </a:solidFill>
-              </a:rPr>
-              <a:t> univoco), tra gli attributi dell’arco ho aggiunto le informazioni</a:t>
-            </a:r>
-          </a:p>
-          <a:p>
-            <a:pPr marL="342900" indent="-342900">
-              <a:buFont typeface="Arial" panose="020B0604020202020204" pitchFamily="34" charset="0"/>
-              <a:buChar char="•"/>
+            <a:pPr>
+              <a:buFont typeface="Wingdings" panose="05000000000000000000" pitchFamily="2" charset="2"/>
+              <a:buChar char="§"/>
             </a:pPr>
             <a:r>
-              <a:rPr lang="it-IT" dirty="0" err="1">
-                <a:solidFill>
-                  <a:schemeClr val="tx1">
-                    <a:lumMod val="95000"/>
-                    <a:lumOff val="5000"/>
-                  </a:schemeClr>
-                </a:solidFill>
-              </a:rPr>
-              <a:t>channel_id</a:t>
-            </a:r>
-            <a:endParaRPr lang="it-IT" dirty="0">
-              <a:solidFill>
-                <a:schemeClr val="tx1">
-                  <a:lumMod val="95000"/>
-                  <a:lumOff val="5000"/>
-                </a:schemeClr>
-              </a:solidFill>
-            </a:endParaRPr>
-          </a:p>
-          <a:p>
-            <a:pPr marL="342900" indent="-342900">
-              <a:buFont typeface="Arial" panose="020B0604020202020204" pitchFamily="34" charset="0"/>
-              <a:buChar char="•"/>
+              <a:rPr lang="it-IT" sz="2500" dirty="0"/>
+              <a:t>Trasformazione del </a:t>
+            </a:r>
+            <a:r>
+              <a:rPr lang="it-IT" sz="2500" dirty="0" err="1"/>
+              <a:t>multigrafo</a:t>
+            </a:r>
+            <a:r>
+              <a:rPr lang="it-IT" sz="2500" dirty="0"/>
+              <a:t> in grafo con eliminazione multielementi (per l’analisi di centralità)</a:t>
+            </a:r>
+          </a:p>
+          <a:p>
+            <a:pPr>
+              <a:buFont typeface="Wingdings" panose="05000000000000000000" pitchFamily="2" charset="2"/>
+              <a:buChar char="§"/>
             </a:pPr>
             <a:r>
-              <a:rPr lang="it-IT" dirty="0" err="1">
-                <a:solidFill>
-                  <a:schemeClr val="tx1">
-                    <a:lumMod val="95000"/>
-                    <a:lumOff val="5000"/>
-                  </a:schemeClr>
-                </a:solidFill>
-              </a:rPr>
-              <a:t>capacity</a:t>
-            </a:r>
-            <a:r>
-              <a:rPr lang="it-IT" dirty="0">
-                <a:solidFill>
-                  <a:schemeClr val="tx1">
-                    <a:lumMod val="95000"/>
-                    <a:lumOff val="5000"/>
-                  </a:schemeClr>
-                </a:solidFill>
-              </a:rPr>
+              <a:rPr lang="it-IT" sz="2500" i="1" dirty="0"/>
+              <a:t>Ricerca di </a:t>
+            </a:r>
+            <a:r>
+              <a:rPr lang="it-IT" sz="2500" i="1" dirty="0">
+                <a:effectLst>
+                  <a:outerShdw blurRad="38100" dist="38100" dir="2700000" algn="tl">
+                    <a:srgbClr val="000000">
+                      <a:alpha val="43137"/>
+                    </a:srgbClr>
+                  </a:outerShdw>
+                </a:effectLst>
+              </a:rPr>
+              <a:t>correlazioni</a:t>
+            </a:r>
+            <a:r>
+              <a:rPr lang="it-IT" sz="2500" i="1" dirty="0"/>
+              <a:t>:</a:t>
+            </a:r>
+          </a:p>
+          <a:p>
+            <a:pPr lvl="1"/>
+            <a:r>
+              <a:rPr lang="it-IT" sz="2500" i="1" dirty="0"/>
+              <a:t>studio delle </a:t>
+            </a:r>
+            <a:r>
+              <a:rPr lang="it-IT" sz="2500" i="1" dirty="0" err="1"/>
+              <a:t>fee</a:t>
+            </a:r>
+            <a:r>
+              <a:rPr lang="it-IT" sz="2500" i="1" dirty="0"/>
+              <a:t> applicate dai nodi più centrali ai propri vicini</a:t>
+            </a:r>
+            <a:r>
+              <a:rPr lang="it-IT" sz="2500" dirty="0"/>
+              <a:t>: ricerca di una correlazione tra il valore delle </a:t>
+            </a:r>
+            <a:r>
+              <a:rPr lang="it-IT" sz="2500" dirty="0" err="1"/>
+              <a:t>fee</a:t>
+            </a:r>
+            <a:r>
+              <a:rPr lang="it-IT" sz="2500" dirty="0"/>
+              <a:t> applicate e la centralità dei nodi vicini</a:t>
+            </a:r>
+          </a:p>
+          <a:p>
+            <a:pPr lvl="1"/>
+            <a:r>
+              <a:rPr lang="it-IT" sz="2500" i="1" dirty="0"/>
+              <a:t>studio delle </a:t>
+            </a:r>
+            <a:r>
+              <a:rPr lang="it-IT" sz="2500" i="1" dirty="0" err="1"/>
+              <a:t>fee</a:t>
+            </a:r>
+            <a:r>
+              <a:rPr lang="it-IT" sz="2500" i="1" dirty="0"/>
+              <a:t> applicate dai nodi più centrali sui propri canali: </a:t>
+            </a:r>
+            <a:r>
+              <a:rPr lang="it-IT" sz="2500" dirty="0"/>
+              <a:t>ricerca di una correlazione tra i valori delle </a:t>
+            </a:r>
+            <a:r>
+              <a:rPr lang="it-IT" sz="2500" dirty="0" err="1"/>
+              <a:t>fee</a:t>
+            </a:r>
+            <a:r>
+              <a:rPr lang="it-IT" sz="2500" dirty="0"/>
+              <a:t> e la capacità del canale su cui vengono applicate</a:t>
+            </a:r>
+          </a:p>
+          <a:p>
+            <a:pPr lvl="1"/>
+            <a:r>
+              <a:rPr lang="it-IT" sz="2500" i="1" dirty="0"/>
+              <a:t>Matrice di correlazione </a:t>
+            </a:r>
+            <a:r>
+              <a:rPr lang="it-IT" sz="2500" dirty="0"/>
+              <a:t>per individuare eventuali correlazioni tra tutte le possibili coppie di valori (</a:t>
+            </a:r>
+            <a:r>
+              <a:rPr lang="it-IT" sz="2500" i="1" dirty="0"/>
+              <a:t>ad esempio: valori di </a:t>
+            </a:r>
+            <a:r>
+              <a:rPr lang="it-IT" sz="2500" i="1" dirty="0" err="1"/>
+              <a:t>fee_base</a:t>
+            </a:r>
+            <a:r>
+              <a:rPr lang="it-IT" sz="2500" i="1" dirty="0"/>
+              <a:t> e valori di </a:t>
+            </a:r>
+            <a:r>
+              <a:rPr lang="it-IT" sz="2500" i="1" dirty="0" err="1"/>
+              <a:t>fee_rate</a:t>
+            </a:r>
+            <a:r>
+              <a:rPr lang="it-IT" sz="2500" i="1" dirty="0"/>
+              <a:t>, valori di </a:t>
+            </a:r>
+            <a:r>
+              <a:rPr lang="it-IT" sz="2500" i="1" dirty="0" err="1"/>
+              <a:t>min_htlc</a:t>
+            </a:r>
+            <a:r>
+              <a:rPr lang="it-IT" sz="2500" i="1" dirty="0"/>
+              <a:t> e </a:t>
+            </a:r>
+            <a:r>
+              <a:rPr lang="it-IT" sz="2500" i="1" dirty="0" err="1"/>
+              <a:t>capacity_channel</a:t>
+            </a:r>
+            <a:r>
+              <a:rPr lang="it-IT" sz="2500" i="1" dirty="0"/>
+              <a:t>..</a:t>
+            </a:r>
+            <a:r>
+              <a:rPr lang="it-IT" sz="2500" dirty="0"/>
+              <a:t>)</a:t>
+            </a:r>
+            <a:endParaRPr lang="it-IT" sz="2500" i="1" dirty="0"/>
+          </a:p>
+          <a:p>
+            <a:pPr lvl="1"/>
+            <a:endParaRPr lang="it-IT" sz="2500" i="1" dirty="0"/>
+          </a:p>
+          <a:p>
+            <a:pPr>
+              <a:buFont typeface="Wingdings" panose="05000000000000000000" pitchFamily="2" charset="2"/>
+              <a:buChar char="§"/>
+            </a:pPr>
+            <a:r>
+              <a:rPr lang="it-IT" sz="2500" i="1" dirty="0"/>
+              <a:t>Analisi di </a:t>
+            </a:r>
+            <a:r>
+              <a:rPr lang="it-IT" sz="2500" i="1" dirty="0">
+                <a:effectLst>
+                  <a:outerShdw blurRad="38100" dist="38100" dir="2700000" algn="tl">
+                    <a:srgbClr val="000000">
+                      <a:alpha val="43137"/>
+                    </a:srgbClr>
+                  </a:outerShdw>
+                </a:effectLst>
+              </a:rPr>
+              <a:t>Centralità</a:t>
+            </a:r>
+            <a:r>
+              <a:rPr lang="it-IT" sz="2500" dirty="0"/>
+              <a:t>: </a:t>
+            </a:r>
+          </a:p>
+          <a:p>
+            <a:pPr lvl="1"/>
+            <a:r>
+              <a:rPr lang="it-IT" sz="2500" dirty="0"/>
+              <a:t>calcolo di </a:t>
+            </a:r>
+            <a:r>
+              <a:rPr lang="it-IT" sz="2500" i="1" dirty="0" err="1"/>
+              <a:t>betweenness</a:t>
+            </a:r>
+            <a:r>
+              <a:rPr lang="it-IT" sz="2500" dirty="0"/>
+              <a:t>, </a:t>
+            </a:r>
+            <a:r>
+              <a:rPr lang="it-IT" sz="2500" i="1" dirty="0" err="1"/>
+              <a:t>closeness</a:t>
+            </a:r>
+            <a:r>
+              <a:rPr lang="it-IT" sz="2500" dirty="0"/>
+              <a:t>, </a:t>
+            </a:r>
+            <a:r>
+              <a:rPr lang="it-IT" sz="2500" i="1" dirty="0"/>
+              <a:t>degree</a:t>
+            </a:r>
+            <a:r>
+              <a:rPr lang="it-IT" sz="2500" dirty="0"/>
+              <a:t> e </a:t>
+            </a:r>
+            <a:r>
+              <a:rPr lang="it-IT" sz="2500" i="1" dirty="0" err="1"/>
+              <a:t>eigenvector</a:t>
+            </a:r>
+            <a:r>
+              <a:rPr lang="it-IT" sz="2500" i="1" dirty="0"/>
               <a:t> </a:t>
             </a:r>
-          </a:p>
-          <a:p>
-            <a:pPr marL="342900" indent="-342900">
-              <a:buFont typeface="Arial" panose="020B0604020202020204" pitchFamily="34" charset="0"/>
-              <a:buChar char="•"/>
+            <a:r>
+              <a:rPr lang="it-IT" sz="2500" i="1" dirty="0" err="1"/>
+              <a:t>centrality</a:t>
+            </a:r>
+            <a:r>
+              <a:rPr lang="it-IT" sz="2500" i="1" dirty="0"/>
+              <a:t>,</a:t>
+            </a:r>
+            <a:r>
+              <a:rPr lang="it-IT" sz="2500" dirty="0"/>
+              <a:t>  e distribuzione dei valori di centralità in base al grado del nodo</a:t>
+            </a:r>
+          </a:p>
+          <a:p>
+            <a:pPr lvl="1"/>
+            <a:r>
+              <a:rPr lang="it-IT" sz="2500" dirty="0"/>
+              <a:t>individuazione dei nodi più centrali e studio delle </a:t>
+            </a:r>
+            <a:r>
+              <a:rPr lang="it-IT" sz="2500" dirty="0" err="1"/>
+              <a:t>fee</a:t>
+            </a:r>
+            <a:r>
+              <a:rPr lang="it-IT" sz="2500" dirty="0"/>
+              <a:t> applicate dai 10 nodi più centrali sui propri canali: calcolo delle distribuzioni dei valori di </a:t>
+            </a:r>
+            <a:r>
+              <a:rPr lang="it-IT" sz="2500" i="1" dirty="0" err="1"/>
+              <a:t>min_htlc</a:t>
+            </a:r>
+            <a:r>
+              <a:rPr lang="it-IT" sz="2500" dirty="0"/>
+              <a:t>, </a:t>
+            </a:r>
+            <a:r>
+              <a:rPr lang="it-IT" sz="2500" i="1" dirty="0" err="1"/>
+              <a:t>fee_base</a:t>
+            </a:r>
+            <a:r>
+              <a:rPr lang="it-IT" sz="2500" i="1" dirty="0"/>
+              <a:t> </a:t>
+            </a:r>
+            <a:r>
+              <a:rPr lang="it-IT" sz="2500" dirty="0"/>
+              <a:t>e </a:t>
+            </a:r>
+            <a:r>
+              <a:rPr lang="it-IT" sz="2500" i="1" dirty="0" err="1"/>
+              <a:t>fee_rate</a:t>
+            </a:r>
+            <a:r>
+              <a:rPr lang="it-IT" sz="2500" i="1" dirty="0"/>
+              <a:t> </a:t>
+            </a:r>
+            <a:r>
+              <a:rPr lang="it-IT" sz="2500" dirty="0"/>
+              <a:t>considerando solo i canali uscenti da essi</a:t>
+            </a:r>
+          </a:p>
+          <a:p>
+            <a:pPr marL="457200" lvl="1" indent="0">
+              <a:buNone/>
             </a:pPr>
-            <a:r>
-              <a:rPr lang="it-IT" dirty="0">
-                <a:solidFill>
-                  <a:schemeClr val="tx1">
-                    <a:lumMod val="95000"/>
-                    <a:lumOff val="5000"/>
-                  </a:schemeClr>
-                </a:solidFill>
-              </a:rPr>
-              <a:t>Policy1</a:t>
-            </a:r>
-          </a:p>
-          <a:p>
-            <a:pPr marL="342900" indent="-342900">
-              <a:buFont typeface="Arial" panose="020B0604020202020204" pitchFamily="34" charset="0"/>
-              <a:buChar char="•"/>
+            <a:endParaRPr lang="it-IT" sz="2500" dirty="0"/>
+          </a:p>
+          <a:p>
+            <a:pPr lvl="1"/>
+            <a:endParaRPr lang="it-IT" sz="2500" dirty="0"/>
+          </a:p>
+          <a:p>
+            <a:pPr marL="457200" lvl="1" indent="0">
+              <a:buNone/>
             </a:pPr>
-            <a:r>
-              <a:rPr lang="it-IT" dirty="0">
-                <a:solidFill>
-                  <a:schemeClr val="tx1">
-                    <a:lumMod val="95000"/>
-                    <a:lumOff val="5000"/>
-                  </a:schemeClr>
-                </a:solidFill>
-              </a:rPr>
-              <a:t>Policy2</a:t>
-            </a:r>
-          </a:p>
-          <a:p>
-            <a:endParaRPr lang="it-IT" dirty="0"/>
+            <a:endParaRPr lang="it-IT" sz="2500" dirty="0"/>
+          </a:p>
+          <a:p>
+            <a:pPr marL="457200" lvl="1" indent="0">
+              <a:buNone/>
+            </a:pPr>
+            <a:endParaRPr lang="it-IT" sz="2500" dirty="0"/>
+          </a:p>
+          <a:p>
+            <a:pPr marL="457200" lvl="1" indent="0">
+              <a:buNone/>
+            </a:pPr>
+            <a:endParaRPr lang="it-IT" sz="2500" dirty="0"/>
           </a:p>
         </p:txBody>
       </p:sp>
     </p:spTree>
     <p:extLst>
       <p:ext uri="{BB962C8B-B14F-4D97-AF65-F5344CB8AC3E}">
-        <p14:creationId xmlns:p14="http://schemas.microsoft.com/office/powerpoint/2010/main" val="3687543117"/>
+        <p14:creationId xmlns:p14="http://schemas.microsoft.com/office/powerpoint/2010/main" val="2352381862"/>
       </p:ext>
     </p:extLst>
   </p:cSld>
@@ -6274,6 +6651,750 @@
           <a:chExt cx="0" cy="0"/>
         </a:xfrm>
       </p:grpSpPr>
+      <p:sp>
+        <p:nvSpPr>
+          <p:cNvPr id="2" name="Titolo 1">
+            <a:extLst>
+              <a:ext uri="{FF2B5EF4-FFF2-40B4-BE49-F238E27FC236}">
+                <a16:creationId xmlns:a16="http://schemas.microsoft.com/office/drawing/2014/main" id="{F7606FE5-94B6-4729-897C-5768127C6EA2}"/>
+              </a:ext>
+            </a:extLst>
+          </p:cNvPr>
+          <p:cNvSpPr>
+            <a:spLocks noGrp="1"/>
+          </p:cNvSpPr>
+          <p:nvPr>
+            <p:ph type="title"/>
+          </p:nvPr>
+        </p:nvSpPr>
+        <p:spPr>
+          <a:xfrm>
+            <a:off x="263165" y="141401"/>
+            <a:ext cx="10515600" cy="816516"/>
+          </a:xfrm>
+        </p:spPr>
+        <p:txBody>
+          <a:bodyPr/>
+          <a:lstStyle/>
+          <a:p>
+            <a:r>
+              <a:rPr lang="it-IT" b="1" i="1" dirty="0">
+                <a:solidFill>
+                  <a:schemeClr val="accent6">
+                    <a:lumMod val="75000"/>
+                  </a:schemeClr>
+                </a:solidFill>
+              </a:rPr>
+              <a:t>DEGREE CENTRALITY</a:t>
+            </a:r>
+            <a:endParaRPr lang="it-IT" dirty="0"/>
+          </a:p>
+        </p:txBody>
+      </p:sp>
+      <p:pic>
+        <p:nvPicPr>
+          <p:cNvPr id="5" name="Segnaposto contenuto 4" descr="Immagine che contiene tavolo&#10;&#10;Descrizione generata automaticamente">
+            <a:extLst>
+              <a:ext uri="{FF2B5EF4-FFF2-40B4-BE49-F238E27FC236}">
+                <a16:creationId xmlns:a16="http://schemas.microsoft.com/office/drawing/2014/main" id="{2F06E274-C0BF-4C40-BAC2-84DC39F9AAA3}"/>
+              </a:ext>
+            </a:extLst>
+          </p:cNvPr>
+          <p:cNvPicPr>
+            <a:picLocks noGrp="1" noChangeAspect="1"/>
+          </p:cNvPicPr>
+          <p:nvPr>
+            <p:ph idx="1"/>
+          </p:nvPr>
+        </p:nvPicPr>
+        <p:blipFill>
+          <a:blip r:embed="rId2">
+            <a:extLst>
+              <a:ext uri="{28A0092B-C50C-407E-A947-70E740481C1C}">
+                <a14:useLocalDpi xmlns:a14="http://schemas.microsoft.com/office/drawing/2010/main" val="0"/>
+              </a:ext>
+            </a:extLst>
+          </a:blip>
+          <a:stretch>
+            <a:fillRect/>
+          </a:stretch>
+        </p:blipFill>
+        <p:spPr>
+          <a:xfrm>
+            <a:off x="263165" y="957917"/>
+            <a:ext cx="11183659" cy="5161688"/>
+          </a:xfrm>
+        </p:spPr>
+      </p:pic>
+      <p:sp>
+        <p:nvSpPr>
+          <p:cNvPr id="4" name="CasellaDiTesto 3">
+            <a:extLst>
+              <a:ext uri="{FF2B5EF4-FFF2-40B4-BE49-F238E27FC236}">
+                <a16:creationId xmlns:a16="http://schemas.microsoft.com/office/drawing/2014/main" id="{64081359-6018-4855-A3AC-2D6EDD00AAA5}"/>
+              </a:ext>
+            </a:extLst>
+          </p:cNvPr>
+          <p:cNvSpPr txBox="1"/>
+          <p:nvPr/>
+        </p:nvSpPr>
+        <p:spPr>
+          <a:xfrm>
+            <a:off x="1225289" y="6000416"/>
+            <a:ext cx="9987208" cy="523220"/>
+          </a:xfrm>
+          <a:prstGeom prst="rect">
+            <a:avLst/>
+          </a:prstGeom>
+          <a:noFill/>
+        </p:spPr>
+        <p:txBody>
+          <a:bodyPr wrap="square">
+            <a:spAutoFit/>
+          </a:bodyPr>
+          <a:lstStyle/>
+          <a:p>
+            <a:pPr marL="0" marR="0" lvl="0" indent="0" algn="l" defTabSz="914400" rtl="0" eaLnBrk="1" fontAlgn="auto" latinLnBrk="0" hangingPunct="1">
+              <a:lnSpc>
+                <a:spcPct val="100000"/>
+              </a:lnSpc>
+              <a:spcBef>
+                <a:spcPts val="0"/>
+              </a:spcBef>
+              <a:spcAft>
+                <a:spcPts val="0"/>
+              </a:spcAft>
+              <a:buClrTx/>
+              <a:buSzTx/>
+              <a:buFontTx/>
+              <a:buNone/>
+              <a:tabLst/>
+              <a:defRPr/>
+            </a:pPr>
+            <a:r>
+              <a:rPr kumimoji="0" lang="it-IT" sz="1400" b="0" i="1" u="none" strike="noStrike" kern="1200" cap="none" spc="0" normalizeH="0" baseline="0" noProof="0" dirty="0">
+                <a:ln>
+                  <a:noFill/>
+                </a:ln>
+                <a:solidFill>
+                  <a:prstClr val="black"/>
+                </a:solidFill>
+                <a:effectLst/>
+                <a:uLnTx/>
+                <a:uFillTx/>
+                <a:latin typeface="Calibri" panose="020F0502020204030204"/>
+                <a:ea typeface="+mn-ea"/>
+                <a:cs typeface="+mn-cs"/>
+              </a:rPr>
+              <a:t>Sull’asse x sono segnati i possibili valori di degree </a:t>
+            </a:r>
+            <a:r>
+              <a:rPr kumimoji="0" lang="it-IT" sz="1400" b="0" i="1" u="none" strike="noStrike" kern="1200" cap="none" spc="0" normalizeH="0" baseline="0" noProof="0" dirty="0" err="1">
+                <a:ln>
+                  <a:noFill/>
+                </a:ln>
+                <a:solidFill>
+                  <a:prstClr val="black"/>
+                </a:solidFill>
+                <a:effectLst/>
+                <a:uLnTx/>
+                <a:uFillTx/>
+                <a:latin typeface="Calibri" panose="020F0502020204030204"/>
+                <a:ea typeface="+mn-ea"/>
+                <a:cs typeface="+mn-cs"/>
+              </a:rPr>
+              <a:t>centrality</a:t>
+            </a:r>
+            <a:r>
+              <a:rPr kumimoji="0" lang="it-IT" sz="1400" b="0" i="1" u="none" strike="noStrike" kern="1200" cap="none" spc="0" normalizeH="0" baseline="0" noProof="0" dirty="0">
+                <a:ln>
+                  <a:noFill/>
+                </a:ln>
+                <a:solidFill>
+                  <a:prstClr val="black"/>
+                </a:solidFill>
+                <a:effectLst/>
+                <a:uLnTx/>
+                <a:uFillTx/>
+                <a:latin typeface="Calibri" panose="020F0502020204030204"/>
+                <a:ea typeface="+mn-ea"/>
+                <a:cs typeface="+mn-cs"/>
+              </a:rPr>
+              <a:t>, sull’asse y il grado dei nodi su cui si calcola la degree. Il grafico rappresenta la distribuzione della degree </a:t>
+            </a:r>
+            <a:r>
+              <a:rPr kumimoji="0" lang="it-IT" sz="1400" b="0" i="1" u="none" strike="noStrike" kern="1200" cap="none" spc="0" normalizeH="0" baseline="0" noProof="0" dirty="0" err="1">
+                <a:ln>
+                  <a:noFill/>
+                </a:ln>
+                <a:solidFill>
+                  <a:prstClr val="black"/>
+                </a:solidFill>
+                <a:effectLst/>
+                <a:uLnTx/>
+                <a:uFillTx/>
+                <a:latin typeface="Calibri" panose="020F0502020204030204"/>
+                <a:ea typeface="+mn-ea"/>
+                <a:cs typeface="+mn-cs"/>
+              </a:rPr>
+              <a:t>centrality</a:t>
+            </a:r>
+            <a:r>
+              <a:rPr kumimoji="0" lang="it-IT" sz="1400" b="0" i="1" u="none" strike="noStrike" kern="1200" cap="none" spc="0" normalizeH="0" baseline="0" noProof="0" dirty="0">
+                <a:ln>
+                  <a:noFill/>
+                </a:ln>
+                <a:solidFill>
+                  <a:prstClr val="black"/>
+                </a:solidFill>
+                <a:effectLst/>
+                <a:uLnTx/>
+                <a:uFillTx/>
+                <a:latin typeface="Calibri" panose="020F0502020204030204"/>
+                <a:ea typeface="+mn-ea"/>
+                <a:cs typeface="+mn-cs"/>
+              </a:rPr>
+              <a:t> in base al grado dei nodi della rete.</a:t>
+            </a:r>
+          </a:p>
+        </p:txBody>
+      </p:sp>
+    </p:spTree>
+    <p:extLst>
+      <p:ext uri="{BB962C8B-B14F-4D97-AF65-F5344CB8AC3E}">
+        <p14:creationId xmlns:p14="http://schemas.microsoft.com/office/powerpoint/2010/main" val="3848153908"/>
+      </p:ext>
+    </p:extLst>
+  </p:cSld>
+  <p:clrMapOvr>
+    <a:masterClrMapping/>
+  </p:clrMapOvr>
+</p:sld>
+</file>
+
+<file path=ppt/slides/slide21.xml><?xml version="1.0" encoding="utf-8"?>
+<p:sld xmlns:a="http://schemas.openxmlformats.org/drawingml/2006/main" xmlns:r="http://schemas.openxmlformats.org/officeDocument/2006/relationships" xmlns:p="http://schemas.openxmlformats.org/presentationml/2006/main">
+  <p:cSld>
+    <p:spTree>
+      <p:nvGrpSpPr>
+        <p:cNvPr id="1" name=""/>
+        <p:cNvGrpSpPr/>
+        <p:nvPr/>
+      </p:nvGrpSpPr>
+      <p:grpSpPr>
+        <a:xfrm>
+          <a:off x="0" y="0"/>
+          <a:ext cx="0" cy="0"/>
+          <a:chOff x="0" y="0"/>
+          <a:chExt cx="0" cy="0"/>
+        </a:xfrm>
+      </p:grpSpPr>
+      <p:sp>
+        <p:nvSpPr>
+          <p:cNvPr id="2" name="Titolo 1">
+            <a:extLst>
+              <a:ext uri="{FF2B5EF4-FFF2-40B4-BE49-F238E27FC236}">
+                <a16:creationId xmlns:a16="http://schemas.microsoft.com/office/drawing/2014/main" id="{87C9789D-B58D-4EB8-ADB7-072532F6230E}"/>
+              </a:ext>
+            </a:extLst>
+          </p:cNvPr>
+          <p:cNvSpPr>
+            <a:spLocks noGrp="1"/>
+          </p:cNvSpPr>
+          <p:nvPr>
+            <p:ph type="title"/>
+          </p:nvPr>
+        </p:nvSpPr>
+        <p:spPr>
+          <a:xfrm>
+            <a:off x="131975" y="308564"/>
+            <a:ext cx="10618509" cy="879213"/>
+          </a:xfrm>
+        </p:spPr>
+        <p:txBody>
+          <a:bodyPr>
+            <a:noAutofit/>
+          </a:bodyPr>
+          <a:lstStyle/>
+          <a:p>
+            <a:br>
+              <a:rPr lang="it-IT" b="1" i="1" dirty="0">
+                <a:solidFill>
+                  <a:schemeClr val="accent6">
+                    <a:lumMod val="75000"/>
+                  </a:schemeClr>
+                </a:solidFill>
+                <a:effectLst/>
+              </a:rPr>
+            </a:br>
+            <a:r>
+              <a:rPr lang="it-IT" b="1" i="1" dirty="0">
+                <a:solidFill>
+                  <a:schemeClr val="accent6">
+                    <a:lumMod val="75000"/>
+                  </a:schemeClr>
+                </a:solidFill>
+                <a:effectLst/>
+              </a:rPr>
+              <a:t>EIGENVECTOR CENTRALITY</a:t>
+            </a:r>
+            <a:br>
+              <a:rPr lang="it-IT" b="1" i="1" dirty="0">
+                <a:solidFill>
+                  <a:schemeClr val="accent6">
+                    <a:lumMod val="75000"/>
+                  </a:schemeClr>
+                </a:solidFill>
+                <a:effectLst/>
+              </a:rPr>
+            </a:br>
+            <a:br>
+              <a:rPr lang="it-IT" b="1" i="1" dirty="0">
+                <a:solidFill>
+                  <a:schemeClr val="accent6">
+                    <a:lumMod val="75000"/>
+                  </a:schemeClr>
+                </a:solidFill>
+                <a:effectLst/>
+              </a:rPr>
+            </a:br>
+            <a:endParaRPr lang="it-IT" b="1" i="1" dirty="0">
+              <a:solidFill>
+                <a:schemeClr val="accent6">
+                  <a:lumMod val="75000"/>
+                </a:schemeClr>
+              </a:solidFill>
+            </a:endParaRPr>
+          </a:p>
+        </p:txBody>
+      </p:sp>
+      <p:pic>
+        <p:nvPicPr>
+          <p:cNvPr id="5" name="Segnaposto contenuto 4">
+            <a:extLst>
+              <a:ext uri="{FF2B5EF4-FFF2-40B4-BE49-F238E27FC236}">
+                <a16:creationId xmlns:a16="http://schemas.microsoft.com/office/drawing/2014/main" id="{C8B14B7B-D586-4BDA-A195-900D47FA757D}"/>
+              </a:ext>
+            </a:extLst>
+          </p:cNvPr>
+          <p:cNvPicPr>
+            <a:picLocks noGrp="1" noChangeAspect="1"/>
+          </p:cNvPicPr>
+          <p:nvPr>
+            <p:ph idx="1"/>
+          </p:nvPr>
+        </p:nvPicPr>
+        <p:blipFill>
+          <a:blip r:embed="rId2">
+            <a:extLst>
+              <a:ext uri="{28A0092B-C50C-407E-A947-70E740481C1C}">
+                <a14:useLocalDpi xmlns:a14="http://schemas.microsoft.com/office/drawing/2010/main" val="0"/>
+              </a:ext>
+            </a:extLst>
+          </a:blip>
+          <a:stretch>
+            <a:fillRect/>
+          </a:stretch>
+        </p:blipFill>
+        <p:spPr>
+          <a:xfrm>
+            <a:off x="407503" y="919640"/>
+            <a:ext cx="11102009" cy="5124005"/>
+          </a:xfrm>
+        </p:spPr>
+      </p:pic>
+      <p:sp>
+        <p:nvSpPr>
+          <p:cNvPr id="6" name="CasellaDiTesto 5">
+            <a:extLst>
+              <a:ext uri="{FF2B5EF4-FFF2-40B4-BE49-F238E27FC236}">
+                <a16:creationId xmlns:a16="http://schemas.microsoft.com/office/drawing/2014/main" id="{131371D5-C762-49AF-9E22-CBFC8EB87CDC}"/>
+              </a:ext>
+            </a:extLst>
+          </p:cNvPr>
+          <p:cNvSpPr txBox="1"/>
+          <p:nvPr/>
+        </p:nvSpPr>
+        <p:spPr>
+          <a:xfrm>
+            <a:off x="2241611" y="6160302"/>
+            <a:ext cx="8376082" cy="307777"/>
+          </a:xfrm>
+          <a:prstGeom prst="rect">
+            <a:avLst/>
+          </a:prstGeom>
+          <a:noFill/>
+        </p:spPr>
+        <p:txBody>
+          <a:bodyPr wrap="square">
+            <a:spAutoFit/>
+          </a:bodyPr>
+          <a:lstStyle/>
+          <a:p>
+            <a:r>
+              <a:rPr kumimoji="0" lang="it-IT" sz="1400" b="0" i="1" u="none" strike="noStrike" kern="1200" cap="none" spc="0" normalizeH="0" baseline="0" noProof="0" dirty="0">
+                <a:ln>
+                  <a:noFill/>
+                </a:ln>
+                <a:solidFill>
+                  <a:prstClr val="black"/>
+                </a:solidFill>
+                <a:effectLst/>
+                <a:uLnTx/>
+                <a:uFillTx/>
+                <a:latin typeface="Calibri" panose="020F0502020204030204"/>
+                <a:ea typeface="+mn-ea"/>
+                <a:cs typeface="+mn-cs"/>
+              </a:rPr>
+              <a:t>Il grafico rappresenta la distribuzione della </a:t>
+            </a:r>
+            <a:r>
+              <a:rPr kumimoji="0" lang="it-IT" sz="1400" b="0" i="1" u="none" strike="noStrike" kern="1200" cap="none" spc="0" normalizeH="0" baseline="0" noProof="0" dirty="0" err="1">
+                <a:ln>
+                  <a:noFill/>
+                </a:ln>
+                <a:solidFill>
+                  <a:prstClr val="black"/>
+                </a:solidFill>
+                <a:effectLst/>
+                <a:uLnTx/>
+                <a:uFillTx/>
+                <a:latin typeface="Calibri" panose="020F0502020204030204"/>
+                <a:ea typeface="+mn-ea"/>
+                <a:cs typeface="+mn-cs"/>
+              </a:rPr>
+              <a:t>eigenvector</a:t>
+            </a:r>
+            <a:r>
+              <a:rPr kumimoji="0" lang="it-IT" sz="1400" b="0" i="1" u="none" strike="noStrike" kern="1200" cap="none" spc="0" normalizeH="0" baseline="0" noProof="0" dirty="0">
+                <a:ln>
+                  <a:noFill/>
+                </a:ln>
+                <a:solidFill>
+                  <a:prstClr val="black"/>
+                </a:solidFill>
+                <a:effectLst/>
+                <a:uLnTx/>
+                <a:uFillTx/>
+                <a:latin typeface="Calibri" panose="020F0502020204030204"/>
+                <a:ea typeface="+mn-ea"/>
+                <a:cs typeface="+mn-cs"/>
+              </a:rPr>
+              <a:t> </a:t>
+            </a:r>
+            <a:r>
+              <a:rPr kumimoji="0" lang="it-IT" sz="1400" b="0" i="1" u="none" strike="noStrike" kern="1200" cap="none" spc="0" normalizeH="0" baseline="0" noProof="0" dirty="0" err="1">
+                <a:ln>
+                  <a:noFill/>
+                </a:ln>
+                <a:solidFill>
+                  <a:prstClr val="black"/>
+                </a:solidFill>
+                <a:effectLst/>
+                <a:uLnTx/>
+                <a:uFillTx/>
+                <a:latin typeface="Calibri" panose="020F0502020204030204"/>
+                <a:ea typeface="+mn-ea"/>
+                <a:cs typeface="+mn-cs"/>
+              </a:rPr>
+              <a:t>centrality</a:t>
+            </a:r>
+            <a:r>
+              <a:rPr kumimoji="0" lang="it-IT" sz="1400" b="0" i="1" u="none" strike="noStrike" kern="1200" cap="none" spc="0" normalizeH="0" baseline="0" noProof="0" dirty="0">
+                <a:ln>
+                  <a:noFill/>
+                </a:ln>
+                <a:solidFill>
+                  <a:prstClr val="black"/>
+                </a:solidFill>
+                <a:effectLst/>
+                <a:uLnTx/>
+                <a:uFillTx/>
+                <a:latin typeface="Calibri" panose="020F0502020204030204"/>
+                <a:ea typeface="+mn-ea"/>
+                <a:cs typeface="+mn-cs"/>
+              </a:rPr>
+              <a:t> in base al grado dei nodi della rete.</a:t>
+            </a:r>
+            <a:endParaRPr lang="it-IT" dirty="0"/>
+          </a:p>
+        </p:txBody>
+      </p:sp>
+    </p:spTree>
+    <p:extLst>
+      <p:ext uri="{BB962C8B-B14F-4D97-AF65-F5344CB8AC3E}">
+        <p14:creationId xmlns:p14="http://schemas.microsoft.com/office/powerpoint/2010/main" val="3955304876"/>
+      </p:ext>
+    </p:extLst>
+  </p:cSld>
+  <p:clrMapOvr>
+    <a:masterClrMapping/>
+  </p:clrMapOvr>
+</p:sld>
+</file>
+
+<file path=ppt/slides/slide22.xml><?xml version="1.0" encoding="utf-8"?>
+<p:sld xmlns:a="http://schemas.openxmlformats.org/drawingml/2006/main" xmlns:r="http://schemas.openxmlformats.org/officeDocument/2006/relationships" xmlns:p="http://schemas.openxmlformats.org/presentationml/2006/main">
+  <p:cSld>
+    <p:spTree>
+      <p:nvGrpSpPr>
+        <p:cNvPr id="1" name=""/>
+        <p:cNvGrpSpPr/>
+        <p:nvPr/>
+      </p:nvGrpSpPr>
+      <p:grpSpPr>
+        <a:xfrm>
+          <a:off x="0" y="0"/>
+          <a:ext cx="0" cy="0"/>
+          <a:chOff x="0" y="0"/>
+          <a:chExt cx="0" cy="0"/>
+        </a:xfrm>
+      </p:grpSpPr>
+      <p:sp>
+        <p:nvSpPr>
+          <p:cNvPr id="2" name="Titolo 1">
+            <a:extLst>
+              <a:ext uri="{FF2B5EF4-FFF2-40B4-BE49-F238E27FC236}">
+                <a16:creationId xmlns:a16="http://schemas.microsoft.com/office/drawing/2014/main" id="{5AFD4465-A607-4711-9124-7B41DB77AB5C}"/>
+              </a:ext>
+            </a:extLst>
+          </p:cNvPr>
+          <p:cNvSpPr>
+            <a:spLocks noGrp="1"/>
+          </p:cNvSpPr>
+          <p:nvPr>
+            <p:ph type="title"/>
+          </p:nvPr>
+        </p:nvSpPr>
+        <p:spPr>
+          <a:xfrm>
+            <a:off x="235670" y="346272"/>
+            <a:ext cx="10916239" cy="455007"/>
+          </a:xfrm>
+        </p:spPr>
+        <p:txBody>
+          <a:bodyPr>
+            <a:normAutofit fontScale="90000"/>
+          </a:bodyPr>
+          <a:lstStyle/>
+          <a:p>
+            <a:r>
+              <a:rPr lang="it-IT" sz="2100" b="1" i="1" dirty="0" err="1">
+                <a:solidFill>
+                  <a:schemeClr val="accent6">
+                    <a:lumMod val="75000"/>
+                  </a:schemeClr>
+                </a:solidFill>
+              </a:rPr>
+              <a:t>Fee</a:t>
+            </a:r>
+            <a:r>
+              <a:rPr lang="it-IT" sz="2100" b="1" i="1" dirty="0">
+                <a:solidFill>
+                  <a:schemeClr val="accent6">
+                    <a:lumMod val="75000"/>
+                  </a:schemeClr>
+                </a:solidFill>
+              </a:rPr>
+              <a:t> applicate dal nodo più centrale – secondo tutte le 4 metriche :</a:t>
+            </a:r>
+            <a:br>
+              <a:rPr lang="it-IT" sz="2100" b="1" i="1" dirty="0">
+                <a:solidFill>
+                  <a:schemeClr val="accent6">
+                    <a:lumMod val="75000"/>
+                  </a:schemeClr>
+                </a:solidFill>
+              </a:rPr>
+            </a:br>
+            <a:r>
+              <a:rPr lang="it-IT" sz="2400" b="1" i="1" u="sng" dirty="0">
+                <a:solidFill>
+                  <a:schemeClr val="accent6">
+                    <a:lumMod val="75000"/>
+                  </a:schemeClr>
+                </a:solidFill>
+                <a:effectLst/>
+                <a:latin typeface="+mn-lt"/>
+              </a:rPr>
+              <a:t>03864ef025fde8fb587d989186ce6a4a186895ee44a926bfc370e2c366597a3f8f</a:t>
+            </a:r>
+            <a:br>
+              <a:rPr lang="it-IT" sz="2000" b="0" dirty="0">
+                <a:solidFill>
+                  <a:srgbClr val="D4D4D4"/>
+                </a:solidFill>
+                <a:effectLst/>
+                <a:latin typeface="+mn-lt"/>
+              </a:rPr>
+            </a:br>
+            <a:br>
+              <a:rPr lang="it-IT" sz="1000" b="0" dirty="0">
+                <a:solidFill>
+                  <a:srgbClr val="D4D4D4"/>
+                </a:solidFill>
+                <a:effectLst/>
+                <a:latin typeface="+mn-lt"/>
+              </a:rPr>
+            </a:br>
+            <a:endParaRPr lang="it-IT" sz="2000" b="1" i="1" dirty="0">
+              <a:solidFill>
+                <a:schemeClr val="accent6">
+                  <a:lumMod val="75000"/>
+                </a:schemeClr>
+              </a:solidFill>
+              <a:latin typeface="+mn-lt"/>
+            </a:endParaRPr>
+          </a:p>
+        </p:txBody>
+      </p:sp>
+      <p:pic>
+        <p:nvPicPr>
+          <p:cNvPr id="5" name="Immagine 4">
+            <a:extLst>
+              <a:ext uri="{FF2B5EF4-FFF2-40B4-BE49-F238E27FC236}">
+                <a16:creationId xmlns:a16="http://schemas.microsoft.com/office/drawing/2014/main" id="{5D297637-7CB9-467B-B838-D7B99008BF8C}"/>
+              </a:ext>
+            </a:extLst>
+          </p:cNvPr>
+          <p:cNvPicPr>
+            <a:picLocks noChangeAspect="1"/>
+          </p:cNvPicPr>
+          <p:nvPr/>
+        </p:nvPicPr>
+        <p:blipFill>
+          <a:blip r:embed="rId2">
+            <a:extLst>
+              <a:ext uri="{28A0092B-C50C-407E-A947-70E740481C1C}">
+                <a14:useLocalDpi xmlns:a14="http://schemas.microsoft.com/office/drawing/2010/main" val="0"/>
+              </a:ext>
+            </a:extLst>
+          </a:blip>
+          <a:stretch>
+            <a:fillRect/>
+          </a:stretch>
+        </p:blipFill>
+        <p:spPr>
+          <a:xfrm>
+            <a:off x="235670" y="686143"/>
+            <a:ext cx="11497302" cy="5306447"/>
+          </a:xfrm>
+          <a:prstGeom prst="rect">
+            <a:avLst/>
+          </a:prstGeom>
+        </p:spPr>
+      </p:pic>
+      <p:pic>
+        <p:nvPicPr>
+          <p:cNvPr id="6" name="Immagine 5">
+            <a:extLst>
+              <a:ext uri="{FF2B5EF4-FFF2-40B4-BE49-F238E27FC236}">
+                <a16:creationId xmlns:a16="http://schemas.microsoft.com/office/drawing/2014/main" id="{CBC4C51F-748A-465D-8F03-FC43D4228D18}"/>
+              </a:ext>
+            </a:extLst>
+          </p:cNvPr>
+          <p:cNvPicPr>
+            <a:picLocks noChangeAspect="1"/>
+          </p:cNvPicPr>
+          <p:nvPr/>
+        </p:nvPicPr>
+        <p:blipFill>
+          <a:blip r:embed="rId3"/>
+          <a:stretch>
+            <a:fillRect/>
+          </a:stretch>
+        </p:blipFill>
+        <p:spPr>
+          <a:xfrm>
+            <a:off x="171405" y="3429000"/>
+            <a:ext cx="11625832" cy="5156810"/>
+          </a:xfrm>
+          <a:prstGeom prst="rect">
+            <a:avLst/>
+          </a:prstGeom>
+        </p:spPr>
+      </p:pic>
+      <p:sp>
+        <p:nvSpPr>
+          <p:cNvPr id="3" name="CasellaDiTesto 2">
+            <a:extLst>
+              <a:ext uri="{FF2B5EF4-FFF2-40B4-BE49-F238E27FC236}">
+                <a16:creationId xmlns:a16="http://schemas.microsoft.com/office/drawing/2014/main" id="{DBD013F7-E160-4178-A75D-B4AA0274C31C}"/>
+              </a:ext>
+            </a:extLst>
+          </p:cNvPr>
+          <p:cNvSpPr txBox="1"/>
+          <p:nvPr/>
+        </p:nvSpPr>
+        <p:spPr>
+          <a:xfrm>
+            <a:off x="337352" y="6396335"/>
+            <a:ext cx="11625832" cy="461665"/>
+          </a:xfrm>
+          <a:prstGeom prst="rect">
+            <a:avLst/>
+          </a:prstGeom>
+          <a:noFill/>
+        </p:spPr>
+        <p:txBody>
+          <a:bodyPr wrap="square" rtlCol="0">
+            <a:spAutoFit/>
+          </a:bodyPr>
+          <a:lstStyle/>
+          <a:p>
+            <a:r>
+              <a:rPr lang="it-IT" sz="1200" i="1" dirty="0"/>
+              <a:t>In alto sono riportati i grafici che rappresentano le distribuzioni delle </a:t>
+            </a:r>
+            <a:r>
+              <a:rPr lang="it-IT" sz="1200" i="1" dirty="0" err="1"/>
+              <a:t>fee</a:t>
+            </a:r>
+            <a:r>
+              <a:rPr lang="it-IT" sz="1200" i="1" dirty="0"/>
+              <a:t> applicate dal nodo considerato sui suoi canali. In basso i grafici che rappresentano le distribuzioni delle </a:t>
+            </a:r>
+            <a:r>
+              <a:rPr lang="it-IT" sz="1200" i="1" dirty="0" err="1"/>
+              <a:t>fee</a:t>
+            </a:r>
+            <a:r>
+              <a:rPr lang="it-IT" sz="1200" i="1" dirty="0"/>
+              <a:t> su tutti i canali della rete.</a:t>
+            </a:r>
+          </a:p>
+        </p:txBody>
+      </p:sp>
+    </p:spTree>
+    <p:extLst>
+      <p:ext uri="{BB962C8B-B14F-4D97-AF65-F5344CB8AC3E}">
+        <p14:creationId xmlns:p14="http://schemas.microsoft.com/office/powerpoint/2010/main" val="1235411528"/>
+      </p:ext>
+    </p:extLst>
+  </p:cSld>
+  <p:clrMapOvr>
+    <a:masterClrMapping/>
+  </p:clrMapOvr>
+</p:sld>
+</file>
+
+<file path=ppt/slides/slide23.xml><?xml version="1.0" encoding="utf-8"?>
+<p:sld xmlns:a="http://schemas.openxmlformats.org/drawingml/2006/main" xmlns:r="http://schemas.openxmlformats.org/officeDocument/2006/relationships" xmlns:p="http://schemas.openxmlformats.org/presentationml/2006/main">
+  <p:cSld>
+    <p:spTree>
+      <p:nvGrpSpPr>
+        <p:cNvPr id="1" name=""/>
+        <p:cNvGrpSpPr/>
+        <p:nvPr/>
+      </p:nvGrpSpPr>
+      <p:grpSpPr>
+        <a:xfrm>
+          <a:off x="0" y="0"/>
+          <a:ext cx="0" cy="0"/>
+          <a:chOff x="0" y="0"/>
+          <a:chExt cx="0" cy="0"/>
+        </a:xfrm>
+      </p:grpSpPr>
       <p:pic>
         <p:nvPicPr>
           <p:cNvPr id="5" name="Segnaposto contenuto 4">
@@ -6528,7 +7649,7 @@
 </p:sld>
 </file>
 
-<file path=ppt/slides/slide21.xml><?xml version="1.0" encoding="utf-8"?>
+<file path=ppt/slides/slide24.xml><?xml version="1.0" encoding="utf-8"?>
 <p:sld xmlns:a="http://schemas.openxmlformats.org/drawingml/2006/main" xmlns:r="http://schemas.openxmlformats.org/officeDocument/2006/relationships" xmlns:p="http://schemas.openxmlformats.org/presentationml/2006/main">
   <p:cSld>
     <p:spTree>
@@ -6746,7 +7867,7 @@
 </p:sld>
 </file>
 
-<file path=ppt/slides/slide22.xml><?xml version="1.0" encoding="utf-8"?>
+<file path=ppt/slides/slide25.xml><?xml version="1.0" encoding="utf-8"?>
 <p:sld xmlns:a="http://schemas.openxmlformats.org/drawingml/2006/main" xmlns:r="http://schemas.openxmlformats.org/officeDocument/2006/relationships" xmlns:p="http://schemas.openxmlformats.org/presentationml/2006/main">
   <p:cSld>
     <p:spTree>
@@ -6953,7 +8074,7 @@
 </p:sld>
 </file>
 
-<file path=ppt/slides/slide23.xml><?xml version="1.0" encoding="utf-8"?>
+<file path=ppt/slides/slide26.xml><?xml version="1.0" encoding="utf-8"?>
 <p:sld xmlns:a="http://schemas.openxmlformats.org/drawingml/2006/main" xmlns:r="http://schemas.openxmlformats.org/officeDocument/2006/relationships" xmlns:p="http://schemas.openxmlformats.org/presentationml/2006/main">
   <p:cSld>
     <p:spTree>
@@ -7158,7 +8279,7 @@
 </p:sld>
 </file>
 
-<file path=ppt/slides/slide24.xml><?xml version="1.0" encoding="utf-8"?>
+<file path=ppt/slides/slide27.xml><?xml version="1.0" encoding="utf-8"?>
 <p:sld xmlns:a="http://schemas.openxmlformats.org/drawingml/2006/main" xmlns:r="http://schemas.openxmlformats.org/officeDocument/2006/relationships" xmlns:p="http://schemas.openxmlformats.org/presentationml/2006/main">
   <p:cSld>
     <p:spTree>
@@ -7362,7 +8483,7 @@
 </p:sld>
 </file>
 
-<file path=ppt/slides/slide25.xml><?xml version="1.0" encoding="utf-8"?>
+<file path=ppt/slides/slide28.xml><?xml version="1.0" encoding="utf-8"?>
 <p:sld xmlns:a="http://schemas.openxmlformats.org/drawingml/2006/main" xmlns:r="http://schemas.openxmlformats.org/officeDocument/2006/relationships" xmlns:p="http://schemas.openxmlformats.org/presentationml/2006/main">
   <p:cSld>
     <p:spTree>
@@ -7434,7 +8555,7 @@
 </p:sld>
 </file>
 
-<file path=ppt/slides/slide26.xml><?xml version="1.0" encoding="utf-8"?>
+<file path=ppt/slides/slide29.xml><?xml version="1.0" encoding="utf-8"?>
 <p:sld xmlns:a="http://schemas.openxmlformats.org/drawingml/2006/main" xmlns:r="http://schemas.openxmlformats.org/officeDocument/2006/relationships" xmlns:p="http://schemas.openxmlformats.org/presentationml/2006/main">
   <p:cSld>
     <p:spTree>
@@ -7630,7 +8751,254 @@
 </p:sld>
 </file>
 
-<file path=ppt/slides/slide27.xml><?xml version="1.0" encoding="utf-8"?>
+<file path=ppt/slides/slide3.xml><?xml version="1.0" encoding="utf-8"?>
+<p:sld xmlns:a="http://schemas.openxmlformats.org/drawingml/2006/main" xmlns:r="http://schemas.openxmlformats.org/officeDocument/2006/relationships" xmlns:p="http://schemas.openxmlformats.org/presentationml/2006/main">
+  <p:cSld>
+    <p:spTree>
+      <p:nvGrpSpPr>
+        <p:cNvPr id="1" name=""/>
+        <p:cNvGrpSpPr/>
+        <p:nvPr/>
+      </p:nvGrpSpPr>
+      <p:grpSpPr>
+        <a:xfrm>
+          <a:off x="0" y="0"/>
+          <a:ext cx="0" cy="0"/>
+          <a:chOff x="0" y="0"/>
+          <a:chExt cx="0" cy="0"/>
+        </a:xfrm>
+      </p:grpSpPr>
+      <p:sp>
+        <p:nvSpPr>
+          <p:cNvPr id="2" name="Titolo 1">
+            <a:extLst>
+              <a:ext uri="{FF2B5EF4-FFF2-40B4-BE49-F238E27FC236}">
+                <a16:creationId xmlns:a16="http://schemas.microsoft.com/office/drawing/2014/main" id="{905A34C4-BDC1-4B3F-99B5-2182561A8E07}"/>
+              </a:ext>
+            </a:extLst>
+          </p:cNvPr>
+          <p:cNvSpPr>
+            <a:spLocks noGrp="1"/>
+          </p:cNvSpPr>
+          <p:nvPr>
+            <p:ph type="title"/>
+          </p:nvPr>
+        </p:nvSpPr>
+        <p:spPr>
+          <a:xfrm>
+            <a:off x="213065" y="62144"/>
+            <a:ext cx="11353800" cy="1007107"/>
+          </a:xfrm>
+        </p:spPr>
+        <p:txBody>
+          <a:bodyPr>
+            <a:normAutofit/>
+          </a:bodyPr>
+          <a:lstStyle/>
+          <a:p>
+            <a:r>
+              <a:rPr lang="it-IT" sz="3800" b="1" i="1" dirty="0">
+                <a:solidFill>
+                  <a:srgbClr val="0070C0"/>
+                </a:solidFill>
+              </a:rPr>
+              <a:t>SU PIU’ DATASET (</a:t>
+            </a:r>
+            <a:r>
+              <a:rPr lang="it-IT" sz="3800" b="1" i="1">
+                <a:solidFill>
+                  <a:srgbClr val="0070C0"/>
+                </a:solidFill>
+              </a:rPr>
+              <a:t>dal 23-04-21 al 10-05-21)</a:t>
+            </a:r>
+            <a:endParaRPr lang="it-IT" sz="3800" b="1" i="1" dirty="0">
+              <a:solidFill>
+                <a:srgbClr val="0070C0"/>
+              </a:solidFill>
+            </a:endParaRPr>
+          </a:p>
+        </p:txBody>
+      </p:sp>
+      <p:sp>
+        <p:nvSpPr>
+          <p:cNvPr id="3" name="Segnaposto contenuto 2">
+            <a:extLst>
+              <a:ext uri="{FF2B5EF4-FFF2-40B4-BE49-F238E27FC236}">
+                <a16:creationId xmlns:a16="http://schemas.microsoft.com/office/drawing/2014/main" id="{7CA0E07D-D12E-4583-9E75-7BCC44FCC8C4}"/>
+              </a:ext>
+            </a:extLst>
+          </p:cNvPr>
+          <p:cNvSpPr>
+            <a:spLocks noGrp="1"/>
+          </p:cNvSpPr>
+          <p:nvPr>
+            <p:ph idx="1"/>
+          </p:nvPr>
+        </p:nvSpPr>
+        <p:spPr>
+          <a:xfrm>
+            <a:off x="301841" y="1069251"/>
+            <a:ext cx="11677094" cy="5107712"/>
+          </a:xfrm>
+        </p:spPr>
+        <p:txBody>
+          <a:bodyPr>
+            <a:normAutofit/>
+          </a:bodyPr>
+          <a:lstStyle/>
+          <a:p>
+            <a:pPr marL="514350" indent="-514350">
+              <a:buFont typeface="+mj-lt"/>
+              <a:buAutoNum type="arabicPeriod"/>
+            </a:pPr>
+            <a:r>
+              <a:rPr lang="it-IT" dirty="0"/>
+              <a:t>Analisi ‘’</a:t>
+            </a:r>
+            <a:r>
+              <a:rPr lang="it-IT" i="1" dirty="0"/>
+              <a:t>per settimane’’</a:t>
+            </a:r>
+            <a:r>
+              <a:rPr lang="it-IT" dirty="0"/>
+              <a:t>:</a:t>
+            </a:r>
+          </a:p>
+          <a:p>
+            <a:pPr lvl="1"/>
+            <a:r>
+              <a:rPr lang="it-IT" sz="2500" dirty="0"/>
+              <a:t>unione dei dataset in 4 files più grandi (ognuno di questi 4 conterrà gli elementi in comune ai dataset utilizzati per crearlo + gli elementi non in comune di ogni dataset)</a:t>
+            </a:r>
+          </a:p>
+          <a:p>
+            <a:pPr lvl="1"/>
+            <a:r>
+              <a:rPr lang="it-IT" sz="2500" dirty="0"/>
+              <a:t>ricerca degli elementi in comune ad ogni settimana</a:t>
+            </a:r>
+          </a:p>
+          <a:p>
+            <a:pPr lvl="1"/>
+            <a:r>
+              <a:rPr lang="it-IT" sz="2500" i="1" dirty="0"/>
+              <a:t>ricerca di variazioni dei valori delle </a:t>
+            </a:r>
+            <a:r>
+              <a:rPr lang="it-IT" sz="2500" i="1" dirty="0" err="1"/>
+              <a:t>fee</a:t>
+            </a:r>
+            <a:r>
+              <a:rPr lang="it-IT" sz="2500" i="1" dirty="0"/>
+              <a:t> </a:t>
+            </a:r>
+            <a:r>
+              <a:rPr lang="it-IT" sz="2500" dirty="0"/>
+              <a:t>nelle settimane</a:t>
+            </a:r>
+          </a:p>
+          <a:p>
+            <a:pPr marL="514350" indent="-514350">
+              <a:buFont typeface="+mj-lt"/>
+              <a:buAutoNum type="arabicPeriod"/>
+            </a:pPr>
+            <a:r>
+              <a:rPr lang="it-IT" dirty="0"/>
+              <a:t>Analisi ‘’</a:t>
+            </a:r>
+            <a:r>
+              <a:rPr lang="it-IT" i="1" dirty="0"/>
+              <a:t>per giorno’’</a:t>
+            </a:r>
+            <a:r>
+              <a:rPr lang="it-IT" dirty="0"/>
+              <a:t>:</a:t>
+            </a:r>
+          </a:p>
+          <a:p>
+            <a:pPr lvl="1"/>
+            <a:r>
+              <a:rPr lang="it-IT" sz="2500" dirty="0"/>
+              <a:t>considero separatamente 7 dataset dei 7 giorni di una settimana</a:t>
+            </a:r>
+          </a:p>
+          <a:p>
+            <a:pPr lvl="1"/>
+            <a:r>
+              <a:rPr lang="it-IT" sz="2500" dirty="0"/>
+              <a:t>ricerca degli elementi in comune ad ogni giorno</a:t>
+            </a:r>
+          </a:p>
+          <a:p>
+            <a:pPr lvl="1"/>
+            <a:r>
+              <a:rPr lang="it-IT" sz="2500" i="1" dirty="0"/>
+              <a:t>ricerca di variazioni dei valori delle </a:t>
+            </a:r>
+            <a:r>
+              <a:rPr lang="it-IT" sz="2500" i="1" dirty="0" err="1"/>
+              <a:t>fee</a:t>
+            </a:r>
+            <a:r>
+              <a:rPr lang="it-IT" sz="2500" i="1" dirty="0"/>
+              <a:t> </a:t>
+            </a:r>
+            <a:r>
+              <a:rPr lang="it-IT" sz="2500" dirty="0"/>
+              <a:t>nei giorni</a:t>
+            </a:r>
+          </a:p>
+          <a:p>
+            <a:pPr marL="914400" lvl="1" indent="-457200">
+              <a:buFont typeface="+mj-lt"/>
+              <a:buAutoNum type="arabicPeriod"/>
+            </a:pPr>
+            <a:endParaRPr lang="it-IT" sz="2500" dirty="0"/>
+          </a:p>
+          <a:p>
+            <a:pPr lvl="1"/>
+            <a:endParaRPr lang="it-IT" sz="2500" dirty="0"/>
+          </a:p>
+          <a:p>
+            <a:pPr lvl="1"/>
+            <a:endParaRPr lang="it-IT" sz="2500" dirty="0"/>
+          </a:p>
+          <a:p>
+            <a:pPr lvl="1"/>
+            <a:endParaRPr lang="it-IT" sz="2500" dirty="0"/>
+          </a:p>
+          <a:p>
+            <a:pPr marL="914400" lvl="1" indent="-457200">
+              <a:buFont typeface="+mj-lt"/>
+              <a:buAutoNum type="arabicPeriod"/>
+            </a:pPr>
+            <a:endParaRPr lang="it-IT" sz="2500" dirty="0"/>
+          </a:p>
+          <a:p>
+            <a:pPr lvl="1"/>
+            <a:endParaRPr lang="it-IT" sz="2500" dirty="0"/>
+          </a:p>
+          <a:p>
+            <a:pPr lvl="1"/>
+            <a:endParaRPr lang="it-IT" sz="2500" dirty="0"/>
+          </a:p>
+        </p:txBody>
+      </p:sp>
+    </p:spTree>
+    <p:extLst>
+      <p:ext uri="{BB962C8B-B14F-4D97-AF65-F5344CB8AC3E}">
+        <p14:creationId xmlns:p14="http://schemas.microsoft.com/office/powerpoint/2010/main" val="2693352176"/>
+      </p:ext>
+    </p:extLst>
+  </p:cSld>
+  <p:clrMapOvr>
+    <a:masterClrMapping/>
+  </p:clrMapOvr>
+</p:sld>
+</file>
+
+<file path=ppt/slides/slide30.xml><?xml version="1.0" encoding="utf-8"?>
 <p:sld xmlns:a="http://schemas.openxmlformats.org/drawingml/2006/main" xmlns:r="http://schemas.openxmlformats.org/officeDocument/2006/relationships" xmlns:p="http://schemas.openxmlformats.org/presentationml/2006/main">
   <p:cSld>
     <p:spTree>
@@ -7820,7 +9188,7 @@
 </p:sld>
 </file>
 
-<file path=ppt/slides/slide28.xml><?xml version="1.0" encoding="utf-8"?>
+<file path=ppt/slides/slide31.xml><?xml version="1.0" encoding="utf-8"?>
 <p:sld xmlns:a="http://schemas.openxmlformats.org/drawingml/2006/main" xmlns:r="http://schemas.openxmlformats.org/officeDocument/2006/relationships" xmlns:p="http://schemas.openxmlformats.org/presentationml/2006/main">
   <p:cSld>
     <p:spTree>
@@ -7921,7 +9289,7 @@
 </p:sld>
 </file>
 
-<file path=ppt/slides/slide29.xml><?xml version="1.0" encoding="utf-8"?>
+<file path=ppt/slides/slide32.xml><?xml version="1.0" encoding="utf-8"?>
 <p:sld xmlns:a="http://schemas.openxmlformats.org/drawingml/2006/main" xmlns:r="http://schemas.openxmlformats.org/officeDocument/2006/relationships" xmlns:p="http://schemas.openxmlformats.org/presentationml/2006/main">
   <p:cSld>
     <p:spTree>
@@ -8029,7 +9397,7 @@
         </p:blipFill>
         <p:spPr>
           <a:xfrm>
-            <a:off x="6046823" y="4150490"/>
+            <a:off x="6046823" y="4039340"/>
             <a:ext cx="6145177" cy="2836235"/>
           </a:xfrm>
         </p:spPr>
@@ -8098,7 +9466,7 @@
         </p:blipFill>
         <p:spPr>
           <a:xfrm>
-            <a:off x="0" y="4150489"/>
+            <a:off x="0" y="4021764"/>
             <a:ext cx="6145177" cy="2836236"/>
           </a:xfrm>
           <a:prstGeom prst="rect">
@@ -8119,650 +9487,7 @@
 </p:sld>
 </file>
 
-<file path=ppt/slides/slide3.xml><?xml version="1.0" encoding="utf-8"?>
-<p:sld xmlns:a="http://schemas.openxmlformats.org/drawingml/2006/main" xmlns:r="http://schemas.openxmlformats.org/officeDocument/2006/relationships" xmlns:p="http://schemas.openxmlformats.org/presentationml/2006/main">
-  <p:cSld>
-    <p:spTree>
-      <p:nvGrpSpPr>
-        <p:cNvPr id="1" name=""/>
-        <p:cNvGrpSpPr/>
-        <p:nvPr/>
-      </p:nvGrpSpPr>
-      <p:grpSpPr>
-        <a:xfrm>
-          <a:off x="0" y="0"/>
-          <a:ext cx="0" cy="0"/>
-          <a:chOff x="0" y="0"/>
-          <a:chExt cx="0" cy="0"/>
-        </a:xfrm>
-      </p:grpSpPr>
-      <p:sp>
-        <p:nvSpPr>
-          <p:cNvPr id="2" name="Titolo 1">
-            <a:extLst>
-              <a:ext uri="{FF2B5EF4-FFF2-40B4-BE49-F238E27FC236}">
-                <a16:creationId xmlns:a16="http://schemas.microsoft.com/office/drawing/2014/main" id="{7B7F7502-7E25-4D1C-88AC-3601B3ED4CF6}"/>
-              </a:ext>
-            </a:extLst>
-          </p:cNvPr>
-          <p:cNvSpPr>
-            <a:spLocks noGrp="1"/>
-          </p:cNvSpPr>
-          <p:nvPr>
-            <p:ph type="title"/>
-          </p:nvPr>
-        </p:nvSpPr>
-        <p:spPr>
-          <a:xfrm>
-            <a:off x="4599830" y="0"/>
-            <a:ext cx="1800513" cy="803565"/>
-          </a:xfrm>
-        </p:spPr>
-        <p:txBody>
-          <a:bodyPr>
-            <a:noAutofit/>
-          </a:bodyPr>
-          <a:lstStyle/>
-          <a:p>
-            <a:r>
-              <a:rPr lang="it-IT" sz="4800" b="1" i="1" dirty="0">
-                <a:solidFill>
-                  <a:schemeClr val="accent6">
-                    <a:lumMod val="75000"/>
-                  </a:schemeClr>
-                </a:solidFill>
-              </a:rPr>
-              <a:t>Policy </a:t>
-            </a:r>
-          </a:p>
-        </p:txBody>
-      </p:sp>
-      <p:sp>
-        <p:nvSpPr>
-          <p:cNvPr id="3" name="Segnaposto testo 2">
-            <a:extLst>
-              <a:ext uri="{FF2B5EF4-FFF2-40B4-BE49-F238E27FC236}">
-                <a16:creationId xmlns:a16="http://schemas.microsoft.com/office/drawing/2014/main" id="{05F7CEAE-995D-469B-8BE9-38B207A6DB1E}"/>
-              </a:ext>
-            </a:extLst>
-          </p:cNvPr>
-          <p:cNvSpPr>
-            <a:spLocks noGrp="1"/>
-          </p:cNvSpPr>
-          <p:nvPr>
-            <p:ph type="body" idx="1"/>
-          </p:nvPr>
-        </p:nvSpPr>
-        <p:spPr>
-          <a:xfrm>
-            <a:off x="365222" y="3428999"/>
-            <a:ext cx="11521977" cy="3264031"/>
-          </a:xfrm>
-        </p:spPr>
-        <p:txBody>
-          <a:bodyPr>
-            <a:normAutofit/>
-          </a:bodyPr>
-          <a:lstStyle/>
-          <a:p>
-            <a:r>
-              <a:rPr lang="it-IT" sz="1600" dirty="0">
-                <a:solidFill>
-                  <a:schemeClr val="tx1">
-                    <a:lumMod val="95000"/>
-                    <a:lumOff val="5000"/>
-                  </a:schemeClr>
-                </a:solidFill>
-              </a:rPr>
-              <a:t>Consideriamo i campi:</a:t>
-            </a:r>
-          </a:p>
-          <a:p>
-            <a:pPr marL="342900" indent="-342900">
-              <a:buFont typeface="Arial" panose="020B0604020202020204" pitchFamily="34" charset="0"/>
-              <a:buChar char="•"/>
-            </a:pPr>
-            <a:r>
-              <a:rPr lang="it-IT" b="1" i="1" u="sng" dirty="0" err="1">
-                <a:solidFill>
-                  <a:schemeClr val="tx1">
-                    <a:lumMod val="95000"/>
-                    <a:lumOff val="5000"/>
-                  </a:schemeClr>
-                </a:solidFill>
-              </a:rPr>
-              <a:t>min_htlc</a:t>
-            </a:r>
-            <a:r>
-              <a:rPr lang="it-IT" b="1" i="1" u="sng" dirty="0">
-                <a:solidFill>
-                  <a:schemeClr val="tx1">
-                    <a:lumMod val="95000"/>
-                    <a:lumOff val="5000"/>
-                  </a:schemeClr>
-                </a:solidFill>
-              </a:rPr>
-              <a:t> </a:t>
-            </a:r>
-            <a:r>
-              <a:rPr lang="it-IT" dirty="0">
-                <a:solidFill>
-                  <a:schemeClr val="tx1">
-                    <a:lumMod val="95000"/>
-                    <a:lumOff val="5000"/>
-                  </a:schemeClr>
-                </a:solidFill>
-              </a:rPr>
-              <a:t>: </a:t>
-            </a:r>
-            <a:r>
-              <a:rPr lang="it-IT" sz="1600" dirty="0">
-                <a:solidFill>
-                  <a:schemeClr val="tx1"/>
-                </a:solidFill>
-                <a:ea typeface="Cambria Math" panose="02040503050406030204" pitchFamily="18" charset="0"/>
-                <a:cs typeface="Segoe UI" panose="020B0502040204020203" pitchFamily="34" charset="0"/>
-              </a:rPr>
-              <a:t>valore minimo (espresso in </a:t>
-            </a:r>
-            <a:r>
-              <a:rPr lang="it-IT" sz="1600" dirty="0" err="1">
-                <a:solidFill>
-                  <a:schemeClr val="tx1"/>
-                </a:solidFill>
-                <a:ea typeface="Cambria Math" panose="02040503050406030204" pitchFamily="18" charset="0"/>
-                <a:cs typeface="Segoe UI" panose="020B0502040204020203" pitchFamily="34" charset="0"/>
-              </a:rPr>
-              <a:t>msat</a:t>
-            </a:r>
-            <a:r>
-              <a:rPr lang="it-IT" sz="1600" dirty="0">
-                <a:solidFill>
-                  <a:schemeClr val="tx1"/>
-                </a:solidFill>
-                <a:ea typeface="Cambria Math" panose="02040503050406030204" pitchFamily="18" charset="0"/>
-                <a:cs typeface="Segoe UI" panose="020B0502040204020203" pitchFamily="34" charset="0"/>
-              </a:rPr>
-              <a:t>) per cui un nodo è disposto a fare il </a:t>
-            </a:r>
-            <a:r>
-              <a:rPr lang="it-IT" sz="1600" dirty="0" err="1">
-                <a:solidFill>
-                  <a:schemeClr val="tx1"/>
-                </a:solidFill>
-                <a:ea typeface="Cambria Math" panose="02040503050406030204" pitchFamily="18" charset="0"/>
-                <a:cs typeface="Segoe UI" panose="020B0502040204020203" pitchFamily="34" charset="0"/>
-              </a:rPr>
-              <a:t>forward</a:t>
-            </a:r>
-            <a:r>
-              <a:rPr lang="it-IT" sz="1600" dirty="0">
-                <a:solidFill>
-                  <a:schemeClr val="tx1"/>
-                </a:solidFill>
-                <a:ea typeface="Cambria Math" panose="02040503050406030204" pitchFamily="18" charset="0"/>
-                <a:cs typeface="Segoe UI" panose="020B0502040204020203" pitchFamily="34" charset="0"/>
-              </a:rPr>
-              <a:t> di un pagamento.</a:t>
-            </a:r>
-            <a:r>
-              <a:rPr lang="it-IT" sz="1600" b="0" i="0" dirty="0">
-                <a:solidFill>
-                  <a:schemeClr val="tx1"/>
-                </a:solidFill>
-                <a:effectLst/>
-                <a:ea typeface="Cambria Math" panose="02040503050406030204" pitchFamily="18" charset="0"/>
-              </a:rPr>
-              <a:t> Valore di default: 1 </a:t>
-            </a:r>
-            <a:r>
-              <a:rPr lang="it-IT" sz="1600" b="0" i="0" dirty="0" err="1">
-                <a:solidFill>
-                  <a:schemeClr val="tx1"/>
-                </a:solidFill>
-                <a:effectLst/>
-                <a:ea typeface="Cambria Math" panose="02040503050406030204" pitchFamily="18" charset="0"/>
-              </a:rPr>
-              <a:t>sat</a:t>
-            </a:r>
-            <a:r>
-              <a:rPr lang="it-IT" sz="1600" b="0" i="0" dirty="0">
-                <a:solidFill>
-                  <a:schemeClr val="tx1"/>
-                </a:solidFill>
-                <a:effectLst/>
-                <a:ea typeface="Cambria Math" panose="02040503050406030204" pitchFamily="18" charset="0"/>
-              </a:rPr>
-              <a:t> (1000 </a:t>
-            </a:r>
-            <a:r>
-              <a:rPr lang="it-IT" sz="1600" b="0" i="0" dirty="0" err="1">
-                <a:solidFill>
-                  <a:schemeClr val="tx1"/>
-                </a:solidFill>
-                <a:effectLst/>
-                <a:ea typeface="Cambria Math" panose="02040503050406030204" pitchFamily="18" charset="0"/>
-              </a:rPr>
-              <a:t>msat</a:t>
-            </a:r>
-            <a:r>
-              <a:rPr lang="it-IT" sz="1600" b="0" i="0" dirty="0">
-                <a:solidFill>
-                  <a:schemeClr val="tx1"/>
-                </a:solidFill>
-                <a:effectLst/>
-                <a:ea typeface="Cambria Math" panose="02040503050406030204" pitchFamily="18" charset="0"/>
-              </a:rPr>
-              <a:t>)</a:t>
-            </a:r>
-            <a:r>
-              <a:rPr lang="it-IT" sz="1600" dirty="0">
-                <a:solidFill>
-                  <a:schemeClr val="tx1"/>
-                </a:solidFill>
-                <a:ea typeface="Cambria Math" panose="02040503050406030204" pitchFamily="18" charset="0"/>
-              </a:rPr>
-              <a:t> -</a:t>
-            </a:r>
-            <a:r>
-              <a:rPr lang="it-IT" sz="1600" b="0" i="0" dirty="0">
-                <a:solidFill>
-                  <a:schemeClr val="tx1"/>
-                </a:solidFill>
-                <a:effectLst/>
-                <a:ea typeface="Cambria Math" panose="02040503050406030204" pitchFamily="18" charset="0"/>
-              </a:rPr>
-              <a:t> che significa che la maggior parte dei nodi rifiuterà i pagament</a:t>
-            </a:r>
-            <a:r>
-              <a:rPr lang="it-IT" sz="1600" dirty="0">
-                <a:solidFill>
-                  <a:schemeClr val="tx1"/>
-                </a:solidFill>
-                <a:ea typeface="Cambria Math" panose="02040503050406030204" pitchFamily="18" charset="0"/>
-              </a:rPr>
-              <a:t>i </a:t>
-            </a:r>
-            <a:r>
-              <a:rPr lang="it-IT" sz="1600" b="0" i="0" dirty="0">
-                <a:solidFill>
-                  <a:schemeClr val="tx1"/>
-                </a:solidFill>
-                <a:effectLst/>
-                <a:ea typeface="Cambria Math" panose="02040503050406030204" pitchFamily="18" charset="0"/>
-              </a:rPr>
-              <a:t>inferiori a 1 </a:t>
-            </a:r>
-            <a:r>
-              <a:rPr lang="it-IT" sz="1600" b="0" i="0" dirty="0" err="1">
-                <a:solidFill>
-                  <a:schemeClr val="tx1"/>
-                </a:solidFill>
-                <a:effectLst/>
-                <a:ea typeface="Cambria Math" panose="02040503050406030204" pitchFamily="18" charset="0"/>
-              </a:rPr>
-              <a:t>satoshi</a:t>
-            </a:r>
-            <a:r>
-              <a:rPr lang="it-IT" sz="1600" b="0" i="0" dirty="0">
-                <a:solidFill>
-                  <a:schemeClr val="tx1"/>
-                </a:solidFill>
-                <a:effectLst/>
-                <a:ea typeface="Cambria Math" panose="02040503050406030204" pitchFamily="18" charset="0"/>
-              </a:rPr>
-              <a:t>.</a:t>
-            </a:r>
-            <a:endParaRPr lang="it-IT" sz="1900" dirty="0">
-              <a:solidFill>
-                <a:schemeClr val="tx1"/>
-              </a:solidFill>
-            </a:endParaRPr>
-          </a:p>
-          <a:p>
-            <a:pPr marL="342900" indent="-342900">
-              <a:buFont typeface="Arial" panose="020B0604020202020204" pitchFamily="34" charset="0"/>
-              <a:buChar char="•"/>
-            </a:pPr>
-            <a:r>
-              <a:rPr lang="it-IT" b="1" i="1" u="sng" dirty="0" err="1">
-                <a:solidFill>
-                  <a:schemeClr val="tx1">
-                    <a:lumMod val="95000"/>
-                    <a:lumOff val="5000"/>
-                  </a:schemeClr>
-                </a:solidFill>
-              </a:rPr>
-              <a:t>fee_base_msat</a:t>
-            </a:r>
-            <a:r>
-              <a:rPr lang="it-IT" b="1" i="1" u="sng" dirty="0">
-                <a:solidFill>
-                  <a:schemeClr val="tx1">
-                    <a:lumMod val="95000"/>
-                    <a:lumOff val="5000"/>
-                  </a:schemeClr>
-                </a:solidFill>
-              </a:rPr>
-              <a:t> </a:t>
-            </a:r>
-            <a:r>
-              <a:rPr lang="it-IT" dirty="0">
-                <a:solidFill>
-                  <a:schemeClr val="tx1">
-                    <a:lumMod val="95000"/>
-                    <a:lumOff val="5000"/>
-                  </a:schemeClr>
-                </a:solidFill>
-              </a:rPr>
-              <a:t>: </a:t>
-            </a:r>
-            <a:r>
-              <a:rPr lang="it-IT" sz="1600" dirty="0">
-                <a:solidFill>
-                  <a:schemeClr val="tx1"/>
-                </a:solidFill>
-                <a:effectLst/>
-                <a:ea typeface="Cambria Math" panose="02040503050406030204" pitchFamily="18" charset="0"/>
-              </a:rPr>
-              <a:t>tariffa addebitata ogni volta che un pagamento viene instradato attraverso il canale. </a:t>
-            </a:r>
-            <a:r>
-              <a:rPr lang="it-IT" sz="1600" dirty="0">
-                <a:solidFill>
-                  <a:schemeClr val="tx1"/>
-                </a:solidFill>
-                <a:ea typeface="Cambria Math" panose="02040503050406030204" pitchFamily="18" charset="0"/>
-              </a:rPr>
-              <a:t>Valore di default: 1 </a:t>
-            </a:r>
-            <a:r>
-              <a:rPr lang="it-IT" sz="1600" dirty="0" err="1">
-                <a:solidFill>
-                  <a:schemeClr val="tx1"/>
-                </a:solidFill>
-                <a:ea typeface="Cambria Math" panose="02040503050406030204" pitchFamily="18" charset="0"/>
-              </a:rPr>
-              <a:t>sat</a:t>
-            </a:r>
-            <a:r>
-              <a:rPr lang="it-IT" sz="1600" dirty="0">
-                <a:solidFill>
-                  <a:schemeClr val="tx1"/>
-                </a:solidFill>
-                <a:ea typeface="Cambria Math" panose="02040503050406030204" pitchFamily="18" charset="0"/>
-              </a:rPr>
-              <a:t> (1000 </a:t>
-            </a:r>
-            <a:r>
-              <a:rPr lang="it-IT" sz="1600" dirty="0" err="1">
-                <a:solidFill>
-                  <a:schemeClr val="tx1"/>
-                </a:solidFill>
-                <a:ea typeface="Cambria Math" panose="02040503050406030204" pitchFamily="18" charset="0"/>
-              </a:rPr>
-              <a:t>msat</a:t>
-            </a:r>
-            <a:r>
-              <a:rPr lang="it-IT" sz="1600" dirty="0">
-                <a:solidFill>
-                  <a:schemeClr val="tx1"/>
-                </a:solidFill>
-                <a:ea typeface="Cambria Math" panose="02040503050406030204" pitchFamily="18" charset="0"/>
-              </a:rPr>
-              <a:t>)</a:t>
-            </a:r>
-            <a:endParaRPr lang="it-IT" dirty="0">
-              <a:solidFill>
-                <a:schemeClr val="tx1">
-                  <a:lumMod val="95000"/>
-                  <a:lumOff val="5000"/>
-                </a:schemeClr>
-              </a:solidFill>
-            </a:endParaRPr>
-          </a:p>
-          <a:p>
-            <a:pPr marL="342900" indent="-342900">
-              <a:buFont typeface="Arial" panose="020B0604020202020204" pitchFamily="34" charset="0"/>
-              <a:buChar char="•"/>
-            </a:pPr>
-            <a:r>
-              <a:rPr lang="it-IT" b="1" i="1" u="sng" dirty="0" err="1">
-                <a:solidFill>
-                  <a:schemeClr val="tx1">
-                    <a:lumMod val="95000"/>
-                    <a:lumOff val="5000"/>
-                  </a:schemeClr>
-                </a:solidFill>
-              </a:rPr>
-              <a:t>fee_rate_milli_msat</a:t>
-            </a:r>
-            <a:r>
-              <a:rPr lang="it-IT" b="1" i="1" u="sng" dirty="0">
-                <a:solidFill>
-                  <a:schemeClr val="tx1">
-                    <a:lumMod val="95000"/>
-                    <a:lumOff val="5000"/>
-                  </a:schemeClr>
-                </a:solidFill>
-              </a:rPr>
-              <a:t> </a:t>
-            </a:r>
-            <a:r>
-              <a:rPr lang="it-IT" dirty="0">
-                <a:solidFill>
-                  <a:schemeClr val="tx1">
-                    <a:lumMod val="95000"/>
-                    <a:lumOff val="5000"/>
-                  </a:schemeClr>
-                </a:solidFill>
-              </a:rPr>
-              <a:t>: </a:t>
-            </a:r>
-            <a:r>
-              <a:rPr lang="it-IT" sz="1600" dirty="0">
-                <a:solidFill>
-                  <a:schemeClr val="tx1"/>
-                </a:solidFill>
-                <a:ea typeface="Cambria Math" panose="02040503050406030204" pitchFamily="18" charset="0"/>
-              </a:rPr>
-              <a:t>commissione in percentuale addebitata sul valore </a:t>
-            </a:r>
-            <a:r>
-              <a:rPr lang="it-IT" sz="1600" b="1" dirty="0">
-                <a:solidFill>
-                  <a:schemeClr val="tx1"/>
-                </a:solidFill>
-                <a:ea typeface="Cambria Math" panose="02040503050406030204" pitchFamily="18" charset="0"/>
-              </a:rPr>
-              <a:t>T</a:t>
-            </a:r>
-            <a:r>
-              <a:rPr lang="it-IT" sz="1600" dirty="0">
-                <a:solidFill>
-                  <a:schemeClr val="tx1"/>
-                </a:solidFill>
-                <a:ea typeface="Cambria Math" panose="02040503050406030204" pitchFamily="18" charset="0"/>
-              </a:rPr>
-              <a:t> del pagamento instradato attraverso il canale</a:t>
-            </a:r>
-            <a:endParaRPr lang="it-IT" sz="1600" dirty="0">
-              <a:solidFill>
-                <a:schemeClr val="tx1"/>
-              </a:solidFill>
-            </a:endParaRPr>
-          </a:p>
-          <a:p>
-            <a:pPr marL="342900" indent="-342900">
-              <a:buFont typeface="Arial" panose="020B0604020202020204" pitchFamily="34" charset="0"/>
-              <a:buChar char="•"/>
-            </a:pPr>
-            <a:r>
-              <a:rPr lang="it-IT" b="1" i="1" u="sng" dirty="0" err="1">
-                <a:solidFill>
-                  <a:schemeClr val="tx1">
-                    <a:lumMod val="95000"/>
-                    <a:lumOff val="5000"/>
-                  </a:schemeClr>
-                </a:solidFill>
-              </a:rPr>
-              <a:t>disabled</a:t>
-            </a:r>
-            <a:r>
-              <a:rPr lang="it-IT" dirty="0">
-                <a:solidFill>
-                  <a:schemeClr val="tx1">
-                    <a:lumMod val="95000"/>
-                    <a:lumOff val="5000"/>
-                  </a:schemeClr>
-                </a:solidFill>
-              </a:rPr>
-              <a:t> : </a:t>
-            </a:r>
-            <a:r>
-              <a:rPr lang="it-IT" sz="1600" dirty="0">
-                <a:solidFill>
-                  <a:schemeClr val="tx1">
-                    <a:lumMod val="95000"/>
-                    <a:lumOff val="5000"/>
-                  </a:schemeClr>
-                </a:solidFill>
-              </a:rPr>
-              <a:t>se settato a True, impedisce il </a:t>
-            </a:r>
-            <a:r>
-              <a:rPr lang="it-IT" sz="1600" dirty="0" err="1">
-                <a:solidFill>
-                  <a:schemeClr val="tx1">
-                    <a:lumMod val="95000"/>
-                    <a:lumOff val="5000"/>
-                  </a:schemeClr>
-                </a:solidFill>
-              </a:rPr>
-              <a:t>routing</a:t>
-            </a:r>
-            <a:r>
-              <a:rPr lang="it-IT" sz="1600" dirty="0">
-                <a:solidFill>
-                  <a:schemeClr val="tx1">
-                    <a:lumMod val="95000"/>
-                    <a:lumOff val="5000"/>
-                  </a:schemeClr>
-                </a:solidFill>
-              </a:rPr>
-              <a:t>. (Policy1 e Policy2 potrebbero avere valori diversi del campo </a:t>
-            </a:r>
-            <a:r>
-              <a:rPr lang="it-IT" sz="1600" dirty="0" err="1">
-                <a:solidFill>
-                  <a:schemeClr val="tx1">
-                    <a:lumMod val="95000"/>
-                    <a:lumOff val="5000"/>
-                  </a:schemeClr>
-                </a:solidFill>
-              </a:rPr>
-              <a:t>disabled</a:t>
-            </a:r>
-            <a:r>
-              <a:rPr lang="it-IT" sz="1600" dirty="0">
-                <a:solidFill>
-                  <a:schemeClr val="tx1">
-                    <a:lumMod val="95000"/>
-                    <a:lumOff val="5000"/>
-                  </a:schemeClr>
-                </a:solidFill>
-              </a:rPr>
-              <a:t>, il che vuol dire che il </a:t>
-            </a:r>
-            <a:r>
-              <a:rPr lang="it-IT" sz="1600" dirty="0" err="1">
-                <a:solidFill>
-                  <a:schemeClr val="tx1">
-                    <a:lumMod val="95000"/>
-                    <a:lumOff val="5000"/>
-                  </a:schemeClr>
-                </a:solidFill>
-              </a:rPr>
-              <a:t>routing</a:t>
-            </a:r>
-            <a:r>
-              <a:rPr lang="it-IT" sz="1600" dirty="0">
-                <a:solidFill>
-                  <a:schemeClr val="tx1">
-                    <a:lumMod val="95000"/>
-                    <a:lumOff val="5000"/>
-                  </a:schemeClr>
-                </a:solidFill>
-              </a:rPr>
-              <a:t> può essere consentito in una sola direzione)</a:t>
-            </a:r>
-            <a:endParaRPr lang="it-IT" sz="1600" dirty="0"/>
-          </a:p>
-          <a:p>
-            <a:pPr marL="342900" indent="-342900">
-              <a:buFont typeface="Arial" panose="020B0604020202020204" pitchFamily="34" charset="0"/>
-              <a:buChar char="•"/>
-            </a:pPr>
-            <a:endParaRPr lang="it-IT" dirty="0"/>
-          </a:p>
-          <a:p>
-            <a:pPr marL="342900" indent="-342900">
-              <a:buFont typeface="Arial" panose="020B0604020202020204" pitchFamily="34" charset="0"/>
-              <a:buChar char="•"/>
-            </a:pPr>
-            <a:endParaRPr lang="it-IT" dirty="0"/>
-          </a:p>
-        </p:txBody>
-      </p:sp>
-      <p:pic>
-        <p:nvPicPr>
-          <p:cNvPr id="5" name="Immagine 4" descr="Immagine che contiene testo, screenshot, monitor, elettronico&#10;&#10;Descrizione generata automaticamente">
-            <a:extLst>
-              <a:ext uri="{FF2B5EF4-FFF2-40B4-BE49-F238E27FC236}">
-                <a16:creationId xmlns:a16="http://schemas.microsoft.com/office/drawing/2014/main" id="{B1EAC4A8-77CC-49CB-A0FE-90D4FD110636}"/>
-              </a:ext>
-            </a:extLst>
-          </p:cNvPr>
-          <p:cNvPicPr>
-            <a:picLocks noChangeAspect="1"/>
-          </p:cNvPicPr>
-          <p:nvPr/>
-        </p:nvPicPr>
-        <p:blipFill rotWithShape="1">
-          <a:blip r:embed="rId2">
-            <a:extLst>
-              <a:ext uri="{28A0092B-C50C-407E-A947-70E740481C1C}">
-                <a14:useLocalDpi xmlns:a14="http://schemas.microsoft.com/office/drawing/2010/main" val="0"/>
-              </a:ext>
-            </a:extLst>
-          </a:blip>
-          <a:srcRect l="33409" t="61010" r="45341" b="20202"/>
-          <a:stretch/>
-        </p:blipFill>
-        <p:spPr>
-          <a:xfrm>
-            <a:off x="3048578" y="707164"/>
-            <a:ext cx="4903018" cy="2438400"/>
-          </a:xfrm>
-          <a:prstGeom prst="rect">
-            <a:avLst/>
-          </a:prstGeom>
-        </p:spPr>
-      </p:pic>
-    </p:spTree>
-    <p:extLst>
-      <p:ext uri="{BB962C8B-B14F-4D97-AF65-F5344CB8AC3E}">
-        <p14:creationId xmlns:p14="http://schemas.microsoft.com/office/powerpoint/2010/main" val="2419265055"/>
-      </p:ext>
-    </p:extLst>
-  </p:cSld>
-  <p:clrMapOvr>
-    <a:masterClrMapping/>
-  </p:clrMapOvr>
-</p:sld>
-</file>
-
-<file path=ppt/slides/slide30.xml><?xml version="1.0" encoding="utf-8"?>
+<file path=ppt/slides/slide33.xml><?xml version="1.0" encoding="utf-8"?>
 <p:sld xmlns:a="http://schemas.openxmlformats.org/drawingml/2006/main" xmlns:r="http://schemas.openxmlformats.org/officeDocument/2006/relationships" xmlns:p="http://schemas.openxmlformats.org/presentationml/2006/main">
   <p:cSld>
     <p:spTree>
@@ -8933,7 +9658,7 @@
 </p:sld>
 </file>
 
-<file path=ppt/slides/slide31.xml><?xml version="1.0" encoding="utf-8"?>
+<file path=ppt/slides/slide34.xml><?xml version="1.0" encoding="utf-8"?>
 <p:sld xmlns:a="http://schemas.openxmlformats.org/drawingml/2006/main" xmlns:r="http://schemas.openxmlformats.org/officeDocument/2006/relationships" xmlns:p="http://schemas.openxmlformats.org/presentationml/2006/main">
   <p:cSld>
     <p:spTree>
@@ -9035,7 +9760,1478 @@
 </p:sld>
 </file>
 
+<file path=ppt/slides/slide35.xml><?xml version="1.0" encoding="utf-8"?>
+<p:sld xmlns:a="http://schemas.openxmlformats.org/drawingml/2006/main" xmlns:r="http://schemas.openxmlformats.org/officeDocument/2006/relationships" xmlns:p="http://schemas.openxmlformats.org/presentationml/2006/main">
+  <p:cSld>
+    <p:spTree>
+      <p:nvGrpSpPr>
+        <p:cNvPr id="1" name=""/>
+        <p:cNvGrpSpPr/>
+        <p:nvPr/>
+      </p:nvGrpSpPr>
+      <p:grpSpPr>
+        <a:xfrm>
+          <a:off x="0" y="0"/>
+          <a:ext cx="0" cy="0"/>
+          <a:chOff x="0" y="0"/>
+          <a:chExt cx="0" cy="0"/>
+        </a:xfrm>
+      </p:grpSpPr>
+      <p:sp>
+        <p:nvSpPr>
+          <p:cNvPr id="2" name="Titolo 1">
+            <a:extLst>
+              <a:ext uri="{FF2B5EF4-FFF2-40B4-BE49-F238E27FC236}">
+                <a16:creationId xmlns:a16="http://schemas.microsoft.com/office/drawing/2014/main" id="{9A066BA3-0990-4121-9EE7-5EAD78338A82}"/>
+              </a:ext>
+            </a:extLst>
+          </p:cNvPr>
+          <p:cNvSpPr>
+            <a:spLocks noGrp="1"/>
+          </p:cNvSpPr>
+          <p:nvPr>
+            <p:ph type="title"/>
+          </p:nvPr>
+        </p:nvSpPr>
+        <p:spPr>
+          <a:xfrm>
+            <a:off x="305540" y="125429"/>
+            <a:ext cx="10515600" cy="416110"/>
+          </a:xfrm>
+        </p:spPr>
+        <p:txBody>
+          <a:bodyPr>
+            <a:normAutofit fontScale="90000"/>
+          </a:bodyPr>
+          <a:lstStyle/>
+          <a:p>
+            <a:r>
+              <a:rPr lang="it-IT" b="1" i="1" dirty="0">
+                <a:solidFill>
+                  <a:srgbClr val="0070C0"/>
+                </a:solidFill>
+              </a:rPr>
+              <a:t>Analisi su più dataset «per settimane»</a:t>
+            </a:r>
+          </a:p>
+        </p:txBody>
+      </p:sp>
+      <p:sp>
+        <p:nvSpPr>
+          <p:cNvPr id="3" name="Segnaposto contenuto 2">
+            <a:extLst>
+              <a:ext uri="{FF2B5EF4-FFF2-40B4-BE49-F238E27FC236}">
+                <a16:creationId xmlns:a16="http://schemas.microsoft.com/office/drawing/2014/main" id="{18B5E09A-81C2-4A8E-819A-AD1584D0BEFA}"/>
+              </a:ext>
+            </a:extLst>
+          </p:cNvPr>
+          <p:cNvSpPr>
+            <a:spLocks noGrp="1"/>
+          </p:cNvSpPr>
+          <p:nvPr>
+            <p:ph idx="1"/>
+          </p:nvPr>
+        </p:nvSpPr>
+        <p:spPr>
+          <a:xfrm>
+            <a:off x="305540" y="997258"/>
+            <a:ext cx="11048260" cy="3975795"/>
+          </a:xfrm>
+        </p:spPr>
+        <p:txBody>
+          <a:bodyPr/>
+          <a:lstStyle/>
+          <a:p>
+            <a:pPr marL="0" indent="0">
+              <a:buNone/>
+            </a:pPr>
+            <a:r>
+              <a:rPr lang="it-IT" sz="2500" dirty="0"/>
+              <a:t>- Canali in comune a tutte e 4 le settimane: 33470</a:t>
+            </a:r>
+          </a:p>
+          <a:p>
+            <a:pPr>
+              <a:buFontTx/>
+              <a:buChar char="-"/>
+            </a:pPr>
+            <a:r>
+              <a:rPr lang="it-IT" sz="2500" dirty="0"/>
+              <a:t>Canali «confrontabili» ovvero senza campi </a:t>
+            </a:r>
+            <a:r>
+              <a:rPr lang="it-IT" sz="2500" i="1" dirty="0" err="1"/>
+              <a:t>null</a:t>
+            </a:r>
+            <a:r>
+              <a:rPr lang="it-IT" sz="2500" i="1" dirty="0"/>
+              <a:t>: </a:t>
+            </a:r>
+            <a:r>
+              <a:rPr lang="it-IT" sz="2500" dirty="0"/>
+              <a:t>26340</a:t>
+            </a:r>
+          </a:p>
+          <a:p>
+            <a:pPr>
+              <a:buFontTx/>
+              <a:buChar char="-"/>
+            </a:pPr>
+            <a:r>
+              <a:rPr lang="it-IT" sz="2500" dirty="0"/>
+              <a:t>Nodi in comune a tutte e 4 le settimane: 7549</a:t>
+            </a:r>
+          </a:p>
+          <a:p>
+            <a:pPr>
+              <a:buFontTx/>
+              <a:buChar char="-"/>
+            </a:pPr>
+            <a:endParaRPr lang="it-IT" sz="2500" dirty="0"/>
+          </a:p>
+          <a:p>
+            <a:pPr>
+              <a:buFontTx/>
+              <a:buChar char="-"/>
+            </a:pPr>
+            <a:r>
+              <a:rPr lang="it-IT" sz="2500" dirty="0"/>
+              <a:t>Analizzando le variazioni delle </a:t>
+            </a:r>
+            <a:r>
+              <a:rPr lang="it-IT" sz="2500" dirty="0" err="1"/>
+              <a:t>fee</a:t>
+            </a:r>
+            <a:r>
+              <a:rPr lang="it-IT" sz="2500" dirty="0"/>
+              <a:t> nel corso delle settimane ho ottenuto:</a:t>
+            </a:r>
+          </a:p>
+          <a:p>
+            <a:pPr lvl="1"/>
+            <a:r>
+              <a:rPr lang="it-IT" dirty="0"/>
+              <a:t>Il 98.9% dei canali non hanno cambiato le </a:t>
+            </a:r>
+            <a:r>
+              <a:rPr lang="it-IT" dirty="0" err="1"/>
+              <a:t>fee_base</a:t>
+            </a:r>
+            <a:r>
+              <a:rPr lang="it-IT" dirty="0"/>
+              <a:t> sui propri canali </a:t>
+            </a:r>
+          </a:p>
+          <a:p>
+            <a:pPr lvl="1"/>
+            <a:r>
+              <a:rPr lang="it-IT" dirty="0"/>
+              <a:t>Il 98.3% dei canali non hanno cambiato le </a:t>
+            </a:r>
+            <a:r>
+              <a:rPr lang="it-IT" dirty="0" err="1"/>
+              <a:t>fee_rate</a:t>
+            </a:r>
+            <a:endParaRPr lang="it-IT" dirty="0"/>
+          </a:p>
+          <a:p>
+            <a:pPr lvl="1"/>
+            <a:r>
+              <a:rPr lang="it-IT" dirty="0"/>
+              <a:t>Il 99,9% non hanno cambiato il </a:t>
+            </a:r>
+            <a:r>
+              <a:rPr lang="it-IT" dirty="0" err="1"/>
+              <a:t>min_htlc</a:t>
+            </a:r>
+            <a:br>
+              <a:rPr lang="it-IT" dirty="0"/>
+            </a:br>
+            <a:endParaRPr lang="it-IT" dirty="0"/>
+          </a:p>
+        </p:txBody>
+      </p:sp>
+    </p:spTree>
+    <p:extLst>
+      <p:ext uri="{BB962C8B-B14F-4D97-AF65-F5344CB8AC3E}">
+        <p14:creationId xmlns:p14="http://schemas.microsoft.com/office/powerpoint/2010/main" val="2990119941"/>
+      </p:ext>
+    </p:extLst>
+  </p:cSld>
+  <p:clrMapOvr>
+    <a:masterClrMapping/>
+  </p:clrMapOvr>
+</p:sld>
+</file>
+
+<file path=ppt/slides/slide36.xml><?xml version="1.0" encoding="utf-8"?>
+<p:sld xmlns:a="http://schemas.openxmlformats.org/drawingml/2006/main" xmlns:r="http://schemas.openxmlformats.org/officeDocument/2006/relationships" xmlns:p="http://schemas.openxmlformats.org/presentationml/2006/main">
+  <p:cSld>
+    <p:spTree>
+      <p:nvGrpSpPr>
+        <p:cNvPr id="1" name=""/>
+        <p:cNvGrpSpPr/>
+        <p:nvPr/>
+      </p:nvGrpSpPr>
+      <p:grpSpPr>
+        <a:xfrm>
+          <a:off x="0" y="0"/>
+          <a:ext cx="0" cy="0"/>
+          <a:chOff x="0" y="0"/>
+          <a:chExt cx="0" cy="0"/>
+        </a:xfrm>
+      </p:grpSpPr>
+      <p:sp>
+        <p:nvSpPr>
+          <p:cNvPr id="2" name="Titolo 1">
+            <a:extLst>
+              <a:ext uri="{FF2B5EF4-FFF2-40B4-BE49-F238E27FC236}">
+                <a16:creationId xmlns:a16="http://schemas.microsoft.com/office/drawing/2014/main" id="{DE789CEA-F290-404A-BE19-A05C5BFD6FB1}"/>
+              </a:ext>
+            </a:extLst>
+          </p:cNvPr>
+          <p:cNvSpPr>
+            <a:spLocks noGrp="1"/>
+          </p:cNvSpPr>
+          <p:nvPr>
+            <p:ph type="title"/>
+          </p:nvPr>
+        </p:nvSpPr>
+        <p:spPr/>
+        <p:txBody>
+          <a:bodyPr/>
+          <a:lstStyle/>
+          <a:p>
+            <a:endParaRPr lang="it-IT"/>
+          </a:p>
+        </p:txBody>
+      </p:sp>
+      <p:sp>
+        <p:nvSpPr>
+          <p:cNvPr id="3" name="Segnaposto contenuto 2">
+            <a:extLst>
+              <a:ext uri="{FF2B5EF4-FFF2-40B4-BE49-F238E27FC236}">
+                <a16:creationId xmlns:a16="http://schemas.microsoft.com/office/drawing/2014/main" id="{64163237-47FE-4B14-BF94-DC54F844AB5A}"/>
+              </a:ext>
+            </a:extLst>
+          </p:cNvPr>
+          <p:cNvSpPr>
+            <a:spLocks noGrp="1"/>
+          </p:cNvSpPr>
+          <p:nvPr>
+            <p:ph idx="1"/>
+          </p:nvPr>
+        </p:nvSpPr>
+        <p:spPr/>
+        <p:txBody>
+          <a:bodyPr/>
+          <a:lstStyle/>
+          <a:p>
+            <a:endParaRPr lang="it-IT"/>
+          </a:p>
+        </p:txBody>
+      </p:sp>
+    </p:spTree>
+    <p:extLst>
+      <p:ext uri="{BB962C8B-B14F-4D97-AF65-F5344CB8AC3E}">
+        <p14:creationId xmlns:p14="http://schemas.microsoft.com/office/powerpoint/2010/main" val="1526653117"/>
+      </p:ext>
+    </p:extLst>
+  </p:cSld>
+  <p:clrMapOvr>
+    <a:masterClrMapping/>
+  </p:clrMapOvr>
+</p:sld>
+</file>
+
 <file path=ppt/slides/slide4.xml><?xml version="1.0" encoding="utf-8"?>
+<p:sld xmlns:a="http://schemas.openxmlformats.org/drawingml/2006/main" xmlns:r="http://schemas.openxmlformats.org/officeDocument/2006/relationships" xmlns:p="http://schemas.openxmlformats.org/presentationml/2006/main">
+  <p:cSld>
+    <p:spTree>
+      <p:nvGrpSpPr>
+        <p:cNvPr id="1" name=""/>
+        <p:cNvGrpSpPr/>
+        <p:nvPr/>
+      </p:nvGrpSpPr>
+      <p:grpSpPr>
+        <a:xfrm>
+          <a:off x="0" y="0"/>
+          <a:ext cx="0" cy="0"/>
+          <a:chOff x="0" y="0"/>
+          <a:chExt cx="0" cy="0"/>
+        </a:xfrm>
+      </p:grpSpPr>
+      <p:pic>
+        <p:nvPicPr>
+          <p:cNvPr id="9" name="Immagine 8" descr="Immagine che contiene testo, screenshot, monitor, elettronico&#10;&#10;Descrizione generata automaticamente">
+            <a:extLst>
+              <a:ext uri="{FF2B5EF4-FFF2-40B4-BE49-F238E27FC236}">
+                <a16:creationId xmlns:a16="http://schemas.microsoft.com/office/drawing/2014/main" id="{70BCABF8-D4B2-4481-9F54-4EFC99D01926}"/>
+              </a:ext>
+            </a:extLst>
+          </p:cNvPr>
+          <p:cNvPicPr>
+            <a:picLocks noChangeAspect="1"/>
+          </p:cNvPicPr>
+          <p:nvPr/>
+        </p:nvPicPr>
+        <p:blipFill rotWithShape="1">
+          <a:blip r:embed="rId2">
+            <a:extLst>
+              <a:ext uri="{28A0092B-C50C-407E-A947-70E740481C1C}">
+                <a14:useLocalDpi xmlns:a14="http://schemas.microsoft.com/office/drawing/2010/main" val="0"/>
+              </a:ext>
+            </a:extLst>
+          </a:blip>
+          <a:srcRect l="34941" t="28387" r="22580" b="20216"/>
+          <a:stretch/>
+        </p:blipFill>
+        <p:spPr>
+          <a:xfrm>
+            <a:off x="294969" y="841949"/>
+            <a:ext cx="7602122" cy="5174101"/>
+          </a:xfrm>
+          <a:prstGeom prst="rect">
+            <a:avLst/>
+          </a:prstGeom>
+        </p:spPr>
+      </p:pic>
+      <p:sp>
+        <p:nvSpPr>
+          <p:cNvPr id="10" name="Titolo 9">
+            <a:extLst>
+              <a:ext uri="{FF2B5EF4-FFF2-40B4-BE49-F238E27FC236}">
+                <a16:creationId xmlns:a16="http://schemas.microsoft.com/office/drawing/2014/main" id="{0B9B16B6-9BAB-49F3-A0C9-A3AF170EF277}"/>
+              </a:ext>
+            </a:extLst>
+          </p:cNvPr>
+          <p:cNvSpPr>
+            <a:spLocks noGrp="1"/>
+          </p:cNvSpPr>
+          <p:nvPr>
+            <p:ph type="title"/>
+          </p:nvPr>
+        </p:nvSpPr>
+        <p:spPr>
+          <a:xfrm>
+            <a:off x="162234" y="85327"/>
+            <a:ext cx="10515600" cy="813876"/>
+          </a:xfrm>
+        </p:spPr>
+        <p:txBody>
+          <a:bodyPr>
+            <a:normAutofit fontScale="90000"/>
+          </a:bodyPr>
+          <a:lstStyle/>
+          <a:p>
+            <a:r>
+              <a:rPr lang="it-IT" b="1" i="1" dirty="0">
+                <a:solidFill>
+                  <a:schemeClr val="accent6">
+                    <a:lumMod val="75000"/>
+                  </a:schemeClr>
+                </a:solidFill>
+              </a:rPr>
+              <a:t>CANALI</a:t>
+            </a:r>
+          </a:p>
+        </p:txBody>
+      </p:sp>
+      <p:sp>
+        <p:nvSpPr>
+          <p:cNvPr id="11" name="Segnaposto testo 10">
+            <a:extLst>
+              <a:ext uri="{FF2B5EF4-FFF2-40B4-BE49-F238E27FC236}">
+                <a16:creationId xmlns:a16="http://schemas.microsoft.com/office/drawing/2014/main" id="{DEF2E0B0-6FE0-4658-99F2-295E216A26C1}"/>
+              </a:ext>
+            </a:extLst>
+          </p:cNvPr>
+          <p:cNvSpPr>
+            <a:spLocks noGrp="1"/>
+          </p:cNvSpPr>
+          <p:nvPr>
+            <p:ph type="body" idx="1"/>
+          </p:nvPr>
+        </p:nvSpPr>
+        <p:spPr>
+          <a:xfrm>
+            <a:off x="8029826" y="1454728"/>
+            <a:ext cx="4044632" cy="4364182"/>
+          </a:xfrm>
+        </p:spPr>
+        <p:txBody>
+          <a:bodyPr>
+            <a:normAutofit/>
+          </a:bodyPr>
+          <a:lstStyle/>
+          <a:p>
+            <a:r>
+              <a:rPr lang="it-IT" dirty="0">
+                <a:solidFill>
+                  <a:schemeClr val="tx1">
+                    <a:lumMod val="95000"/>
+                    <a:lumOff val="5000"/>
+                  </a:schemeClr>
+                </a:solidFill>
+              </a:rPr>
+              <a:t>Ogni canale presente nel dataset, oltre ad essere caratterizzato da </a:t>
+            </a:r>
+          </a:p>
+          <a:p>
+            <a:pPr marL="342900" indent="-342900">
+              <a:buFont typeface="Arial" panose="020B0604020202020204" pitchFamily="34" charset="0"/>
+              <a:buChar char="•"/>
+            </a:pPr>
+            <a:r>
+              <a:rPr lang="it-IT" dirty="0" err="1">
+                <a:solidFill>
+                  <a:schemeClr val="tx1">
+                    <a:lumMod val="95000"/>
+                    <a:lumOff val="5000"/>
+                  </a:schemeClr>
+                </a:solidFill>
+              </a:rPr>
+              <a:t>channel_id</a:t>
+            </a:r>
+            <a:r>
+              <a:rPr lang="it-IT" dirty="0">
+                <a:solidFill>
+                  <a:schemeClr val="tx1">
+                    <a:lumMod val="95000"/>
+                    <a:lumOff val="5000"/>
+                  </a:schemeClr>
+                </a:solidFill>
+              </a:rPr>
+              <a:t> (univoco)</a:t>
+            </a:r>
+          </a:p>
+          <a:p>
+            <a:pPr marL="342900" indent="-342900">
+              <a:buFont typeface="Arial" panose="020B0604020202020204" pitchFamily="34" charset="0"/>
+              <a:buChar char="•"/>
+            </a:pPr>
+            <a:r>
+              <a:rPr lang="it-IT" dirty="0">
+                <a:solidFill>
+                  <a:schemeClr val="tx1">
+                    <a:lumMod val="95000"/>
+                    <a:lumOff val="5000"/>
+                  </a:schemeClr>
+                </a:solidFill>
+              </a:rPr>
+              <a:t> nodi che si trovano alle sue estremità </a:t>
+            </a:r>
+          </a:p>
+          <a:p>
+            <a:pPr marL="342900" indent="-342900">
+              <a:buFont typeface="Arial" panose="020B0604020202020204" pitchFamily="34" charset="0"/>
+              <a:buChar char="•"/>
+            </a:pPr>
+            <a:r>
+              <a:rPr lang="it-IT" dirty="0">
+                <a:solidFill>
+                  <a:schemeClr val="tx1">
+                    <a:lumMod val="95000"/>
+                    <a:lumOff val="5000"/>
+                  </a:schemeClr>
+                </a:solidFill>
+              </a:rPr>
+              <a:t>capacità</a:t>
+            </a:r>
+          </a:p>
+          <a:p>
+            <a:r>
+              <a:rPr lang="it-IT" dirty="0">
+                <a:solidFill>
+                  <a:schemeClr val="tx1">
+                    <a:lumMod val="95000"/>
+                    <a:lumOff val="5000"/>
+                  </a:schemeClr>
+                </a:solidFill>
+              </a:rPr>
+              <a:t>è caratterizzato anche da due</a:t>
+            </a:r>
+          </a:p>
+          <a:p>
+            <a:pPr marL="342900" indent="-342900">
+              <a:buFont typeface="Arial" panose="020B0604020202020204" pitchFamily="34" charset="0"/>
+              <a:buChar char="•"/>
+            </a:pPr>
+            <a:r>
+              <a:rPr lang="it-IT" dirty="0">
+                <a:solidFill>
+                  <a:schemeClr val="tx1">
+                    <a:lumMod val="95000"/>
+                    <a:lumOff val="5000"/>
+                  </a:schemeClr>
+                </a:solidFill>
+              </a:rPr>
+              <a:t>POLICY DI ROUTING</a:t>
+            </a:r>
+          </a:p>
+        </p:txBody>
+      </p:sp>
+      <p:sp>
+        <p:nvSpPr>
+          <p:cNvPr id="12" name="CasellaDiTesto 11">
+            <a:extLst>
+              <a:ext uri="{FF2B5EF4-FFF2-40B4-BE49-F238E27FC236}">
+                <a16:creationId xmlns:a16="http://schemas.microsoft.com/office/drawing/2014/main" id="{998FB72C-B200-4C2E-8CC3-3E16DAD90559}"/>
+              </a:ext>
+            </a:extLst>
+          </p:cNvPr>
+          <p:cNvSpPr txBox="1"/>
+          <p:nvPr/>
+        </p:nvSpPr>
+        <p:spPr>
+          <a:xfrm>
+            <a:off x="294969" y="6016050"/>
+            <a:ext cx="6356554" cy="369332"/>
+          </a:xfrm>
+          <a:prstGeom prst="rect">
+            <a:avLst/>
+          </a:prstGeom>
+          <a:noFill/>
+        </p:spPr>
+        <p:txBody>
+          <a:bodyPr wrap="square" rtlCol="0">
+            <a:spAutoFit/>
+          </a:bodyPr>
+          <a:lstStyle/>
+          <a:p>
+            <a:r>
+              <a:rPr lang="it-IT" dirty="0"/>
+              <a:t>Informazioni su un canale nel file .</a:t>
+            </a:r>
+            <a:r>
+              <a:rPr lang="it-IT" dirty="0" err="1"/>
+              <a:t>json</a:t>
+            </a:r>
+            <a:endParaRPr lang="it-IT" dirty="0"/>
+          </a:p>
+        </p:txBody>
+      </p:sp>
+    </p:spTree>
+    <p:extLst>
+      <p:ext uri="{BB962C8B-B14F-4D97-AF65-F5344CB8AC3E}">
+        <p14:creationId xmlns:p14="http://schemas.microsoft.com/office/powerpoint/2010/main" val="811432091"/>
+      </p:ext>
+    </p:extLst>
+  </p:cSld>
+  <p:clrMapOvr>
+    <a:masterClrMapping/>
+  </p:clrMapOvr>
+</p:sld>
+</file>
+
+<file path=ppt/slides/slide5.xml><?xml version="1.0" encoding="utf-8"?>
+<p:sld xmlns:a="http://schemas.openxmlformats.org/drawingml/2006/main" xmlns:r="http://schemas.openxmlformats.org/officeDocument/2006/relationships" xmlns:p="http://schemas.openxmlformats.org/presentationml/2006/main">
+  <p:cSld>
+    <p:spTree>
+      <p:nvGrpSpPr>
+        <p:cNvPr id="1" name=""/>
+        <p:cNvGrpSpPr/>
+        <p:nvPr/>
+      </p:nvGrpSpPr>
+      <p:grpSpPr>
+        <a:xfrm>
+          <a:off x="0" y="0"/>
+          <a:ext cx="0" cy="0"/>
+          <a:chOff x="0" y="0"/>
+          <a:chExt cx="0" cy="0"/>
+        </a:xfrm>
+      </p:grpSpPr>
+      <p:sp>
+        <p:nvSpPr>
+          <p:cNvPr id="3" name="Segnaposto testo 2">
+            <a:extLst>
+              <a:ext uri="{FF2B5EF4-FFF2-40B4-BE49-F238E27FC236}">
+                <a16:creationId xmlns:a16="http://schemas.microsoft.com/office/drawing/2014/main" id="{9AB46B7E-C6BF-4E08-BA0C-5C45C94C400C}"/>
+              </a:ext>
+            </a:extLst>
+          </p:cNvPr>
+          <p:cNvSpPr>
+            <a:spLocks noGrp="1"/>
+          </p:cNvSpPr>
+          <p:nvPr>
+            <p:ph type="body" idx="1"/>
+          </p:nvPr>
+        </p:nvSpPr>
+        <p:spPr>
+          <a:xfrm>
+            <a:off x="838200" y="973427"/>
+            <a:ext cx="10515600" cy="4942464"/>
+          </a:xfrm>
+        </p:spPr>
+        <p:txBody>
+          <a:bodyPr>
+            <a:normAutofit/>
+          </a:bodyPr>
+          <a:lstStyle/>
+          <a:p>
+            <a:r>
+              <a:rPr lang="it-IT" dirty="0">
+                <a:solidFill>
+                  <a:schemeClr val="tx1">
+                    <a:lumMod val="95000"/>
+                    <a:lumOff val="5000"/>
+                  </a:schemeClr>
+                </a:solidFill>
+              </a:rPr>
+              <a:t>Le policy sono 2 perché tutti i canali considerati sono bidirezionali:</a:t>
+            </a:r>
+          </a:p>
+          <a:p>
+            <a:r>
+              <a:rPr lang="it-IT" dirty="0">
+                <a:solidFill>
+                  <a:schemeClr val="tx1">
+                    <a:lumMod val="95000"/>
+                    <a:lumOff val="5000"/>
+                  </a:schemeClr>
+                </a:solidFill>
+              </a:rPr>
+              <a:t>la node1_policy è decisa ed applicata dal node1 ai pagamenti instradati sul canale considerato in direzione node1-&gt;node2; viceversa la node2_policy è decisa e applicata dal node2 ai pagamenti instradati sul canale nel verso opposto.</a:t>
+            </a:r>
+          </a:p>
+          <a:p>
+            <a:endParaRPr lang="it-IT" dirty="0">
+              <a:solidFill>
+                <a:schemeClr val="tx1">
+                  <a:lumMod val="95000"/>
+                  <a:lumOff val="5000"/>
+                </a:schemeClr>
+              </a:solidFill>
+            </a:endParaRPr>
+          </a:p>
+          <a:p>
+            <a:r>
+              <a:rPr lang="it-IT" dirty="0">
+                <a:solidFill>
+                  <a:schemeClr val="tx1">
+                    <a:lumMod val="95000"/>
+                    <a:lumOff val="5000"/>
+                  </a:schemeClr>
+                </a:solidFill>
+              </a:rPr>
+              <a:t>Nel </a:t>
+            </a:r>
+            <a:r>
+              <a:rPr lang="it-IT" dirty="0" err="1">
+                <a:solidFill>
+                  <a:schemeClr val="tx1">
+                    <a:lumMod val="95000"/>
+                    <a:lumOff val="5000"/>
+                  </a:schemeClr>
+                </a:solidFill>
+              </a:rPr>
+              <a:t>Multigrafo</a:t>
+            </a:r>
+            <a:r>
+              <a:rPr lang="it-IT" dirty="0">
+                <a:solidFill>
+                  <a:schemeClr val="tx1">
+                    <a:lumMod val="95000"/>
+                    <a:lumOff val="5000"/>
+                  </a:schemeClr>
+                </a:solidFill>
+              </a:rPr>
+              <a:t> ogni canale è rappresentato da un </a:t>
+            </a:r>
+            <a:r>
+              <a:rPr lang="it-IT" dirty="0" err="1">
+                <a:solidFill>
+                  <a:schemeClr val="tx1">
+                    <a:lumMod val="95000"/>
+                    <a:lumOff val="5000"/>
+                  </a:schemeClr>
+                </a:solidFill>
+              </a:rPr>
+              <a:t>un</a:t>
+            </a:r>
+            <a:r>
+              <a:rPr lang="it-IT" dirty="0">
+                <a:solidFill>
+                  <a:schemeClr val="tx1">
+                    <a:lumMod val="95000"/>
+                    <a:lumOff val="5000"/>
+                  </a:schemeClr>
+                </a:solidFill>
+              </a:rPr>
+              <a:t> solo arco che collega i nodi alle sue estremità (questo mi consente di avere nel grafo archi con </a:t>
+            </a:r>
+            <a:r>
+              <a:rPr lang="it-IT" dirty="0" err="1">
+                <a:solidFill>
+                  <a:schemeClr val="tx1">
+                    <a:lumMod val="95000"/>
+                    <a:lumOff val="5000"/>
+                  </a:schemeClr>
+                </a:solidFill>
+              </a:rPr>
+              <a:t>channel_id</a:t>
+            </a:r>
+            <a:r>
+              <a:rPr lang="it-IT" dirty="0">
+                <a:solidFill>
+                  <a:schemeClr val="tx1">
+                    <a:lumMod val="95000"/>
+                    <a:lumOff val="5000"/>
+                  </a:schemeClr>
+                </a:solidFill>
+              </a:rPr>
+              <a:t> univoco), tra gli attributi dell’arco ho aggiunto le informazioni</a:t>
+            </a:r>
+          </a:p>
+          <a:p>
+            <a:pPr marL="342900" indent="-342900">
+              <a:buFont typeface="Arial" panose="020B0604020202020204" pitchFamily="34" charset="0"/>
+              <a:buChar char="•"/>
+            </a:pPr>
+            <a:r>
+              <a:rPr lang="it-IT" dirty="0" err="1">
+                <a:solidFill>
+                  <a:schemeClr val="tx1">
+                    <a:lumMod val="95000"/>
+                    <a:lumOff val="5000"/>
+                  </a:schemeClr>
+                </a:solidFill>
+              </a:rPr>
+              <a:t>channel_id</a:t>
+            </a:r>
+            <a:endParaRPr lang="it-IT" dirty="0">
+              <a:solidFill>
+                <a:schemeClr val="tx1">
+                  <a:lumMod val="95000"/>
+                  <a:lumOff val="5000"/>
+                </a:schemeClr>
+              </a:solidFill>
+            </a:endParaRPr>
+          </a:p>
+          <a:p>
+            <a:pPr marL="342900" indent="-342900">
+              <a:buFont typeface="Arial" panose="020B0604020202020204" pitchFamily="34" charset="0"/>
+              <a:buChar char="•"/>
+            </a:pPr>
+            <a:r>
+              <a:rPr lang="it-IT" dirty="0" err="1">
+                <a:solidFill>
+                  <a:schemeClr val="tx1">
+                    <a:lumMod val="95000"/>
+                    <a:lumOff val="5000"/>
+                  </a:schemeClr>
+                </a:solidFill>
+              </a:rPr>
+              <a:t>capacity</a:t>
+            </a:r>
+            <a:r>
+              <a:rPr lang="it-IT" dirty="0">
+                <a:solidFill>
+                  <a:schemeClr val="tx1">
+                    <a:lumMod val="95000"/>
+                    <a:lumOff val="5000"/>
+                  </a:schemeClr>
+                </a:solidFill>
+              </a:rPr>
+              <a:t> </a:t>
+            </a:r>
+          </a:p>
+          <a:p>
+            <a:pPr marL="342900" indent="-342900">
+              <a:buFont typeface="Arial" panose="020B0604020202020204" pitchFamily="34" charset="0"/>
+              <a:buChar char="•"/>
+            </a:pPr>
+            <a:r>
+              <a:rPr lang="it-IT" dirty="0">
+                <a:solidFill>
+                  <a:schemeClr val="tx1">
+                    <a:lumMod val="95000"/>
+                    <a:lumOff val="5000"/>
+                  </a:schemeClr>
+                </a:solidFill>
+              </a:rPr>
+              <a:t>Policy1</a:t>
+            </a:r>
+          </a:p>
+          <a:p>
+            <a:pPr marL="342900" indent="-342900">
+              <a:buFont typeface="Arial" panose="020B0604020202020204" pitchFamily="34" charset="0"/>
+              <a:buChar char="•"/>
+            </a:pPr>
+            <a:r>
+              <a:rPr lang="it-IT" dirty="0">
+                <a:solidFill>
+                  <a:schemeClr val="tx1">
+                    <a:lumMod val="95000"/>
+                    <a:lumOff val="5000"/>
+                  </a:schemeClr>
+                </a:solidFill>
+              </a:rPr>
+              <a:t>Policy2</a:t>
+            </a:r>
+          </a:p>
+          <a:p>
+            <a:endParaRPr lang="it-IT" dirty="0"/>
+          </a:p>
+        </p:txBody>
+      </p:sp>
+    </p:spTree>
+    <p:extLst>
+      <p:ext uri="{BB962C8B-B14F-4D97-AF65-F5344CB8AC3E}">
+        <p14:creationId xmlns:p14="http://schemas.microsoft.com/office/powerpoint/2010/main" val="3687543117"/>
+      </p:ext>
+    </p:extLst>
+  </p:cSld>
+  <p:clrMapOvr>
+    <a:masterClrMapping/>
+  </p:clrMapOvr>
+</p:sld>
+</file>
+
+<file path=ppt/slides/slide6.xml><?xml version="1.0" encoding="utf-8"?>
+<p:sld xmlns:a="http://schemas.openxmlformats.org/drawingml/2006/main" xmlns:r="http://schemas.openxmlformats.org/officeDocument/2006/relationships" xmlns:p="http://schemas.openxmlformats.org/presentationml/2006/main">
+  <p:cSld>
+    <p:spTree>
+      <p:nvGrpSpPr>
+        <p:cNvPr id="1" name=""/>
+        <p:cNvGrpSpPr/>
+        <p:nvPr/>
+      </p:nvGrpSpPr>
+      <p:grpSpPr>
+        <a:xfrm>
+          <a:off x="0" y="0"/>
+          <a:ext cx="0" cy="0"/>
+          <a:chOff x="0" y="0"/>
+          <a:chExt cx="0" cy="0"/>
+        </a:xfrm>
+      </p:grpSpPr>
+      <p:sp>
+        <p:nvSpPr>
+          <p:cNvPr id="2" name="Titolo 1">
+            <a:extLst>
+              <a:ext uri="{FF2B5EF4-FFF2-40B4-BE49-F238E27FC236}">
+                <a16:creationId xmlns:a16="http://schemas.microsoft.com/office/drawing/2014/main" id="{7B7F7502-7E25-4D1C-88AC-3601B3ED4CF6}"/>
+              </a:ext>
+            </a:extLst>
+          </p:cNvPr>
+          <p:cNvSpPr>
+            <a:spLocks noGrp="1"/>
+          </p:cNvSpPr>
+          <p:nvPr>
+            <p:ph type="title"/>
+          </p:nvPr>
+        </p:nvSpPr>
+        <p:spPr>
+          <a:xfrm>
+            <a:off x="4599830" y="0"/>
+            <a:ext cx="1800513" cy="803565"/>
+          </a:xfrm>
+        </p:spPr>
+        <p:txBody>
+          <a:bodyPr>
+            <a:noAutofit/>
+          </a:bodyPr>
+          <a:lstStyle/>
+          <a:p>
+            <a:r>
+              <a:rPr lang="it-IT" sz="4800" b="1" i="1" dirty="0">
+                <a:solidFill>
+                  <a:schemeClr val="accent6">
+                    <a:lumMod val="75000"/>
+                  </a:schemeClr>
+                </a:solidFill>
+              </a:rPr>
+              <a:t>Policy </a:t>
+            </a:r>
+          </a:p>
+        </p:txBody>
+      </p:sp>
+      <p:sp>
+        <p:nvSpPr>
+          <p:cNvPr id="3" name="Segnaposto testo 2">
+            <a:extLst>
+              <a:ext uri="{FF2B5EF4-FFF2-40B4-BE49-F238E27FC236}">
+                <a16:creationId xmlns:a16="http://schemas.microsoft.com/office/drawing/2014/main" id="{05F7CEAE-995D-469B-8BE9-38B207A6DB1E}"/>
+              </a:ext>
+            </a:extLst>
+          </p:cNvPr>
+          <p:cNvSpPr>
+            <a:spLocks noGrp="1"/>
+          </p:cNvSpPr>
+          <p:nvPr>
+            <p:ph type="body" idx="1"/>
+          </p:nvPr>
+        </p:nvSpPr>
+        <p:spPr>
+          <a:xfrm>
+            <a:off x="365222" y="3428999"/>
+            <a:ext cx="11521977" cy="3264031"/>
+          </a:xfrm>
+        </p:spPr>
+        <p:txBody>
+          <a:bodyPr>
+            <a:normAutofit/>
+          </a:bodyPr>
+          <a:lstStyle/>
+          <a:p>
+            <a:r>
+              <a:rPr lang="it-IT" sz="1600" dirty="0">
+                <a:solidFill>
+                  <a:schemeClr val="tx1">
+                    <a:lumMod val="95000"/>
+                    <a:lumOff val="5000"/>
+                  </a:schemeClr>
+                </a:solidFill>
+              </a:rPr>
+              <a:t>Consideriamo i campi:</a:t>
+            </a:r>
+          </a:p>
+          <a:p>
+            <a:pPr marL="342900" indent="-342900">
+              <a:buFont typeface="Arial" panose="020B0604020202020204" pitchFamily="34" charset="0"/>
+              <a:buChar char="•"/>
+            </a:pPr>
+            <a:r>
+              <a:rPr lang="it-IT" b="1" i="1" u="sng" dirty="0" err="1">
+                <a:solidFill>
+                  <a:schemeClr val="tx1">
+                    <a:lumMod val="95000"/>
+                    <a:lumOff val="5000"/>
+                  </a:schemeClr>
+                </a:solidFill>
+              </a:rPr>
+              <a:t>min_htlc</a:t>
+            </a:r>
+            <a:r>
+              <a:rPr lang="it-IT" b="1" i="1" u="sng" dirty="0">
+                <a:solidFill>
+                  <a:schemeClr val="tx1">
+                    <a:lumMod val="95000"/>
+                    <a:lumOff val="5000"/>
+                  </a:schemeClr>
+                </a:solidFill>
+              </a:rPr>
+              <a:t> </a:t>
+            </a:r>
+            <a:r>
+              <a:rPr lang="it-IT" dirty="0">
+                <a:solidFill>
+                  <a:schemeClr val="tx1">
+                    <a:lumMod val="95000"/>
+                    <a:lumOff val="5000"/>
+                  </a:schemeClr>
+                </a:solidFill>
+              </a:rPr>
+              <a:t>: </a:t>
+            </a:r>
+            <a:r>
+              <a:rPr lang="it-IT" sz="1600" dirty="0">
+                <a:solidFill>
+                  <a:schemeClr val="tx1"/>
+                </a:solidFill>
+                <a:ea typeface="Cambria Math" panose="02040503050406030204" pitchFamily="18" charset="0"/>
+                <a:cs typeface="Segoe UI" panose="020B0502040204020203" pitchFamily="34" charset="0"/>
+              </a:rPr>
+              <a:t>valore minimo (espresso in </a:t>
+            </a:r>
+            <a:r>
+              <a:rPr lang="it-IT" sz="1600" dirty="0" err="1">
+                <a:solidFill>
+                  <a:schemeClr val="tx1"/>
+                </a:solidFill>
+                <a:ea typeface="Cambria Math" panose="02040503050406030204" pitchFamily="18" charset="0"/>
+                <a:cs typeface="Segoe UI" panose="020B0502040204020203" pitchFamily="34" charset="0"/>
+              </a:rPr>
+              <a:t>msat</a:t>
+            </a:r>
+            <a:r>
+              <a:rPr lang="it-IT" sz="1600" dirty="0">
+                <a:solidFill>
+                  <a:schemeClr val="tx1"/>
+                </a:solidFill>
+                <a:ea typeface="Cambria Math" panose="02040503050406030204" pitchFamily="18" charset="0"/>
+                <a:cs typeface="Segoe UI" panose="020B0502040204020203" pitchFamily="34" charset="0"/>
+              </a:rPr>
+              <a:t>) per cui un nodo è disposto a fare il </a:t>
+            </a:r>
+            <a:r>
+              <a:rPr lang="it-IT" sz="1600" dirty="0" err="1">
+                <a:solidFill>
+                  <a:schemeClr val="tx1"/>
+                </a:solidFill>
+                <a:ea typeface="Cambria Math" panose="02040503050406030204" pitchFamily="18" charset="0"/>
+                <a:cs typeface="Segoe UI" panose="020B0502040204020203" pitchFamily="34" charset="0"/>
+              </a:rPr>
+              <a:t>forward</a:t>
+            </a:r>
+            <a:r>
+              <a:rPr lang="it-IT" sz="1600" dirty="0">
+                <a:solidFill>
+                  <a:schemeClr val="tx1"/>
+                </a:solidFill>
+                <a:ea typeface="Cambria Math" panose="02040503050406030204" pitchFamily="18" charset="0"/>
+                <a:cs typeface="Segoe UI" panose="020B0502040204020203" pitchFamily="34" charset="0"/>
+              </a:rPr>
+              <a:t> di un pagamento.</a:t>
+            </a:r>
+            <a:r>
+              <a:rPr lang="it-IT" sz="1600" b="0" i="0" dirty="0">
+                <a:solidFill>
+                  <a:schemeClr val="tx1"/>
+                </a:solidFill>
+                <a:effectLst/>
+                <a:ea typeface="Cambria Math" panose="02040503050406030204" pitchFamily="18" charset="0"/>
+              </a:rPr>
+              <a:t> Valore di default: 1 </a:t>
+            </a:r>
+            <a:r>
+              <a:rPr lang="it-IT" sz="1600" b="0" i="0" dirty="0" err="1">
+                <a:solidFill>
+                  <a:schemeClr val="tx1"/>
+                </a:solidFill>
+                <a:effectLst/>
+                <a:ea typeface="Cambria Math" panose="02040503050406030204" pitchFamily="18" charset="0"/>
+              </a:rPr>
+              <a:t>sat</a:t>
+            </a:r>
+            <a:r>
+              <a:rPr lang="it-IT" sz="1600" b="0" i="0" dirty="0">
+                <a:solidFill>
+                  <a:schemeClr val="tx1"/>
+                </a:solidFill>
+                <a:effectLst/>
+                <a:ea typeface="Cambria Math" panose="02040503050406030204" pitchFamily="18" charset="0"/>
+              </a:rPr>
+              <a:t> (1000 </a:t>
+            </a:r>
+            <a:r>
+              <a:rPr lang="it-IT" sz="1600" b="0" i="0" dirty="0" err="1">
+                <a:solidFill>
+                  <a:schemeClr val="tx1"/>
+                </a:solidFill>
+                <a:effectLst/>
+                <a:ea typeface="Cambria Math" panose="02040503050406030204" pitchFamily="18" charset="0"/>
+              </a:rPr>
+              <a:t>msat</a:t>
+            </a:r>
+            <a:r>
+              <a:rPr lang="it-IT" sz="1600" b="0" i="0" dirty="0">
+                <a:solidFill>
+                  <a:schemeClr val="tx1"/>
+                </a:solidFill>
+                <a:effectLst/>
+                <a:ea typeface="Cambria Math" panose="02040503050406030204" pitchFamily="18" charset="0"/>
+              </a:rPr>
+              <a:t>)</a:t>
+            </a:r>
+            <a:r>
+              <a:rPr lang="it-IT" sz="1600" dirty="0">
+                <a:solidFill>
+                  <a:schemeClr val="tx1"/>
+                </a:solidFill>
+                <a:ea typeface="Cambria Math" panose="02040503050406030204" pitchFamily="18" charset="0"/>
+              </a:rPr>
+              <a:t> -</a:t>
+            </a:r>
+            <a:r>
+              <a:rPr lang="it-IT" sz="1600" b="0" i="0" dirty="0">
+                <a:solidFill>
+                  <a:schemeClr val="tx1"/>
+                </a:solidFill>
+                <a:effectLst/>
+                <a:ea typeface="Cambria Math" panose="02040503050406030204" pitchFamily="18" charset="0"/>
+              </a:rPr>
+              <a:t> che significa che la maggior parte dei nodi rifiuterà i pagament</a:t>
+            </a:r>
+            <a:r>
+              <a:rPr lang="it-IT" sz="1600" dirty="0">
+                <a:solidFill>
+                  <a:schemeClr val="tx1"/>
+                </a:solidFill>
+                <a:ea typeface="Cambria Math" panose="02040503050406030204" pitchFamily="18" charset="0"/>
+              </a:rPr>
+              <a:t>i </a:t>
+            </a:r>
+            <a:r>
+              <a:rPr lang="it-IT" sz="1600" b="0" i="0" dirty="0">
+                <a:solidFill>
+                  <a:schemeClr val="tx1"/>
+                </a:solidFill>
+                <a:effectLst/>
+                <a:ea typeface="Cambria Math" panose="02040503050406030204" pitchFamily="18" charset="0"/>
+              </a:rPr>
+              <a:t>inferiori a 1 </a:t>
+            </a:r>
+            <a:r>
+              <a:rPr lang="it-IT" sz="1600" b="0" i="0" dirty="0" err="1">
+                <a:solidFill>
+                  <a:schemeClr val="tx1"/>
+                </a:solidFill>
+                <a:effectLst/>
+                <a:ea typeface="Cambria Math" panose="02040503050406030204" pitchFamily="18" charset="0"/>
+              </a:rPr>
+              <a:t>satoshi</a:t>
+            </a:r>
+            <a:r>
+              <a:rPr lang="it-IT" sz="1600" b="0" i="0" dirty="0">
+                <a:solidFill>
+                  <a:schemeClr val="tx1"/>
+                </a:solidFill>
+                <a:effectLst/>
+                <a:ea typeface="Cambria Math" panose="02040503050406030204" pitchFamily="18" charset="0"/>
+              </a:rPr>
+              <a:t>.</a:t>
+            </a:r>
+            <a:endParaRPr lang="it-IT" sz="1900" dirty="0">
+              <a:solidFill>
+                <a:schemeClr val="tx1"/>
+              </a:solidFill>
+            </a:endParaRPr>
+          </a:p>
+          <a:p>
+            <a:pPr marL="342900" indent="-342900">
+              <a:buFont typeface="Arial" panose="020B0604020202020204" pitchFamily="34" charset="0"/>
+              <a:buChar char="•"/>
+            </a:pPr>
+            <a:r>
+              <a:rPr lang="it-IT" b="1" i="1" u="sng" dirty="0" err="1">
+                <a:solidFill>
+                  <a:schemeClr val="tx1">
+                    <a:lumMod val="95000"/>
+                    <a:lumOff val="5000"/>
+                  </a:schemeClr>
+                </a:solidFill>
+              </a:rPr>
+              <a:t>fee_base_msat</a:t>
+            </a:r>
+            <a:r>
+              <a:rPr lang="it-IT" b="1" i="1" u="sng" dirty="0">
+                <a:solidFill>
+                  <a:schemeClr val="tx1">
+                    <a:lumMod val="95000"/>
+                    <a:lumOff val="5000"/>
+                  </a:schemeClr>
+                </a:solidFill>
+              </a:rPr>
+              <a:t> </a:t>
+            </a:r>
+            <a:r>
+              <a:rPr lang="it-IT" dirty="0">
+                <a:solidFill>
+                  <a:schemeClr val="tx1">
+                    <a:lumMod val="95000"/>
+                    <a:lumOff val="5000"/>
+                  </a:schemeClr>
+                </a:solidFill>
+              </a:rPr>
+              <a:t>: </a:t>
+            </a:r>
+            <a:r>
+              <a:rPr lang="it-IT" sz="1600" dirty="0">
+                <a:solidFill>
+                  <a:schemeClr val="tx1"/>
+                </a:solidFill>
+                <a:effectLst/>
+                <a:ea typeface="Cambria Math" panose="02040503050406030204" pitchFamily="18" charset="0"/>
+              </a:rPr>
+              <a:t>tariffa addebitata ogni volta che un pagamento viene instradato attraverso il canale. </a:t>
+            </a:r>
+            <a:r>
+              <a:rPr lang="it-IT" sz="1600" dirty="0">
+                <a:solidFill>
+                  <a:schemeClr val="tx1"/>
+                </a:solidFill>
+                <a:ea typeface="Cambria Math" panose="02040503050406030204" pitchFamily="18" charset="0"/>
+              </a:rPr>
+              <a:t>Valore di default: 1 </a:t>
+            </a:r>
+            <a:r>
+              <a:rPr lang="it-IT" sz="1600" dirty="0" err="1">
+                <a:solidFill>
+                  <a:schemeClr val="tx1"/>
+                </a:solidFill>
+                <a:ea typeface="Cambria Math" panose="02040503050406030204" pitchFamily="18" charset="0"/>
+              </a:rPr>
+              <a:t>sat</a:t>
+            </a:r>
+            <a:r>
+              <a:rPr lang="it-IT" sz="1600" dirty="0">
+                <a:solidFill>
+                  <a:schemeClr val="tx1"/>
+                </a:solidFill>
+                <a:ea typeface="Cambria Math" panose="02040503050406030204" pitchFamily="18" charset="0"/>
+              </a:rPr>
+              <a:t> (1000 </a:t>
+            </a:r>
+            <a:r>
+              <a:rPr lang="it-IT" sz="1600" dirty="0" err="1">
+                <a:solidFill>
+                  <a:schemeClr val="tx1"/>
+                </a:solidFill>
+                <a:ea typeface="Cambria Math" panose="02040503050406030204" pitchFamily="18" charset="0"/>
+              </a:rPr>
+              <a:t>msat</a:t>
+            </a:r>
+            <a:r>
+              <a:rPr lang="it-IT" sz="1600" dirty="0">
+                <a:solidFill>
+                  <a:schemeClr val="tx1"/>
+                </a:solidFill>
+                <a:ea typeface="Cambria Math" panose="02040503050406030204" pitchFamily="18" charset="0"/>
+              </a:rPr>
+              <a:t>)</a:t>
+            </a:r>
+            <a:endParaRPr lang="it-IT" dirty="0">
+              <a:solidFill>
+                <a:schemeClr val="tx1">
+                  <a:lumMod val="95000"/>
+                  <a:lumOff val="5000"/>
+                </a:schemeClr>
+              </a:solidFill>
+            </a:endParaRPr>
+          </a:p>
+          <a:p>
+            <a:pPr marL="342900" indent="-342900">
+              <a:buFont typeface="Arial" panose="020B0604020202020204" pitchFamily="34" charset="0"/>
+              <a:buChar char="•"/>
+            </a:pPr>
+            <a:r>
+              <a:rPr lang="it-IT" b="1" i="1" u="sng" dirty="0" err="1">
+                <a:solidFill>
+                  <a:schemeClr val="tx1">
+                    <a:lumMod val="95000"/>
+                    <a:lumOff val="5000"/>
+                  </a:schemeClr>
+                </a:solidFill>
+              </a:rPr>
+              <a:t>fee_rate_milli_msat</a:t>
+            </a:r>
+            <a:r>
+              <a:rPr lang="it-IT" b="1" i="1" u="sng" dirty="0">
+                <a:solidFill>
+                  <a:schemeClr val="tx1">
+                    <a:lumMod val="95000"/>
+                    <a:lumOff val="5000"/>
+                  </a:schemeClr>
+                </a:solidFill>
+              </a:rPr>
+              <a:t> </a:t>
+            </a:r>
+            <a:r>
+              <a:rPr lang="it-IT" dirty="0">
+                <a:solidFill>
+                  <a:schemeClr val="tx1">
+                    <a:lumMod val="95000"/>
+                    <a:lumOff val="5000"/>
+                  </a:schemeClr>
+                </a:solidFill>
+              </a:rPr>
+              <a:t>: </a:t>
+            </a:r>
+            <a:r>
+              <a:rPr lang="it-IT" sz="1600" dirty="0">
+                <a:solidFill>
+                  <a:schemeClr val="tx1"/>
+                </a:solidFill>
+                <a:ea typeface="Cambria Math" panose="02040503050406030204" pitchFamily="18" charset="0"/>
+              </a:rPr>
+              <a:t>commissione in percentuale addebitata sul valore </a:t>
+            </a:r>
+            <a:r>
+              <a:rPr lang="it-IT" sz="1600" b="1" dirty="0">
+                <a:solidFill>
+                  <a:schemeClr val="tx1"/>
+                </a:solidFill>
+                <a:ea typeface="Cambria Math" panose="02040503050406030204" pitchFamily="18" charset="0"/>
+              </a:rPr>
+              <a:t>T</a:t>
+            </a:r>
+            <a:r>
+              <a:rPr lang="it-IT" sz="1600" dirty="0">
+                <a:solidFill>
+                  <a:schemeClr val="tx1"/>
+                </a:solidFill>
+                <a:ea typeface="Cambria Math" panose="02040503050406030204" pitchFamily="18" charset="0"/>
+              </a:rPr>
+              <a:t> del pagamento instradato attraverso il canale</a:t>
+            </a:r>
+            <a:endParaRPr lang="it-IT" sz="1600" dirty="0">
+              <a:solidFill>
+                <a:schemeClr val="tx1"/>
+              </a:solidFill>
+            </a:endParaRPr>
+          </a:p>
+          <a:p>
+            <a:pPr marL="342900" indent="-342900">
+              <a:buFont typeface="Arial" panose="020B0604020202020204" pitchFamily="34" charset="0"/>
+              <a:buChar char="•"/>
+            </a:pPr>
+            <a:r>
+              <a:rPr lang="it-IT" b="1" i="1" u="sng" dirty="0" err="1">
+                <a:solidFill>
+                  <a:schemeClr val="tx1">
+                    <a:lumMod val="95000"/>
+                    <a:lumOff val="5000"/>
+                  </a:schemeClr>
+                </a:solidFill>
+              </a:rPr>
+              <a:t>disabled</a:t>
+            </a:r>
+            <a:r>
+              <a:rPr lang="it-IT" dirty="0">
+                <a:solidFill>
+                  <a:schemeClr val="tx1">
+                    <a:lumMod val="95000"/>
+                    <a:lumOff val="5000"/>
+                  </a:schemeClr>
+                </a:solidFill>
+              </a:rPr>
+              <a:t> : </a:t>
+            </a:r>
+            <a:r>
+              <a:rPr lang="it-IT" sz="1600" dirty="0">
+                <a:solidFill>
+                  <a:schemeClr val="tx1">
+                    <a:lumMod val="95000"/>
+                    <a:lumOff val="5000"/>
+                  </a:schemeClr>
+                </a:solidFill>
+              </a:rPr>
+              <a:t>se settato a True, impedisce il </a:t>
+            </a:r>
+            <a:r>
+              <a:rPr lang="it-IT" sz="1600" dirty="0" err="1">
+                <a:solidFill>
+                  <a:schemeClr val="tx1">
+                    <a:lumMod val="95000"/>
+                    <a:lumOff val="5000"/>
+                  </a:schemeClr>
+                </a:solidFill>
+              </a:rPr>
+              <a:t>routing</a:t>
+            </a:r>
+            <a:r>
+              <a:rPr lang="it-IT" sz="1600" dirty="0">
+                <a:solidFill>
+                  <a:schemeClr val="tx1">
+                    <a:lumMod val="95000"/>
+                    <a:lumOff val="5000"/>
+                  </a:schemeClr>
+                </a:solidFill>
+              </a:rPr>
+              <a:t>. (Policy1 e Policy2 potrebbero avere valori diversi del campo </a:t>
+            </a:r>
+            <a:r>
+              <a:rPr lang="it-IT" sz="1600" dirty="0" err="1">
+                <a:solidFill>
+                  <a:schemeClr val="tx1">
+                    <a:lumMod val="95000"/>
+                    <a:lumOff val="5000"/>
+                  </a:schemeClr>
+                </a:solidFill>
+              </a:rPr>
+              <a:t>disabled</a:t>
+            </a:r>
+            <a:r>
+              <a:rPr lang="it-IT" sz="1600" dirty="0">
+                <a:solidFill>
+                  <a:schemeClr val="tx1">
+                    <a:lumMod val="95000"/>
+                    <a:lumOff val="5000"/>
+                  </a:schemeClr>
+                </a:solidFill>
+              </a:rPr>
+              <a:t>, il che vuol dire che il </a:t>
+            </a:r>
+            <a:r>
+              <a:rPr lang="it-IT" sz="1600" dirty="0" err="1">
+                <a:solidFill>
+                  <a:schemeClr val="tx1">
+                    <a:lumMod val="95000"/>
+                    <a:lumOff val="5000"/>
+                  </a:schemeClr>
+                </a:solidFill>
+              </a:rPr>
+              <a:t>routing</a:t>
+            </a:r>
+            <a:r>
+              <a:rPr lang="it-IT" sz="1600" dirty="0">
+                <a:solidFill>
+                  <a:schemeClr val="tx1">
+                    <a:lumMod val="95000"/>
+                    <a:lumOff val="5000"/>
+                  </a:schemeClr>
+                </a:solidFill>
+              </a:rPr>
+              <a:t> può essere consentito in una sola direzione)</a:t>
+            </a:r>
+            <a:endParaRPr lang="it-IT" sz="1600" dirty="0"/>
+          </a:p>
+          <a:p>
+            <a:pPr marL="342900" indent="-342900">
+              <a:buFont typeface="Arial" panose="020B0604020202020204" pitchFamily="34" charset="0"/>
+              <a:buChar char="•"/>
+            </a:pPr>
+            <a:endParaRPr lang="it-IT" dirty="0"/>
+          </a:p>
+          <a:p>
+            <a:pPr marL="342900" indent="-342900">
+              <a:buFont typeface="Arial" panose="020B0604020202020204" pitchFamily="34" charset="0"/>
+              <a:buChar char="•"/>
+            </a:pPr>
+            <a:endParaRPr lang="it-IT" dirty="0"/>
+          </a:p>
+        </p:txBody>
+      </p:sp>
+      <p:pic>
+        <p:nvPicPr>
+          <p:cNvPr id="5" name="Immagine 4" descr="Immagine che contiene testo, screenshot, monitor, elettronico&#10;&#10;Descrizione generata automaticamente">
+            <a:extLst>
+              <a:ext uri="{FF2B5EF4-FFF2-40B4-BE49-F238E27FC236}">
+                <a16:creationId xmlns:a16="http://schemas.microsoft.com/office/drawing/2014/main" id="{B1EAC4A8-77CC-49CB-A0FE-90D4FD110636}"/>
+              </a:ext>
+            </a:extLst>
+          </p:cNvPr>
+          <p:cNvPicPr>
+            <a:picLocks noChangeAspect="1"/>
+          </p:cNvPicPr>
+          <p:nvPr/>
+        </p:nvPicPr>
+        <p:blipFill rotWithShape="1">
+          <a:blip r:embed="rId2">
+            <a:extLst>
+              <a:ext uri="{28A0092B-C50C-407E-A947-70E740481C1C}">
+                <a14:useLocalDpi xmlns:a14="http://schemas.microsoft.com/office/drawing/2010/main" val="0"/>
+              </a:ext>
+            </a:extLst>
+          </a:blip>
+          <a:srcRect l="33409" t="61010" r="45341" b="20202"/>
+          <a:stretch/>
+        </p:blipFill>
+        <p:spPr>
+          <a:xfrm>
+            <a:off x="3048578" y="707164"/>
+            <a:ext cx="4903018" cy="2438400"/>
+          </a:xfrm>
+          <a:prstGeom prst="rect">
+            <a:avLst/>
+          </a:prstGeom>
+        </p:spPr>
+      </p:pic>
+    </p:spTree>
+    <p:extLst>
+      <p:ext uri="{BB962C8B-B14F-4D97-AF65-F5344CB8AC3E}">
+        <p14:creationId xmlns:p14="http://schemas.microsoft.com/office/powerpoint/2010/main" val="2419265055"/>
+      </p:ext>
+    </p:extLst>
+  </p:cSld>
+  <p:clrMapOvr>
+    <a:masterClrMapping/>
+  </p:clrMapOvr>
+</p:sld>
+</file>
+
+<file path=ppt/slides/slide7.xml><?xml version="1.0" encoding="utf-8"?>
 <p:sld xmlns:a="http://schemas.openxmlformats.org/drawingml/2006/main" xmlns:r="http://schemas.openxmlformats.org/officeDocument/2006/relationships" xmlns:p="http://schemas.openxmlformats.org/presentationml/2006/main">
   <p:cSld>
     <p:spTree>
@@ -9132,7 +11328,7 @@
 </p:sld>
 </file>
 
-<file path=ppt/slides/slide5.xml><?xml version="1.0" encoding="utf-8"?>
+<file path=ppt/slides/slide8.xml><?xml version="1.0" encoding="utf-8"?>
 <p:sld xmlns:a="http://schemas.openxmlformats.org/drawingml/2006/main" xmlns:r="http://schemas.openxmlformats.org/officeDocument/2006/relationships" xmlns:p="http://schemas.openxmlformats.org/presentationml/2006/main">
   <p:cSld>
     <p:spTree>
@@ -9318,834 +11514,6 @@
     <p:extLst>
       <p:ext uri="{BB962C8B-B14F-4D97-AF65-F5344CB8AC3E}">
         <p14:creationId xmlns:p14="http://schemas.microsoft.com/office/powerpoint/2010/main" val="1598647480"/>
-      </p:ext>
-    </p:extLst>
-  </p:cSld>
-  <p:clrMapOvr>
-    <a:masterClrMapping/>
-  </p:clrMapOvr>
-</p:sld>
-</file>
-
-<file path=ppt/slides/slide6.xml><?xml version="1.0" encoding="utf-8"?>
-<p:sld xmlns:a="http://schemas.openxmlformats.org/drawingml/2006/main" xmlns:r="http://schemas.openxmlformats.org/officeDocument/2006/relationships" xmlns:p="http://schemas.openxmlformats.org/presentationml/2006/main">
-  <p:cSld>
-    <p:spTree>
-      <p:nvGrpSpPr>
-        <p:cNvPr id="1" name=""/>
-        <p:cNvGrpSpPr/>
-        <p:nvPr/>
-      </p:nvGrpSpPr>
-      <p:grpSpPr>
-        <a:xfrm>
-          <a:off x="0" y="0"/>
-          <a:ext cx="0" cy="0"/>
-          <a:chOff x="0" y="0"/>
-          <a:chExt cx="0" cy="0"/>
-        </a:xfrm>
-      </p:grpSpPr>
-      <p:sp>
-        <p:nvSpPr>
-          <p:cNvPr id="2" name="Titolo 1">
-            <a:extLst>
-              <a:ext uri="{FF2B5EF4-FFF2-40B4-BE49-F238E27FC236}">
-                <a16:creationId xmlns:a16="http://schemas.microsoft.com/office/drawing/2014/main" id="{8AD0B576-EB6C-4136-9E3A-79B1E0873908}"/>
-              </a:ext>
-            </a:extLst>
-          </p:cNvPr>
-          <p:cNvSpPr>
-            <a:spLocks noGrp="1"/>
-          </p:cNvSpPr>
-          <p:nvPr>
-            <p:ph type="title"/>
-          </p:nvPr>
-        </p:nvSpPr>
-        <p:spPr>
-          <a:xfrm>
-            <a:off x="206603" y="138882"/>
-            <a:ext cx="8004143" cy="792190"/>
-          </a:xfrm>
-        </p:spPr>
-        <p:txBody>
-          <a:bodyPr>
-            <a:normAutofit/>
-          </a:bodyPr>
-          <a:lstStyle/>
-          <a:p>
-            <a:r>
-              <a:rPr lang="it-IT" sz="3400" b="1" i="1" dirty="0">
-                <a:solidFill>
-                  <a:schemeClr val="accent6">
-                    <a:lumMod val="75000"/>
-                  </a:schemeClr>
-                </a:solidFill>
-              </a:rPr>
-              <a:t>DISTRIBUZIONE DEI VALORI DI MINHTLC</a:t>
-            </a:r>
-          </a:p>
-        </p:txBody>
-      </p:sp>
-      <p:sp>
-        <p:nvSpPr>
-          <p:cNvPr id="3" name="Segnaposto contenuto 2">
-            <a:extLst>
-              <a:ext uri="{FF2B5EF4-FFF2-40B4-BE49-F238E27FC236}">
-                <a16:creationId xmlns:a16="http://schemas.microsoft.com/office/drawing/2014/main" id="{9EEAE49E-7FDE-40F2-A472-524E1AFB6DBD}"/>
-              </a:ext>
-            </a:extLst>
-          </p:cNvPr>
-          <p:cNvSpPr>
-            <a:spLocks noGrp="1"/>
-          </p:cNvSpPr>
-          <p:nvPr>
-            <p:ph idx="1"/>
-          </p:nvPr>
-        </p:nvSpPr>
-        <p:spPr>
-          <a:xfrm>
-            <a:off x="591378" y="5698210"/>
-            <a:ext cx="11009243" cy="640516"/>
-          </a:xfrm>
-        </p:spPr>
-        <p:txBody>
-          <a:bodyPr>
-            <a:normAutofit/>
-          </a:bodyPr>
-          <a:lstStyle/>
-          <a:p>
-            <a:pPr marL="0" indent="0">
-              <a:buNone/>
-            </a:pPr>
-            <a:r>
-              <a:rPr lang="it-IT" sz="1500" i="1" dirty="0"/>
-              <a:t>Sull’asse x sono indicati i valori possibili di </a:t>
-            </a:r>
-            <a:r>
-              <a:rPr lang="it-IT" sz="1500" i="1" dirty="0" err="1"/>
-              <a:t>minhtlc</a:t>
-            </a:r>
-            <a:r>
-              <a:rPr lang="it-IT" sz="1500" i="1" dirty="0"/>
-              <a:t>, sull’asse y il numero di canali su cui è stato applicato un determinato valore. Il grafico mostra come sono distribuiti i valori di </a:t>
-            </a:r>
-            <a:r>
-              <a:rPr lang="it-IT" sz="1500" i="1" dirty="0" err="1"/>
-              <a:t>min_htlc</a:t>
-            </a:r>
-            <a:r>
-              <a:rPr lang="it-IT" sz="1500" i="1" dirty="0"/>
-              <a:t> nei canali della rete.</a:t>
-            </a:r>
-          </a:p>
-        </p:txBody>
-      </p:sp>
-      <p:pic>
-        <p:nvPicPr>
-          <p:cNvPr id="7" name="Immagine 6">
-            <a:extLst>
-              <a:ext uri="{FF2B5EF4-FFF2-40B4-BE49-F238E27FC236}">
-                <a16:creationId xmlns:a16="http://schemas.microsoft.com/office/drawing/2014/main" id="{6608A2A0-8C72-4122-883E-EECADB013C9C}"/>
-              </a:ext>
-            </a:extLst>
-          </p:cNvPr>
-          <p:cNvPicPr>
-            <a:picLocks noChangeAspect="1"/>
-          </p:cNvPicPr>
-          <p:nvPr/>
-        </p:nvPicPr>
-        <p:blipFill>
-          <a:blip r:embed="rId2">
-            <a:extLst>
-              <a:ext uri="{28A0092B-C50C-407E-A947-70E740481C1C}">
-                <a14:useLocalDpi xmlns:a14="http://schemas.microsoft.com/office/drawing/2010/main" val="0"/>
-              </a:ext>
-            </a:extLst>
-          </a:blip>
-          <a:stretch>
-            <a:fillRect/>
-          </a:stretch>
-        </p:blipFill>
-        <p:spPr>
-          <a:xfrm>
-            <a:off x="779309" y="931072"/>
-            <a:ext cx="9935074" cy="4585419"/>
-          </a:xfrm>
-          <a:prstGeom prst="rect">
-            <a:avLst/>
-          </a:prstGeom>
-        </p:spPr>
-      </p:pic>
-    </p:spTree>
-    <p:extLst>
-      <p:ext uri="{BB962C8B-B14F-4D97-AF65-F5344CB8AC3E}">
-        <p14:creationId xmlns:p14="http://schemas.microsoft.com/office/powerpoint/2010/main" val="525927369"/>
-      </p:ext>
-    </p:extLst>
-  </p:cSld>
-  <p:clrMapOvr>
-    <a:masterClrMapping/>
-  </p:clrMapOvr>
-</p:sld>
-</file>
-
-<file path=ppt/slides/slide7.xml><?xml version="1.0" encoding="utf-8"?>
-<p:sld xmlns:a="http://schemas.openxmlformats.org/drawingml/2006/main" xmlns:r="http://schemas.openxmlformats.org/officeDocument/2006/relationships" xmlns:p="http://schemas.openxmlformats.org/presentationml/2006/main">
-  <p:cSld>
-    <p:spTree>
-      <p:nvGrpSpPr>
-        <p:cNvPr id="1" name=""/>
-        <p:cNvGrpSpPr/>
-        <p:nvPr/>
-      </p:nvGrpSpPr>
-      <p:grpSpPr>
-        <a:xfrm>
-          <a:off x="0" y="0"/>
-          <a:ext cx="0" cy="0"/>
-          <a:chOff x="0" y="0"/>
-          <a:chExt cx="0" cy="0"/>
-        </a:xfrm>
-      </p:grpSpPr>
-      <p:sp>
-        <p:nvSpPr>
-          <p:cNvPr id="2" name="Titolo 1">
-            <a:extLst>
-              <a:ext uri="{FF2B5EF4-FFF2-40B4-BE49-F238E27FC236}">
-                <a16:creationId xmlns:a16="http://schemas.microsoft.com/office/drawing/2014/main" id="{476163D9-0CA2-444C-A5DB-9E6A3A87A92B}"/>
-              </a:ext>
-            </a:extLst>
-          </p:cNvPr>
-          <p:cNvSpPr>
-            <a:spLocks noGrp="1"/>
-          </p:cNvSpPr>
-          <p:nvPr>
-            <p:ph type="title"/>
-          </p:nvPr>
-        </p:nvSpPr>
-        <p:spPr>
-          <a:xfrm>
-            <a:off x="348006" y="346385"/>
-            <a:ext cx="6976621" cy="669304"/>
-          </a:xfrm>
-        </p:spPr>
-        <p:txBody>
-          <a:bodyPr>
-            <a:normAutofit fontScale="90000"/>
-          </a:bodyPr>
-          <a:lstStyle/>
-          <a:p>
-            <a:r>
-              <a:rPr lang="it-IT" sz="3800" b="1" i="1" dirty="0">
-                <a:solidFill>
-                  <a:schemeClr val="accent6">
-                    <a:lumMod val="75000"/>
-                  </a:schemeClr>
-                </a:solidFill>
-              </a:rPr>
-              <a:t>DISTRIBUZIONE DEI VALORI DI FEEBASE</a:t>
-            </a:r>
-            <a:br>
-              <a:rPr lang="it-IT" sz="3400" dirty="0"/>
-            </a:br>
-            <a:endParaRPr lang="it-IT" sz="3400" dirty="0"/>
-          </a:p>
-        </p:txBody>
-      </p:sp>
-      <p:pic>
-        <p:nvPicPr>
-          <p:cNvPr id="6" name="Immagine 5">
-            <a:extLst>
-              <a:ext uri="{FF2B5EF4-FFF2-40B4-BE49-F238E27FC236}">
-                <a16:creationId xmlns:a16="http://schemas.microsoft.com/office/drawing/2014/main" id="{5531FF90-73F9-4034-9D3D-28DF5378F85F}"/>
-              </a:ext>
-            </a:extLst>
-          </p:cNvPr>
-          <p:cNvPicPr>
-            <a:picLocks noChangeAspect="1"/>
-          </p:cNvPicPr>
-          <p:nvPr/>
-        </p:nvPicPr>
-        <p:blipFill>
-          <a:blip r:embed="rId2">
-            <a:extLst>
-              <a:ext uri="{28A0092B-C50C-407E-A947-70E740481C1C}">
-                <a14:useLocalDpi xmlns:a14="http://schemas.microsoft.com/office/drawing/2010/main" val="0"/>
-              </a:ext>
-            </a:extLst>
-          </a:blip>
-          <a:stretch>
-            <a:fillRect/>
-          </a:stretch>
-        </p:blipFill>
-        <p:spPr>
-          <a:xfrm>
-            <a:off x="1067543" y="681038"/>
-            <a:ext cx="10206128" cy="4710521"/>
-          </a:xfrm>
-          <a:prstGeom prst="rect">
-            <a:avLst/>
-          </a:prstGeom>
-        </p:spPr>
-      </p:pic>
-      <p:sp>
-        <p:nvSpPr>
-          <p:cNvPr id="5" name="Segnaposto contenuto 2">
-            <a:extLst>
-              <a:ext uri="{FF2B5EF4-FFF2-40B4-BE49-F238E27FC236}">
-                <a16:creationId xmlns:a16="http://schemas.microsoft.com/office/drawing/2014/main" id="{BD806E16-FAF5-45F3-AA3A-5F593E7DBCDC}"/>
-              </a:ext>
-            </a:extLst>
-          </p:cNvPr>
-          <p:cNvSpPr txBox="1">
-            <a:spLocks/>
-          </p:cNvSpPr>
-          <p:nvPr/>
-        </p:nvSpPr>
-        <p:spPr>
-          <a:xfrm>
-            <a:off x="736158" y="5726212"/>
-            <a:ext cx="11009243" cy="640516"/>
-          </a:xfrm>
-          <a:prstGeom prst="rect">
-            <a:avLst/>
-          </a:prstGeom>
-        </p:spPr>
-        <p:txBody>
-          <a:bodyPr vert="horz" lIns="91440" tIns="45720" rIns="91440" bIns="45720" rtlCol="0">
-            <a:normAutofit/>
-          </a:bodyPr>
-          <a:lstStyle>
-            <a:lvl1pPr marL="228600" indent="-228600" algn="l" defTabSz="914400" rtl="0" eaLnBrk="1" latinLnBrk="0" hangingPunct="1">
-              <a:lnSpc>
-                <a:spcPct val="90000"/>
-              </a:lnSpc>
-              <a:spcBef>
-                <a:spcPts val="1000"/>
-              </a:spcBef>
-              <a:buFont typeface="Arial" panose="020B0604020202020204" pitchFamily="34" charset="0"/>
-              <a:buChar char="•"/>
-              <a:defRPr sz="2800" kern="1200">
-                <a:solidFill>
-                  <a:schemeClr val="tx1"/>
-                </a:solidFill>
-                <a:latin typeface="+mn-lt"/>
-                <a:ea typeface="+mn-ea"/>
-                <a:cs typeface="+mn-cs"/>
-              </a:defRPr>
-            </a:lvl1pPr>
-            <a:lvl2pPr marL="685800" indent="-228600" algn="l" defTabSz="914400" rtl="0" eaLnBrk="1" latinLnBrk="0" hangingPunct="1">
-              <a:lnSpc>
-                <a:spcPct val="90000"/>
-              </a:lnSpc>
-              <a:spcBef>
-                <a:spcPts val="500"/>
-              </a:spcBef>
-              <a:buFont typeface="Arial" panose="020B0604020202020204" pitchFamily="34" charset="0"/>
-              <a:buChar char="•"/>
-              <a:defRPr sz="2400" kern="1200">
-                <a:solidFill>
-                  <a:schemeClr val="tx1"/>
-                </a:solidFill>
-                <a:latin typeface="+mn-lt"/>
-                <a:ea typeface="+mn-ea"/>
-                <a:cs typeface="+mn-cs"/>
-              </a:defRPr>
-            </a:lvl2pPr>
-            <a:lvl3pPr marL="1143000" indent="-228600" algn="l" defTabSz="914400" rtl="0" eaLnBrk="1" latinLnBrk="0" hangingPunct="1">
-              <a:lnSpc>
-                <a:spcPct val="90000"/>
-              </a:lnSpc>
-              <a:spcBef>
-                <a:spcPts val="500"/>
-              </a:spcBef>
-              <a:buFont typeface="Arial" panose="020B0604020202020204" pitchFamily="34" charset="0"/>
-              <a:buChar char="•"/>
-              <a:defRPr sz="2000" kern="1200">
-                <a:solidFill>
-                  <a:schemeClr val="tx1"/>
-                </a:solidFill>
-                <a:latin typeface="+mn-lt"/>
-                <a:ea typeface="+mn-ea"/>
-                <a:cs typeface="+mn-cs"/>
-              </a:defRPr>
-            </a:lvl3pPr>
-            <a:lvl4pPr marL="1600200" indent="-228600" algn="l" defTabSz="914400" rtl="0" eaLnBrk="1" latinLnBrk="0" hangingPunct="1">
-              <a:lnSpc>
-                <a:spcPct val="90000"/>
-              </a:lnSpc>
-              <a:spcBef>
-                <a:spcPts val="500"/>
-              </a:spcBef>
-              <a:buFont typeface="Arial" panose="020B0604020202020204" pitchFamily="34" charset="0"/>
-              <a:buChar char="•"/>
-              <a:defRPr sz="1800" kern="1200">
-                <a:solidFill>
-                  <a:schemeClr val="tx1"/>
-                </a:solidFill>
-                <a:latin typeface="+mn-lt"/>
-                <a:ea typeface="+mn-ea"/>
-                <a:cs typeface="+mn-cs"/>
-              </a:defRPr>
-            </a:lvl4pPr>
-            <a:lvl5pPr marL="2057400" indent="-228600" algn="l" defTabSz="914400" rtl="0" eaLnBrk="1" latinLnBrk="0" hangingPunct="1">
-              <a:lnSpc>
-                <a:spcPct val="90000"/>
-              </a:lnSpc>
-              <a:spcBef>
-                <a:spcPts val="500"/>
-              </a:spcBef>
-              <a:buFont typeface="Arial" panose="020B0604020202020204" pitchFamily="34" charset="0"/>
-              <a:buChar char="•"/>
-              <a:defRPr sz="1800" kern="1200">
-                <a:solidFill>
-                  <a:schemeClr val="tx1"/>
-                </a:solidFill>
-                <a:latin typeface="+mn-lt"/>
-                <a:ea typeface="+mn-ea"/>
-                <a:cs typeface="+mn-cs"/>
-              </a:defRPr>
-            </a:lvl5pPr>
-            <a:lvl6pPr marL="2514600" indent="-228600" algn="l" defTabSz="914400" rtl="0" eaLnBrk="1" latinLnBrk="0" hangingPunct="1">
-              <a:lnSpc>
-                <a:spcPct val="90000"/>
-              </a:lnSpc>
-              <a:spcBef>
-                <a:spcPts val="500"/>
-              </a:spcBef>
-              <a:buFont typeface="Arial" panose="020B0604020202020204" pitchFamily="34" charset="0"/>
-              <a:buChar char="•"/>
-              <a:defRPr sz="1800" kern="1200">
-                <a:solidFill>
-                  <a:schemeClr val="tx1"/>
-                </a:solidFill>
-                <a:latin typeface="+mn-lt"/>
-                <a:ea typeface="+mn-ea"/>
-                <a:cs typeface="+mn-cs"/>
-              </a:defRPr>
-            </a:lvl6pPr>
-            <a:lvl7pPr marL="2971800" indent="-228600" algn="l" defTabSz="914400" rtl="0" eaLnBrk="1" latinLnBrk="0" hangingPunct="1">
-              <a:lnSpc>
-                <a:spcPct val="90000"/>
-              </a:lnSpc>
-              <a:spcBef>
-                <a:spcPts val="500"/>
-              </a:spcBef>
-              <a:buFont typeface="Arial" panose="020B0604020202020204" pitchFamily="34" charset="0"/>
-              <a:buChar char="•"/>
-              <a:defRPr sz="1800" kern="1200">
-                <a:solidFill>
-                  <a:schemeClr val="tx1"/>
-                </a:solidFill>
-                <a:latin typeface="+mn-lt"/>
-                <a:ea typeface="+mn-ea"/>
-                <a:cs typeface="+mn-cs"/>
-              </a:defRPr>
-            </a:lvl7pPr>
-            <a:lvl8pPr marL="3429000" indent="-228600" algn="l" defTabSz="914400" rtl="0" eaLnBrk="1" latinLnBrk="0" hangingPunct="1">
-              <a:lnSpc>
-                <a:spcPct val="90000"/>
-              </a:lnSpc>
-              <a:spcBef>
-                <a:spcPts val="500"/>
-              </a:spcBef>
-              <a:buFont typeface="Arial" panose="020B0604020202020204" pitchFamily="34" charset="0"/>
-              <a:buChar char="•"/>
-              <a:defRPr sz="1800" kern="1200">
-                <a:solidFill>
-                  <a:schemeClr val="tx1"/>
-                </a:solidFill>
-                <a:latin typeface="+mn-lt"/>
-                <a:ea typeface="+mn-ea"/>
-                <a:cs typeface="+mn-cs"/>
-              </a:defRPr>
-            </a:lvl8pPr>
-            <a:lvl9pPr marL="3886200" indent="-228600" algn="l" defTabSz="914400" rtl="0" eaLnBrk="1" latinLnBrk="0" hangingPunct="1">
-              <a:lnSpc>
-                <a:spcPct val="90000"/>
-              </a:lnSpc>
-              <a:spcBef>
-                <a:spcPts val="500"/>
-              </a:spcBef>
-              <a:buFont typeface="Arial" panose="020B0604020202020204" pitchFamily="34" charset="0"/>
-              <a:buChar char="•"/>
-              <a:defRPr sz="1800" kern="1200">
-                <a:solidFill>
-                  <a:schemeClr val="tx1"/>
-                </a:solidFill>
-                <a:latin typeface="+mn-lt"/>
-                <a:ea typeface="+mn-ea"/>
-                <a:cs typeface="+mn-cs"/>
-              </a:defRPr>
-            </a:lvl9pPr>
-          </a:lstStyle>
-          <a:p>
-            <a:pPr marL="0" indent="0">
-              <a:buFont typeface="Arial" panose="020B0604020202020204" pitchFamily="34" charset="0"/>
-              <a:buNone/>
-            </a:pPr>
-            <a:r>
-              <a:rPr lang="it-IT" sz="1500" i="1" dirty="0"/>
-              <a:t>Sull’asse x sono indicati i valori possibili di </a:t>
-            </a:r>
-            <a:r>
-              <a:rPr lang="it-IT" sz="1500" i="1" dirty="0" err="1"/>
-              <a:t>fee_base</a:t>
-            </a:r>
-            <a:r>
-              <a:rPr lang="it-IT" sz="1500" i="1" dirty="0"/>
-              <a:t>, sull’asse y il numero di canali su cui è stato applicato un determinato valore di </a:t>
-            </a:r>
-            <a:r>
-              <a:rPr lang="it-IT" sz="1500" i="1" dirty="0" err="1"/>
-              <a:t>fee</a:t>
-            </a:r>
-            <a:r>
-              <a:rPr lang="it-IT" sz="1500" i="1" dirty="0"/>
-              <a:t>. Il grafico mostra come sono distribuiti i valori di </a:t>
-            </a:r>
-            <a:r>
-              <a:rPr lang="it-IT" sz="1500" i="1" dirty="0" err="1"/>
-              <a:t>fee_base</a:t>
-            </a:r>
-            <a:r>
-              <a:rPr lang="it-IT" sz="1500" i="1" dirty="0"/>
-              <a:t> nei canali della rete.</a:t>
-            </a:r>
-          </a:p>
-        </p:txBody>
-      </p:sp>
-    </p:spTree>
-    <p:extLst>
-      <p:ext uri="{BB962C8B-B14F-4D97-AF65-F5344CB8AC3E}">
-        <p14:creationId xmlns:p14="http://schemas.microsoft.com/office/powerpoint/2010/main" val="870590579"/>
-      </p:ext>
-    </p:extLst>
-  </p:cSld>
-  <p:clrMapOvr>
-    <a:masterClrMapping/>
-  </p:clrMapOvr>
-</p:sld>
-</file>
-
-<file path=ppt/slides/slide8.xml><?xml version="1.0" encoding="utf-8"?>
-<p:sld xmlns:a="http://schemas.openxmlformats.org/drawingml/2006/main" xmlns:r="http://schemas.openxmlformats.org/officeDocument/2006/relationships" xmlns:p="http://schemas.openxmlformats.org/presentationml/2006/main">
-  <p:cSld>
-    <p:spTree>
-      <p:nvGrpSpPr>
-        <p:cNvPr id="1" name=""/>
-        <p:cNvGrpSpPr/>
-        <p:nvPr/>
-      </p:nvGrpSpPr>
-      <p:grpSpPr>
-        <a:xfrm>
-          <a:off x="0" y="0"/>
-          <a:ext cx="0" cy="0"/>
-          <a:chOff x="0" y="0"/>
-          <a:chExt cx="0" cy="0"/>
-        </a:xfrm>
-      </p:grpSpPr>
-      <p:sp>
-        <p:nvSpPr>
-          <p:cNvPr id="2" name="Titolo 1">
-            <a:extLst>
-              <a:ext uri="{FF2B5EF4-FFF2-40B4-BE49-F238E27FC236}">
-                <a16:creationId xmlns:a16="http://schemas.microsoft.com/office/drawing/2014/main" id="{466B27F2-519E-4F85-9D73-74FA61BCDCB9}"/>
-              </a:ext>
-            </a:extLst>
-          </p:cNvPr>
-          <p:cNvSpPr>
-            <a:spLocks noGrp="1"/>
-          </p:cNvSpPr>
-          <p:nvPr>
-            <p:ph type="title"/>
-          </p:nvPr>
-        </p:nvSpPr>
-        <p:spPr>
-          <a:xfrm>
-            <a:off x="168897" y="129455"/>
-            <a:ext cx="7023755" cy="718957"/>
-          </a:xfrm>
-        </p:spPr>
-        <p:txBody>
-          <a:bodyPr>
-            <a:normAutofit/>
-          </a:bodyPr>
-          <a:lstStyle/>
-          <a:p>
-            <a:r>
-              <a:rPr lang="it-IT" sz="3400" b="1" i="1" dirty="0">
-                <a:solidFill>
-                  <a:schemeClr val="accent6">
-                    <a:lumMod val="75000"/>
-                  </a:schemeClr>
-                </a:solidFill>
-              </a:rPr>
-              <a:t>DISTRIBUZIONE DEI VALORI DI FEERATE</a:t>
-            </a:r>
-            <a:endParaRPr lang="it-IT" sz="3400" dirty="0"/>
-          </a:p>
-        </p:txBody>
-      </p:sp>
-      <p:pic>
-        <p:nvPicPr>
-          <p:cNvPr id="4" name="Immagine 3">
-            <a:extLst>
-              <a:ext uri="{FF2B5EF4-FFF2-40B4-BE49-F238E27FC236}">
-                <a16:creationId xmlns:a16="http://schemas.microsoft.com/office/drawing/2014/main" id="{4E347206-83A9-4478-83B7-ABF712818FA1}"/>
-              </a:ext>
-            </a:extLst>
-          </p:cNvPr>
-          <p:cNvPicPr>
-            <a:picLocks noChangeAspect="1"/>
-          </p:cNvPicPr>
-          <p:nvPr/>
-        </p:nvPicPr>
-        <p:blipFill>
-          <a:blip r:embed="rId2"/>
-          <a:stretch>
-            <a:fillRect/>
-          </a:stretch>
-        </p:blipFill>
-        <p:spPr>
-          <a:xfrm>
-            <a:off x="1104533" y="848412"/>
-            <a:ext cx="9982933" cy="4607508"/>
-          </a:xfrm>
-          <a:prstGeom prst="rect">
-            <a:avLst/>
-          </a:prstGeom>
-        </p:spPr>
-      </p:pic>
-      <p:sp>
-        <p:nvSpPr>
-          <p:cNvPr id="5" name="Segnaposto contenuto 2">
-            <a:extLst>
-              <a:ext uri="{FF2B5EF4-FFF2-40B4-BE49-F238E27FC236}">
-                <a16:creationId xmlns:a16="http://schemas.microsoft.com/office/drawing/2014/main" id="{6E17DCF7-C6CD-4955-AA6D-6EB50667ED62}"/>
-              </a:ext>
-            </a:extLst>
-          </p:cNvPr>
-          <p:cNvSpPr txBox="1">
-            <a:spLocks/>
-          </p:cNvSpPr>
-          <p:nvPr/>
-        </p:nvSpPr>
-        <p:spPr>
-          <a:xfrm>
-            <a:off x="736158" y="5726212"/>
-            <a:ext cx="11009243" cy="640516"/>
-          </a:xfrm>
-          <a:prstGeom prst="rect">
-            <a:avLst/>
-          </a:prstGeom>
-        </p:spPr>
-        <p:txBody>
-          <a:bodyPr vert="horz" lIns="91440" tIns="45720" rIns="91440" bIns="45720" rtlCol="0">
-            <a:normAutofit/>
-          </a:bodyPr>
-          <a:lstStyle>
-            <a:lvl1pPr marL="228600" indent="-228600" algn="l" defTabSz="914400" rtl="0" eaLnBrk="1" latinLnBrk="0" hangingPunct="1">
-              <a:lnSpc>
-                <a:spcPct val="90000"/>
-              </a:lnSpc>
-              <a:spcBef>
-                <a:spcPts val="1000"/>
-              </a:spcBef>
-              <a:buFont typeface="Arial" panose="020B0604020202020204" pitchFamily="34" charset="0"/>
-              <a:buChar char="•"/>
-              <a:defRPr sz="2800" kern="1200">
-                <a:solidFill>
-                  <a:schemeClr val="tx1"/>
-                </a:solidFill>
-                <a:latin typeface="+mn-lt"/>
-                <a:ea typeface="+mn-ea"/>
-                <a:cs typeface="+mn-cs"/>
-              </a:defRPr>
-            </a:lvl1pPr>
-            <a:lvl2pPr marL="685800" indent="-228600" algn="l" defTabSz="914400" rtl="0" eaLnBrk="1" latinLnBrk="0" hangingPunct="1">
-              <a:lnSpc>
-                <a:spcPct val="90000"/>
-              </a:lnSpc>
-              <a:spcBef>
-                <a:spcPts val="500"/>
-              </a:spcBef>
-              <a:buFont typeface="Arial" panose="020B0604020202020204" pitchFamily="34" charset="0"/>
-              <a:buChar char="•"/>
-              <a:defRPr sz="2400" kern="1200">
-                <a:solidFill>
-                  <a:schemeClr val="tx1"/>
-                </a:solidFill>
-                <a:latin typeface="+mn-lt"/>
-                <a:ea typeface="+mn-ea"/>
-                <a:cs typeface="+mn-cs"/>
-              </a:defRPr>
-            </a:lvl2pPr>
-            <a:lvl3pPr marL="1143000" indent="-228600" algn="l" defTabSz="914400" rtl="0" eaLnBrk="1" latinLnBrk="0" hangingPunct="1">
-              <a:lnSpc>
-                <a:spcPct val="90000"/>
-              </a:lnSpc>
-              <a:spcBef>
-                <a:spcPts val="500"/>
-              </a:spcBef>
-              <a:buFont typeface="Arial" panose="020B0604020202020204" pitchFamily="34" charset="0"/>
-              <a:buChar char="•"/>
-              <a:defRPr sz="2000" kern="1200">
-                <a:solidFill>
-                  <a:schemeClr val="tx1"/>
-                </a:solidFill>
-                <a:latin typeface="+mn-lt"/>
-                <a:ea typeface="+mn-ea"/>
-                <a:cs typeface="+mn-cs"/>
-              </a:defRPr>
-            </a:lvl3pPr>
-            <a:lvl4pPr marL="1600200" indent="-228600" algn="l" defTabSz="914400" rtl="0" eaLnBrk="1" latinLnBrk="0" hangingPunct="1">
-              <a:lnSpc>
-                <a:spcPct val="90000"/>
-              </a:lnSpc>
-              <a:spcBef>
-                <a:spcPts val="500"/>
-              </a:spcBef>
-              <a:buFont typeface="Arial" panose="020B0604020202020204" pitchFamily="34" charset="0"/>
-              <a:buChar char="•"/>
-              <a:defRPr sz="1800" kern="1200">
-                <a:solidFill>
-                  <a:schemeClr val="tx1"/>
-                </a:solidFill>
-                <a:latin typeface="+mn-lt"/>
-                <a:ea typeface="+mn-ea"/>
-                <a:cs typeface="+mn-cs"/>
-              </a:defRPr>
-            </a:lvl4pPr>
-            <a:lvl5pPr marL="2057400" indent="-228600" algn="l" defTabSz="914400" rtl="0" eaLnBrk="1" latinLnBrk="0" hangingPunct="1">
-              <a:lnSpc>
-                <a:spcPct val="90000"/>
-              </a:lnSpc>
-              <a:spcBef>
-                <a:spcPts val="500"/>
-              </a:spcBef>
-              <a:buFont typeface="Arial" panose="020B0604020202020204" pitchFamily="34" charset="0"/>
-              <a:buChar char="•"/>
-              <a:defRPr sz="1800" kern="1200">
-                <a:solidFill>
-                  <a:schemeClr val="tx1"/>
-                </a:solidFill>
-                <a:latin typeface="+mn-lt"/>
-                <a:ea typeface="+mn-ea"/>
-                <a:cs typeface="+mn-cs"/>
-              </a:defRPr>
-            </a:lvl5pPr>
-            <a:lvl6pPr marL="2514600" indent="-228600" algn="l" defTabSz="914400" rtl="0" eaLnBrk="1" latinLnBrk="0" hangingPunct="1">
-              <a:lnSpc>
-                <a:spcPct val="90000"/>
-              </a:lnSpc>
-              <a:spcBef>
-                <a:spcPts val="500"/>
-              </a:spcBef>
-              <a:buFont typeface="Arial" panose="020B0604020202020204" pitchFamily="34" charset="0"/>
-              <a:buChar char="•"/>
-              <a:defRPr sz="1800" kern="1200">
-                <a:solidFill>
-                  <a:schemeClr val="tx1"/>
-                </a:solidFill>
-                <a:latin typeface="+mn-lt"/>
-                <a:ea typeface="+mn-ea"/>
-                <a:cs typeface="+mn-cs"/>
-              </a:defRPr>
-            </a:lvl6pPr>
-            <a:lvl7pPr marL="2971800" indent="-228600" algn="l" defTabSz="914400" rtl="0" eaLnBrk="1" latinLnBrk="0" hangingPunct="1">
-              <a:lnSpc>
-                <a:spcPct val="90000"/>
-              </a:lnSpc>
-              <a:spcBef>
-                <a:spcPts val="500"/>
-              </a:spcBef>
-              <a:buFont typeface="Arial" panose="020B0604020202020204" pitchFamily="34" charset="0"/>
-              <a:buChar char="•"/>
-              <a:defRPr sz="1800" kern="1200">
-                <a:solidFill>
-                  <a:schemeClr val="tx1"/>
-                </a:solidFill>
-                <a:latin typeface="+mn-lt"/>
-                <a:ea typeface="+mn-ea"/>
-                <a:cs typeface="+mn-cs"/>
-              </a:defRPr>
-            </a:lvl7pPr>
-            <a:lvl8pPr marL="3429000" indent="-228600" algn="l" defTabSz="914400" rtl="0" eaLnBrk="1" latinLnBrk="0" hangingPunct="1">
-              <a:lnSpc>
-                <a:spcPct val="90000"/>
-              </a:lnSpc>
-              <a:spcBef>
-                <a:spcPts val="500"/>
-              </a:spcBef>
-              <a:buFont typeface="Arial" panose="020B0604020202020204" pitchFamily="34" charset="0"/>
-              <a:buChar char="•"/>
-              <a:defRPr sz="1800" kern="1200">
-                <a:solidFill>
-                  <a:schemeClr val="tx1"/>
-                </a:solidFill>
-                <a:latin typeface="+mn-lt"/>
-                <a:ea typeface="+mn-ea"/>
-                <a:cs typeface="+mn-cs"/>
-              </a:defRPr>
-            </a:lvl8pPr>
-            <a:lvl9pPr marL="3886200" indent="-228600" algn="l" defTabSz="914400" rtl="0" eaLnBrk="1" latinLnBrk="0" hangingPunct="1">
-              <a:lnSpc>
-                <a:spcPct val="90000"/>
-              </a:lnSpc>
-              <a:spcBef>
-                <a:spcPts val="500"/>
-              </a:spcBef>
-              <a:buFont typeface="Arial" panose="020B0604020202020204" pitchFamily="34" charset="0"/>
-              <a:buChar char="•"/>
-              <a:defRPr sz="1800" kern="1200">
-                <a:solidFill>
-                  <a:schemeClr val="tx1"/>
-                </a:solidFill>
-                <a:latin typeface="+mn-lt"/>
-                <a:ea typeface="+mn-ea"/>
-                <a:cs typeface="+mn-cs"/>
-              </a:defRPr>
-            </a:lvl9pPr>
-          </a:lstStyle>
-          <a:p>
-            <a:pPr marL="0" indent="0">
-              <a:buFont typeface="Arial" panose="020B0604020202020204" pitchFamily="34" charset="0"/>
-              <a:buNone/>
-            </a:pPr>
-            <a:r>
-              <a:rPr lang="it-IT" sz="1500" i="1" dirty="0"/>
-              <a:t>Sull’asse x sono indicati i valori possibili di </a:t>
-            </a:r>
-            <a:r>
-              <a:rPr lang="it-IT" sz="1500" i="1" dirty="0" err="1"/>
-              <a:t>fee_rate</a:t>
-            </a:r>
-            <a:r>
-              <a:rPr lang="it-IT" sz="1500" i="1" dirty="0"/>
-              <a:t>, sull’asse y il numero di canali su cui è stato applicato un determinato valore di </a:t>
-            </a:r>
-            <a:r>
-              <a:rPr lang="it-IT" sz="1500" i="1" dirty="0" err="1"/>
-              <a:t>fee</a:t>
-            </a:r>
-            <a:r>
-              <a:rPr lang="it-IT" sz="1500" i="1" dirty="0"/>
-              <a:t>. Il grafico mostra come sono distribuiti i valori di </a:t>
-            </a:r>
-            <a:r>
-              <a:rPr lang="it-IT" sz="1500" i="1" dirty="0" err="1"/>
-              <a:t>fee_rate</a:t>
-            </a:r>
-            <a:r>
-              <a:rPr lang="it-IT" sz="1500" i="1" dirty="0"/>
-              <a:t> nei canali della rete.</a:t>
-            </a:r>
-          </a:p>
-        </p:txBody>
-      </p:sp>
-    </p:spTree>
-    <p:extLst>
-      <p:ext uri="{BB962C8B-B14F-4D97-AF65-F5344CB8AC3E}">
-        <p14:creationId xmlns:p14="http://schemas.microsoft.com/office/powerpoint/2010/main" val="1995985505"/>
       </p:ext>
     </p:extLst>
   </p:cSld>
@@ -10177,7 +11545,7 @@
           <p:cNvPr id="2" name="Titolo 1">
             <a:extLst>
               <a:ext uri="{FF2B5EF4-FFF2-40B4-BE49-F238E27FC236}">
-                <a16:creationId xmlns:a16="http://schemas.microsoft.com/office/drawing/2014/main" id="{45AE4082-8A88-4409-8E70-08BB07417AF0}"/>
+                <a16:creationId xmlns:a16="http://schemas.microsoft.com/office/drawing/2014/main" id="{8AD0B576-EB6C-4136-9E3A-79B1E0873908}"/>
               </a:ext>
             </a:extLst>
           </p:cNvPr>
@@ -10190,31 +11558,26 @@
         </p:nvSpPr>
         <p:spPr>
           <a:xfrm>
-            <a:off x="338580" y="148308"/>
-            <a:ext cx="5044126" cy="718957"/>
+            <a:off x="206603" y="138882"/>
+            <a:ext cx="8004143" cy="792190"/>
           </a:xfrm>
         </p:spPr>
         <p:txBody>
-          <a:bodyPr/>
+          <a:bodyPr>
+            <a:normAutofit/>
+          </a:bodyPr>
           <a:lstStyle/>
           <a:p>
             <a:r>
-              <a:rPr lang="it-IT" b="1" i="1">
+              <a:rPr lang="it-IT" sz="3400" b="1" i="1" dirty="0">
                 <a:solidFill>
                   <a:schemeClr val="accent6">
                     <a:lumMod val="75000"/>
                   </a:schemeClr>
                 </a:solidFill>
               </a:rPr>
-              <a:t>NODI AGGREGATORI</a:t>
-            </a:r>
-            <a:endParaRPr lang="it-IT" b="1" i="1" dirty="0">
-              <a:solidFill>
-                <a:schemeClr val="accent6">
-                  <a:lumMod val="75000"/>
-                </a:schemeClr>
-              </a:solidFill>
-            </a:endParaRPr>
+              <a:t>DISTRIBUZIONE DEI VALORI DI MINHTLC</a:t>
+            </a:r>
           </a:p>
         </p:txBody>
       </p:sp>
@@ -10223,7 +11586,7 @@
           <p:cNvPr id="3" name="Segnaposto contenuto 2">
             <a:extLst>
               <a:ext uri="{FF2B5EF4-FFF2-40B4-BE49-F238E27FC236}">
-                <a16:creationId xmlns:a16="http://schemas.microsoft.com/office/drawing/2014/main" id="{FE797B68-7CFE-4858-A929-4A93FE2963F6}"/>
+                <a16:creationId xmlns:a16="http://schemas.microsoft.com/office/drawing/2014/main" id="{9EEAE49E-7FDE-40F2-A472-524E1AFB6DBD}"/>
               </a:ext>
             </a:extLst>
           </p:cNvPr>
@@ -10236,71 +11599,48 @@
         </p:nvSpPr>
         <p:spPr>
           <a:xfrm>
-            <a:off x="477232" y="933252"/>
-            <a:ext cx="11237535" cy="4351338"/>
+            <a:off x="591378" y="5698210"/>
+            <a:ext cx="11009243" cy="640516"/>
           </a:xfrm>
         </p:spPr>
         <p:txBody>
-          <a:bodyPr/>
-          <a:lstStyle/>
-          <a:p>
-            <a:r>
-              <a:rPr lang="it-IT"/>
-              <a:t>L’algoritmo seleziona come nodi aggregatori quei </a:t>
-            </a:r>
-            <a:r>
-              <a:rPr lang="it-IT" i="1"/>
-              <a:t>nodi che hanno grado&gt;=5 e tra i cui vicini ci sono almeno 3 nodi «rosa»</a:t>
-            </a:r>
-            <a:r>
-              <a:rPr lang="it-IT"/>
-              <a:t> (nodi di grado 1).</a:t>
-            </a:r>
-            <a:endParaRPr lang="it-IT" dirty="0"/>
-          </a:p>
-        </p:txBody>
-      </p:sp>
-      <p:sp>
-        <p:nvSpPr>
-          <p:cNvPr id="5" name="CasellaDiTesto 4">
-            <a:extLst>
-              <a:ext uri="{FF2B5EF4-FFF2-40B4-BE49-F238E27FC236}">
-                <a16:creationId xmlns:a16="http://schemas.microsoft.com/office/drawing/2014/main" id="{18233E74-1DAA-4408-B52C-2746B364385A}"/>
-              </a:ext>
-            </a:extLst>
-          </p:cNvPr>
-          <p:cNvSpPr txBox="1"/>
-          <p:nvPr/>
-        </p:nvSpPr>
-        <p:spPr>
-          <a:xfrm>
-            <a:off x="4224130" y="6272618"/>
-            <a:ext cx="8378687" cy="292388"/>
-          </a:xfrm>
-          <a:prstGeom prst="rect">
-            <a:avLst/>
-          </a:prstGeom>
-          <a:noFill/>
-        </p:spPr>
-        <p:txBody>
-          <a:bodyPr wrap="square" rtlCol="0">
-            <a:spAutoFit/>
+          <a:bodyPr>
+            <a:normAutofit/>
           </a:bodyPr>
           <a:lstStyle/>
           <a:p>
-            <a:r>
-              <a:rPr lang="it-IT" sz="1300" i="1" dirty="0"/>
-              <a:t>(Nodi aggregatori in blu nella figura)</a:t>
+            <a:pPr marL="0" indent="0">
+              <a:buNone/>
+            </a:pPr>
+            <a:r>
+              <a:rPr lang="it-IT" sz="1500" i="1" dirty="0"/>
+              <a:t>Sull’asse x sono indicati i valori possibili di </a:t>
+            </a:r>
+            <a:r>
+              <a:rPr lang="it-IT" sz="1500" i="1" dirty="0" err="1"/>
+              <a:t>minhtlc</a:t>
+            </a:r>
+            <a:r>
+              <a:rPr lang="it-IT" sz="1500" i="1" dirty="0"/>
+              <a:t>, sull’asse y il numero di canali su cui è stato applicato un determinato valore. Il grafico mostra come sono distribuiti i valori di </a:t>
+            </a:r>
+            <a:r>
+              <a:rPr lang="it-IT" sz="1500" i="1" dirty="0" err="1"/>
+              <a:t>min_htlc</a:t>
+            </a:r>
+            <a:r>
+              <a:rPr lang="it-IT" sz="1500" i="1" dirty="0"/>
+              <a:t> nei canali della rete.</a:t>
             </a:r>
           </a:p>
         </p:txBody>
       </p:sp>
       <p:pic>
         <p:nvPicPr>
-          <p:cNvPr id="7" name="Immagine 6" descr="Immagine che contiene pianta&#10;&#10;Descrizione generata automaticamente">
-            <a:extLst>
-              <a:ext uri="{FF2B5EF4-FFF2-40B4-BE49-F238E27FC236}">
-                <a16:creationId xmlns:a16="http://schemas.microsoft.com/office/drawing/2014/main" id="{D9C4F14F-47FC-4E8C-A1E5-A9E5E23EAD90}"/>
+          <p:cNvPr id="7" name="Immagine 6">
+            <a:extLst>
+              <a:ext uri="{FF2B5EF4-FFF2-40B4-BE49-F238E27FC236}">
+                <a16:creationId xmlns:a16="http://schemas.microsoft.com/office/drawing/2014/main" id="{6608A2A0-8C72-4122-883E-EECADB013C9C}"/>
               </a:ext>
             </a:extLst>
           </p:cNvPr>
@@ -10309,7 +11649,7 @@
           </p:cNvPicPr>
           <p:nvPr/>
         </p:nvPicPr>
-        <p:blipFill rotWithShape="1">
+        <p:blipFill>
           <a:blip r:embed="rId2">
             <a:extLst>
               <a:ext uri="{28A0092B-C50C-407E-A947-70E740481C1C}">
@@ -10317,13 +11657,14 @@
               </a:ext>
             </a:extLst>
           </a:blip>
-          <a:srcRect l="30489" t="7867" r="30136" b="34532"/>
-          <a:stretch/>
+          <a:stretch>
+            <a:fillRect/>
+          </a:stretch>
         </p:blipFill>
         <p:spPr>
           <a:xfrm>
-            <a:off x="2012508" y="1851098"/>
-            <a:ext cx="7546271" cy="4421520"/>
+            <a:off x="779309" y="931072"/>
+            <a:ext cx="9935074" cy="4585419"/>
           </a:xfrm>
           <a:prstGeom prst="rect">
             <a:avLst/>
@@ -10333,7 +11674,7 @@
     </p:spTree>
     <p:extLst>
       <p:ext uri="{BB962C8B-B14F-4D97-AF65-F5344CB8AC3E}">
-        <p14:creationId xmlns:p14="http://schemas.microsoft.com/office/powerpoint/2010/main" val="4235103680"/>
+        <p14:creationId xmlns:p14="http://schemas.microsoft.com/office/powerpoint/2010/main" val="525927369"/>
       </p:ext>
     </p:extLst>
   </p:cSld>

--- a/LN.pptx
+++ b/LN.pptx
@@ -294,7 +294,7 @@
           <a:p>
             <a:fld id="{7A3DE233-11DC-485D-989D-2718DC0054F0}" type="datetimeFigureOut">
               <a:rPr lang="it-IT" smtClean="0"/>
-              <a:t>14/11/2021</a:t>
+              <a:t>15/11/2021</a:t>
             </a:fld>
             <a:endParaRPr lang="it-IT"/>
           </a:p>
@@ -492,7 +492,7 @@
           <a:p>
             <a:fld id="{7A3DE233-11DC-485D-989D-2718DC0054F0}" type="datetimeFigureOut">
               <a:rPr lang="it-IT" smtClean="0"/>
-              <a:t>14/11/2021</a:t>
+              <a:t>15/11/2021</a:t>
             </a:fld>
             <a:endParaRPr lang="it-IT"/>
           </a:p>
@@ -700,7 +700,7 @@
           <a:p>
             <a:fld id="{7A3DE233-11DC-485D-989D-2718DC0054F0}" type="datetimeFigureOut">
               <a:rPr lang="it-IT" smtClean="0"/>
-              <a:t>14/11/2021</a:t>
+              <a:t>15/11/2021</a:t>
             </a:fld>
             <a:endParaRPr lang="it-IT"/>
           </a:p>
@@ -898,7 +898,7 @@
           <a:p>
             <a:fld id="{7A3DE233-11DC-485D-989D-2718DC0054F0}" type="datetimeFigureOut">
               <a:rPr lang="it-IT" smtClean="0"/>
-              <a:t>14/11/2021</a:t>
+              <a:t>15/11/2021</a:t>
             </a:fld>
             <a:endParaRPr lang="it-IT"/>
           </a:p>
@@ -1173,7 +1173,7 @@
           <a:p>
             <a:fld id="{7A3DE233-11DC-485D-989D-2718DC0054F0}" type="datetimeFigureOut">
               <a:rPr lang="it-IT" smtClean="0"/>
-              <a:t>14/11/2021</a:t>
+              <a:t>15/11/2021</a:t>
             </a:fld>
             <a:endParaRPr lang="it-IT"/>
           </a:p>
@@ -1438,7 +1438,7 @@
           <a:p>
             <a:fld id="{7A3DE233-11DC-485D-989D-2718DC0054F0}" type="datetimeFigureOut">
               <a:rPr lang="it-IT" smtClean="0"/>
-              <a:t>14/11/2021</a:t>
+              <a:t>15/11/2021</a:t>
             </a:fld>
             <a:endParaRPr lang="it-IT"/>
           </a:p>
@@ -1850,7 +1850,7 @@
           <a:p>
             <a:fld id="{7A3DE233-11DC-485D-989D-2718DC0054F0}" type="datetimeFigureOut">
               <a:rPr lang="it-IT" smtClean="0"/>
-              <a:t>14/11/2021</a:t>
+              <a:t>15/11/2021</a:t>
             </a:fld>
             <a:endParaRPr lang="it-IT"/>
           </a:p>
@@ -1991,7 +1991,7 @@
           <a:p>
             <a:fld id="{7A3DE233-11DC-485D-989D-2718DC0054F0}" type="datetimeFigureOut">
               <a:rPr lang="it-IT" smtClean="0"/>
-              <a:t>14/11/2021</a:t>
+              <a:t>15/11/2021</a:t>
             </a:fld>
             <a:endParaRPr lang="it-IT"/>
           </a:p>
@@ -2104,7 +2104,7 @@
           <a:p>
             <a:fld id="{7A3DE233-11DC-485D-989D-2718DC0054F0}" type="datetimeFigureOut">
               <a:rPr lang="it-IT" smtClean="0"/>
-              <a:t>14/11/2021</a:t>
+              <a:t>15/11/2021</a:t>
             </a:fld>
             <a:endParaRPr lang="it-IT"/>
           </a:p>
@@ -2415,7 +2415,7 @@
           <a:p>
             <a:fld id="{7A3DE233-11DC-485D-989D-2718DC0054F0}" type="datetimeFigureOut">
               <a:rPr lang="it-IT" smtClean="0"/>
-              <a:t>14/11/2021</a:t>
+              <a:t>15/11/2021</a:t>
             </a:fld>
             <a:endParaRPr lang="it-IT"/>
           </a:p>
@@ -2703,7 +2703,7 @@
           <a:p>
             <a:fld id="{7A3DE233-11DC-485D-989D-2718DC0054F0}" type="datetimeFigureOut">
               <a:rPr lang="it-IT" smtClean="0"/>
-              <a:t>14/11/2021</a:t>
+              <a:t>15/11/2021</a:t>
             </a:fld>
             <a:endParaRPr lang="it-IT"/>
           </a:p>
@@ -2944,7 +2944,7 @@
           <a:p>
             <a:fld id="{7A3DE233-11DC-485D-989D-2718DC0054F0}" type="datetimeFigureOut">
               <a:rPr lang="it-IT" smtClean="0"/>
-              <a:t>14/11/2021</a:t>
+              <a:t>15/11/2021</a:t>
             </a:fld>
             <a:endParaRPr lang="it-IT"/>
           </a:p>
@@ -9834,12 +9834,14 @@
         </p:nvSpPr>
         <p:spPr>
           <a:xfrm>
-            <a:off x="305540" y="997258"/>
-            <a:ext cx="11048260" cy="3975795"/>
+            <a:off x="305540" y="1094983"/>
+            <a:ext cx="11048260" cy="5529421"/>
           </a:xfrm>
         </p:spPr>
         <p:txBody>
-          <a:bodyPr/>
+          <a:bodyPr>
+            <a:normAutofit/>
+          </a:bodyPr>
           <a:lstStyle/>
           <a:p>
             <a:pPr marL="0" indent="0">
@@ -9911,7 +9913,7 @@
             <a:pPr lvl="1"/>
             <a:r>
               <a:rPr lang="it-IT" dirty="0"/>
-              <a:t>Il 98.9% dei canali non hanno cambiato le </a:t>
+              <a:t>Il 98.9% dei nodi non hanno cambiato le </a:t>
             </a:r>
             <a:r>
               <a:rPr lang="it-IT" dirty="0" err="1"/>
@@ -9926,7 +9928,7 @@
             <a:pPr lvl="1"/>
             <a:r>
               <a:rPr lang="it-IT" dirty="0"/>
-              <a:t>Il 98.3% dei canali non hanno cambiato le </a:t>
+              <a:t>Il 98.3% dei nodi non hanno cambiato le </a:t>
             </a:r>
             <a:r>
               <a:rPr lang="it-IT" dirty="0" err="1"/>
@@ -9944,6 +9946,30 @@
               <a:rPr lang="it-IT" dirty="0" err="1"/>
               <a:t>min_htlc</a:t>
             </a:r>
+            <a:endParaRPr lang="it-IT" dirty="0"/>
+          </a:p>
+          <a:p>
+            <a:pPr marL="457200" lvl="1" indent="0">
+              <a:buNone/>
+            </a:pPr>
+            <a:endParaRPr lang="it-IT" dirty="0"/>
+          </a:p>
+          <a:p>
+            <a:pPr marL="457200" lvl="1" indent="0">
+              <a:buNone/>
+            </a:pPr>
+            <a:endParaRPr lang="it-IT" dirty="0"/>
+          </a:p>
+          <a:p>
+            <a:pPr marL="457200" lvl="1" indent="0">
+              <a:buNone/>
+            </a:pPr>
+            <a:endParaRPr lang="it-IT" u="sng" dirty="0"/>
+          </a:p>
+          <a:p>
+            <a:pPr marL="457200" lvl="1" indent="0">
+              <a:buNone/>
+            </a:pPr>
             <a:br>
               <a:rPr lang="it-IT" dirty="0"/>
             </a:br>

--- a/LN.pptx
+++ b/LN.pptx
@@ -40,7 +40,6 @@
     <p:sldId id="286" r:id="rId34"/>
     <p:sldId id="287" r:id="rId35"/>
     <p:sldId id="291" r:id="rId36"/>
-    <p:sldId id="292" r:id="rId37"/>
   </p:sldIdLst>
   <p:sldSz cx="12192000" cy="6858000"/>
   <p:notesSz cx="6858000" cy="9144000"/>
@@ -3418,15 +3417,45 @@
         </p:nvSpPr>
         <p:spPr>
           <a:xfrm>
-            <a:off x="349928" y="1013950"/>
-            <a:ext cx="11705948" cy="5582159"/>
+            <a:off x="216763" y="790114"/>
+            <a:ext cx="11705948" cy="5726096"/>
           </a:xfrm>
         </p:spPr>
         <p:txBody>
           <a:bodyPr>
-            <a:normAutofit/>
+            <a:normAutofit lnSpcReduction="10000"/>
           </a:bodyPr>
           <a:lstStyle/>
+          <a:p>
+            <a:pPr>
+              <a:buFont typeface="Wingdings" panose="05000000000000000000" pitchFamily="2" charset="2"/>
+              <a:buChar char="§"/>
+            </a:pPr>
+            <a:r>
+              <a:rPr lang="it-IT" sz="2500" dirty="0"/>
+              <a:t>Studio del dataset: suddivisione in due files distinti </a:t>
+            </a:r>
+            <a:r>
+              <a:rPr lang="it-IT" sz="2500" i="1" dirty="0" err="1"/>
+              <a:t>channels</a:t>
+            </a:r>
+            <a:r>
+              <a:rPr lang="it-IT" sz="2500" dirty="0"/>
+              <a:t> e </a:t>
+            </a:r>
+            <a:r>
+              <a:rPr lang="it-IT" sz="2500" i="1" dirty="0" err="1"/>
+              <a:t>nodes</a:t>
+            </a:r>
+            <a:r>
+              <a:rPr lang="it-IT" sz="2500" i="1" dirty="0"/>
+              <a:t>, </a:t>
+            </a:r>
+            <a:r>
+              <a:rPr lang="it-IT" sz="2500" dirty="0"/>
+              <a:t>utilizzati per la costruzione del grafo, filtrando i campi non utili ai fini delle analisi</a:t>
+            </a:r>
+          </a:p>
           <a:p>
             <a:pPr>
               <a:buFont typeface="Wingdings" panose="05000000000000000000" pitchFamily="2" charset="2"/>
@@ -3566,7 +3595,7 @@
             <a:pPr lvl="1"/>
             <a:r>
               <a:rPr lang="it-IT" sz="2500" dirty="0"/>
-              <a:t>ricerca dei nodi aggregatori</a:t>
+              <a:t>algoritmo per la ricerca dei nodi aggregatori</a:t>
             </a:r>
           </a:p>
           <a:p>
@@ -3613,11 +3642,11 @@
             </a:r>
             <a:r>
               <a:rPr lang="it-IT" sz="2500" i="1" dirty="0"/>
-              <a:t> </a:t>
+              <a:t> (</a:t>
             </a:r>
             <a:r>
               <a:rPr lang="it-IT" sz="2500" dirty="0"/>
-              <a:t>considerando solo i canali uscenti dai nodi aggregatori</a:t>
+              <a:t>considerando solo i canali uscenti dai nodi aggregatori)</a:t>
             </a:r>
           </a:p>
           <a:p>
@@ -6310,7 +6339,7 @@
         </p:spPr>
         <p:txBody>
           <a:bodyPr>
-            <a:normAutofit lnSpcReduction="10000"/>
+            <a:normAutofit fontScale="92500" lnSpcReduction="10000"/>
           </a:bodyPr>
           <a:lstStyle/>
           <a:p>
@@ -6330,6 +6359,7 @@
               <a:rPr lang="it-IT" sz="2500" dirty="0"/>
               <a:t> in grafo con eliminazione multielementi (per l’analisi di centralità)</a:t>
             </a:r>
+            <a:endParaRPr lang="it-IT" sz="2500" i="1" dirty="0"/>
           </a:p>
           <a:p>
             <a:pPr>
@@ -6338,7 +6368,7 @@
             </a:pPr>
             <a:r>
               <a:rPr lang="it-IT" sz="2500" i="1" dirty="0"/>
-              <a:t>Ricerca di </a:t>
+              <a:t>Analisi di </a:t>
             </a:r>
             <a:r>
               <a:rPr lang="it-IT" sz="2500" i="1" dirty="0">
@@ -6350,30 +6380,69 @@
                   </a:outerShdw>
                 </a:effectLst>
               </a:rPr>
-              <a:t>correlazioni</a:t>
+              <a:t>Centralità</a:t>
+            </a:r>
+            <a:r>
+              <a:rPr lang="it-IT" sz="2500" dirty="0"/>
+              <a:t>: </a:t>
+            </a:r>
+          </a:p>
+          <a:p>
+            <a:pPr lvl="1"/>
+            <a:r>
+              <a:rPr lang="it-IT" sz="2500" dirty="0"/>
+              <a:t>calcolo di </a:t>
+            </a:r>
+            <a:r>
+              <a:rPr lang="it-IT" sz="2500" i="1" dirty="0" err="1"/>
+              <a:t>betweenness</a:t>
+            </a:r>
+            <a:r>
+              <a:rPr lang="it-IT" sz="2500" dirty="0"/>
+              <a:t>, </a:t>
+            </a:r>
+            <a:r>
+              <a:rPr lang="it-IT" sz="2500" i="1" dirty="0" err="1"/>
+              <a:t>closeness</a:t>
+            </a:r>
+            <a:r>
+              <a:rPr lang="it-IT" sz="2500" dirty="0"/>
+              <a:t>, </a:t>
             </a:r>
             <a:r>
               <a:rPr lang="it-IT" sz="2500" i="1" dirty="0"/>
-              <a:t>:</a:t>
+              <a:t>degree</a:t>
+            </a:r>
+            <a:r>
+              <a:rPr lang="it-IT" sz="2500" dirty="0"/>
+              <a:t> e </a:t>
+            </a:r>
+            <a:r>
+              <a:rPr lang="it-IT" sz="2500" i="1" dirty="0" err="1"/>
+              <a:t>eigenvector</a:t>
+            </a:r>
+            <a:r>
+              <a:rPr lang="it-IT" sz="2500" i="1" dirty="0"/>
+              <a:t> </a:t>
+            </a:r>
+            <a:r>
+              <a:rPr lang="it-IT" sz="2500" i="1" dirty="0" err="1"/>
+              <a:t>centrality</a:t>
+            </a:r>
+            <a:r>
+              <a:rPr lang="it-IT" sz="2500" i="1" dirty="0"/>
+              <a:t>,</a:t>
+            </a:r>
+            <a:r>
+              <a:rPr lang="it-IT" sz="2500" dirty="0"/>
+              <a:t> e distribuzione dei valori di centralità in base al grado del nodo</a:t>
             </a:r>
           </a:p>
           <a:p>
             <a:pPr lvl="1"/>
             <a:r>
-              <a:rPr lang="it-IT" sz="2500" i="1" dirty="0"/>
-              <a:t>studio delle </a:t>
-            </a:r>
-            <a:r>
-              <a:rPr lang="it-IT" sz="2500" i="1" dirty="0" err="1"/>
-              <a:t>fee</a:t>
-            </a:r>
-            <a:r>
-              <a:rPr lang="it-IT" sz="2500" i="1" dirty="0"/>
-              <a:t> applicate dai nodi più centrali ai propri vicini</a:t>
-            </a:r>
-            <a:r>
               <a:rPr lang="it-IT" sz="2500" dirty="0"/>
-              <a:t>: ricerca di una correlazione tra il valore delle </a:t>
+              <a:t>individuazione dei nodi più centrali e studio delle </a:t>
             </a:r>
             <a:r>
               <a:rPr lang="it-IT" sz="2500" dirty="0" err="1"/>
@@ -6381,49 +6450,15 @@
             </a:r>
             <a:r>
               <a:rPr lang="it-IT" sz="2500" dirty="0"/>
-              <a:t> applicate e la centralità dei nodi vicini</a:t>
-            </a:r>
-          </a:p>
-          <a:p>
-            <a:pPr lvl="1"/>
-            <a:r>
-              <a:rPr lang="it-IT" sz="2500" i="1" dirty="0"/>
-              <a:t>studio delle </a:t>
+              <a:t> applicate dai 10 nodi più centrali sui propri canali: calcolo delle distribuzioni dei valori di </a:t>
             </a:r>
             <a:r>
               <a:rPr lang="it-IT" sz="2500" i="1" dirty="0" err="1"/>
-              <a:t>fee</a:t>
-            </a:r>
-            <a:r>
-              <a:rPr lang="it-IT" sz="2500" i="1" dirty="0"/>
-              <a:t> applicate dai nodi più centrali sui propri canali: </a:t>
+              <a:t>min_htlc</a:t>
             </a:r>
             <a:r>
               <a:rPr lang="it-IT" sz="2500" dirty="0"/>
-              <a:t>ricerca di una correlazione tra i valori delle </a:t>
-            </a:r>
-            <a:r>
-              <a:rPr lang="it-IT" sz="2500" dirty="0" err="1"/>
-              <a:t>fee</a:t>
-            </a:r>
-            <a:r>
-              <a:rPr lang="it-IT" sz="2500" dirty="0"/>
-              <a:t> e la capacità del canale su cui vengono applicate</a:t>
-            </a:r>
-          </a:p>
-          <a:p>
-            <a:pPr lvl="1"/>
-            <a:r>
-              <a:rPr lang="it-IT" sz="2500" i="1" dirty="0"/>
-              <a:t>Matrice di correlazione </a:t>
-            </a:r>
-            <a:r>
-              <a:rPr lang="it-IT" sz="2500" dirty="0"/>
-              <a:t>per individuare eventuali correlazioni tra tutte le possibili coppie di valori (</a:t>
-            </a:r>
-            <a:r>
-              <a:rPr lang="it-IT" sz="2500" i="1" dirty="0"/>
-              <a:t>ad esempio: valori di </a:t>
+              <a:t>, </a:t>
             </a:r>
             <a:r>
               <a:rPr lang="it-IT" sz="2500" i="1" dirty="0" err="1"/>
@@ -6431,7 +6466,11 @@
             </a:r>
             <a:r>
               <a:rPr lang="it-IT" sz="2500" i="1" dirty="0"/>
-              <a:t> e valori di </a:t>
+              <a:t> </a:t>
+            </a:r>
+            <a:r>
+              <a:rPr lang="it-IT" sz="2500" dirty="0"/>
+              <a:t>e </a:t>
             </a:r>
             <a:r>
               <a:rPr lang="it-IT" sz="2500" i="1" dirty="0" err="1"/>
@@ -6439,33 +6478,12 @@
             </a:r>
             <a:r>
               <a:rPr lang="it-IT" sz="2500" i="1" dirty="0"/>
-              <a:t>, valori di </a:t>
-            </a:r>
-            <a:r>
-              <a:rPr lang="it-IT" sz="2500" i="1" dirty="0" err="1"/>
-              <a:t>min_htlc</a:t>
-            </a:r>
-            <a:r>
-              <a:rPr lang="it-IT" sz="2500" i="1" dirty="0"/>
-              <a:t> e </a:t>
-            </a:r>
-            <a:r>
-              <a:rPr lang="it-IT" sz="2500" i="1" dirty="0" err="1"/>
-              <a:t>capacity_channel</a:t>
-            </a:r>
-            <a:r>
-              <a:rPr lang="it-IT" sz="2500" i="1" dirty="0"/>
-              <a:t>..</a:t>
+              <a:t> </a:t>
             </a:r>
             <a:r>
               <a:rPr lang="it-IT" sz="2500" dirty="0"/>
-              <a:t>)</a:t>
-            </a:r>
-            <a:endParaRPr lang="it-IT" sz="2500" i="1" dirty="0"/>
-          </a:p>
-          <a:p>
-            <a:pPr lvl="1"/>
-            <a:endParaRPr lang="it-IT" sz="2500" i="1" dirty="0"/>
+              <a:t>considerando solo i canali uscenti da essi</a:t>
+            </a:r>
           </a:p>
           <a:p>
             <a:pPr>
@@ -6474,7 +6492,7 @@
             </a:pPr>
             <a:r>
               <a:rPr lang="it-IT" sz="2500" i="1" dirty="0"/>
-              <a:t>Analisi di </a:t>
+              <a:t>Ricerca di </a:t>
             </a:r>
             <a:r>
               <a:rPr lang="it-IT" sz="2500" i="1" dirty="0">
@@ -6486,69 +6504,30 @@
                   </a:outerShdw>
                 </a:effectLst>
               </a:rPr>
-              <a:t>Centralità</a:t>
+              <a:t>correlazioni</a:t>
+            </a:r>
+            <a:r>
+              <a:rPr lang="it-IT" sz="2500" i="1" dirty="0"/>
+              <a:t>:</a:t>
+            </a:r>
+          </a:p>
+          <a:p>
+            <a:pPr lvl="1"/>
+            <a:r>
+              <a:rPr lang="it-IT" sz="2500" i="1" dirty="0"/>
+              <a:t>studio delle </a:t>
+            </a:r>
+            <a:r>
+              <a:rPr lang="it-IT" sz="2500" i="1" dirty="0" err="1"/>
+              <a:t>fee</a:t>
+            </a:r>
+            <a:r>
+              <a:rPr lang="it-IT" sz="2500" i="1" dirty="0"/>
+              <a:t> applicate dai nodi più centrali ai propri vicini</a:t>
             </a:r>
             <a:r>
               <a:rPr lang="it-IT" sz="2500" dirty="0"/>
-              <a:t>: </a:t>
-            </a:r>
-          </a:p>
-          <a:p>
-            <a:pPr lvl="1"/>
-            <a:r>
-              <a:rPr lang="it-IT" sz="2500" dirty="0"/>
-              <a:t>calcolo di </a:t>
-            </a:r>
-            <a:r>
-              <a:rPr lang="it-IT" sz="2500" i="1" dirty="0" err="1"/>
-              <a:t>betweenness</a:t>
-            </a:r>
-            <a:r>
-              <a:rPr lang="it-IT" sz="2500" dirty="0"/>
-              <a:t>, </a:t>
-            </a:r>
-            <a:r>
-              <a:rPr lang="it-IT" sz="2500" i="1" dirty="0" err="1"/>
-              <a:t>closeness</a:t>
-            </a:r>
-            <a:r>
-              <a:rPr lang="it-IT" sz="2500" dirty="0"/>
-              <a:t>, </a:t>
-            </a:r>
-            <a:r>
-              <a:rPr lang="it-IT" sz="2500" i="1" dirty="0"/>
-              <a:t>degree</a:t>
-            </a:r>
-            <a:r>
-              <a:rPr lang="it-IT" sz="2500" dirty="0"/>
-              <a:t> e </a:t>
-            </a:r>
-            <a:r>
-              <a:rPr lang="it-IT" sz="2500" i="1" dirty="0" err="1"/>
-              <a:t>eigenvector</a:t>
-            </a:r>
-            <a:r>
-              <a:rPr lang="it-IT" sz="2500" i="1" dirty="0"/>
-              <a:t> </a:t>
-            </a:r>
-            <a:r>
-              <a:rPr lang="it-IT" sz="2500" i="1" dirty="0" err="1"/>
-              <a:t>centrality</a:t>
-            </a:r>
-            <a:r>
-              <a:rPr lang="it-IT" sz="2500" i="1" dirty="0"/>
-              <a:t>,</a:t>
-            </a:r>
-            <a:r>
-              <a:rPr lang="it-IT" sz="2500" dirty="0"/>
-              <a:t>  e distribuzione dei valori di centralità in base al grado del nodo</a:t>
-            </a:r>
-          </a:p>
-          <a:p>
-            <a:pPr lvl="1"/>
-            <a:r>
-              <a:rPr lang="it-IT" sz="2500" dirty="0"/>
-              <a:t>individuazione dei nodi più centrali e studio delle </a:t>
+              <a:t>: ricerca di una correlazione tra il valore delle </a:t>
             </a:r>
             <a:r>
               <a:rPr lang="it-IT" sz="2500" dirty="0" err="1"/>
@@ -6556,40 +6535,112 @@
             </a:r>
             <a:r>
               <a:rPr lang="it-IT" sz="2500" dirty="0"/>
-              <a:t> applicate dai 10 nodi più centrali sui propri canali: calcolo delle distribuzioni dei valori di </a:t>
+              <a:t> applicate e la centralità dei nodi vicini</a:t>
+            </a:r>
+          </a:p>
+          <a:p>
+            <a:pPr lvl="1"/>
+            <a:r>
+              <a:rPr lang="it-IT" sz="2500" i="1" dirty="0"/>
+              <a:t>studio delle </a:t>
+            </a:r>
+            <a:r>
+              <a:rPr lang="it-IT" sz="2500" i="1" dirty="0" err="1"/>
+              <a:t>fee</a:t>
+            </a:r>
+            <a:r>
+              <a:rPr lang="it-IT" sz="2500" i="1" dirty="0"/>
+              <a:t> applicate dai nodi più centrali sui propri canali: </a:t>
+            </a:r>
+            <a:r>
+              <a:rPr lang="it-IT" sz="2500" dirty="0"/>
+              <a:t>ricerca di una correlazione tra i valori delle </a:t>
+            </a:r>
+            <a:r>
+              <a:rPr lang="it-IT" sz="2500" dirty="0" err="1"/>
+              <a:t>fee</a:t>
+            </a:r>
+            <a:r>
+              <a:rPr lang="it-IT" sz="2500" dirty="0"/>
+              <a:t> e la capacità del canale su cui vengono applicate</a:t>
+            </a:r>
+          </a:p>
+          <a:p>
+            <a:pPr marL="457200" lvl="1" indent="0">
+              <a:buNone/>
+            </a:pPr>
+            <a:r>
+              <a:rPr lang="it-IT" sz="1700" i="1" dirty="0"/>
+              <a:t>(per i due studi precedenti ho usato i nodi più centrali secondo la </a:t>
+            </a:r>
+            <a:r>
+              <a:rPr lang="it-IT" sz="1700" i="1" dirty="0" err="1"/>
+              <a:t>closeness</a:t>
+            </a:r>
+            <a:r>
+              <a:rPr lang="it-IT" sz="1700" i="1" dirty="0"/>
+              <a:t> </a:t>
+            </a:r>
+            <a:r>
+              <a:rPr lang="it-IT" sz="1700" i="1" dirty="0" err="1"/>
+              <a:t>centrality</a:t>
+            </a:r>
+            <a:r>
+              <a:rPr lang="it-IT" sz="1700" i="1" dirty="0"/>
+              <a:t>- poiché la distribuzione era l’unica ad avere un andamento che si discostava da quello delle altre tre centralità)</a:t>
+            </a:r>
+          </a:p>
+          <a:p>
+            <a:pPr lvl="1"/>
+            <a:r>
+              <a:rPr lang="it-IT" sz="2500" i="1" dirty="0"/>
+              <a:t>Matrice di correlazione </a:t>
+            </a:r>
+            <a:r>
+              <a:rPr lang="it-IT" sz="2500" dirty="0"/>
+              <a:t>per individuare eventuali correlazioni tra tutte le possibili coppie di valori (</a:t>
+            </a:r>
+            <a:r>
+              <a:rPr lang="it-IT" sz="2500" i="1" dirty="0"/>
+              <a:t>ad esempio: valori di </a:t>
+            </a:r>
+            <a:r>
+              <a:rPr lang="it-IT" sz="2500" i="1" dirty="0" err="1"/>
+              <a:t>fee_base</a:t>
+            </a:r>
+            <a:r>
+              <a:rPr lang="it-IT" sz="2500" i="1" dirty="0"/>
+              <a:t> e valori di </a:t>
+            </a:r>
+            <a:r>
+              <a:rPr lang="it-IT" sz="2500" i="1" dirty="0" err="1"/>
+              <a:t>fee_rate</a:t>
+            </a:r>
+            <a:r>
+              <a:rPr lang="it-IT" sz="2500" i="1" dirty="0"/>
+              <a:t>, valori di </a:t>
             </a:r>
             <a:r>
               <a:rPr lang="it-IT" sz="2500" i="1" dirty="0" err="1"/>
               <a:t>min_htlc</a:t>
             </a:r>
             <a:r>
+              <a:rPr lang="it-IT" sz="2500" i="1" dirty="0"/>
+              <a:t> e </a:t>
+            </a:r>
+            <a:r>
+              <a:rPr lang="it-IT" sz="2500" i="1" dirty="0" err="1"/>
+              <a:t>capacity_channel</a:t>
+            </a:r>
+            <a:r>
+              <a:rPr lang="it-IT" sz="2500" i="1" dirty="0"/>
+              <a:t>..</a:t>
+            </a:r>
+            <a:r>
               <a:rPr lang="it-IT" sz="2500" dirty="0"/>
-              <a:t>, </a:t>
-            </a:r>
-            <a:r>
-              <a:rPr lang="it-IT" sz="2500" i="1" dirty="0" err="1"/>
-              <a:t>fee_base</a:t>
-            </a:r>
-            <a:r>
-              <a:rPr lang="it-IT" sz="2500" i="1" dirty="0"/>
-              <a:t> </a:t>
-            </a:r>
-            <a:r>
-              <a:rPr lang="it-IT" sz="2500" dirty="0"/>
-              <a:t>e </a:t>
-            </a:r>
-            <a:r>
-              <a:rPr lang="it-IT" sz="2500" i="1" dirty="0" err="1"/>
-              <a:t>fee_rate</a:t>
-            </a:r>
-            <a:r>
-              <a:rPr lang="it-IT" sz="2500" i="1" dirty="0"/>
-              <a:t> </a:t>
-            </a:r>
-            <a:r>
-              <a:rPr lang="it-IT" sz="2500" dirty="0"/>
-              <a:t>considerando solo i canali uscenti da essi</a:t>
-            </a:r>
+              <a:t>)</a:t>
+            </a:r>
+            <a:endParaRPr lang="it-IT" sz="2500" i="1" dirty="0"/>
           </a:p>
           <a:p>
             <a:pPr marL="457200" lvl="1" indent="0">
@@ -9693,7 +9744,7 @@
         </p:nvSpPr>
         <p:spPr>
           <a:xfrm>
-            <a:off x="838199" y="794333"/>
+            <a:off x="257174" y="18255"/>
             <a:ext cx="10515600" cy="1325563"/>
           </a:xfrm>
         </p:spPr>
@@ -9717,10 +9768,10 @@
       </p:sp>
       <p:pic>
         <p:nvPicPr>
-          <p:cNvPr id="4" name="Segnaposto contenuto 3">
-            <a:extLst>
-              <a:ext uri="{FF2B5EF4-FFF2-40B4-BE49-F238E27FC236}">
-                <a16:creationId xmlns:a16="http://schemas.microsoft.com/office/drawing/2014/main" id="{CDA94C53-0B65-42C2-9620-03BE4BDA6DE2}"/>
+          <p:cNvPr id="7" name="Segnaposto contenuto 6" descr="Immagine che contiene tavolo&#10;&#10;Descrizione generata automaticamente">
+            <a:extLst>
+              <a:ext uri="{FF2B5EF4-FFF2-40B4-BE49-F238E27FC236}">
+                <a16:creationId xmlns:a16="http://schemas.microsoft.com/office/drawing/2014/main" id="{AA39FEFF-7EEA-4D7B-834D-A7C07001D72D}"/>
               </a:ext>
             </a:extLst>
           </p:cNvPr>
@@ -9732,19 +9783,22 @@
           </p:nvPr>
         </p:nvPicPr>
         <p:blipFill>
-          <a:blip r:embed="rId2"/>
+          <a:blip r:embed="rId2">
+            <a:extLst>
+              <a:ext uri="{28A0092B-C50C-407E-A947-70E740481C1C}">
+                <a14:useLocalDpi xmlns:a14="http://schemas.microsoft.com/office/drawing/2010/main" val="0"/>
+              </a:ext>
+            </a:extLst>
+          </a:blip>
           <a:stretch>
             <a:fillRect/>
           </a:stretch>
         </p:blipFill>
         <p:spPr>
           <a:xfrm>
-            <a:off x="1464747" y="2204462"/>
-            <a:ext cx="9262503" cy="2777494"/>
+            <a:off x="1835348" y="827087"/>
+            <a:ext cx="8521304" cy="5680869"/>
           </a:xfrm>
-          <a:prstGeom prst="rect">
-            <a:avLst/>
-          </a:prstGeom>
         </p:spPr>
       </p:pic>
     </p:spTree>
@@ -9981,86 +10035,6 @@
     <p:extLst>
       <p:ext uri="{BB962C8B-B14F-4D97-AF65-F5344CB8AC3E}">
         <p14:creationId xmlns:p14="http://schemas.microsoft.com/office/powerpoint/2010/main" val="2990119941"/>
-      </p:ext>
-    </p:extLst>
-  </p:cSld>
-  <p:clrMapOvr>
-    <a:masterClrMapping/>
-  </p:clrMapOvr>
-</p:sld>
-</file>
-
-<file path=ppt/slides/slide36.xml><?xml version="1.0" encoding="utf-8"?>
-<p:sld xmlns:a="http://schemas.openxmlformats.org/drawingml/2006/main" xmlns:r="http://schemas.openxmlformats.org/officeDocument/2006/relationships" xmlns:p="http://schemas.openxmlformats.org/presentationml/2006/main">
-  <p:cSld>
-    <p:spTree>
-      <p:nvGrpSpPr>
-        <p:cNvPr id="1" name=""/>
-        <p:cNvGrpSpPr/>
-        <p:nvPr/>
-      </p:nvGrpSpPr>
-      <p:grpSpPr>
-        <a:xfrm>
-          <a:off x="0" y="0"/>
-          <a:ext cx="0" cy="0"/>
-          <a:chOff x="0" y="0"/>
-          <a:chExt cx="0" cy="0"/>
-        </a:xfrm>
-      </p:grpSpPr>
-      <p:sp>
-        <p:nvSpPr>
-          <p:cNvPr id="2" name="Titolo 1">
-            <a:extLst>
-              <a:ext uri="{FF2B5EF4-FFF2-40B4-BE49-F238E27FC236}">
-                <a16:creationId xmlns:a16="http://schemas.microsoft.com/office/drawing/2014/main" id="{DE789CEA-F290-404A-BE19-A05C5BFD6FB1}"/>
-              </a:ext>
-            </a:extLst>
-          </p:cNvPr>
-          <p:cNvSpPr>
-            <a:spLocks noGrp="1"/>
-          </p:cNvSpPr>
-          <p:nvPr>
-            <p:ph type="title"/>
-          </p:nvPr>
-        </p:nvSpPr>
-        <p:spPr/>
-        <p:txBody>
-          <a:bodyPr/>
-          <a:lstStyle/>
-          <a:p>
-            <a:endParaRPr lang="it-IT"/>
-          </a:p>
-        </p:txBody>
-      </p:sp>
-      <p:sp>
-        <p:nvSpPr>
-          <p:cNvPr id="3" name="Segnaposto contenuto 2">
-            <a:extLst>
-              <a:ext uri="{FF2B5EF4-FFF2-40B4-BE49-F238E27FC236}">
-                <a16:creationId xmlns:a16="http://schemas.microsoft.com/office/drawing/2014/main" id="{64163237-47FE-4B14-BF94-DC54F844AB5A}"/>
-              </a:ext>
-            </a:extLst>
-          </p:cNvPr>
-          <p:cNvSpPr>
-            <a:spLocks noGrp="1"/>
-          </p:cNvSpPr>
-          <p:nvPr>
-            <p:ph idx="1"/>
-          </p:nvPr>
-        </p:nvSpPr>
-        <p:spPr/>
-        <p:txBody>
-          <a:bodyPr/>
-          <a:lstStyle/>
-          <a:p>
-            <a:endParaRPr lang="it-IT"/>
-          </a:p>
-        </p:txBody>
-      </p:sp>
-    </p:spTree>
-    <p:extLst>
-      <p:ext uri="{BB962C8B-B14F-4D97-AF65-F5344CB8AC3E}">
-        <p14:creationId xmlns:p14="http://schemas.microsoft.com/office/powerpoint/2010/main" val="1526653117"/>
       </p:ext>
     </p:extLst>
   </p:cSld>

--- a/LN.pptx
+++ b/LN.pptx
@@ -3417,7 +3417,7 @@
         </p:nvSpPr>
         <p:spPr>
           <a:xfrm>
-            <a:off x="216763" y="790114"/>
+            <a:off x="216763" y="1007617"/>
             <a:ext cx="11705948" cy="5726096"/>
           </a:xfrm>
         </p:spPr>
@@ -8580,15 +8580,7 @@
           <a:p>
             <a:r>
               <a:rPr lang="it-IT" dirty="0"/>
-              <a:t>La percentuale canali su cui è consentito in una sola direzione </a:t>
-            </a:r>
-            <a:r>
-              <a:rPr lang="it-IT"/>
-              <a:t>è del  </a:t>
-            </a:r>
-            <a:r>
-              <a:rPr lang="it-IT" dirty="0"/>
-              <a:t>28 %.</a:t>
+              <a:t>La percentuale canali su cui è consentito in una sola direzione è del  28 %.</a:t>
             </a:r>
           </a:p>
         </p:txBody>
